--- a/01 Classes/Aula 10 Desenvolvimento Web PHP - JS.pptx
+++ b/01 Classes/Aula 10 Desenvolvimento Web PHP - JS.pptx
@@ -6090,12 +6090,22 @@
                 <a:latin typeface="Times New Roman" panose="02020603050405020304" pitchFamily="18" charset="0"/>
                 <a:cs typeface="Times New Roman" panose="02020603050405020304" pitchFamily="18" charset="0"/>
               </a:rPr>
-              <a:t>		//</a:t>
+              <a:t>		</a:t>
+            </a:r>
+            <a:r>
+              <a:rPr lang="pt-BR" sz="2400" b="1" dirty="0">
+                <a:solidFill>
+                  <a:srgbClr val="FF0000"/>
+                </a:solidFill>
+                <a:latin typeface="Times New Roman" panose="02020603050405020304" pitchFamily="18" charset="0"/>
+                <a:cs typeface="Times New Roman" panose="02020603050405020304" pitchFamily="18" charset="0"/>
+              </a:rPr>
+              <a:t>//</a:t>
             </a:r>
             <a:r>
               <a:rPr lang="pt-BR" sz="2400" b="1" dirty="0" err="1">
                 <a:solidFill>
-                  <a:schemeClr val="tx1"/>
+                  <a:srgbClr val="FF0000"/>
                 </a:solidFill>
                 <a:latin typeface="Times New Roman" panose="02020603050405020304" pitchFamily="18" charset="0"/>
                 <a:cs typeface="Times New Roman" panose="02020603050405020304" pitchFamily="18" charset="0"/>
@@ -6778,7 +6788,23 @@
                   <a:srgbClr val="0070C0"/>
                 </a:solidFill>
               </a:rPr>
-              <a:t> Outros</a:t>
+              <a:t> </a:t>
+            </a:r>
+            <a:r>
+              <a:rPr lang="en-US" b="1" dirty="0" err="1">
+                <a:solidFill>
+                  <a:srgbClr val="0070C0"/>
+                </a:solidFill>
+              </a:rPr>
+              <a:t>Página</a:t>
+            </a:r>
+            <a:r>
+              <a:rPr lang="en-US" b="1" dirty="0">
+                <a:solidFill>
+                  <a:srgbClr val="0070C0"/>
+                </a:solidFill>
+              </a:rPr>
+              <a:t> Web</a:t>
             </a:r>
           </a:p>
         </p:txBody>
@@ -6869,6 +6895,26 @@
               <a:t>    </a:t>
             </a:r>
             <a:r>
+              <a:rPr lang="pt-BR" sz="2400" b="1" dirty="0" err="1">
+                <a:solidFill>
+                  <a:srgbClr val="FF0000"/>
+                </a:solidFill>
+                <a:latin typeface="Times New Roman" panose="02020603050405020304" pitchFamily="18" charset="0"/>
+                <a:cs typeface="Times New Roman" panose="02020603050405020304" pitchFamily="18" charset="0"/>
+              </a:rPr>
+              <a:t>onload</a:t>
+            </a:r>
+            <a:r>
+              <a:rPr lang="pt-BR" sz="2400" dirty="0">
+                <a:solidFill>
+                  <a:schemeClr val="tx1"/>
+                </a:solidFill>
+                <a:latin typeface="Times New Roman" panose="02020603050405020304" pitchFamily="18" charset="0"/>
+                <a:cs typeface="Times New Roman" panose="02020603050405020304" pitchFamily="18" charset="0"/>
+              </a:rPr>
+              <a:t>="</a:t>
+            </a:r>
+            <a:r>
               <a:rPr lang="pt-BR" sz="2400" dirty="0" err="1">
                 <a:solidFill>
                   <a:schemeClr val="tx1"/>
@@ -6876,7 +6922,7 @@
                 <a:latin typeface="Times New Roman" panose="02020603050405020304" pitchFamily="18" charset="0"/>
                 <a:cs typeface="Times New Roman" panose="02020603050405020304" pitchFamily="18" charset="0"/>
               </a:rPr>
-              <a:t>onload</a:t>
+              <a:t>alert</a:t>
             </a:r>
             <a:r>
               <a:rPr lang="pt-BR" sz="2400" dirty="0">
@@ -6886,18 +6932,13 @@
                 <a:latin typeface="Times New Roman" panose="02020603050405020304" pitchFamily="18" charset="0"/>
                 <a:cs typeface="Times New Roman" panose="02020603050405020304" pitchFamily="18" charset="0"/>
               </a:rPr>
-              <a:t>="</a:t>
-            </a:r>
-            <a:r>
-              <a:rPr lang="pt-BR" sz="2400" dirty="0" err="1">
-                <a:solidFill>
-                  <a:schemeClr val="tx1"/>
-                </a:solidFill>
-                <a:latin typeface="Times New Roman" panose="02020603050405020304" pitchFamily="18" charset="0"/>
-                <a:cs typeface="Times New Roman" panose="02020603050405020304" pitchFamily="18" charset="0"/>
-              </a:rPr>
-              <a:t>alert</a:t>
-            </a:r>
+              <a:t>('Página terminou de carregar!!!')"</a:t>
+            </a:r>
+          </a:p>
+          <a:p>
+            <a:pPr marL="0" indent="0" algn="just">
+              <a:buNone/>
+            </a:pPr>
             <a:r>
               <a:rPr lang="pt-BR" sz="2400" dirty="0">
                 <a:solidFill>
@@ -6906,27 +6947,12 @@
                 <a:latin typeface="Times New Roman" panose="02020603050405020304" pitchFamily="18" charset="0"/>
                 <a:cs typeface="Times New Roman" panose="02020603050405020304" pitchFamily="18" charset="0"/>
               </a:rPr>
-              <a:t>('Página terminou de carregar!!!')"</a:t>
-            </a:r>
-          </a:p>
-          <a:p>
-            <a:pPr marL="0" indent="0" algn="just">
-              <a:buNone/>
-            </a:pPr>
-            <a:r>
-              <a:rPr lang="pt-BR" sz="2400" dirty="0">
-                <a:solidFill>
-                  <a:schemeClr val="tx1"/>
-                </a:solidFill>
-                <a:latin typeface="Times New Roman" panose="02020603050405020304" pitchFamily="18" charset="0"/>
-                <a:cs typeface="Times New Roman" panose="02020603050405020304" pitchFamily="18" charset="0"/>
-              </a:rPr>
               <a:t>    </a:t>
             </a:r>
             <a:r>
-              <a:rPr lang="pt-BR" sz="2400" dirty="0" err="1">
-                <a:solidFill>
-                  <a:schemeClr val="tx1"/>
+              <a:rPr lang="pt-BR" sz="2400" b="1" dirty="0" err="1">
+                <a:solidFill>
+                  <a:srgbClr val="FF0000"/>
                 </a:solidFill>
                 <a:latin typeface="Times New Roman" panose="02020603050405020304" pitchFamily="18" charset="0"/>
                 <a:cs typeface="Times New Roman" panose="02020603050405020304" pitchFamily="18" charset="0"/>
@@ -7407,6 +7433,26 @@
               <a:t>	</a:t>
             </a:r>
             <a:r>
+              <a:rPr lang="pt-BR" sz="2400" b="1" dirty="0" err="1">
+                <a:solidFill>
+                  <a:srgbClr val="FF0000"/>
+                </a:solidFill>
+                <a:latin typeface="Times New Roman" panose="02020603050405020304" pitchFamily="18" charset="0"/>
+                <a:cs typeface="Times New Roman" panose="02020603050405020304" pitchFamily="18" charset="0"/>
+              </a:rPr>
+              <a:t>onmouseover</a:t>
+            </a:r>
+            <a:r>
+              <a:rPr lang="pt-BR" sz="2400" dirty="0">
+                <a:solidFill>
+                  <a:schemeClr val="tx1"/>
+                </a:solidFill>
+                <a:latin typeface="Times New Roman" panose="02020603050405020304" pitchFamily="18" charset="0"/>
+                <a:cs typeface="Times New Roman" panose="02020603050405020304" pitchFamily="18" charset="0"/>
+              </a:rPr>
+              <a:t>="</a:t>
+            </a:r>
+            <a:r>
               <a:rPr lang="pt-BR" sz="2400" dirty="0" err="1">
                 <a:solidFill>
                   <a:schemeClr val="tx1"/>
@@ -7414,7 +7460,7 @@
                 <a:latin typeface="Times New Roman" panose="02020603050405020304" pitchFamily="18" charset="0"/>
                 <a:cs typeface="Times New Roman" panose="02020603050405020304" pitchFamily="18" charset="0"/>
               </a:rPr>
-              <a:t>onmouseover</a:t>
+              <a:t>corVerdeMouseOver</a:t>
             </a:r>
             <a:r>
               <a:rPr lang="pt-BR" sz="2400" dirty="0">
@@ -7424,6 +7470,26 @@
                 <a:latin typeface="Times New Roman" panose="02020603050405020304" pitchFamily="18" charset="0"/>
                 <a:cs typeface="Times New Roman" panose="02020603050405020304" pitchFamily="18" charset="0"/>
               </a:rPr>
+              <a:t>()“ 	</a:t>
+            </a:r>
+            <a:r>
+              <a:rPr lang="pt-BR" sz="2400" b="1" dirty="0" err="1">
+                <a:solidFill>
+                  <a:srgbClr val="FF0000"/>
+                </a:solidFill>
+                <a:latin typeface="Times New Roman" panose="02020603050405020304" pitchFamily="18" charset="0"/>
+                <a:cs typeface="Times New Roman" panose="02020603050405020304" pitchFamily="18" charset="0"/>
+              </a:rPr>
+              <a:t>onmouseout</a:t>
+            </a:r>
+            <a:r>
+              <a:rPr lang="pt-BR" sz="2400" dirty="0">
+                <a:solidFill>
+                  <a:schemeClr val="tx1"/>
+                </a:solidFill>
+                <a:latin typeface="Times New Roman" panose="02020603050405020304" pitchFamily="18" charset="0"/>
+                <a:cs typeface="Times New Roman" panose="02020603050405020304" pitchFamily="18" charset="0"/>
+              </a:rPr>
               <a:t>="</a:t>
             </a:r>
             <a:r>
@@ -7434,7 +7500,7 @@
                 <a:latin typeface="Times New Roman" panose="02020603050405020304" pitchFamily="18" charset="0"/>
                 <a:cs typeface="Times New Roman" panose="02020603050405020304" pitchFamily="18" charset="0"/>
               </a:rPr>
-              <a:t>corVerdeMouseOver</a:t>
+              <a:t>corAzulMouseOut</a:t>
             </a:r>
             <a:r>
               <a:rPr lang="pt-BR" sz="2400" dirty="0">
@@ -7444,7 +7510,27 @@
                 <a:latin typeface="Times New Roman" panose="02020603050405020304" pitchFamily="18" charset="0"/>
                 <a:cs typeface="Times New Roman" panose="02020603050405020304" pitchFamily="18" charset="0"/>
               </a:rPr>
-              <a:t>()“ 	</a:t>
+              <a:t>()“       	</a:t>
+            </a:r>
+            <a:r>
+              <a:rPr lang="pt-BR" sz="2400" b="1" dirty="0" err="1">
+                <a:solidFill>
+                  <a:srgbClr val="FF0000"/>
+                </a:solidFill>
+                <a:latin typeface="Times New Roman" panose="02020603050405020304" pitchFamily="18" charset="0"/>
+                <a:cs typeface="Times New Roman" panose="02020603050405020304" pitchFamily="18" charset="0"/>
+              </a:rPr>
+              <a:t>onmousemove</a:t>
+            </a:r>
+            <a:r>
+              <a:rPr lang="pt-BR" sz="2400" dirty="0">
+                <a:solidFill>
+                  <a:schemeClr val="tx1"/>
+                </a:solidFill>
+                <a:latin typeface="Times New Roman" panose="02020603050405020304" pitchFamily="18" charset="0"/>
+                <a:cs typeface="Times New Roman" panose="02020603050405020304" pitchFamily="18" charset="0"/>
+              </a:rPr>
+              <a:t>="</a:t>
             </a:r>
             <a:r>
               <a:rPr lang="pt-BR" sz="2400" dirty="0" err="1">
@@ -7454,7 +7540,7 @@
                 <a:latin typeface="Times New Roman" panose="02020603050405020304" pitchFamily="18" charset="0"/>
                 <a:cs typeface="Times New Roman" panose="02020603050405020304" pitchFamily="18" charset="0"/>
               </a:rPr>
-              <a:t>onmouseout</a:t>
+              <a:t>adicionaTextoMouseMove</a:t>
             </a:r>
             <a:r>
               <a:rPr lang="pt-BR" sz="2400" dirty="0">
@@ -7464,6 +7550,41 @@
                 <a:latin typeface="Times New Roman" panose="02020603050405020304" pitchFamily="18" charset="0"/>
                 <a:cs typeface="Times New Roman" panose="02020603050405020304" pitchFamily="18" charset="0"/>
               </a:rPr>
+              <a:t>()"</a:t>
+            </a:r>
+          </a:p>
+          <a:p>
+            <a:pPr marL="0" indent="0" algn="just">
+              <a:buNone/>
+            </a:pPr>
+            <a:r>
+              <a:rPr lang="pt-BR" sz="2400" dirty="0">
+                <a:solidFill>
+                  <a:schemeClr val="tx1"/>
+                </a:solidFill>
+                <a:latin typeface="Times New Roman" panose="02020603050405020304" pitchFamily="18" charset="0"/>
+                <a:cs typeface="Times New Roman" panose="02020603050405020304" pitchFamily="18" charset="0"/>
+              </a:rPr>
+              <a:t>	</a:t>
+            </a:r>
+            <a:r>
+              <a:rPr lang="pt-BR" sz="2400" b="1" dirty="0" err="1">
+                <a:solidFill>
+                  <a:srgbClr val="FF0000"/>
+                </a:solidFill>
+                <a:latin typeface="Times New Roman" panose="02020603050405020304" pitchFamily="18" charset="0"/>
+                <a:cs typeface="Times New Roman" panose="02020603050405020304" pitchFamily="18" charset="0"/>
+              </a:rPr>
+              <a:t>onmousedown</a:t>
+            </a:r>
+            <a:r>
+              <a:rPr lang="pt-BR" sz="2400" dirty="0">
+                <a:solidFill>
+                  <a:schemeClr val="tx1"/>
+                </a:solidFill>
+                <a:latin typeface="Times New Roman" panose="02020603050405020304" pitchFamily="18" charset="0"/>
+                <a:cs typeface="Times New Roman" panose="02020603050405020304" pitchFamily="18" charset="0"/>
+              </a:rPr>
               <a:t>="</a:t>
             </a:r>
             <a:r>
@@ -7474,7 +7595,7 @@
                 <a:latin typeface="Times New Roman" panose="02020603050405020304" pitchFamily="18" charset="0"/>
                 <a:cs typeface="Times New Roman" panose="02020603050405020304" pitchFamily="18" charset="0"/>
               </a:rPr>
-              <a:t>corAzulMouseOut</a:t>
+              <a:t>corAzulMouseDown</a:t>
             </a:r>
             <a:r>
               <a:rPr lang="pt-BR" sz="2400" dirty="0">
@@ -7484,107 +7605,12 @@
                 <a:latin typeface="Times New Roman" panose="02020603050405020304" pitchFamily="18" charset="0"/>
                 <a:cs typeface="Times New Roman" panose="02020603050405020304" pitchFamily="18" charset="0"/>
               </a:rPr>
-              <a:t>()“       	</a:t>
-            </a:r>
-            <a:r>
-              <a:rPr lang="pt-BR" sz="2400" dirty="0" err="1">
-                <a:solidFill>
-                  <a:schemeClr val="tx1"/>
-                </a:solidFill>
-                <a:latin typeface="Times New Roman" panose="02020603050405020304" pitchFamily="18" charset="0"/>
-                <a:cs typeface="Times New Roman" panose="02020603050405020304" pitchFamily="18" charset="0"/>
-              </a:rPr>
-              <a:t>onmousemove</a:t>
-            </a:r>
-            <a:r>
-              <a:rPr lang="pt-BR" sz="2400" dirty="0">
-                <a:solidFill>
-                  <a:schemeClr val="tx1"/>
-                </a:solidFill>
-                <a:latin typeface="Times New Roman" panose="02020603050405020304" pitchFamily="18" charset="0"/>
-                <a:cs typeface="Times New Roman" panose="02020603050405020304" pitchFamily="18" charset="0"/>
-              </a:rPr>
-              <a:t>="</a:t>
-            </a:r>
-            <a:r>
-              <a:rPr lang="pt-BR" sz="2400" dirty="0" err="1">
-                <a:solidFill>
-                  <a:schemeClr val="tx1"/>
-                </a:solidFill>
-                <a:latin typeface="Times New Roman" panose="02020603050405020304" pitchFamily="18" charset="0"/>
-                <a:cs typeface="Times New Roman" panose="02020603050405020304" pitchFamily="18" charset="0"/>
-              </a:rPr>
-              <a:t>adicionaTextoMouseMove</a:t>
-            </a:r>
-            <a:r>
-              <a:rPr lang="pt-BR" sz="2400" dirty="0">
-                <a:solidFill>
-                  <a:schemeClr val="tx1"/>
-                </a:solidFill>
-                <a:latin typeface="Times New Roman" panose="02020603050405020304" pitchFamily="18" charset="0"/>
-                <a:cs typeface="Times New Roman" panose="02020603050405020304" pitchFamily="18" charset="0"/>
-              </a:rPr>
-              <a:t>()"</a:t>
-            </a:r>
-          </a:p>
-          <a:p>
-            <a:pPr marL="0" indent="0" algn="just">
-              <a:buNone/>
-            </a:pPr>
-            <a:r>
-              <a:rPr lang="pt-BR" sz="2400" dirty="0">
-                <a:solidFill>
-                  <a:schemeClr val="tx1"/>
-                </a:solidFill>
-                <a:latin typeface="Times New Roman" panose="02020603050405020304" pitchFamily="18" charset="0"/>
-                <a:cs typeface="Times New Roman" panose="02020603050405020304" pitchFamily="18" charset="0"/>
-              </a:rPr>
-              <a:t>	</a:t>
-            </a:r>
-            <a:r>
-              <a:rPr lang="pt-BR" sz="2400" dirty="0" err="1">
-                <a:solidFill>
-                  <a:schemeClr val="tx1"/>
-                </a:solidFill>
-                <a:latin typeface="Times New Roman" panose="02020603050405020304" pitchFamily="18" charset="0"/>
-                <a:cs typeface="Times New Roman" panose="02020603050405020304" pitchFamily="18" charset="0"/>
-              </a:rPr>
-              <a:t>onmousedown</a:t>
-            </a:r>
-            <a:r>
-              <a:rPr lang="pt-BR" sz="2400" dirty="0">
-                <a:solidFill>
-                  <a:schemeClr val="tx1"/>
-                </a:solidFill>
-                <a:latin typeface="Times New Roman" panose="02020603050405020304" pitchFamily="18" charset="0"/>
-                <a:cs typeface="Times New Roman" panose="02020603050405020304" pitchFamily="18" charset="0"/>
-              </a:rPr>
-              <a:t>="</a:t>
-            </a:r>
-            <a:r>
-              <a:rPr lang="pt-BR" sz="2400" dirty="0" err="1">
-                <a:solidFill>
-                  <a:schemeClr val="tx1"/>
-                </a:solidFill>
-                <a:latin typeface="Times New Roman" panose="02020603050405020304" pitchFamily="18" charset="0"/>
-                <a:cs typeface="Times New Roman" panose="02020603050405020304" pitchFamily="18" charset="0"/>
-              </a:rPr>
-              <a:t>corAzulMouseDown</a:t>
-            </a:r>
-            <a:r>
-              <a:rPr lang="pt-BR" sz="2400" dirty="0">
-                <a:solidFill>
-                  <a:schemeClr val="tx1"/>
-                </a:solidFill>
-                <a:latin typeface="Times New Roman" panose="02020603050405020304" pitchFamily="18" charset="0"/>
-                <a:cs typeface="Times New Roman" panose="02020603050405020304" pitchFamily="18" charset="0"/>
-              </a:rPr>
               <a:t>()“  	</a:t>
             </a:r>
             <a:r>
-              <a:rPr lang="pt-BR" sz="2400" dirty="0" err="1">
-                <a:solidFill>
-                  <a:schemeClr val="tx1"/>
+              <a:rPr lang="pt-BR" sz="2400" b="1" dirty="0" err="1">
+                <a:solidFill>
+                  <a:srgbClr val="FF0000"/>
                 </a:solidFill>
                 <a:latin typeface="Times New Roman" panose="02020603050405020304" pitchFamily="18" charset="0"/>
                 <a:cs typeface="Times New Roman" panose="02020603050405020304" pitchFamily="18" charset="0"/>
@@ -7965,6 +7991,26 @@
               <a:t>      </a:t>
             </a:r>
             <a:r>
+              <a:rPr lang="pt-BR" sz="2400" b="1" dirty="0" err="1">
+                <a:solidFill>
+                  <a:srgbClr val="FF0000"/>
+                </a:solidFill>
+                <a:latin typeface="Times New Roman" panose="02020603050405020304" pitchFamily="18" charset="0"/>
+                <a:cs typeface="Times New Roman" panose="02020603050405020304" pitchFamily="18" charset="0"/>
+              </a:rPr>
+              <a:t>onfocus</a:t>
+            </a:r>
+            <a:r>
+              <a:rPr lang="pt-BR" sz="2400" dirty="0">
+                <a:solidFill>
+                  <a:schemeClr val="tx1"/>
+                </a:solidFill>
+                <a:latin typeface="Times New Roman" panose="02020603050405020304" pitchFamily="18" charset="0"/>
+                <a:cs typeface="Times New Roman" panose="02020603050405020304" pitchFamily="18" charset="0"/>
+              </a:rPr>
+              <a:t>="</a:t>
+            </a:r>
+            <a:r>
               <a:rPr lang="pt-BR" sz="2400" dirty="0" err="1">
                 <a:solidFill>
                   <a:schemeClr val="tx1"/>
@@ -7972,7 +8018,7 @@
                 <a:latin typeface="Times New Roman" panose="02020603050405020304" pitchFamily="18" charset="0"/>
                 <a:cs typeface="Times New Roman" panose="02020603050405020304" pitchFamily="18" charset="0"/>
               </a:rPr>
-              <a:t>onfocus</a:t>
+              <a:t>onFocusLimpaTexto</a:t>
             </a:r>
             <a:r>
               <a:rPr lang="pt-BR" sz="2400" dirty="0">
@@ -7982,6 +8028,26 @@
                 <a:latin typeface="Times New Roman" panose="02020603050405020304" pitchFamily="18" charset="0"/>
                 <a:cs typeface="Times New Roman" panose="02020603050405020304" pitchFamily="18" charset="0"/>
               </a:rPr>
+              <a:t>()“ 	</a:t>
+            </a:r>
+            <a:r>
+              <a:rPr lang="pt-BR" sz="2400" b="1" dirty="0" err="1">
+                <a:solidFill>
+                  <a:srgbClr val="FF0000"/>
+                </a:solidFill>
+                <a:latin typeface="Times New Roman" panose="02020603050405020304" pitchFamily="18" charset="0"/>
+                <a:cs typeface="Times New Roman" panose="02020603050405020304" pitchFamily="18" charset="0"/>
+              </a:rPr>
+              <a:t>onchange</a:t>
+            </a:r>
+            <a:r>
+              <a:rPr lang="pt-BR" sz="2400" dirty="0">
+                <a:solidFill>
+                  <a:schemeClr val="tx1"/>
+                </a:solidFill>
+                <a:latin typeface="Times New Roman" panose="02020603050405020304" pitchFamily="18" charset="0"/>
+                <a:cs typeface="Times New Roman" panose="02020603050405020304" pitchFamily="18" charset="0"/>
+              </a:rPr>
               <a:t>="</a:t>
             </a:r>
             <a:r>
@@ -7992,7 +8058,7 @@
                 <a:latin typeface="Times New Roman" panose="02020603050405020304" pitchFamily="18" charset="0"/>
                 <a:cs typeface="Times New Roman" panose="02020603050405020304" pitchFamily="18" charset="0"/>
               </a:rPr>
-              <a:t>onFocusLimpaTexto</a:t>
+              <a:t>onChangeAlteraTexto</a:t>
             </a:r>
             <a:r>
               <a:rPr lang="pt-BR" sz="2400" dirty="0">
@@ -8002,7 +8068,7 @@
                 <a:latin typeface="Times New Roman" panose="02020603050405020304" pitchFamily="18" charset="0"/>
                 <a:cs typeface="Times New Roman" panose="02020603050405020304" pitchFamily="18" charset="0"/>
               </a:rPr>
-              <a:t>()“ 	</a:t>
+              <a:t>()“       </a:t>
             </a:r>
             <a:r>
               <a:rPr lang="pt-BR" sz="2400" dirty="0" err="1">
@@ -8012,7 +8078,7 @@
                 <a:latin typeface="Times New Roman" panose="02020603050405020304" pitchFamily="18" charset="0"/>
                 <a:cs typeface="Times New Roman" panose="02020603050405020304" pitchFamily="18" charset="0"/>
               </a:rPr>
-              <a:t>onchange</a:t>
+              <a:t>onblur</a:t>
             </a:r>
             <a:r>
               <a:rPr lang="pt-BR" sz="2400" dirty="0">
@@ -8032,7 +8098,7 @@
                 <a:latin typeface="Times New Roman" panose="02020603050405020304" pitchFamily="18" charset="0"/>
                 <a:cs typeface="Times New Roman" panose="02020603050405020304" pitchFamily="18" charset="0"/>
               </a:rPr>
-              <a:t>onChangeAlteraTexto</a:t>
+              <a:t>eventoClick</a:t>
             </a:r>
             <a:r>
               <a:rPr lang="pt-BR" sz="2400" dirty="0">
@@ -8042,7 +8108,42 @@
                 <a:latin typeface="Times New Roman" panose="02020603050405020304" pitchFamily="18" charset="0"/>
                 <a:cs typeface="Times New Roman" panose="02020603050405020304" pitchFamily="18" charset="0"/>
               </a:rPr>
-              <a:t>()“       </a:t>
+              <a:t>()"</a:t>
+            </a:r>
+          </a:p>
+          <a:p>
+            <a:pPr marL="0" indent="0" algn="just">
+              <a:buNone/>
+            </a:pPr>
+            <a:r>
+              <a:rPr lang="pt-BR" sz="2400" dirty="0">
+                <a:solidFill>
+                  <a:schemeClr val="tx1"/>
+                </a:solidFill>
+                <a:latin typeface="Times New Roman" panose="02020603050405020304" pitchFamily="18" charset="0"/>
+                <a:cs typeface="Times New Roman" panose="02020603050405020304" pitchFamily="18" charset="0"/>
+              </a:rPr>
+              <a:t>      </a:t>
+            </a:r>
+            <a:r>
+              <a:rPr lang="pt-BR" sz="2400" b="1" dirty="0" err="1">
+                <a:solidFill>
+                  <a:srgbClr val="FF0000"/>
+                </a:solidFill>
+                <a:latin typeface="Times New Roman" panose="02020603050405020304" pitchFamily="18" charset="0"/>
+                <a:cs typeface="Times New Roman" panose="02020603050405020304" pitchFamily="18" charset="0"/>
+              </a:rPr>
+              <a:t>onkeypress</a:t>
+            </a:r>
+            <a:r>
+              <a:rPr lang="pt-BR" sz="2400" dirty="0">
+                <a:solidFill>
+                  <a:schemeClr val="tx1"/>
+                </a:solidFill>
+                <a:latin typeface="Times New Roman" panose="02020603050405020304" pitchFamily="18" charset="0"/>
+                <a:cs typeface="Times New Roman" panose="02020603050405020304" pitchFamily="18" charset="0"/>
+              </a:rPr>
+              <a:t>="</a:t>
             </a:r>
             <a:r>
               <a:rPr lang="pt-BR" sz="2400" dirty="0" err="1">
@@ -8052,7 +8153,7 @@
                 <a:latin typeface="Times New Roman" panose="02020603050405020304" pitchFamily="18" charset="0"/>
                 <a:cs typeface="Times New Roman" panose="02020603050405020304" pitchFamily="18" charset="0"/>
               </a:rPr>
-              <a:t>onblur</a:t>
+              <a:t>onKeypressTeclaPressionada</a:t>
             </a:r>
             <a:r>
               <a:rPr lang="pt-BR" sz="2400" dirty="0">
@@ -8062,6 +8163,41 @@
                 <a:latin typeface="Times New Roman" panose="02020603050405020304" pitchFamily="18" charset="0"/>
                 <a:cs typeface="Times New Roman" panose="02020603050405020304" pitchFamily="18" charset="0"/>
               </a:rPr>
+              <a:t>()"</a:t>
+            </a:r>
+          </a:p>
+          <a:p>
+            <a:pPr marL="0" indent="0" algn="just">
+              <a:buNone/>
+            </a:pPr>
+            <a:r>
+              <a:rPr lang="pt-BR" sz="2400" dirty="0">
+                <a:solidFill>
+                  <a:schemeClr val="tx1"/>
+                </a:solidFill>
+                <a:latin typeface="Times New Roman" panose="02020603050405020304" pitchFamily="18" charset="0"/>
+                <a:cs typeface="Times New Roman" panose="02020603050405020304" pitchFamily="18" charset="0"/>
+              </a:rPr>
+              <a:t>      </a:t>
+            </a:r>
+            <a:r>
+              <a:rPr lang="pt-BR" sz="2400" b="1" dirty="0" err="1">
+                <a:solidFill>
+                  <a:srgbClr val="FF0000"/>
+                </a:solidFill>
+                <a:latin typeface="Times New Roman" panose="02020603050405020304" pitchFamily="18" charset="0"/>
+                <a:cs typeface="Times New Roman" panose="02020603050405020304" pitchFamily="18" charset="0"/>
+              </a:rPr>
+              <a:t>onkeydown</a:t>
+            </a:r>
+            <a:r>
+              <a:rPr lang="pt-BR" sz="2400" dirty="0">
+                <a:solidFill>
+                  <a:schemeClr val="tx1"/>
+                </a:solidFill>
+                <a:latin typeface="Times New Roman" panose="02020603050405020304" pitchFamily="18" charset="0"/>
+                <a:cs typeface="Times New Roman" panose="02020603050405020304" pitchFamily="18" charset="0"/>
+              </a:rPr>
               <a:t>="</a:t>
             </a:r>
             <a:r>
@@ -8072,7 +8208,7 @@
                 <a:latin typeface="Times New Roman" panose="02020603050405020304" pitchFamily="18" charset="0"/>
                 <a:cs typeface="Times New Roman" panose="02020603050405020304" pitchFamily="18" charset="0"/>
               </a:rPr>
-              <a:t>eventoClick</a:t>
+              <a:t>onKeydownTeclaPressionadaSolta</a:t>
             </a:r>
             <a:r>
               <a:rPr lang="pt-BR" sz="2400" dirty="0">
@@ -8100,119 +8236,9 @@
               <a:t>      </a:t>
             </a:r>
             <a:r>
-              <a:rPr lang="pt-BR" sz="2400" dirty="0" err="1">
-                <a:solidFill>
-                  <a:schemeClr val="tx1"/>
-                </a:solidFill>
-                <a:latin typeface="Times New Roman" panose="02020603050405020304" pitchFamily="18" charset="0"/>
-                <a:cs typeface="Times New Roman" panose="02020603050405020304" pitchFamily="18" charset="0"/>
-              </a:rPr>
-              <a:t>onkeypress</a:t>
-            </a:r>
-            <a:r>
-              <a:rPr lang="pt-BR" sz="2400" dirty="0">
-                <a:solidFill>
-                  <a:schemeClr val="tx1"/>
-                </a:solidFill>
-                <a:latin typeface="Times New Roman" panose="02020603050405020304" pitchFamily="18" charset="0"/>
-                <a:cs typeface="Times New Roman" panose="02020603050405020304" pitchFamily="18" charset="0"/>
-              </a:rPr>
-              <a:t>="</a:t>
-            </a:r>
-            <a:r>
-              <a:rPr lang="pt-BR" sz="2400" dirty="0" err="1">
-                <a:solidFill>
-                  <a:schemeClr val="tx1"/>
-                </a:solidFill>
-                <a:latin typeface="Times New Roman" panose="02020603050405020304" pitchFamily="18" charset="0"/>
-                <a:cs typeface="Times New Roman" panose="02020603050405020304" pitchFamily="18" charset="0"/>
-              </a:rPr>
-              <a:t>onKeypressTeclaPressionada</a:t>
-            </a:r>
-            <a:r>
-              <a:rPr lang="pt-BR" sz="2400" dirty="0">
-                <a:solidFill>
-                  <a:schemeClr val="tx1"/>
-                </a:solidFill>
-                <a:latin typeface="Times New Roman" panose="02020603050405020304" pitchFamily="18" charset="0"/>
-                <a:cs typeface="Times New Roman" panose="02020603050405020304" pitchFamily="18" charset="0"/>
-              </a:rPr>
-              <a:t>()"</a:t>
-            </a:r>
-          </a:p>
-          <a:p>
-            <a:pPr marL="0" indent="0" algn="just">
-              <a:buNone/>
-            </a:pPr>
-            <a:r>
-              <a:rPr lang="pt-BR" sz="2400" dirty="0">
-                <a:solidFill>
-                  <a:schemeClr val="tx1"/>
-                </a:solidFill>
-                <a:latin typeface="Times New Roman" panose="02020603050405020304" pitchFamily="18" charset="0"/>
-                <a:cs typeface="Times New Roman" panose="02020603050405020304" pitchFamily="18" charset="0"/>
-              </a:rPr>
-              <a:t>      </a:t>
-            </a:r>
-            <a:r>
-              <a:rPr lang="pt-BR" sz="2400" dirty="0" err="1">
-                <a:solidFill>
-                  <a:schemeClr val="tx1"/>
-                </a:solidFill>
-                <a:latin typeface="Times New Roman" panose="02020603050405020304" pitchFamily="18" charset="0"/>
-                <a:cs typeface="Times New Roman" panose="02020603050405020304" pitchFamily="18" charset="0"/>
-              </a:rPr>
-              <a:t>onkeydown</a:t>
-            </a:r>
-            <a:r>
-              <a:rPr lang="pt-BR" sz="2400" dirty="0">
-                <a:solidFill>
-                  <a:schemeClr val="tx1"/>
-                </a:solidFill>
-                <a:latin typeface="Times New Roman" panose="02020603050405020304" pitchFamily="18" charset="0"/>
-                <a:cs typeface="Times New Roman" panose="02020603050405020304" pitchFamily="18" charset="0"/>
-              </a:rPr>
-              <a:t>="</a:t>
-            </a:r>
-            <a:r>
-              <a:rPr lang="pt-BR" sz="2400" dirty="0" err="1">
-                <a:solidFill>
-                  <a:schemeClr val="tx1"/>
-                </a:solidFill>
-                <a:latin typeface="Times New Roman" panose="02020603050405020304" pitchFamily="18" charset="0"/>
-                <a:cs typeface="Times New Roman" panose="02020603050405020304" pitchFamily="18" charset="0"/>
-              </a:rPr>
-              <a:t>onKeydownTeclaPressionadaSolta</a:t>
-            </a:r>
-            <a:r>
-              <a:rPr lang="pt-BR" sz="2400" dirty="0">
-                <a:solidFill>
-                  <a:schemeClr val="tx1"/>
-                </a:solidFill>
-                <a:latin typeface="Times New Roman" panose="02020603050405020304" pitchFamily="18" charset="0"/>
-                <a:cs typeface="Times New Roman" panose="02020603050405020304" pitchFamily="18" charset="0"/>
-              </a:rPr>
-              <a:t>()"</a:t>
-            </a:r>
-          </a:p>
-          <a:p>
-            <a:pPr marL="0" indent="0" algn="just">
-              <a:buNone/>
-            </a:pPr>
-            <a:r>
-              <a:rPr lang="pt-BR" sz="2400" dirty="0">
-                <a:solidFill>
-                  <a:schemeClr val="tx1"/>
-                </a:solidFill>
-                <a:latin typeface="Times New Roman" panose="02020603050405020304" pitchFamily="18" charset="0"/>
-                <a:cs typeface="Times New Roman" panose="02020603050405020304" pitchFamily="18" charset="0"/>
-              </a:rPr>
-              <a:t>      </a:t>
-            </a:r>
-            <a:r>
-              <a:rPr lang="pt-BR" sz="2400" dirty="0" err="1">
-                <a:solidFill>
-                  <a:schemeClr val="tx1"/>
+              <a:rPr lang="pt-BR" sz="2400" b="1" dirty="0" err="1">
+                <a:solidFill>
+                  <a:srgbClr val="FF0000"/>
                 </a:solidFill>
                 <a:latin typeface="Times New Roman" panose="02020603050405020304" pitchFamily="18" charset="0"/>
                 <a:cs typeface="Times New Roman" panose="02020603050405020304" pitchFamily="18" charset="0"/>
@@ -8578,6 +8604,26 @@
               <a:t> onclick="</a:t>
             </a:r>
             <a:r>
+              <a:rPr lang="en-US" sz="2400" b="1" dirty="0" err="1">
+                <a:solidFill>
+                  <a:srgbClr val="FF0000"/>
+                </a:solidFill>
+                <a:latin typeface="Times New Roman" panose="02020603050405020304" pitchFamily="18" charset="0"/>
+                <a:cs typeface="Times New Roman" panose="02020603050405020304" pitchFamily="18" charset="0"/>
+              </a:rPr>
+              <a:t>eventoClick</a:t>
+            </a:r>
+            <a:r>
+              <a:rPr lang="en-US" sz="2400" dirty="0">
+                <a:solidFill>
+                  <a:schemeClr val="tx1"/>
+                </a:solidFill>
+                <a:latin typeface="Times New Roman" panose="02020603050405020304" pitchFamily="18" charset="0"/>
+                <a:cs typeface="Times New Roman" panose="02020603050405020304" pitchFamily="18" charset="0"/>
+              </a:rPr>
+              <a:t>()" </a:t>
+            </a:r>
+            <a:r>
               <a:rPr lang="en-US" sz="2400" dirty="0" err="1">
                 <a:solidFill>
                   <a:schemeClr val="tx1"/>
@@ -8585,7 +8631,7 @@
                 <a:latin typeface="Times New Roman" panose="02020603050405020304" pitchFamily="18" charset="0"/>
                 <a:cs typeface="Times New Roman" panose="02020603050405020304" pitchFamily="18" charset="0"/>
               </a:rPr>
-              <a:t>eventoClick</a:t>
+              <a:t>ondblclick</a:t>
             </a:r>
             <a:r>
               <a:rPr lang="en-US" sz="2400" dirty="0">
@@ -8595,17 +8641,17 @@
                 <a:latin typeface="Times New Roman" panose="02020603050405020304" pitchFamily="18" charset="0"/>
                 <a:cs typeface="Times New Roman" panose="02020603050405020304" pitchFamily="18" charset="0"/>
               </a:rPr>
-              <a:t>()" </a:t>
-            </a:r>
-            <a:r>
-              <a:rPr lang="en-US" sz="2400" dirty="0" err="1">
-                <a:solidFill>
-                  <a:schemeClr val="tx1"/>
-                </a:solidFill>
-                <a:latin typeface="Times New Roman" panose="02020603050405020304" pitchFamily="18" charset="0"/>
-                <a:cs typeface="Times New Roman" panose="02020603050405020304" pitchFamily="18" charset="0"/>
-              </a:rPr>
-              <a:t>ondblclick</a:t>
+              <a:t>="</a:t>
+            </a:r>
+            <a:r>
+              <a:rPr lang="en-US" sz="2400" b="1" dirty="0" err="1">
+                <a:solidFill>
+                  <a:srgbClr val="FF0000"/>
+                </a:solidFill>
+                <a:latin typeface="Times New Roman" panose="02020603050405020304" pitchFamily="18" charset="0"/>
+                <a:cs typeface="Times New Roman" panose="02020603050405020304" pitchFamily="18" charset="0"/>
+              </a:rPr>
+              <a:t>eventoDblClick</a:t>
             </a:r>
             <a:r>
               <a:rPr lang="en-US" sz="2400" dirty="0">
@@ -8615,18 +8661,13 @@
                 <a:latin typeface="Times New Roman" panose="02020603050405020304" pitchFamily="18" charset="0"/>
                 <a:cs typeface="Times New Roman" panose="02020603050405020304" pitchFamily="18" charset="0"/>
               </a:rPr>
-              <a:t>="</a:t>
-            </a:r>
-            <a:r>
-              <a:rPr lang="en-US" sz="2400" dirty="0" err="1">
-                <a:solidFill>
-                  <a:schemeClr val="tx1"/>
-                </a:solidFill>
-                <a:latin typeface="Times New Roman" panose="02020603050405020304" pitchFamily="18" charset="0"/>
-                <a:cs typeface="Times New Roman" panose="02020603050405020304" pitchFamily="18" charset="0"/>
-              </a:rPr>
-              <a:t>eventoDblClick</a:t>
-            </a:r>
+              <a:t>()"&gt;</a:t>
+            </a:r>
+          </a:p>
+          <a:p>
+            <a:pPr marL="0" indent="0" algn="just">
+              <a:buNone/>
+            </a:pPr>
             <a:r>
               <a:rPr lang="en-US" sz="2400" dirty="0">
                 <a:solidFill>
@@ -8635,7 +8676,7 @@
                 <a:latin typeface="Times New Roman" panose="02020603050405020304" pitchFamily="18" charset="0"/>
                 <a:cs typeface="Times New Roman" panose="02020603050405020304" pitchFamily="18" charset="0"/>
               </a:rPr>
-              <a:t>()"&gt;</a:t>
+              <a:t>      Clique Duplo</a:t>
             </a:r>
           </a:p>
           <a:p>
@@ -8650,13 +8691,18 @@
                 <a:latin typeface="Times New Roman" panose="02020603050405020304" pitchFamily="18" charset="0"/>
                 <a:cs typeface="Times New Roman" panose="02020603050405020304" pitchFamily="18" charset="0"/>
               </a:rPr>
-              <a:t>      Clique Duplo</a:t>
-            </a:r>
-          </a:p>
-          <a:p>
-            <a:pPr marL="0" indent="0" algn="just">
-              <a:buNone/>
-            </a:pPr>
+              <a:t>&lt;/</a:t>
+            </a:r>
+            <a:r>
+              <a:rPr lang="en-US" sz="2400" b="1" dirty="0">
+                <a:solidFill>
+                  <a:schemeClr val="tx1"/>
+                </a:solidFill>
+                <a:latin typeface="Times New Roman" panose="02020603050405020304" pitchFamily="18" charset="0"/>
+                <a:cs typeface="Times New Roman" panose="02020603050405020304" pitchFamily="18" charset="0"/>
+              </a:rPr>
+              <a:t>button</a:t>
+            </a:r>
             <a:r>
               <a:rPr lang="en-US" sz="2400" dirty="0">
                 <a:solidFill>
@@ -8665,46 +8711,26 @@
                 <a:latin typeface="Times New Roman" panose="02020603050405020304" pitchFamily="18" charset="0"/>
                 <a:cs typeface="Times New Roman" panose="02020603050405020304" pitchFamily="18" charset="0"/>
               </a:rPr>
-              <a:t>&lt;/</a:t>
+              <a:t>&gt;</a:t>
+            </a:r>
+          </a:p>
+          <a:p>
+            <a:pPr marL="0" indent="0" algn="just">
+              <a:buNone/>
+            </a:pPr>
+            <a:r>
+              <a:rPr lang="en-US" sz="2400" dirty="0">
+                <a:solidFill>
+                  <a:schemeClr val="tx1"/>
+                </a:solidFill>
+                <a:latin typeface="Times New Roman" panose="02020603050405020304" pitchFamily="18" charset="0"/>
+                <a:cs typeface="Times New Roman" panose="02020603050405020304" pitchFamily="18" charset="0"/>
+              </a:rPr>
+              <a:t>  	</a:t>
             </a:r>
             <a:r>
               <a:rPr lang="en-US" sz="2400" b="1" dirty="0">
                 <a:solidFill>
-                  <a:schemeClr val="tx1"/>
-                </a:solidFill>
-                <a:latin typeface="Times New Roman" panose="02020603050405020304" pitchFamily="18" charset="0"/>
-                <a:cs typeface="Times New Roman" panose="02020603050405020304" pitchFamily="18" charset="0"/>
-              </a:rPr>
-              <a:t>button</a:t>
-            </a:r>
-            <a:r>
-              <a:rPr lang="en-US" sz="2400" dirty="0">
-                <a:solidFill>
-                  <a:schemeClr val="tx1"/>
-                </a:solidFill>
-                <a:latin typeface="Times New Roman" panose="02020603050405020304" pitchFamily="18" charset="0"/>
-                <a:cs typeface="Times New Roman" panose="02020603050405020304" pitchFamily="18" charset="0"/>
-              </a:rPr>
-              <a:t>&gt;</a:t>
-            </a:r>
-          </a:p>
-          <a:p>
-            <a:pPr marL="0" indent="0" algn="just">
-              <a:buNone/>
-            </a:pPr>
-            <a:r>
-              <a:rPr lang="en-US" sz="2400" dirty="0">
-                <a:solidFill>
-                  <a:schemeClr val="tx1"/>
-                </a:solidFill>
-                <a:latin typeface="Times New Roman" panose="02020603050405020304" pitchFamily="18" charset="0"/>
-                <a:cs typeface="Times New Roman" panose="02020603050405020304" pitchFamily="18" charset="0"/>
-              </a:rPr>
-              <a:t>  	</a:t>
-            </a:r>
-            <a:r>
-              <a:rPr lang="en-US" sz="2400" b="1" dirty="0">
-                <a:solidFill>
                   <a:srgbClr val="FF0000"/>
                 </a:solidFill>
                 <a:latin typeface="Times New Roman" panose="02020603050405020304" pitchFamily="18" charset="0"/>
@@ -8715,12 +8741,12 @@
             <a:r>
               <a:rPr lang="en-US" sz="2400" b="1" dirty="0" err="1">
                 <a:solidFill>
-                  <a:srgbClr val="FF0000"/>
-                </a:solidFill>
-                <a:latin typeface="Times New Roman" panose="02020603050405020304" pitchFamily="18" charset="0"/>
-                <a:cs typeface="Times New Roman" panose="02020603050405020304" pitchFamily="18" charset="0"/>
-              </a:rPr>
-              <a:t>scr</a:t>
+                  <a:schemeClr val="tx1"/>
+                </a:solidFill>
+                <a:latin typeface="Times New Roman" panose="02020603050405020304" pitchFamily="18" charset="0"/>
+                <a:cs typeface="Times New Roman" panose="02020603050405020304" pitchFamily="18" charset="0"/>
+              </a:rPr>
+              <a:t>src</a:t>
             </a:r>
             <a:r>
               <a:rPr lang="en-US" sz="2400" b="1" dirty="0">
@@ -8923,6 +8949,61 @@
               <a:t> </a:t>
             </a:r>
             <a:r>
+              <a:rPr lang="en-US" sz="2400" b="1" dirty="0" err="1">
+                <a:solidFill>
+                  <a:srgbClr val="FF0000"/>
+                </a:solidFill>
+                <a:latin typeface="Times New Roman" panose="02020603050405020304" pitchFamily="18" charset="0"/>
+                <a:cs typeface="Times New Roman" panose="02020603050405020304" pitchFamily="18" charset="0"/>
+              </a:rPr>
+              <a:t>onKeypressTeclaPressionada</a:t>
+            </a:r>
+            <a:r>
+              <a:rPr lang="en-US" sz="2400" dirty="0">
+                <a:solidFill>
+                  <a:schemeClr val="tx1"/>
+                </a:solidFill>
+                <a:latin typeface="Times New Roman" panose="02020603050405020304" pitchFamily="18" charset="0"/>
+                <a:cs typeface="Times New Roman" panose="02020603050405020304" pitchFamily="18" charset="0"/>
+              </a:rPr>
+              <a:t>() {</a:t>
+            </a:r>
+          </a:p>
+          <a:p>
+            <a:pPr marL="0" indent="0" algn="just">
+              <a:buNone/>
+            </a:pPr>
+            <a:r>
+              <a:rPr lang="en-US" sz="2400" dirty="0">
+                <a:solidFill>
+                  <a:schemeClr val="tx1"/>
+                </a:solidFill>
+                <a:latin typeface="Times New Roman" panose="02020603050405020304" pitchFamily="18" charset="0"/>
+                <a:cs typeface="Times New Roman" panose="02020603050405020304" pitchFamily="18" charset="0"/>
+              </a:rPr>
+              <a:t>        </a:t>
+            </a:r>
+            <a:r>
+              <a:rPr lang="en-US" sz="2400" b="1" dirty="0">
+                <a:solidFill>
+                  <a:schemeClr val="tx1"/>
+                </a:solidFill>
+                <a:latin typeface="Times New Roman" panose="02020603050405020304" pitchFamily="18" charset="0"/>
+                <a:cs typeface="Times New Roman" panose="02020603050405020304" pitchFamily="18" charset="0"/>
+              </a:rPr>
+              <a:t>let</a:t>
+            </a:r>
+            <a:r>
+              <a:rPr lang="en-US" sz="2400" dirty="0">
+                <a:solidFill>
+                  <a:schemeClr val="tx1"/>
+                </a:solidFill>
+                <a:latin typeface="Times New Roman" panose="02020603050405020304" pitchFamily="18" charset="0"/>
+                <a:cs typeface="Times New Roman" panose="02020603050405020304" pitchFamily="18" charset="0"/>
+              </a:rPr>
+              <a:t> input = </a:t>
+            </a:r>
+            <a:r>
               <a:rPr lang="en-US" sz="2400" dirty="0" err="1">
                 <a:solidFill>
                   <a:schemeClr val="tx1"/>
@@ -8930,7 +9011,7 @@
                 <a:latin typeface="Times New Roman" panose="02020603050405020304" pitchFamily="18" charset="0"/>
                 <a:cs typeface="Times New Roman" panose="02020603050405020304" pitchFamily="18" charset="0"/>
               </a:rPr>
-              <a:t>onKeypressTeclaPressionada</a:t>
+              <a:t>document.getElementById</a:t>
             </a:r>
             <a:r>
               <a:rPr lang="en-US" sz="2400" dirty="0">
@@ -8940,13 +9021,18 @@
                 <a:latin typeface="Times New Roman" panose="02020603050405020304" pitchFamily="18" charset="0"/>
                 <a:cs typeface="Times New Roman" panose="02020603050405020304" pitchFamily="18" charset="0"/>
               </a:rPr>
-              <a:t>() {</a:t>
-            </a:r>
-          </a:p>
-          <a:p>
-            <a:pPr marL="0" indent="0" algn="just">
-              <a:buNone/>
-            </a:pPr>
+              <a:t>('</a:t>
+            </a:r>
+            <a:r>
+              <a:rPr lang="en-US" sz="2400" dirty="0" err="1">
+                <a:solidFill>
+                  <a:schemeClr val="tx1"/>
+                </a:solidFill>
+                <a:latin typeface="Times New Roman" panose="02020603050405020304" pitchFamily="18" charset="0"/>
+                <a:cs typeface="Times New Roman" panose="02020603050405020304" pitchFamily="18" charset="0"/>
+              </a:rPr>
+              <a:t>IdInput</a:t>
+            </a:r>
             <a:r>
               <a:rPr lang="en-US" sz="2400" dirty="0">
                 <a:solidFill>
@@ -8955,18 +9041,13 @@
                 <a:latin typeface="Times New Roman" panose="02020603050405020304" pitchFamily="18" charset="0"/>
                 <a:cs typeface="Times New Roman" panose="02020603050405020304" pitchFamily="18" charset="0"/>
               </a:rPr>
-              <a:t>        let input = </a:t>
-            </a:r>
-            <a:r>
-              <a:rPr lang="en-US" sz="2400" dirty="0" err="1">
-                <a:solidFill>
-                  <a:schemeClr val="tx1"/>
-                </a:solidFill>
-                <a:latin typeface="Times New Roman" panose="02020603050405020304" pitchFamily="18" charset="0"/>
-                <a:cs typeface="Times New Roman" panose="02020603050405020304" pitchFamily="18" charset="0"/>
-              </a:rPr>
-              <a:t>document.getElementById</a:t>
-            </a:r>
+              <a:t>').value;</a:t>
+            </a:r>
+          </a:p>
+          <a:p>
+            <a:pPr marL="0" indent="0" algn="just">
+              <a:buNone/>
+            </a:pPr>
             <a:r>
               <a:rPr lang="en-US" sz="2400" dirty="0">
                 <a:solidFill>
@@ -8975,17 +9056,17 @@
                 <a:latin typeface="Times New Roman" panose="02020603050405020304" pitchFamily="18" charset="0"/>
                 <a:cs typeface="Times New Roman" panose="02020603050405020304" pitchFamily="18" charset="0"/>
               </a:rPr>
-              <a:t>('</a:t>
-            </a:r>
-            <a:r>
-              <a:rPr lang="en-US" sz="2400" dirty="0" err="1">
-                <a:solidFill>
-                  <a:schemeClr val="tx1"/>
-                </a:solidFill>
-                <a:latin typeface="Times New Roman" panose="02020603050405020304" pitchFamily="18" charset="0"/>
-                <a:cs typeface="Times New Roman" panose="02020603050405020304" pitchFamily="18" charset="0"/>
-              </a:rPr>
-              <a:t>IdInput</a:t>
+              <a:t>        </a:t>
+            </a:r>
+            <a:r>
+              <a:rPr lang="en-US" sz="2400" b="1" dirty="0">
+                <a:solidFill>
+                  <a:schemeClr val="tx1"/>
+                </a:solidFill>
+                <a:latin typeface="Times New Roman" panose="02020603050405020304" pitchFamily="18" charset="0"/>
+                <a:cs typeface="Times New Roman" panose="02020603050405020304" pitchFamily="18" charset="0"/>
+              </a:rPr>
+              <a:t>console</a:t>
             </a:r>
             <a:r>
               <a:rPr lang="en-US" sz="2400" dirty="0">
@@ -8995,22 +9076,7 @@
                 <a:latin typeface="Times New Roman" panose="02020603050405020304" pitchFamily="18" charset="0"/>
                 <a:cs typeface="Times New Roman" panose="02020603050405020304" pitchFamily="18" charset="0"/>
               </a:rPr>
-              <a:t>').value;</a:t>
-            </a:r>
-          </a:p>
-          <a:p>
-            <a:pPr marL="0" indent="0" algn="just">
-              <a:buNone/>
-            </a:pPr>
-            <a:r>
-              <a:rPr lang="en-US" sz="2400" dirty="0">
-                <a:solidFill>
-                  <a:schemeClr val="tx1"/>
-                </a:solidFill>
-                <a:latin typeface="Times New Roman" panose="02020603050405020304" pitchFamily="18" charset="0"/>
-                <a:cs typeface="Times New Roman" panose="02020603050405020304" pitchFamily="18" charset="0"/>
-              </a:rPr>
-              <a:t>        console.log(input);</a:t>
+              <a:t>.log(input);</a:t>
             </a:r>
           </a:p>
           <a:p>
@@ -9065,6 +9131,61 @@
               <a:t> </a:t>
             </a:r>
             <a:r>
+              <a:rPr lang="en-US" sz="2400" b="1" dirty="0" err="1">
+                <a:solidFill>
+                  <a:srgbClr val="FF0000"/>
+                </a:solidFill>
+                <a:latin typeface="Times New Roman" panose="02020603050405020304" pitchFamily="18" charset="0"/>
+                <a:cs typeface="Times New Roman" panose="02020603050405020304" pitchFamily="18" charset="0"/>
+              </a:rPr>
+              <a:t>onKeydownTeclaPressionadaSolta</a:t>
+            </a:r>
+            <a:r>
+              <a:rPr lang="en-US" sz="2400" dirty="0">
+                <a:solidFill>
+                  <a:schemeClr val="tx1"/>
+                </a:solidFill>
+                <a:latin typeface="Times New Roman" panose="02020603050405020304" pitchFamily="18" charset="0"/>
+                <a:cs typeface="Times New Roman" panose="02020603050405020304" pitchFamily="18" charset="0"/>
+              </a:rPr>
+              <a:t>() {</a:t>
+            </a:r>
+          </a:p>
+          <a:p>
+            <a:pPr marL="0" indent="0" algn="just">
+              <a:buNone/>
+            </a:pPr>
+            <a:r>
+              <a:rPr lang="en-US" sz="2400" dirty="0">
+                <a:solidFill>
+                  <a:schemeClr val="tx1"/>
+                </a:solidFill>
+                <a:latin typeface="Times New Roman" panose="02020603050405020304" pitchFamily="18" charset="0"/>
+                <a:cs typeface="Times New Roman" panose="02020603050405020304" pitchFamily="18" charset="0"/>
+              </a:rPr>
+              <a:t>        </a:t>
+            </a:r>
+            <a:r>
+              <a:rPr lang="en-US" sz="2400" b="1" dirty="0">
+                <a:solidFill>
+                  <a:schemeClr val="tx1"/>
+                </a:solidFill>
+                <a:latin typeface="Times New Roman" panose="02020603050405020304" pitchFamily="18" charset="0"/>
+                <a:cs typeface="Times New Roman" panose="02020603050405020304" pitchFamily="18" charset="0"/>
+              </a:rPr>
+              <a:t>let</a:t>
+            </a:r>
+            <a:r>
+              <a:rPr lang="en-US" sz="2400" dirty="0">
+                <a:solidFill>
+                  <a:schemeClr val="tx1"/>
+                </a:solidFill>
+                <a:latin typeface="Times New Roman" panose="02020603050405020304" pitchFamily="18" charset="0"/>
+                <a:cs typeface="Times New Roman" panose="02020603050405020304" pitchFamily="18" charset="0"/>
+              </a:rPr>
+              <a:t> input = </a:t>
+            </a:r>
+            <a:r>
               <a:rPr lang="en-US" sz="2400" dirty="0" err="1">
                 <a:solidFill>
                   <a:schemeClr val="tx1"/>
@@ -9072,7 +9193,7 @@
                 <a:latin typeface="Times New Roman" panose="02020603050405020304" pitchFamily="18" charset="0"/>
                 <a:cs typeface="Times New Roman" panose="02020603050405020304" pitchFamily="18" charset="0"/>
               </a:rPr>
-              <a:t>onKeydownTeclaPressionadaSolta</a:t>
+              <a:t>document.getElementById</a:t>
             </a:r>
             <a:r>
               <a:rPr lang="en-US" sz="2400" dirty="0">
@@ -9082,13 +9203,18 @@
                 <a:latin typeface="Times New Roman" panose="02020603050405020304" pitchFamily="18" charset="0"/>
                 <a:cs typeface="Times New Roman" panose="02020603050405020304" pitchFamily="18" charset="0"/>
               </a:rPr>
-              <a:t>() {</a:t>
-            </a:r>
-          </a:p>
-          <a:p>
-            <a:pPr marL="0" indent="0" algn="just">
-              <a:buNone/>
-            </a:pPr>
+              <a:t>('</a:t>
+            </a:r>
+            <a:r>
+              <a:rPr lang="en-US" sz="2400" dirty="0" err="1">
+                <a:solidFill>
+                  <a:schemeClr val="tx1"/>
+                </a:solidFill>
+                <a:latin typeface="Times New Roman" panose="02020603050405020304" pitchFamily="18" charset="0"/>
+                <a:cs typeface="Times New Roman" panose="02020603050405020304" pitchFamily="18" charset="0"/>
+              </a:rPr>
+              <a:t>IdInput</a:t>
+            </a:r>
             <a:r>
               <a:rPr lang="en-US" sz="2400" dirty="0">
                 <a:solidFill>
@@ -9097,18 +9223,13 @@
                 <a:latin typeface="Times New Roman" panose="02020603050405020304" pitchFamily="18" charset="0"/>
                 <a:cs typeface="Times New Roman" panose="02020603050405020304" pitchFamily="18" charset="0"/>
               </a:rPr>
-              <a:t>        let input = </a:t>
-            </a:r>
-            <a:r>
-              <a:rPr lang="en-US" sz="2400" dirty="0" err="1">
-                <a:solidFill>
-                  <a:schemeClr val="tx1"/>
-                </a:solidFill>
-                <a:latin typeface="Times New Roman" panose="02020603050405020304" pitchFamily="18" charset="0"/>
-                <a:cs typeface="Times New Roman" panose="02020603050405020304" pitchFamily="18" charset="0"/>
-              </a:rPr>
-              <a:t>document.getElementById</a:t>
-            </a:r>
+              <a:t>').value;</a:t>
+            </a:r>
+          </a:p>
+          <a:p>
+            <a:pPr marL="0" indent="0" algn="just">
+              <a:buNone/>
+            </a:pPr>
             <a:r>
               <a:rPr lang="en-US" sz="2400" dirty="0">
                 <a:solidFill>
@@ -9117,17 +9238,17 @@
                 <a:latin typeface="Times New Roman" panose="02020603050405020304" pitchFamily="18" charset="0"/>
                 <a:cs typeface="Times New Roman" panose="02020603050405020304" pitchFamily="18" charset="0"/>
               </a:rPr>
-              <a:t>('</a:t>
-            </a:r>
-            <a:r>
-              <a:rPr lang="en-US" sz="2400" dirty="0" err="1">
-                <a:solidFill>
-                  <a:schemeClr val="tx1"/>
-                </a:solidFill>
-                <a:latin typeface="Times New Roman" panose="02020603050405020304" pitchFamily="18" charset="0"/>
-                <a:cs typeface="Times New Roman" panose="02020603050405020304" pitchFamily="18" charset="0"/>
-              </a:rPr>
-              <a:t>IdInput</a:t>
+              <a:t>        </a:t>
+            </a:r>
+            <a:r>
+              <a:rPr lang="en-US" sz="2400" b="1" dirty="0">
+                <a:solidFill>
+                  <a:schemeClr val="tx1"/>
+                </a:solidFill>
+                <a:latin typeface="Times New Roman" panose="02020603050405020304" pitchFamily="18" charset="0"/>
+                <a:cs typeface="Times New Roman" panose="02020603050405020304" pitchFamily="18" charset="0"/>
+              </a:rPr>
+              <a:t>console</a:t>
             </a:r>
             <a:r>
               <a:rPr lang="en-US" sz="2400" dirty="0">
@@ -9137,22 +9258,7 @@
                 <a:latin typeface="Times New Roman" panose="02020603050405020304" pitchFamily="18" charset="0"/>
                 <a:cs typeface="Times New Roman" panose="02020603050405020304" pitchFamily="18" charset="0"/>
               </a:rPr>
-              <a:t>').value;</a:t>
-            </a:r>
-          </a:p>
-          <a:p>
-            <a:pPr marL="0" indent="0" algn="just">
-              <a:buNone/>
-            </a:pPr>
-            <a:r>
-              <a:rPr lang="en-US" sz="2400" dirty="0">
-                <a:solidFill>
-                  <a:schemeClr val="tx1"/>
-                </a:solidFill>
-                <a:latin typeface="Times New Roman" panose="02020603050405020304" pitchFamily="18" charset="0"/>
-                <a:cs typeface="Times New Roman" panose="02020603050405020304" pitchFamily="18" charset="0"/>
-              </a:rPr>
-              <a:t>        console.log(input);</a:t>
+              <a:t>.log(input);</a:t>
             </a:r>
           </a:p>
           <a:p>
@@ -9315,6 +9421,61 @@
               <a:t> </a:t>
             </a:r>
             <a:r>
+              <a:rPr lang="en-US" sz="2400" b="1" dirty="0" err="1">
+                <a:solidFill>
+                  <a:srgbClr val="FF0000"/>
+                </a:solidFill>
+                <a:latin typeface="Times New Roman" panose="02020603050405020304" pitchFamily="18" charset="0"/>
+                <a:cs typeface="Times New Roman" panose="02020603050405020304" pitchFamily="18" charset="0"/>
+              </a:rPr>
+              <a:t>onKeyupTeclaSolta</a:t>
+            </a:r>
+            <a:r>
+              <a:rPr lang="en-US" sz="2400" dirty="0">
+                <a:solidFill>
+                  <a:schemeClr val="tx1"/>
+                </a:solidFill>
+                <a:latin typeface="Times New Roman" panose="02020603050405020304" pitchFamily="18" charset="0"/>
+                <a:cs typeface="Times New Roman" panose="02020603050405020304" pitchFamily="18" charset="0"/>
+              </a:rPr>
+              <a:t>() {</a:t>
+            </a:r>
+          </a:p>
+          <a:p>
+            <a:pPr marL="0" indent="0" algn="just">
+              <a:buNone/>
+            </a:pPr>
+            <a:r>
+              <a:rPr lang="en-US" sz="2400" dirty="0">
+                <a:solidFill>
+                  <a:schemeClr val="tx1"/>
+                </a:solidFill>
+                <a:latin typeface="Times New Roman" panose="02020603050405020304" pitchFamily="18" charset="0"/>
+                <a:cs typeface="Times New Roman" panose="02020603050405020304" pitchFamily="18" charset="0"/>
+              </a:rPr>
+              <a:t>        </a:t>
+            </a:r>
+            <a:r>
+              <a:rPr lang="en-US" sz="2400" b="1" dirty="0">
+                <a:solidFill>
+                  <a:schemeClr val="tx1"/>
+                </a:solidFill>
+                <a:latin typeface="Times New Roman" panose="02020603050405020304" pitchFamily="18" charset="0"/>
+                <a:cs typeface="Times New Roman" panose="02020603050405020304" pitchFamily="18" charset="0"/>
+              </a:rPr>
+              <a:t>let</a:t>
+            </a:r>
+            <a:r>
+              <a:rPr lang="en-US" sz="2400" dirty="0">
+                <a:solidFill>
+                  <a:schemeClr val="tx1"/>
+                </a:solidFill>
+                <a:latin typeface="Times New Roman" panose="02020603050405020304" pitchFamily="18" charset="0"/>
+                <a:cs typeface="Times New Roman" panose="02020603050405020304" pitchFamily="18" charset="0"/>
+              </a:rPr>
+              <a:t> input = </a:t>
+            </a:r>
+            <a:r>
               <a:rPr lang="en-US" sz="2400" dirty="0" err="1">
                 <a:solidFill>
                   <a:schemeClr val="tx1"/>
@@ -9322,7 +9483,7 @@
                 <a:latin typeface="Times New Roman" panose="02020603050405020304" pitchFamily="18" charset="0"/>
                 <a:cs typeface="Times New Roman" panose="02020603050405020304" pitchFamily="18" charset="0"/>
               </a:rPr>
-              <a:t>onKeyupTeclaSolta</a:t>
+              <a:t>document.getElementById</a:t>
             </a:r>
             <a:r>
               <a:rPr lang="en-US" sz="2400" dirty="0">
@@ -9332,13 +9493,18 @@
                 <a:latin typeface="Times New Roman" panose="02020603050405020304" pitchFamily="18" charset="0"/>
                 <a:cs typeface="Times New Roman" panose="02020603050405020304" pitchFamily="18" charset="0"/>
               </a:rPr>
-              <a:t>() {</a:t>
-            </a:r>
-          </a:p>
-          <a:p>
-            <a:pPr marL="0" indent="0" algn="just">
-              <a:buNone/>
-            </a:pPr>
+              <a:t>('</a:t>
+            </a:r>
+            <a:r>
+              <a:rPr lang="en-US" sz="2400" dirty="0" err="1">
+                <a:solidFill>
+                  <a:schemeClr val="tx1"/>
+                </a:solidFill>
+                <a:latin typeface="Times New Roman" panose="02020603050405020304" pitchFamily="18" charset="0"/>
+                <a:cs typeface="Times New Roman" panose="02020603050405020304" pitchFamily="18" charset="0"/>
+              </a:rPr>
+              <a:t>IdInput</a:t>
+            </a:r>
             <a:r>
               <a:rPr lang="en-US" sz="2400" dirty="0">
                 <a:solidFill>
@@ -9347,18 +9513,13 @@
                 <a:latin typeface="Times New Roman" panose="02020603050405020304" pitchFamily="18" charset="0"/>
                 <a:cs typeface="Times New Roman" panose="02020603050405020304" pitchFamily="18" charset="0"/>
               </a:rPr>
-              <a:t>        let input = </a:t>
-            </a:r>
-            <a:r>
-              <a:rPr lang="en-US" sz="2400" dirty="0" err="1">
-                <a:solidFill>
-                  <a:schemeClr val="tx1"/>
-                </a:solidFill>
-                <a:latin typeface="Times New Roman" panose="02020603050405020304" pitchFamily="18" charset="0"/>
-                <a:cs typeface="Times New Roman" panose="02020603050405020304" pitchFamily="18" charset="0"/>
-              </a:rPr>
-              <a:t>document.getElementById</a:t>
-            </a:r>
+              <a:t>').value;</a:t>
+            </a:r>
+          </a:p>
+          <a:p>
+            <a:pPr marL="0" indent="0" algn="just">
+              <a:buNone/>
+            </a:pPr>
             <a:r>
               <a:rPr lang="en-US" sz="2400" dirty="0">
                 <a:solidFill>
@@ -9367,17 +9528,17 @@
                 <a:latin typeface="Times New Roman" panose="02020603050405020304" pitchFamily="18" charset="0"/>
                 <a:cs typeface="Times New Roman" panose="02020603050405020304" pitchFamily="18" charset="0"/>
               </a:rPr>
-              <a:t>('</a:t>
-            </a:r>
-            <a:r>
-              <a:rPr lang="en-US" sz="2400" dirty="0" err="1">
-                <a:solidFill>
-                  <a:schemeClr val="tx1"/>
-                </a:solidFill>
-                <a:latin typeface="Times New Roman" panose="02020603050405020304" pitchFamily="18" charset="0"/>
-                <a:cs typeface="Times New Roman" panose="02020603050405020304" pitchFamily="18" charset="0"/>
-              </a:rPr>
-              <a:t>IdInput</a:t>
+              <a:t>        </a:t>
+            </a:r>
+            <a:r>
+              <a:rPr lang="en-US" sz="2400" b="1" dirty="0">
+                <a:solidFill>
+                  <a:schemeClr val="tx1"/>
+                </a:solidFill>
+                <a:latin typeface="Times New Roman" panose="02020603050405020304" pitchFamily="18" charset="0"/>
+                <a:cs typeface="Times New Roman" panose="02020603050405020304" pitchFamily="18" charset="0"/>
+              </a:rPr>
+              <a:t>console</a:t>
             </a:r>
             <a:r>
               <a:rPr lang="en-US" sz="2400" dirty="0">
@@ -9387,22 +9548,7 @@
                 <a:latin typeface="Times New Roman" panose="02020603050405020304" pitchFamily="18" charset="0"/>
                 <a:cs typeface="Times New Roman" panose="02020603050405020304" pitchFamily="18" charset="0"/>
               </a:rPr>
-              <a:t>').value;</a:t>
-            </a:r>
-          </a:p>
-          <a:p>
-            <a:pPr marL="0" indent="0" algn="just">
-              <a:buNone/>
-            </a:pPr>
-            <a:r>
-              <a:rPr lang="en-US" sz="2400" dirty="0">
-                <a:solidFill>
-                  <a:schemeClr val="tx1"/>
-                </a:solidFill>
-                <a:latin typeface="Times New Roman" panose="02020603050405020304" pitchFamily="18" charset="0"/>
-                <a:cs typeface="Times New Roman" panose="02020603050405020304" pitchFamily="18" charset="0"/>
-              </a:rPr>
-              <a:t>        console.log(input);</a:t>
+              <a:t>.log(input);</a:t>
             </a:r>
           </a:p>
           <a:p>
@@ -9457,6 +9603,41 @@
               <a:t> </a:t>
             </a:r>
             <a:r>
+              <a:rPr lang="en-US" sz="2400" b="1" dirty="0" err="1">
+                <a:solidFill>
+                  <a:srgbClr val="FF0000"/>
+                </a:solidFill>
+                <a:latin typeface="Times New Roman" panose="02020603050405020304" pitchFamily="18" charset="0"/>
+                <a:cs typeface="Times New Roman" panose="02020603050405020304" pitchFamily="18" charset="0"/>
+              </a:rPr>
+              <a:t>eventoClick</a:t>
+            </a:r>
+            <a:r>
+              <a:rPr lang="en-US" sz="2400" dirty="0">
+                <a:solidFill>
+                  <a:schemeClr val="tx1"/>
+                </a:solidFill>
+                <a:latin typeface="Times New Roman" panose="02020603050405020304" pitchFamily="18" charset="0"/>
+                <a:cs typeface="Times New Roman" panose="02020603050405020304" pitchFamily="18" charset="0"/>
+              </a:rPr>
+              <a:t>() {</a:t>
+            </a:r>
+          </a:p>
+          <a:p>
+            <a:pPr marL="0" indent="0" algn="just">
+              <a:buNone/>
+            </a:pPr>
+            <a:r>
+              <a:rPr lang="en-US" sz="2400" dirty="0">
+                <a:solidFill>
+                  <a:schemeClr val="tx1"/>
+                </a:solidFill>
+                <a:latin typeface="Times New Roman" panose="02020603050405020304" pitchFamily="18" charset="0"/>
+                <a:cs typeface="Times New Roman" panose="02020603050405020304" pitchFamily="18" charset="0"/>
+              </a:rPr>
+              <a:t>        //alert(“</a:t>
+            </a:r>
+            <a:r>
               <a:rPr lang="en-US" sz="2400" dirty="0" err="1">
                 <a:solidFill>
                   <a:schemeClr val="tx1"/>
@@ -9464,7 +9645,7 @@
                 <a:latin typeface="Times New Roman" panose="02020603050405020304" pitchFamily="18" charset="0"/>
                 <a:cs typeface="Times New Roman" panose="02020603050405020304" pitchFamily="18" charset="0"/>
               </a:rPr>
-              <a:t>eventoClick</a:t>
+              <a:t>Acionou</a:t>
             </a:r>
             <a:r>
               <a:rPr lang="en-US" sz="2400" dirty="0">
@@ -9474,13 +9655,18 @@
                 <a:latin typeface="Times New Roman" panose="02020603050405020304" pitchFamily="18" charset="0"/>
                 <a:cs typeface="Times New Roman" panose="02020603050405020304" pitchFamily="18" charset="0"/>
               </a:rPr>
-              <a:t>() {</a:t>
-            </a:r>
-          </a:p>
-          <a:p>
-            <a:pPr marL="0" indent="0" algn="just">
-              <a:buNone/>
-            </a:pPr>
+              <a:t> um </a:t>
+            </a:r>
+            <a:r>
+              <a:rPr lang="en-US" sz="2400" dirty="0" err="1">
+                <a:solidFill>
+                  <a:schemeClr val="tx1"/>
+                </a:solidFill>
+                <a:latin typeface="Times New Roman" panose="02020603050405020304" pitchFamily="18" charset="0"/>
+                <a:cs typeface="Times New Roman" panose="02020603050405020304" pitchFamily="18" charset="0"/>
+              </a:rPr>
+              <a:t>evento</a:t>
+            </a:r>
             <a:r>
               <a:rPr lang="en-US" sz="2400" dirty="0">
                 <a:solidFill>
@@ -9489,7 +9675,32 @@
                 <a:latin typeface="Times New Roman" panose="02020603050405020304" pitchFamily="18" charset="0"/>
                 <a:cs typeface="Times New Roman" panose="02020603050405020304" pitchFamily="18" charset="0"/>
               </a:rPr>
-              <a:t>        //alert(“</a:t>
+              <a:t> de click”);</a:t>
+            </a:r>
+          </a:p>
+          <a:p>
+            <a:pPr marL="0" indent="0" algn="just">
+              <a:buNone/>
+            </a:pPr>
+            <a:r>
+              <a:rPr lang="en-US" sz="2400" dirty="0">
+                <a:solidFill>
+                  <a:schemeClr val="tx1"/>
+                </a:solidFill>
+                <a:latin typeface="Times New Roman" panose="02020603050405020304" pitchFamily="18" charset="0"/>
+                <a:cs typeface="Times New Roman" panose="02020603050405020304" pitchFamily="18" charset="0"/>
+              </a:rPr>
+              <a:t>        </a:t>
+            </a:r>
+            <a:r>
+              <a:rPr lang="en-US" sz="2400" b="1" dirty="0" err="1">
+                <a:solidFill>
+                  <a:schemeClr val="tx1"/>
+                </a:solidFill>
+                <a:latin typeface="Times New Roman" panose="02020603050405020304" pitchFamily="18" charset="0"/>
+                <a:cs typeface="Times New Roman" panose="02020603050405020304" pitchFamily="18" charset="0"/>
+              </a:rPr>
+              <a:t>document</a:t>
             </a:r>
             <a:r>
               <a:rPr lang="en-US" sz="2400" dirty="0" err="1">
@@ -9499,17 +9710,17 @@
                 <a:latin typeface="Times New Roman" panose="02020603050405020304" pitchFamily="18" charset="0"/>
                 <a:cs typeface="Times New Roman" panose="02020603050405020304" pitchFamily="18" charset="0"/>
               </a:rPr>
-              <a:t>Acionou</a:t>
-            </a:r>
-            <a:r>
-              <a:rPr lang="en-US" sz="2400" dirty="0">
-                <a:solidFill>
-                  <a:schemeClr val="tx1"/>
-                </a:solidFill>
-                <a:latin typeface="Times New Roman" panose="02020603050405020304" pitchFamily="18" charset="0"/>
-                <a:cs typeface="Times New Roman" panose="02020603050405020304" pitchFamily="18" charset="0"/>
-              </a:rPr>
-              <a:t> um </a:t>
+              <a:t>.body.</a:t>
+            </a:r>
+            <a:r>
+              <a:rPr lang="en-US" sz="2400" b="1" dirty="0" err="1">
+                <a:solidFill>
+                  <a:srgbClr val="FF0000"/>
+                </a:solidFill>
+                <a:latin typeface="Times New Roman" panose="02020603050405020304" pitchFamily="18" charset="0"/>
+                <a:cs typeface="Times New Roman" panose="02020603050405020304" pitchFamily="18" charset="0"/>
+              </a:rPr>
+              <a:t>style</a:t>
             </a:r>
             <a:r>
               <a:rPr lang="en-US" sz="2400" dirty="0" err="1">
@@ -9519,42 +9730,7 @@
                 <a:latin typeface="Times New Roman" panose="02020603050405020304" pitchFamily="18" charset="0"/>
                 <a:cs typeface="Times New Roman" panose="02020603050405020304" pitchFamily="18" charset="0"/>
               </a:rPr>
-              <a:t>evento</a:t>
-            </a:r>
-            <a:r>
-              <a:rPr lang="en-US" sz="2400" dirty="0">
-                <a:solidFill>
-                  <a:schemeClr val="tx1"/>
-                </a:solidFill>
-                <a:latin typeface="Times New Roman" panose="02020603050405020304" pitchFamily="18" charset="0"/>
-                <a:cs typeface="Times New Roman" panose="02020603050405020304" pitchFamily="18" charset="0"/>
-              </a:rPr>
-              <a:t> de click”);</a:t>
-            </a:r>
-          </a:p>
-          <a:p>
-            <a:pPr marL="0" indent="0" algn="just">
-              <a:buNone/>
-            </a:pPr>
-            <a:r>
-              <a:rPr lang="en-US" sz="2400" dirty="0">
-                <a:solidFill>
-                  <a:schemeClr val="tx1"/>
-                </a:solidFill>
-                <a:latin typeface="Times New Roman" panose="02020603050405020304" pitchFamily="18" charset="0"/>
-                <a:cs typeface="Times New Roman" panose="02020603050405020304" pitchFamily="18" charset="0"/>
-              </a:rPr>
-              <a:t>        </a:t>
-            </a:r>
-            <a:r>
-              <a:rPr lang="en-US" sz="2400" dirty="0" err="1">
-                <a:solidFill>
-                  <a:schemeClr val="tx1"/>
-                </a:solidFill>
-                <a:latin typeface="Times New Roman" panose="02020603050405020304" pitchFamily="18" charset="0"/>
-                <a:cs typeface="Times New Roman" panose="02020603050405020304" pitchFamily="18" charset="0"/>
-              </a:rPr>
-              <a:t>document.body.style.background</a:t>
+              <a:t>.background</a:t>
             </a:r>
             <a:r>
               <a:rPr lang="en-US" sz="2400" dirty="0">
@@ -9717,9 +9893,9 @@
               <a:t> </a:t>
             </a:r>
             <a:r>
-              <a:rPr lang="en-US" sz="2400" dirty="0" err="1">
-                <a:solidFill>
-                  <a:schemeClr val="tx1"/>
+              <a:rPr lang="en-US" sz="2400" b="1" dirty="0" err="1">
+                <a:solidFill>
+                  <a:srgbClr val="FF0000"/>
                 </a:solidFill>
                 <a:latin typeface="Times New Roman" panose="02020603050405020304" pitchFamily="18" charset="0"/>
                 <a:cs typeface="Times New Roman" panose="02020603050405020304" pitchFamily="18" charset="0"/>
@@ -9749,7 +9925,27 @@
                 <a:latin typeface="Times New Roman" panose="02020603050405020304" pitchFamily="18" charset="0"/>
                 <a:cs typeface="Times New Roman" panose="02020603050405020304" pitchFamily="18" charset="0"/>
               </a:rPr>
-              <a:t>        alert('Duplo click');</a:t>
+              <a:t>        </a:t>
+            </a:r>
+            <a:r>
+              <a:rPr lang="en-US" sz="2400" b="1" dirty="0">
+                <a:solidFill>
+                  <a:schemeClr val="tx1"/>
+                </a:solidFill>
+                <a:latin typeface="Times New Roman" panose="02020603050405020304" pitchFamily="18" charset="0"/>
+                <a:cs typeface="Times New Roman" panose="02020603050405020304" pitchFamily="18" charset="0"/>
+              </a:rPr>
+              <a:t>alert</a:t>
+            </a:r>
+            <a:r>
+              <a:rPr lang="en-US" sz="2400" dirty="0">
+                <a:solidFill>
+                  <a:schemeClr val="tx1"/>
+                </a:solidFill>
+                <a:latin typeface="Times New Roman" panose="02020603050405020304" pitchFamily="18" charset="0"/>
+                <a:cs typeface="Times New Roman" panose="02020603050405020304" pitchFamily="18" charset="0"/>
+              </a:rPr>
+              <a:t>('Duplo click');</a:t>
             </a:r>
           </a:p>
           <a:p>
@@ -9836,7 +10032,27 @@
                 <a:latin typeface="Times New Roman" panose="02020603050405020304" pitchFamily="18" charset="0"/>
                 <a:cs typeface="Times New Roman" panose="02020603050405020304" pitchFamily="18" charset="0"/>
               </a:rPr>
-              <a:t>        console.log('</a:t>
+              <a:t>        </a:t>
+            </a:r>
+            <a:r>
+              <a:rPr lang="en-US" sz="2400" b="1" dirty="0">
+                <a:solidFill>
+                  <a:schemeClr val="tx1"/>
+                </a:solidFill>
+                <a:latin typeface="Times New Roman" panose="02020603050405020304" pitchFamily="18" charset="0"/>
+                <a:cs typeface="Times New Roman" panose="02020603050405020304" pitchFamily="18" charset="0"/>
+              </a:rPr>
+              <a:t>console</a:t>
+            </a:r>
+            <a:r>
+              <a:rPr lang="en-US" sz="2400" dirty="0">
+                <a:solidFill>
+                  <a:schemeClr val="tx1"/>
+                </a:solidFill>
+                <a:latin typeface="Times New Roman" panose="02020603050405020304" pitchFamily="18" charset="0"/>
+                <a:cs typeface="Times New Roman" panose="02020603050405020304" pitchFamily="18" charset="0"/>
+              </a:rPr>
+              <a:t>.log('</a:t>
             </a:r>
             <a:r>
               <a:rPr lang="en-US" sz="2400" dirty="0" err="1">
@@ -10022,6 +10238,41 @@
               <a:t> </a:t>
             </a:r>
             <a:r>
+              <a:rPr lang="en-US" sz="2400" b="1" dirty="0" err="1">
+                <a:solidFill>
+                  <a:srgbClr val="FF0000"/>
+                </a:solidFill>
+                <a:latin typeface="Times New Roman" panose="02020603050405020304" pitchFamily="18" charset="0"/>
+                <a:cs typeface="Times New Roman" panose="02020603050405020304" pitchFamily="18" charset="0"/>
+              </a:rPr>
+              <a:t>onFocusLimpaTexto</a:t>
+            </a:r>
+            <a:r>
+              <a:rPr lang="en-US" sz="2400" dirty="0">
+                <a:solidFill>
+                  <a:schemeClr val="tx1"/>
+                </a:solidFill>
+                <a:latin typeface="Times New Roman" panose="02020603050405020304" pitchFamily="18" charset="0"/>
+                <a:cs typeface="Times New Roman" panose="02020603050405020304" pitchFamily="18" charset="0"/>
+              </a:rPr>
+              <a:t>() {</a:t>
+            </a:r>
+          </a:p>
+          <a:p>
+            <a:pPr marL="0" indent="0" algn="just">
+              <a:buNone/>
+            </a:pPr>
+            <a:r>
+              <a:rPr lang="en-US" sz="2400" dirty="0">
+                <a:solidFill>
+                  <a:schemeClr val="tx1"/>
+                </a:solidFill>
+                <a:latin typeface="Times New Roman" panose="02020603050405020304" pitchFamily="18" charset="0"/>
+                <a:cs typeface="Times New Roman" panose="02020603050405020304" pitchFamily="18" charset="0"/>
+              </a:rPr>
+              <a:t>        </a:t>
+            </a:r>
+            <a:r>
               <a:rPr lang="en-US" sz="2400" dirty="0" err="1">
                 <a:solidFill>
                   <a:schemeClr val="tx1"/>
@@ -10029,42 +10280,17 @@
                 <a:latin typeface="Times New Roman" panose="02020603050405020304" pitchFamily="18" charset="0"/>
                 <a:cs typeface="Times New Roman" panose="02020603050405020304" pitchFamily="18" charset="0"/>
               </a:rPr>
-              <a:t>onFocusLimpaTexto</a:t>
-            </a:r>
-            <a:r>
-              <a:rPr lang="en-US" sz="2400" dirty="0">
-                <a:solidFill>
-                  <a:schemeClr val="tx1"/>
-                </a:solidFill>
-                <a:latin typeface="Times New Roman" panose="02020603050405020304" pitchFamily="18" charset="0"/>
-                <a:cs typeface="Times New Roman" panose="02020603050405020304" pitchFamily="18" charset="0"/>
-              </a:rPr>
-              <a:t>() {</a:t>
-            </a:r>
-          </a:p>
-          <a:p>
-            <a:pPr marL="0" indent="0" algn="just">
-              <a:buNone/>
-            </a:pPr>
-            <a:r>
-              <a:rPr lang="en-US" sz="2400" dirty="0">
-                <a:solidFill>
-                  <a:schemeClr val="tx1"/>
-                </a:solidFill>
-                <a:latin typeface="Times New Roman" panose="02020603050405020304" pitchFamily="18" charset="0"/>
-                <a:cs typeface="Times New Roman" panose="02020603050405020304" pitchFamily="18" charset="0"/>
-              </a:rPr>
-              <a:t>        </a:t>
-            </a:r>
-            <a:r>
-              <a:rPr lang="en-US" sz="2400" dirty="0" err="1">
-                <a:solidFill>
-                  <a:schemeClr val="tx1"/>
-                </a:solidFill>
-                <a:latin typeface="Times New Roman" panose="02020603050405020304" pitchFamily="18" charset="0"/>
-                <a:cs typeface="Times New Roman" panose="02020603050405020304" pitchFamily="18" charset="0"/>
-              </a:rPr>
-              <a:t>document.getElementById</a:t>
+              <a:t>document.</a:t>
+            </a:r>
+            <a:r>
+              <a:rPr lang="en-US" sz="2400" b="1" dirty="0" err="1">
+                <a:solidFill>
+                  <a:schemeClr val="tx1"/>
+                </a:solidFill>
+                <a:latin typeface="Times New Roman" panose="02020603050405020304" pitchFamily="18" charset="0"/>
+                <a:cs typeface="Times New Roman" panose="02020603050405020304" pitchFamily="18" charset="0"/>
+              </a:rPr>
+              <a:t>getElementById</a:t>
             </a:r>
             <a:r>
               <a:rPr lang="en-US" sz="2400" dirty="0">
@@ -10159,6 +10385,61 @@
               <a:t> </a:t>
             </a:r>
             <a:r>
+              <a:rPr lang="pt-BR" sz="2400" b="1" dirty="0" err="1">
+                <a:solidFill>
+                  <a:srgbClr val="FF0000"/>
+                </a:solidFill>
+                <a:latin typeface="Times New Roman" panose="02020603050405020304" pitchFamily="18" charset="0"/>
+                <a:cs typeface="Times New Roman" panose="02020603050405020304" pitchFamily="18" charset="0"/>
+              </a:rPr>
+              <a:t>corVerdeMouseOver</a:t>
+            </a:r>
+            <a:r>
+              <a:rPr lang="pt-BR" sz="2400" dirty="0">
+                <a:solidFill>
+                  <a:schemeClr val="tx1"/>
+                </a:solidFill>
+                <a:latin typeface="Times New Roman" panose="02020603050405020304" pitchFamily="18" charset="0"/>
+                <a:cs typeface="Times New Roman" panose="02020603050405020304" pitchFamily="18" charset="0"/>
+              </a:rPr>
+              <a:t>() {</a:t>
+            </a:r>
+          </a:p>
+          <a:p>
+            <a:pPr marL="0" indent="0" algn="just">
+              <a:buNone/>
+            </a:pPr>
+            <a:r>
+              <a:rPr lang="pt-BR" sz="2400" dirty="0">
+                <a:solidFill>
+                  <a:schemeClr val="tx1"/>
+                </a:solidFill>
+                <a:latin typeface="Times New Roman" panose="02020603050405020304" pitchFamily="18" charset="0"/>
+                <a:cs typeface="Times New Roman" panose="02020603050405020304" pitchFamily="18" charset="0"/>
+              </a:rPr>
+              <a:t>        </a:t>
+            </a:r>
+            <a:r>
+              <a:rPr lang="pt-BR" sz="2400" b="1" dirty="0" err="1">
+                <a:solidFill>
+                  <a:schemeClr val="tx1"/>
+                </a:solidFill>
+                <a:latin typeface="Times New Roman" panose="02020603050405020304" pitchFamily="18" charset="0"/>
+                <a:cs typeface="Times New Roman" panose="02020603050405020304" pitchFamily="18" charset="0"/>
+              </a:rPr>
+              <a:t>let</a:t>
+            </a:r>
+            <a:r>
+              <a:rPr lang="pt-BR" sz="2400" dirty="0">
+                <a:solidFill>
+                  <a:schemeClr val="tx1"/>
+                </a:solidFill>
+                <a:latin typeface="Times New Roman" panose="02020603050405020304" pitchFamily="18" charset="0"/>
+                <a:cs typeface="Times New Roman" panose="02020603050405020304" pitchFamily="18" charset="0"/>
+              </a:rPr>
+              <a:t> </a:t>
+            </a:r>
+            <a:r>
               <a:rPr lang="pt-BR" sz="2400" dirty="0" err="1">
                 <a:solidFill>
                   <a:schemeClr val="tx1"/>
@@ -10166,7 +10447,7 @@
                 <a:latin typeface="Times New Roman" panose="02020603050405020304" pitchFamily="18" charset="0"/>
                 <a:cs typeface="Times New Roman" panose="02020603050405020304" pitchFamily="18" charset="0"/>
               </a:rPr>
-              <a:t>corVerdeMouseOver</a:t>
+              <a:t>div</a:t>
             </a:r>
             <a:r>
               <a:rPr lang="pt-BR" sz="2400" dirty="0">
@@ -10176,13 +10457,18 @@
                 <a:latin typeface="Times New Roman" panose="02020603050405020304" pitchFamily="18" charset="0"/>
                 <a:cs typeface="Times New Roman" panose="02020603050405020304" pitchFamily="18" charset="0"/>
               </a:rPr>
-              <a:t>() {</a:t>
-            </a:r>
-          </a:p>
-          <a:p>
-            <a:pPr marL="0" indent="0" algn="just">
-              <a:buNone/>
-            </a:pPr>
+              <a:t> = </a:t>
+            </a:r>
+            <a:r>
+              <a:rPr lang="pt-BR" sz="2400" dirty="0" err="1">
+                <a:solidFill>
+                  <a:schemeClr val="tx1"/>
+                </a:solidFill>
+                <a:latin typeface="Times New Roman" panose="02020603050405020304" pitchFamily="18" charset="0"/>
+                <a:cs typeface="Times New Roman" panose="02020603050405020304" pitchFamily="18" charset="0"/>
+              </a:rPr>
+              <a:t>document.getElementById</a:t>
+            </a:r>
             <a:r>
               <a:rPr lang="pt-BR" sz="2400" dirty="0">
                 <a:solidFill>
@@ -10191,9 +10477,34 @@
                 <a:latin typeface="Times New Roman" panose="02020603050405020304" pitchFamily="18" charset="0"/>
                 <a:cs typeface="Times New Roman" panose="02020603050405020304" pitchFamily="18" charset="0"/>
               </a:rPr>
+              <a:t>('mouse');</a:t>
+            </a:r>
+          </a:p>
+          <a:p>
+            <a:pPr marL="0" indent="0" algn="just">
+              <a:buNone/>
+            </a:pPr>
+            <a:r>
+              <a:rPr lang="pt-BR" sz="2400" dirty="0">
+                <a:solidFill>
+                  <a:schemeClr val="tx1"/>
+                </a:solidFill>
+                <a:latin typeface="Times New Roman" panose="02020603050405020304" pitchFamily="18" charset="0"/>
+                <a:cs typeface="Times New Roman" panose="02020603050405020304" pitchFamily="18" charset="0"/>
+              </a:rPr>
               <a:t>        </a:t>
             </a:r>
             <a:r>
+              <a:rPr lang="pt-BR" sz="2400" b="1" dirty="0" err="1">
+                <a:solidFill>
+                  <a:schemeClr val="tx1"/>
+                </a:solidFill>
+                <a:latin typeface="Times New Roman" panose="02020603050405020304" pitchFamily="18" charset="0"/>
+                <a:cs typeface="Times New Roman" panose="02020603050405020304" pitchFamily="18" charset="0"/>
+              </a:rPr>
+              <a:t>div</a:t>
+            </a:r>
+            <a:r>
               <a:rPr lang="pt-BR" sz="2400" dirty="0" err="1">
                 <a:solidFill>
                   <a:schemeClr val="tx1"/>
@@ -10201,17 +10512,17 @@
                 <a:latin typeface="Times New Roman" panose="02020603050405020304" pitchFamily="18" charset="0"/>
                 <a:cs typeface="Times New Roman" panose="02020603050405020304" pitchFamily="18" charset="0"/>
               </a:rPr>
-              <a:t>let</a:t>
-            </a:r>
-            <a:r>
-              <a:rPr lang="pt-BR" sz="2400" dirty="0">
-                <a:solidFill>
-                  <a:schemeClr val="tx1"/>
-                </a:solidFill>
-                <a:latin typeface="Times New Roman" panose="02020603050405020304" pitchFamily="18" charset="0"/>
-                <a:cs typeface="Times New Roman" panose="02020603050405020304" pitchFamily="18" charset="0"/>
-              </a:rPr>
-              <a:t> </a:t>
+              <a:t>.</a:t>
+            </a:r>
+            <a:r>
+              <a:rPr lang="pt-BR" sz="2400" b="1" dirty="0" err="1">
+                <a:solidFill>
+                  <a:srgbClr val="FF0000"/>
+                </a:solidFill>
+                <a:latin typeface="Times New Roman" panose="02020603050405020304" pitchFamily="18" charset="0"/>
+                <a:cs typeface="Times New Roman" panose="02020603050405020304" pitchFamily="18" charset="0"/>
+              </a:rPr>
+              <a:t>style</a:t>
             </a:r>
             <a:r>
               <a:rPr lang="pt-BR" sz="2400" dirty="0" err="1">
@@ -10221,62 +10532,7 @@
                 <a:latin typeface="Times New Roman" panose="02020603050405020304" pitchFamily="18" charset="0"/>
                 <a:cs typeface="Times New Roman" panose="02020603050405020304" pitchFamily="18" charset="0"/>
               </a:rPr>
-              <a:t>div</a:t>
-            </a:r>
-            <a:r>
-              <a:rPr lang="pt-BR" sz="2400" dirty="0">
-                <a:solidFill>
-                  <a:schemeClr val="tx1"/>
-                </a:solidFill>
-                <a:latin typeface="Times New Roman" panose="02020603050405020304" pitchFamily="18" charset="0"/>
-                <a:cs typeface="Times New Roman" panose="02020603050405020304" pitchFamily="18" charset="0"/>
-              </a:rPr>
-              <a:t> = </a:t>
-            </a:r>
-            <a:r>
-              <a:rPr lang="pt-BR" sz="2400" dirty="0" err="1">
-                <a:solidFill>
-                  <a:schemeClr val="tx1"/>
-                </a:solidFill>
-                <a:latin typeface="Times New Roman" panose="02020603050405020304" pitchFamily="18" charset="0"/>
-                <a:cs typeface="Times New Roman" panose="02020603050405020304" pitchFamily="18" charset="0"/>
-              </a:rPr>
-              <a:t>document.getElementById</a:t>
-            </a:r>
-            <a:r>
-              <a:rPr lang="pt-BR" sz="2400" dirty="0">
-                <a:solidFill>
-                  <a:schemeClr val="tx1"/>
-                </a:solidFill>
-                <a:latin typeface="Times New Roman" panose="02020603050405020304" pitchFamily="18" charset="0"/>
-                <a:cs typeface="Times New Roman" panose="02020603050405020304" pitchFamily="18" charset="0"/>
-              </a:rPr>
-              <a:t>('mouse');</a:t>
-            </a:r>
-          </a:p>
-          <a:p>
-            <a:pPr marL="0" indent="0" algn="just">
-              <a:buNone/>
-            </a:pPr>
-            <a:r>
-              <a:rPr lang="pt-BR" sz="2400" dirty="0">
-                <a:solidFill>
-                  <a:schemeClr val="tx1"/>
-                </a:solidFill>
-                <a:latin typeface="Times New Roman" panose="02020603050405020304" pitchFamily="18" charset="0"/>
-                <a:cs typeface="Times New Roman" panose="02020603050405020304" pitchFamily="18" charset="0"/>
-              </a:rPr>
-              <a:t>        </a:t>
-            </a:r>
-            <a:r>
-              <a:rPr lang="pt-BR" sz="2400" dirty="0" err="1">
-                <a:solidFill>
-                  <a:schemeClr val="tx1"/>
-                </a:solidFill>
-                <a:latin typeface="Times New Roman" panose="02020603050405020304" pitchFamily="18" charset="0"/>
-                <a:cs typeface="Times New Roman" panose="02020603050405020304" pitchFamily="18" charset="0"/>
-              </a:rPr>
-              <a:t>div.style.backgroundColor</a:t>
+              <a:t>.backgroundColor</a:t>
             </a:r>
             <a:r>
               <a:rPr lang="pt-BR" sz="2400" dirty="0">
@@ -10934,6 +11190,61 @@
               <a:t> </a:t>
             </a:r>
             <a:r>
+              <a:rPr lang="pt-BR" sz="2400" b="1" dirty="0" err="1">
+                <a:solidFill>
+                  <a:srgbClr val="FF0000"/>
+                </a:solidFill>
+                <a:latin typeface="Times New Roman" panose="02020603050405020304" pitchFamily="18" charset="0"/>
+                <a:cs typeface="Times New Roman" panose="02020603050405020304" pitchFamily="18" charset="0"/>
+              </a:rPr>
+              <a:t>corAzulMouseOut</a:t>
+            </a:r>
+            <a:r>
+              <a:rPr lang="pt-BR" sz="2400" dirty="0">
+                <a:solidFill>
+                  <a:schemeClr val="tx1"/>
+                </a:solidFill>
+                <a:latin typeface="Times New Roman" panose="02020603050405020304" pitchFamily="18" charset="0"/>
+                <a:cs typeface="Times New Roman" panose="02020603050405020304" pitchFamily="18" charset="0"/>
+              </a:rPr>
+              <a:t>() {</a:t>
+            </a:r>
+          </a:p>
+          <a:p>
+            <a:pPr marL="0" indent="0" algn="just">
+              <a:buNone/>
+            </a:pPr>
+            <a:r>
+              <a:rPr lang="pt-BR" sz="2400" dirty="0">
+                <a:solidFill>
+                  <a:schemeClr val="tx1"/>
+                </a:solidFill>
+                <a:latin typeface="Times New Roman" panose="02020603050405020304" pitchFamily="18" charset="0"/>
+                <a:cs typeface="Times New Roman" panose="02020603050405020304" pitchFamily="18" charset="0"/>
+              </a:rPr>
+              <a:t>        </a:t>
+            </a:r>
+            <a:r>
+              <a:rPr lang="pt-BR" sz="2400" b="1" dirty="0" err="1">
+                <a:solidFill>
+                  <a:schemeClr val="tx1"/>
+                </a:solidFill>
+                <a:latin typeface="Times New Roman" panose="02020603050405020304" pitchFamily="18" charset="0"/>
+                <a:cs typeface="Times New Roman" panose="02020603050405020304" pitchFamily="18" charset="0"/>
+              </a:rPr>
+              <a:t>let</a:t>
+            </a:r>
+            <a:r>
+              <a:rPr lang="pt-BR" sz="2400" dirty="0">
+                <a:solidFill>
+                  <a:schemeClr val="tx1"/>
+                </a:solidFill>
+                <a:latin typeface="Times New Roman" panose="02020603050405020304" pitchFamily="18" charset="0"/>
+                <a:cs typeface="Times New Roman" panose="02020603050405020304" pitchFamily="18" charset="0"/>
+              </a:rPr>
+              <a:t> </a:t>
+            </a:r>
+            <a:r>
               <a:rPr lang="pt-BR" sz="2400" dirty="0" err="1">
                 <a:solidFill>
                   <a:schemeClr val="tx1"/>
@@ -10941,7 +11252,7 @@
                 <a:latin typeface="Times New Roman" panose="02020603050405020304" pitchFamily="18" charset="0"/>
                 <a:cs typeface="Times New Roman" panose="02020603050405020304" pitchFamily="18" charset="0"/>
               </a:rPr>
-              <a:t>corAzulMouseOut</a:t>
+              <a:t>div</a:t>
             </a:r>
             <a:r>
               <a:rPr lang="pt-BR" sz="2400" dirty="0">
@@ -10951,13 +11262,18 @@
                 <a:latin typeface="Times New Roman" panose="02020603050405020304" pitchFamily="18" charset="0"/>
                 <a:cs typeface="Times New Roman" panose="02020603050405020304" pitchFamily="18" charset="0"/>
               </a:rPr>
-              <a:t>() {</a:t>
-            </a:r>
-          </a:p>
-          <a:p>
-            <a:pPr marL="0" indent="0" algn="just">
-              <a:buNone/>
-            </a:pPr>
+              <a:t> = </a:t>
+            </a:r>
+            <a:r>
+              <a:rPr lang="pt-BR" sz="2400" dirty="0" err="1">
+                <a:solidFill>
+                  <a:schemeClr val="tx1"/>
+                </a:solidFill>
+                <a:latin typeface="Times New Roman" panose="02020603050405020304" pitchFamily="18" charset="0"/>
+                <a:cs typeface="Times New Roman" panose="02020603050405020304" pitchFamily="18" charset="0"/>
+              </a:rPr>
+              <a:t>document.getElementById</a:t>
+            </a:r>
             <a:r>
               <a:rPr lang="pt-BR" sz="2400" dirty="0">
                 <a:solidFill>
@@ -10966,9 +11282,34 @@
                 <a:latin typeface="Times New Roman" panose="02020603050405020304" pitchFamily="18" charset="0"/>
                 <a:cs typeface="Times New Roman" panose="02020603050405020304" pitchFamily="18" charset="0"/>
               </a:rPr>
+              <a:t>('mouse');</a:t>
+            </a:r>
+          </a:p>
+          <a:p>
+            <a:pPr marL="0" indent="0" algn="just">
+              <a:buNone/>
+            </a:pPr>
+            <a:r>
+              <a:rPr lang="pt-BR" sz="2400" dirty="0">
+                <a:solidFill>
+                  <a:schemeClr val="tx1"/>
+                </a:solidFill>
+                <a:latin typeface="Times New Roman" panose="02020603050405020304" pitchFamily="18" charset="0"/>
+                <a:cs typeface="Times New Roman" panose="02020603050405020304" pitchFamily="18" charset="0"/>
+              </a:rPr>
               <a:t>        </a:t>
             </a:r>
             <a:r>
+              <a:rPr lang="pt-BR" sz="2400" b="1" dirty="0" err="1">
+                <a:solidFill>
+                  <a:schemeClr val="tx1"/>
+                </a:solidFill>
+                <a:latin typeface="Times New Roman" panose="02020603050405020304" pitchFamily="18" charset="0"/>
+                <a:cs typeface="Times New Roman" panose="02020603050405020304" pitchFamily="18" charset="0"/>
+              </a:rPr>
+              <a:t>div</a:t>
+            </a:r>
+            <a:r>
               <a:rPr lang="pt-BR" sz="2400" dirty="0" err="1">
                 <a:solidFill>
                   <a:schemeClr val="tx1"/>
@@ -10976,17 +11317,17 @@
                 <a:latin typeface="Times New Roman" panose="02020603050405020304" pitchFamily="18" charset="0"/>
                 <a:cs typeface="Times New Roman" panose="02020603050405020304" pitchFamily="18" charset="0"/>
               </a:rPr>
-              <a:t>let</a:t>
-            </a:r>
-            <a:r>
-              <a:rPr lang="pt-BR" sz="2400" dirty="0">
-                <a:solidFill>
-                  <a:schemeClr val="tx1"/>
-                </a:solidFill>
-                <a:latin typeface="Times New Roman" panose="02020603050405020304" pitchFamily="18" charset="0"/>
-                <a:cs typeface="Times New Roman" panose="02020603050405020304" pitchFamily="18" charset="0"/>
-              </a:rPr>
-              <a:t> </a:t>
+              <a:t>.</a:t>
+            </a:r>
+            <a:r>
+              <a:rPr lang="pt-BR" sz="2400" b="1" dirty="0" err="1">
+                <a:solidFill>
+                  <a:srgbClr val="FF0000"/>
+                </a:solidFill>
+                <a:latin typeface="Times New Roman" panose="02020603050405020304" pitchFamily="18" charset="0"/>
+                <a:cs typeface="Times New Roman" panose="02020603050405020304" pitchFamily="18" charset="0"/>
+              </a:rPr>
+              <a:t>style</a:t>
             </a:r>
             <a:r>
               <a:rPr lang="pt-BR" sz="2400" dirty="0" err="1">
@@ -10996,62 +11337,7 @@
                 <a:latin typeface="Times New Roman" panose="02020603050405020304" pitchFamily="18" charset="0"/>
                 <a:cs typeface="Times New Roman" panose="02020603050405020304" pitchFamily="18" charset="0"/>
               </a:rPr>
-              <a:t>div</a:t>
-            </a:r>
-            <a:r>
-              <a:rPr lang="pt-BR" sz="2400" dirty="0">
-                <a:solidFill>
-                  <a:schemeClr val="tx1"/>
-                </a:solidFill>
-                <a:latin typeface="Times New Roman" panose="02020603050405020304" pitchFamily="18" charset="0"/>
-                <a:cs typeface="Times New Roman" panose="02020603050405020304" pitchFamily="18" charset="0"/>
-              </a:rPr>
-              <a:t> = </a:t>
-            </a:r>
-            <a:r>
-              <a:rPr lang="pt-BR" sz="2400" dirty="0" err="1">
-                <a:solidFill>
-                  <a:schemeClr val="tx1"/>
-                </a:solidFill>
-                <a:latin typeface="Times New Roman" panose="02020603050405020304" pitchFamily="18" charset="0"/>
-                <a:cs typeface="Times New Roman" panose="02020603050405020304" pitchFamily="18" charset="0"/>
-              </a:rPr>
-              <a:t>document.getElementById</a:t>
-            </a:r>
-            <a:r>
-              <a:rPr lang="pt-BR" sz="2400" dirty="0">
-                <a:solidFill>
-                  <a:schemeClr val="tx1"/>
-                </a:solidFill>
-                <a:latin typeface="Times New Roman" panose="02020603050405020304" pitchFamily="18" charset="0"/>
-                <a:cs typeface="Times New Roman" panose="02020603050405020304" pitchFamily="18" charset="0"/>
-              </a:rPr>
-              <a:t>('mouse');</a:t>
-            </a:r>
-          </a:p>
-          <a:p>
-            <a:pPr marL="0" indent="0" algn="just">
-              <a:buNone/>
-            </a:pPr>
-            <a:r>
-              <a:rPr lang="pt-BR" sz="2400" dirty="0">
-                <a:solidFill>
-                  <a:schemeClr val="tx1"/>
-                </a:solidFill>
-                <a:latin typeface="Times New Roman" panose="02020603050405020304" pitchFamily="18" charset="0"/>
-                <a:cs typeface="Times New Roman" panose="02020603050405020304" pitchFamily="18" charset="0"/>
-              </a:rPr>
-              <a:t>        </a:t>
-            </a:r>
-            <a:r>
-              <a:rPr lang="pt-BR" sz="2400" dirty="0" err="1">
-                <a:solidFill>
-                  <a:schemeClr val="tx1"/>
-                </a:solidFill>
-                <a:latin typeface="Times New Roman" panose="02020603050405020304" pitchFamily="18" charset="0"/>
-                <a:cs typeface="Times New Roman" panose="02020603050405020304" pitchFamily="18" charset="0"/>
-              </a:rPr>
-              <a:t>div.style.backgroundColor</a:t>
+              <a:t>.backgroundColor</a:t>
             </a:r>
             <a:r>
               <a:rPr lang="pt-BR" sz="2400" dirty="0">
@@ -11116,6 +11402,61 @@
               <a:t> </a:t>
             </a:r>
             <a:r>
+              <a:rPr lang="pt-BR" sz="2400" b="1" dirty="0" err="1">
+                <a:solidFill>
+                  <a:srgbClr val="FF0000"/>
+                </a:solidFill>
+                <a:latin typeface="Times New Roman" panose="02020603050405020304" pitchFamily="18" charset="0"/>
+                <a:cs typeface="Times New Roman" panose="02020603050405020304" pitchFamily="18" charset="0"/>
+              </a:rPr>
+              <a:t>adicionaTextoMouseMove</a:t>
+            </a:r>
+            <a:r>
+              <a:rPr lang="pt-BR" sz="2400" dirty="0">
+                <a:solidFill>
+                  <a:schemeClr val="tx1"/>
+                </a:solidFill>
+                <a:latin typeface="Times New Roman" panose="02020603050405020304" pitchFamily="18" charset="0"/>
+                <a:cs typeface="Times New Roman" panose="02020603050405020304" pitchFamily="18" charset="0"/>
+              </a:rPr>
+              <a:t>() {</a:t>
+            </a:r>
+          </a:p>
+          <a:p>
+            <a:pPr marL="0" indent="0" algn="just">
+              <a:buNone/>
+            </a:pPr>
+            <a:r>
+              <a:rPr lang="pt-BR" sz="2400" dirty="0">
+                <a:solidFill>
+                  <a:schemeClr val="tx1"/>
+                </a:solidFill>
+                <a:latin typeface="Times New Roman" panose="02020603050405020304" pitchFamily="18" charset="0"/>
+                <a:cs typeface="Times New Roman" panose="02020603050405020304" pitchFamily="18" charset="0"/>
+              </a:rPr>
+              <a:t>        </a:t>
+            </a:r>
+            <a:r>
+              <a:rPr lang="pt-BR" sz="2400" b="1" dirty="0" err="1">
+                <a:solidFill>
+                  <a:schemeClr val="tx1"/>
+                </a:solidFill>
+                <a:latin typeface="Times New Roman" panose="02020603050405020304" pitchFamily="18" charset="0"/>
+                <a:cs typeface="Times New Roman" panose="02020603050405020304" pitchFamily="18" charset="0"/>
+              </a:rPr>
+              <a:t>let</a:t>
+            </a:r>
+            <a:r>
+              <a:rPr lang="pt-BR" sz="2400" dirty="0">
+                <a:solidFill>
+                  <a:schemeClr val="tx1"/>
+                </a:solidFill>
+                <a:latin typeface="Times New Roman" panose="02020603050405020304" pitchFamily="18" charset="0"/>
+                <a:cs typeface="Times New Roman" panose="02020603050405020304" pitchFamily="18" charset="0"/>
+              </a:rPr>
+              <a:t> p = </a:t>
+            </a:r>
+            <a:r>
               <a:rPr lang="pt-BR" sz="2400" dirty="0" err="1">
                 <a:solidFill>
                   <a:schemeClr val="tx1"/>
@@ -11123,7 +11464,17 @@
                 <a:latin typeface="Times New Roman" panose="02020603050405020304" pitchFamily="18" charset="0"/>
                 <a:cs typeface="Times New Roman" panose="02020603050405020304" pitchFamily="18" charset="0"/>
               </a:rPr>
-              <a:t>adicionaTextoMouseMove</a:t>
+              <a:t>document.</a:t>
+            </a:r>
+            <a:r>
+              <a:rPr lang="pt-BR" sz="2400" b="1" dirty="0" err="1">
+                <a:solidFill>
+                  <a:schemeClr val="tx1"/>
+                </a:solidFill>
+                <a:latin typeface="Times New Roman" panose="02020603050405020304" pitchFamily="18" charset="0"/>
+                <a:cs typeface="Times New Roman" panose="02020603050405020304" pitchFamily="18" charset="0"/>
+              </a:rPr>
+              <a:t>getElementById</a:t>
             </a:r>
             <a:r>
               <a:rPr lang="pt-BR" sz="2400" dirty="0">
@@ -11133,13 +11484,18 @@
                 <a:latin typeface="Times New Roman" panose="02020603050405020304" pitchFamily="18" charset="0"/>
                 <a:cs typeface="Times New Roman" panose="02020603050405020304" pitchFamily="18" charset="0"/>
               </a:rPr>
-              <a:t>() {</a:t>
-            </a:r>
-          </a:p>
-          <a:p>
-            <a:pPr marL="0" indent="0" algn="just">
-              <a:buNone/>
-            </a:pPr>
+              <a:t>('</a:t>
+            </a:r>
+            <a:r>
+              <a:rPr lang="pt-BR" sz="2400" dirty="0" err="1">
+                <a:solidFill>
+                  <a:schemeClr val="tx1"/>
+                </a:solidFill>
+                <a:latin typeface="Times New Roman" panose="02020603050405020304" pitchFamily="18" charset="0"/>
+                <a:cs typeface="Times New Roman" panose="02020603050405020304" pitchFamily="18" charset="0"/>
+              </a:rPr>
+              <a:t>idTexto</a:t>
+            </a:r>
             <a:r>
               <a:rPr lang="pt-BR" sz="2400" dirty="0">
                 <a:solidFill>
@@ -11148,6 +11504,21 @@
                 <a:latin typeface="Times New Roman" panose="02020603050405020304" pitchFamily="18" charset="0"/>
                 <a:cs typeface="Times New Roman" panose="02020603050405020304" pitchFamily="18" charset="0"/>
               </a:rPr>
+              <a:t>');</a:t>
+            </a:r>
+          </a:p>
+          <a:p>
+            <a:pPr marL="0" indent="0" algn="just">
+              <a:buNone/>
+            </a:pPr>
+            <a:r>
+              <a:rPr lang="pt-BR" sz="2400" dirty="0">
+                <a:solidFill>
+                  <a:schemeClr val="tx1"/>
+                </a:solidFill>
+                <a:latin typeface="Times New Roman" panose="02020603050405020304" pitchFamily="18" charset="0"/>
+                <a:cs typeface="Times New Roman" panose="02020603050405020304" pitchFamily="18" charset="0"/>
+              </a:rPr>
               <a:t>        </a:t>
             </a:r>
             <a:r>
@@ -11158,82 +11529,17 @@
                 <a:latin typeface="Times New Roman" panose="02020603050405020304" pitchFamily="18" charset="0"/>
                 <a:cs typeface="Times New Roman" panose="02020603050405020304" pitchFamily="18" charset="0"/>
               </a:rPr>
-              <a:t>let</a:t>
-            </a:r>
-            <a:r>
-              <a:rPr lang="pt-BR" sz="2400" dirty="0">
-                <a:solidFill>
-                  <a:schemeClr val="tx1"/>
-                </a:solidFill>
-                <a:latin typeface="Times New Roman" panose="02020603050405020304" pitchFamily="18" charset="0"/>
-                <a:cs typeface="Times New Roman" panose="02020603050405020304" pitchFamily="18" charset="0"/>
-              </a:rPr>
-              <a:t> p = </a:t>
-            </a:r>
-            <a:r>
-              <a:rPr lang="pt-BR" sz="2400" dirty="0" err="1">
-                <a:solidFill>
-                  <a:schemeClr val="tx1"/>
-                </a:solidFill>
-                <a:latin typeface="Times New Roman" panose="02020603050405020304" pitchFamily="18" charset="0"/>
-                <a:cs typeface="Times New Roman" panose="02020603050405020304" pitchFamily="18" charset="0"/>
-              </a:rPr>
-              <a:t>document.getElementById</a:t>
-            </a:r>
-            <a:r>
-              <a:rPr lang="pt-BR" sz="2400" dirty="0">
-                <a:solidFill>
-                  <a:schemeClr val="tx1"/>
-                </a:solidFill>
-                <a:latin typeface="Times New Roman" panose="02020603050405020304" pitchFamily="18" charset="0"/>
-                <a:cs typeface="Times New Roman" panose="02020603050405020304" pitchFamily="18" charset="0"/>
-              </a:rPr>
-              <a:t>('</a:t>
-            </a:r>
-            <a:r>
-              <a:rPr lang="pt-BR" sz="2400" dirty="0" err="1">
-                <a:solidFill>
-                  <a:schemeClr val="tx1"/>
-                </a:solidFill>
-                <a:latin typeface="Times New Roman" panose="02020603050405020304" pitchFamily="18" charset="0"/>
-                <a:cs typeface="Times New Roman" panose="02020603050405020304" pitchFamily="18" charset="0"/>
-              </a:rPr>
-              <a:t>idTexto</a:t>
-            </a:r>
-            <a:r>
-              <a:rPr lang="pt-BR" sz="2400" dirty="0">
-                <a:solidFill>
-                  <a:schemeClr val="tx1"/>
-                </a:solidFill>
-                <a:latin typeface="Times New Roman" panose="02020603050405020304" pitchFamily="18" charset="0"/>
-                <a:cs typeface="Times New Roman" panose="02020603050405020304" pitchFamily="18" charset="0"/>
-              </a:rPr>
-              <a:t>');</a:t>
-            </a:r>
-          </a:p>
-          <a:p>
-            <a:pPr marL="0" indent="0" algn="just">
-              <a:buNone/>
-            </a:pPr>
-            <a:r>
-              <a:rPr lang="pt-BR" sz="2400" dirty="0">
-                <a:solidFill>
-                  <a:schemeClr val="tx1"/>
-                </a:solidFill>
-                <a:latin typeface="Times New Roman" panose="02020603050405020304" pitchFamily="18" charset="0"/>
-                <a:cs typeface="Times New Roman" panose="02020603050405020304" pitchFamily="18" charset="0"/>
-              </a:rPr>
-              <a:t>        </a:t>
-            </a:r>
-            <a:r>
-              <a:rPr lang="pt-BR" sz="2400" dirty="0" err="1">
-                <a:solidFill>
-                  <a:schemeClr val="tx1"/>
-                </a:solidFill>
-                <a:latin typeface="Times New Roman" panose="02020603050405020304" pitchFamily="18" charset="0"/>
-                <a:cs typeface="Times New Roman" panose="02020603050405020304" pitchFamily="18" charset="0"/>
-              </a:rPr>
-              <a:t>p.append</a:t>
+              <a:t>p.</a:t>
+            </a:r>
+            <a:r>
+              <a:rPr lang="pt-BR" sz="2400" b="1" dirty="0" err="1">
+                <a:solidFill>
+                  <a:schemeClr val="tx1"/>
+                </a:solidFill>
+                <a:latin typeface="Times New Roman" panose="02020603050405020304" pitchFamily="18" charset="0"/>
+                <a:cs typeface="Times New Roman" panose="02020603050405020304" pitchFamily="18" charset="0"/>
+              </a:rPr>
+              <a:t>append</a:t>
             </a:r>
             <a:r>
               <a:rPr lang="pt-BR" sz="2400" dirty="0">
@@ -13560,9 +13866,9 @@
               <a:t>	</a:t>
             </a:r>
             <a:r>
-              <a:rPr lang="pt-BR" sz="2000" dirty="0" err="1">
-                <a:solidFill>
-                  <a:schemeClr val="tx1"/>
+              <a:rPr lang="pt-BR" sz="2000" b="1" dirty="0" err="1">
+                <a:solidFill>
+                  <a:srgbClr val="FF0000"/>
                 </a:solidFill>
                 <a:latin typeface="Times New Roman" panose="02020603050405020304" pitchFamily="18" charset="0"/>
                 <a:cs typeface="Times New Roman" panose="02020603050405020304" pitchFamily="18" charset="0"/>
@@ -13992,7 +14298,7 @@
               <a:buNone/>
             </a:pPr>
             <a:r>
-              <a:rPr lang="pt-BR" sz="2000" b="1" dirty="0">
+              <a:rPr lang="pt-BR" sz="2400" b="1" dirty="0">
                 <a:solidFill>
                   <a:srgbClr val="FF0000"/>
                 </a:solidFill>
@@ -14002,7 +14308,7 @@
               <a:t>Exemplo</a:t>
             </a:r>
             <a:r>
-              <a:rPr lang="pt-BR" sz="2000" b="1" dirty="0">
+              <a:rPr lang="pt-BR" sz="2400" b="1" dirty="0">
                 <a:solidFill>
                   <a:schemeClr val="tx1"/>
                 </a:solidFill>
@@ -14016,7 +14322,7 @@
             <a:pPr marL="0" indent="0" algn="just">
               <a:buNone/>
             </a:pPr>
-            <a:endParaRPr lang="pt-BR" sz="2000" b="1" dirty="0">
+            <a:endParaRPr lang="pt-BR" sz="2400" b="1" dirty="0">
               <a:solidFill>
                 <a:schemeClr val="tx1"/>
               </a:solidFill>
@@ -14029,7 +14335,7 @@
               <a:buNone/>
             </a:pPr>
             <a:r>
-              <a:rPr lang="pt-BR" sz="2000" b="1" dirty="0" err="1">
+              <a:rPr lang="pt-BR" sz="2400" b="1" dirty="0" err="1">
                 <a:solidFill>
                   <a:schemeClr val="tx1"/>
                 </a:solidFill>
@@ -14039,21 +14345,61 @@
               <a:t>let</a:t>
             </a:r>
             <a:r>
-              <a:rPr lang="pt-BR" sz="2000" dirty="0">
-                <a:solidFill>
-                  <a:schemeClr val="tx1"/>
-                </a:solidFill>
-                <a:latin typeface="Times New Roman" panose="02020603050405020304" pitchFamily="18" charset="0"/>
-                <a:cs typeface="Times New Roman" panose="02020603050405020304" pitchFamily="18" charset="0"/>
-              </a:rPr>
-              <a:t> uno = new Carro(“fiat”, “uno”, 2001);</a:t>
-            </a:r>
-          </a:p>
-          <a:p>
-            <a:pPr marL="0" indent="0" algn="just">
-              <a:buNone/>
-            </a:pPr>
-            <a:endParaRPr lang="pt-BR" sz="2000" b="1" dirty="0">
+              <a:rPr lang="pt-BR" sz="2400" dirty="0">
+                <a:solidFill>
+                  <a:schemeClr val="tx1"/>
+                </a:solidFill>
+                <a:latin typeface="Times New Roman" panose="02020603050405020304" pitchFamily="18" charset="0"/>
+                <a:cs typeface="Times New Roman" panose="02020603050405020304" pitchFamily="18" charset="0"/>
+              </a:rPr>
+              <a:t> uno = </a:t>
+            </a:r>
+            <a:r>
+              <a:rPr lang="pt-BR" sz="2400" b="1" dirty="0">
+                <a:solidFill>
+                  <a:schemeClr val="tx1"/>
+                </a:solidFill>
+                <a:latin typeface="Times New Roman" panose="02020603050405020304" pitchFamily="18" charset="0"/>
+                <a:cs typeface="Times New Roman" panose="02020603050405020304" pitchFamily="18" charset="0"/>
+              </a:rPr>
+              <a:t>new</a:t>
+            </a:r>
+            <a:r>
+              <a:rPr lang="pt-BR" sz="2400" dirty="0">
+                <a:solidFill>
+                  <a:schemeClr val="tx1"/>
+                </a:solidFill>
+                <a:latin typeface="Times New Roman" panose="02020603050405020304" pitchFamily="18" charset="0"/>
+                <a:cs typeface="Times New Roman" panose="02020603050405020304" pitchFamily="18" charset="0"/>
+              </a:rPr>
+              <a:t> </a:t>
+            </a:r>
+            <a:r>
+              <a:rPr lang="pt-BR" sz="2400" b="1" dirty="0">
+                <a:solidFill>
+                  <a:srgbClr val="FF0000"/>
+                </a:solidFill>
+                <a:latin typeface="Times New Roman" panose="02020603050405020304" pitchFamily="18" charset="0"/>
+                <a:cs typeface="Times New Roman" panose="02020603050405020304" pitchFamily="18" charset="0"/>
+              </a:rPr>
+              <a:t>Carro</a:t>
+            </a:r>
+            <a:r>
+              <a:rPr lang="pt-BR" sz="2400" dirty="0">
+                <a:solidFill>
+                  <a:schemeClr val="tx1"/>
+                </a:solidFill>
+                <a:latin typeface="Times New Roman" panose="02020603050405020304" pitchFamily="18" charset="0"/>
+                <a:cs typeface="Times New Roman" panose="02020603050405020304" pitchFamily="18" charset="0"/>
+              </a:rPr>
+              <a:t>(“fiat”, “uno”, 2001);</a:t>
+            </a:r>
+          </a:p>
+          <a:p>
+            <a:pPr marL="0" indent="0" algn="just">
+              <a:buNone/>
+            </a:pPr>
+            <a:endParaRPr lang="pt-BR" sz="2400" b="1" dirty="0">
               <a:solidFill>
                 <a:schemeClr val="tx1"/>
               </a:solidFill>
@@ -14066,7 +14412,7 @@
               <a:buNone/>
             </a:pPr>
             <a:r>
-              <a:rPr lang="pt-BR" sz="2000" b="1" dirty="0" err="1">
+              <a:rPr lang="pt-BR" sz="2400" b="1" dirty="0" err="1">
                 <a:solidFill>
                   <a:schemeClr val="tx1"/>
                 </a:solidFill>
@@ -14076,17 +14422,57 @@
               <a:t>let</a:t>
             </a:r>
             <a:r>
-              <a:rPr lang="pt-BR" sz="2000" dirty="0">
-                <a:solidFill>
-                  <a:schemeClr val="tx1"/>
-                </a:solidFill>
-                <a:latin typeface="Times New Roman" panose="02020603050405020304" pitchFamily="18" charset="0"/>
-                <a:cs typeface="Times New Roman" panose="02020603050405020304" pitchFamily="18" charset="0"/>
-              </a:rPr>
-              <a:t> gol = new Carro(“</a:t>
-            </a:r>
-            <a:r>
-              <a:rPr lang="pt-BR" sz="2000" dirty="0" err="1">
+              <a:rPr lang="pt-BR" sz="2400" dirty="0">
+                <a:solidFill>
+                  <a:schemeClr val="tx1"/>
+                </a:solidFill>
+                <a:latin typeface="Times New Roman" panose="02020603050405020304" pitchFamily="18" charset="0"/>
+                <a:cs typeface="Times New Roman" panose="02020603050405020304" pitchFamily="18" charset="0"/>
+              </a:rPr>
+              <a:t> gol = </a:t>
+            </a:r>
+            <a:r>
+              <a:rPr lang="pt-BR" sz="2400" b="1" dirty="0">
+                <a:solidFill>
+                  <a:schemeClr val="tx1"/>
+                </a:solidFill>
+                <a:latin typeface="Times New Roman" panose="02020603050405020304" pitchFamily="18" charset="0"/>
+                <a:cs typeface="Times New Roman" panose="02020603050405020304" pitchFamily="18" charset="0"/>
+              </a:rPr>
+              <a:t>new</a:t>
+            </a:r>
+            <a:r>
+              <a:rPr lang="pt-BR" sz="2400" dirty="0">
+                <a:solidFill>
+                  <a:schemeClr val="tx1"/>
+                </a:solidFill>
+                <a:latin typeface="Times New Roman" panose="02020603050405020304" pitchFamily="18" charset="0"/>
+                <a:cs typeface="Times New Roman" panose="02020603050405020304" pitchFamily="18" charset="0"/>
+              </a:rPr>
+              <a:t> </a:t>
+            </a:r>
+            <a:r>
+              <a:rPr lang="pt-BR" sz="2400" b="1" dirty="0">
+                <a:solidFill>
+                  <a:srgbClr val="FF0000"/>
+                </a:solidFill>
+                <a:latin typeface="Times New Roman" panose="02020603050405020304" pitchFamily="18" charset="0"/>
+                <a:cs typeface="Times New Roman" panose="02020603050405020304" pitchFamily="18" charset="0"/>
+              </a:rPr>
+              <a:t>Carro</a:t>
+            </a:r>
+            <a:r>
+              <a:rPr lang="pt-BR" sz="2400" dirty="0">
+                <a:solidFill>
+                  <a:schemeClr val="tx1"/>
+                </a:solidFill>
+                <a:latin typeface="Times New Roman" panose="02020603050405020304" pitchFamily="18" charset="0"/>
+                <a:cs typeface="Times New Roman" panose="02020603050405020304" pitchFamily="18" charset="0"/>
+              </a:rPr>
+              <a:t>(“</a:t>
+            </a:r>
+            <a:r>
+              <a:rPr lang="pt-BR" sz="2400" dirty="0" err="1">
                 <a:solidFill>
                   <a:schemeClr val="tx1"/>
                 </a:solidFill>
@@ -14096,7 +14482,7 @@
               <a:t>volkswagen</a:t>
             </a:r>
             <a:r>
-              <a:rPr lang="pt-BR" sz="2000" dirty="0">
+              <a:rPr lang="pt-BR" sz="2400" dirty="0">
                 <a:solidFill>
                   <a:schemeClr val="tx1"/>
                 </a:solidFill>
@@ -14110,7 +14496,7 @@
             <a:pPr marL="0" indent="0" algn="just">
               <a:buNone/>
             </a:pPr>
-            <a:endParaRPr lang="pt-BR" sz="2000" b="1" dirty="0">
+            <a:endParaRPr lang="pt-BR" sz="2400" b="1" dirty="0">
               <a:solidFill>
                 <a:schemeClr val="tx1"/>
               </a:solidFill>
@@ -14123,17 +14509,17 @@
               <a:buNone/>
             </a:pPr>
             <a:r>
-              <a:rPr lang="pt-BR" sz="2000" b="1" dirty="0">
-                <a:solidFill>
-                  <a:schemeClr val="tx1"/>
-                </a:solidFill>
-                <a:latin typeface="Times New Roman" panose="02020603050405020304" pitchFamily="18" charset="0"/>
-                <a:cs typeface="Times New Roman" panose="02020603050405020304" pitchFamily="18" charset="0"/>
-              </a:rPr>
-              <a:t>Console.log</a:t>
-            </a:r>
-            <a:r>
-              <a:rPr lang="pt-BR" sz="2000" dirty="0">
+              <a:rPr lang="pt-BR" sz="2400" b="1" dirty="0">
+                <a:solidFill>
+                  <a:schemeClr val="tx1"/>
+                </a:solidFill>
+                <a:latin typeface="Times New Roman" panose="02020603050405020304" pitchFamily="18" charset="0"/>
+                <a:cs typeface="Times New Roman" panose="02020603050405020304" pitchFamily="18" charset="0"/>
+              </a:rPr>
+              <a:t>console.log</a:t>
+            </a:r>
+            <a:r>
+              <a:rPr lang="pt-BR" sz="2400" dirty="0">
                 <a:solidFill>
                   <a:schemeClr val="tx1"/>
                 </a:solidFill>
@@ -14148,17 +14534,17 @@
               <a:buNone/>
             </a:pPr>
             <a:r>
-              <a:rPr lang="pt-BR" sz="2000" b="1" dirty="0">
-                <a:solidFill>
-                  <a:schemeClr val="tx1"/>
-                </a:solidFill>
-                <a:latin typeface="Times New Roman" panose="02020603050405020304" pitchFamily="18" charset="0"/>
-                <a:cs typeface="Times New Roman" panose="02020603050405020304" pitchFamily="18" charset="0"/>
-              </a:rPr>
-              <a:t>Console.log</a:t>
-            </a:r>
-            <a:r>
-              <a:rPr lang="pt-BR" sz="2000" dirty="0">
+              <a:rPr lang="pt-BR" sz="2400" b="1" dirty="0">
+                <a:solidFill>
+                  <a:schemeClr val="tx1"/>
+                </a:solidFill>
+                <a:latin typeface="Times New Roman" panose="02020603050405020304" pitchFamily="18" charset="0"/>
+                <a:cs typeface="Times New Roman" panose="02020603050405020304" pitchFamily="18" charset="0"/>
+              </a:rPr>
+              <a:t>console.log</a:t>
+            </a:r>
+            <a:r>
+              <a:rPr lang="pt-BR" sz="2400" dirty="0">
                 <a:solidFill>
                   <a:schemeClr val="tx1"/>
                 </a:solidFill>
@@ -14173,17 +14559,17 @@
               <a:buNone/>
             </a:pPr>
             <a:r>
-              <a:rPr lang="pt-BR" sz="2000" b="1" dirty="0">
-                <a:solidFill>
-                  <a:schemeClr val="tx1"/>
-                </a:solidFill>
-                <a:latin typeface="Times New Roman" panose="02020603050405020304" pitchFamily="18" charset="0"/>
-                <a:cs typeface="Times New Roman" panose="02020603050405020304" pitchFamily="18" charset="0"/>
-              </a:rPr>
-              <a:t>Console.log</a:t>
-            </a:r>
-            <a:r>
-              <a:rPr lang="pt-BR" sz="2000" dirty="0">
+              <a:rPr lang="pt-BR" sz="2400" b="1" dirty="0">
+                <a:solidFill>
+                  <a:schemeClr val="tx1"/>
+                </a:solidFill>
+                <a:latin typeface="Times New Roman" panose="02020603050405020304" pitchFamily="18" charset="0"/>
+                <a:cs typeface="Times New Roman" panose="02020603050405020304" pitchFamily="18" charset="0"/>
+              </a:rPr>
+              <a:t>console.log</a:t>
+            </a:r>
+            <a:r>
+              <a:rPr lang="pt-BR" sz="2400" dirty="0">
                 <a:solidFill>
                   <a:schemeClr val="tx1"/>
                 </a:solidFill>
@@ -14193,7 +14579,7 @@
               <a:t>(</a:t>
             </a:r>
             <a:r>
-              <a:rPr lang="pt-BR" sz="2000" dirty="0" err="1">
+              <a:rPr lang="pt-BR" sz="2400" dirty="0" err="1">
                 <a:solidFill>
                   <a:schemeClr val="tx1"/>
                 </a:solidFill>
@@ -14203,7 +14589,7 @@
               <a:t>gol.ano</a:t>
             </a:r>
             <a:r>
-              <a:rPr lang="pt-BR" sz="2000" dirty="0">
+              <a:rPr lang="pt-BR" sz="2400" dirty="0">
                 <a:solidFill>
                   <a:schemeClr val="tx1"/>
                 </a:solidFill>
@@ -14217,7 +14603,7 @@
             <a:pPr marL="0" indent="0" algn="just">
               <a:buNone/>
             </a:pPr>
-            <a:endParaRPr lang="pt-BR" sz="2000" b="1" dirty="0">
+            <a:endParaRPr lang="pt-BR" sz="2400" b="1" dirty="0">
               <a:solidFill>
                 <a:schemeClr val="tx1"/>
               </a:solidFill>
@@ -14463,7 +14849,17 @@
                 <a:latin typeface="Times New Roman" panose="02020603050405020304" pitchFamily="18" charset="0"/>
                 <a:cs typeface="Times New Roman" panose="02020603050405020304" pitchFamily="18" charset="0"/>
               </a:rPr>
-              <a:t>data.getFullYear</a:t>
+              <a:t>data.</a:t>
+            </a:r>
+            <a:r>
+              <a:rPr lang="pt-BR" sz="2000" b="1" dirty="0" err="1">
+                <a:solidFill>
+                  <a:srgbClr val="FF0000"/>
+                </a:solidFill>
+                <a:latin typeface="Times New Roman" panose="02020603050405020304" pitchFamily="18" charset="0"/>
+                <a:cs typeface="Times New Roman" panose="02020603050405020304" pitchFamily="18" charset="0"/>
+              </a:rPr>
+              <a:t>getFullYear</a:t>
             </a:r>
             <a:r>
               <a:rPr lang="pt-BR" sz="2000" dirty="0">
@@ -14508,7 +14904,17 @@
                 <a:latin typeface="Times New Roman" panose="02020603050405020304" pitchFamily="18" charset="0"/>
                 <a:cs typeface="Times New Roman" panose="02020603050405020304" pitchFamily="18" charset="0"/>
               </a:rPr>
-              <a:t>data.getMonth</a:t>
+              <a:t>data.</a:t>
+            </a:r>
+            <a:r>
+              <a:rPr lang="pt-BR" sz="2000" b="1" dirty="0" err="1">
+                <a:solidFill>
+                  <a:srgbClr val="FF0000"/>
+                </a:solidFill>
+                <a:latin typeface="Times New Roman" panose="02020603050405020304" pitchFamily="18" charset="0"/>
+                <a:cs typeface="Times New Roman" panose="02020603050405020304" pitchFamily="18" charset="0"/>
+              </a:rPr>
+              <a:t>getMonth</a:t>
             </a:r>
             <a:r>
               <a:rPr lang="pt-BR" sz="2000" dirty="0">
@@ -14553,7 +14959,17 @@
                 <a:latin typeface="Times New Roman" panose="02020603050405020304" pitchFamily="18" charset="0"/>
                 <a:cs typeface="Times New Roman" panose="02020603050405020304" pitchFamily="18" charset="0"/>
               </a:rPr>
-              <a:t>data.getDate</a:t>
+              <a:t>data.</a:t>
+            </a:r>
+            <a:r>
+              <a:rPr lang="pt-BR" sz="2000" b="1" dirty="0" err="1">
+                <a:solidFill>
+                  <a:srgbClr val="FF0000"/>
+                </a:solidFill>
+                <a:latin typeface="Times New Roman" panose="02020603050405020304" pitchFamily="18" charset="0"/>
+                <a:cs typeface="Times New Roman" panose="02020603050405020304" pitchFamily="18" charset="0"/>
+              </a:rPr>
+              <a:t>getDate</a:t>
             </a:r>
             <a:r>
               <a:rPr lang="pt-BR" sz="2000" dirty="0">
@@ -14598,7 +15014,17 @@
                 <a:latin typeface="Times New Roman" panose="02020603050405020304" pitchFamily="18" charset="0"/>
                 <a:cs typeface="Times New Roman" panose="02020603050405020304" pitchFamily="18" charset="0"/>
               </a:rPr>
-              <a:t>data.getDay</a:t>
+              <a:t>data.</a:t>
+            </a:r>
+            <a:r>
+              <a:rPr lang="pt-BR" sz="2000" b="1" dirty="0" err="1">
+                <a:solidFill>
+                  <a:srgbClr val="FF0000"/>
+                </a:solidFill>
+                <a:latin typeface="Times New Roman" panose="02020603050405020304" pitchFamily="18" charset="0"/>
+                <a:cs typeface="Times New Roman" panose="02020603050405020304" pitchFamily="18" charset="0"/>
+              </a:rPr>
+              <a:t>getDay</a:t>
             </a:r>
             <a:r>
               <a:rPr lang="pt-BR" sz="2000" dirty="0">
@@ -14643,7 +15069,17 @@
                 <a:latin typeface="Times New Roman" panose="02020603050405020304" pitchFamily="18" charset="0"/>
                 <a:cs typeface="Times New Roman" panose="02020603050405020304" pitchFamily="18" charset="0"/>
               </a:rPr>
-              <a:t>data.getHours</a:t>
+              <a:t>data.</a:t>
+            </a:r>
+            <a:r>
+              <a:rPr lang="pt-BR" sz="2000" b="1" dirty="0" err="1">
+                <a:solidFill>
+                  <a:srgbClr val="FF0000"/>
+                </a:solidFill>
+                <a:latin typeface="Times New Roman" panose="02020603050405020304" pitchFamily="18" charset="0"/>
+                <a:cs typeface="Times New Roman" panose="02020603050405020304" pitchFamily="18" charset="0"/>
+              </a:rPr>
+              <a:t>getHours</a:t>
             </a:r>
             <a:r>
               <a:rPr lang="pt-BR" sz="2000" dirty="0">
@@ -14688,7 +15124,17 @@
                 <a:latin typeface="Times New Roman" panose="02020603050405020304" pitchFamily="18" charset="0"/>
                 <a:cs typeface="Times New Roman" panose="02020603050405020304" pitchFamily="18" charset="0"/>
               </a:rPr>
-              <a:t>data.getMinutes</a:t>
+              <a:t>data.</a:t>
+            </a:r>
+            <a:r>
+              <a:rPr lang="pt-BR" sz="2000" b="1" dirty="0" err="1">
+                <a:solidFill>
+                  <a:srgbClr val="FF0000"/>
+                </a:solidFill>
+                <a:latin typeface="Times New Roman" panose="02020603050405020304" pitchFamily="18" charset="0"/>
+                <a:cs typeface="Times New Roman" panose="02020603050405020304" pitchFamily="18" charset="0"/>
+              </a:rPr>
+              <a:t>getMinutes</a:t>
             </a:r>
             <a:r>
               <a:rPr lang="pt-BR" sz="2000" dirty="0">
@@ -14733,7 +15179,17 @@
                 <a:latin typeface="Times New Roman" panose="02020603050405020304" pitchFamily="18" charset="0"/>
                 <a:cs typeface="Times New Roman" panose="02020603050405020304" pitchFamily="18" charset="0"/>
               </a:rPr>
-              <a:t>data.getSeconds</a:t>
+              <a:t>data.</a:t>
+            </a:r>
+            <a:r>
+              <a:rPr lang="pt-BR" sz="2000" b="1" dirty="0" err="1">
+                <a:solidFill>
+                  <a:srgbClr val="FF0000"/>
+                </a:solidFill>
+                <a:latin typeface="Times New Roman" panose="02020603050405020304" pitchFamily="18" charset="0"/>
+                <a:cs typeface="Times New Roman" panose="02020603050405020304" pitchFamily="18" charset="0"/>
+              </a:rPr>
+              <a:t>getSeconds</a:t>
             </a:r>
             <a:r>
               <a:rPr lang="pt-BR" sz="2000" dirty="0">
@@ -14778,7 +15234,17 @@
                 <a:latin typeface="Times New Roman" panose="02020603050405020304" pitchFamily="18" charset="0"/>
                 <a:cs typeface="Times New Roman" panose="02020603050405020304" pitchFamily="18" charset="0"/>
               </a:rPr>
-              <a:t>data.getMilliseconds</a:t>
+              <a:t>data.</a:t>
+            </a:r>
+            <a:r>
+              <a:rPr lang="pt-BR" sz="2000" b="1" dirty="0" err="1">
+                <a:solidFill>
+                  <a:srgbClr val="FF0000"/>
+                </a:solidFill>
+                <a:latin typeface="Times New Roman" panose="02020603050405020304" pitchFamily="18" charset="0"/>
+                <a:cs typeface="Times New Roman" panose="02020603050405020304" pitchFamily="18" charset="0"/>
+              </a:rPr>
+              <a:t>getMilliseconds</a:t>
             </a:r>
             <a:r>
               <a:rPr lang="pt-BR" sz="2000" dirty="0">
@@ -15105,7 +15571,17 @@
                 <a:latin typeface="Times New Roman" panose="02020603050405020304" pitchFamily="18" charset="0"/>
                 <a:cs typeface="Times New Roman" panose="02020603050405020304" pitchFamily="18" charset="0"/>
               </a:rPr>
-              <a:t>data.toLocaleString</a:t>
+              <a:t>data.</a:t>
+            </a:r>
+            <a:r>
+              <a:rPr lang="pt-BR" sz="2000" b="1" dirty="0" err="1">
+                <a:solidFill>
+                  <a:srgbClr val="FF0000"/>
+                </a:solidFill>
+                <a:latin typeface="Times New Roman" panose="02020603050405020304" pitchFamily="18" charset="0"/>
+                <a:cs typeface="Times New Roman" panose="02020603050405020304" pitchFamily="18" charset="0"/>
+              </a:rPr>
+              <a:t>toLocaleString</a:t>
             </a:r>
             <a:r>
               <a:rPr lang="pt-BR" sz="2000" dirty="0">
@@ -15437,7 +15913,7 @@
             <a:r>
               <a:rPr lang="pt-BR" sz="2000" b="1" dirty="0" err="1">
                 <a:solidFill>
-                  <a:schemeClr val="tx1"/>
+                  <a:srgbClr val="FF0000"/>
                 </a:solidFill>
                 <a:latin typeface="Times New Roman" panose="02020603050405020304" pitchFamily="18" charset="0"/>
                 <a:cs typeface="Times New Roman" panose="02020603050405020304" pitchFamily="18" charset="0"/>
@@ -15835,7 +16311,47 @@
                 <a:latin typeface="Times New Roman" panose="02020603050405020304" pitchFamily="18" charset="0"/>
                 <a:cs typeface="Times New Roman" panose="02020603050405020304" pitchFamily="18" charset="0"/>
               </a:rPr>
-              <a:t> vencimento = new Date(2021, 1, 18); // Ano, mês, dia</a:t>
+              <a:t> vencimento = </a:t>
+            </a:r>
+            <a:r>
+              <a:rPr lang="pt-BR" sz="2000" b="1" dirty="0">
+                <a:solidFill>
+                  <a:schemeClr val="tx1"/>
+                </a:solidFill>
+                <a:latin typeface="Times New Roman" panose="02020603050405020304" pitchFamily="18" charset="0"/>
+                <a:cs typeface="Times New Roman" panose="02020603050405020304" pitchFamily="18" charset="0"/>
+              </a:rPr>
+              <a:t>new</a:t>
+            </a:r>
+            <a:r>
+              <a:rPr lang="pt-BR" sz="2000" dirty="0">
+                <a:solidFill>
+                  <a:schemeClr val="tx1"/>
+                </a:solidFill>
+                <a:latin typeface="Times New Roman" panose="02020603050405020304" pitchFamily="18" charset="0"/>
+                <a:cs typeface="Times New Roman" panose="02020603050405020304" pitchFamily="18" charset="0"/>
+              </a:rPr>
+              <a:t> </a:t>
+            </a:r>
+            <a:r>
+              <a:rPr lang="pt-BR" sz="2000" b="1" dirty="0">
+                <a:solidFill>
+                  <a:srgbClr val="FF0000"/>
+                </a:solidFill>
+                <a:latin typeface="Times New Roman" panose="02020603050405020304" pitchFamily="18" charset="0"/>
+                <a:cs typeface="Times New Roman" panose="02020603050405020304" pitchFamily="18" charset="0"/>
+              </a:rPr>
+              <a:t>Date</a:t>
+            </a:r>
+            <a:r>
+              <a:rPr lang="pt-BR" sz="2000" dirty="0">
+                <a:solidFill>
+                  <a:schemeClr val="tx1"/>
+                </a:solidFill>
+                <a:latin typeface="Times New Roman" panose="02020603050405020304" pitchFamily="18" charset="0"/>
+                <a:cs typeface="Times New Roman" panose="02020603050405020304" pitchFamily="18" charset="0"/>
+              </a:rPr>
+              <a:t>(2021, 1, 18); // Ano, mês, dia</a:t>
             </a:r>
           </a:p>
           <a:p>
@@ -15887,7 +16403,27 @@
                 <a:latin typeface="Times New Roman" panose="02020603050405020304" pitchFamily="18" charset="0"/>
                 <a:cs typeface="Times New Roman" panose="02020603050405020304" pitchFamily="18" charset="0"/>
               </a:rPr>
-              <a:t>	console.log(‘Documento Vencido!!!’) }</a:t>
+              <a:t>	</a:t>
+            </a:r>
+            <a:r>
+              <a:rPr lang="pt-BR" sz="2000" b="1" dirty="0">
+                <a:solidFill>
+                  <a:schemeClr val="tx1"/>
+                </a:solidFill>
+                <a:latin typeface="Times New Roman" panose="02020603050405020304" pitchFamily="18" charset="0"/>
+                <a:cs typeface="Times New Roman" panose="02020603050405020304" pitchFamily="18" charset="0"/>
+              </a:rPr>
+              <a:t>console</a:t>
+            </a:r>
+            <a:r>
+              <a:rPr lang="pt-BR" sz="2000" dirty="0">
+                <a:solidFill>
+                  <a:schemeClr val="tx1"/>
+                </a:solidFill>
+                <a:latin typeface="Times New Roman" panose="02020603050405020304" pitchFamily="18" charset="0"/>
+                <a:cs typeface="Times New Roman" panose="02020603050405020304" pitchFamily="18" charset="0"/>
+              </a:rPr>
+              <a:t>.log(‘Documento Vencido!!!’) }</a:t>
             </a:r>
           </a:p>
           <a:p>
@@ -15927,7 +16463,27 @@
                 <a:latin typeface="Times New Roman" panose="02020603050405020304" pitchFamily="18" charset="0"/>
                 <a:cs typeface="Times New Roman" panose="02020603050405020304" pitchFamily="18" charset="0"/>
               </a:rPr>
-              <a:t>	console.log(‘Documento não venceu!!!’) }</a:t>
+              <a:t>	</a:t>
+            </a:r>
+            <a:r>
+              <a:rPr lang="pt-BR" sz="2000" b="1" dirty="0">
+                <a:solidFill>
+                  <a:schemeClr val="tx1"/>
+                </a:solidFill>
+                <a:latin typeface="Times New Roman" panose="02020603050405020304" pitchFamily="18" charset="0"/>
+                <a:cs typeface="Times New Roman" panose="02020603050405020304" pitchFamily="18" charset="0"/>
+              </a:rPr>
+              <a:t>console</a:t>
+            </a:r>
+            <a:r>
+              <a:rPr lang="pt-BR" sz="2000" dirty="0">
+                <a:solidFill>
+                  <a:schemeClr val="tx1"/>
+                </a:solidFill>
+                <a:latin typeface="Times New Roman" panose="02020603050405020304" pitchFamily="18" charset="0"/>
+                <a:cs typeface="Times New Roman" panose="02020603050405020304" pitchFamily="18" charset="0"/>
+              </a:rPr>
+              <a:t>.log(‘Documento não venceu!!!’) }</a:t>
             </a:r>
           </a:p>
         </p:txBody>
@@ -16317,7 +16873,17 @@
                 <a:latin typeface="Times New Roman" panose="02020603050405020304" pitchFamily="18" charset="0"/>
                 <a:cs typeface="Times New Roman" panose="02020603050405020304" pitchFamily="18" charset="0"/>
               </a:rPr>
-              <a:t>dataFinal.getTime</a:t>
+              <a:t>dataFinal.</a:t>
+            </a:r>
+            <a:r>
+              <a:rPr lang="pt-BR" sz="2000" b="1" dirty="0" err="1">
+                <a:solidFill>
+                  <a:srgbClr val="FF0000"/>
+                </a:solidFill>
+                <a:latin typeface="Times New Roman" panose="02020603050405020304" pitchFamily="18" charset="0"/>
+                <a:cs typeface="Times New Roman" panose="02020603050405020304" pitchFamily="18" charset="0"/>
+              </a:rPr>
+              <a:t>getTime</a:t>
             </a:r>
             <a:r>
               <a:rPr lang="pt-BR" sz="2000" dirty="0">
@@ -16337,7 +16903,17 @@
                 <a:latin typeface="Times New Roman" panose="02020603050405020304" pitchFamily="18" charset="0"/>
                 <a:cs typeface="Times New Roman" panose="02020603050405020304" pitchFamily="18" charset="0"/>
               </a:rPr>
-              <a:t>dataInicial.getTime</a:t>
+              <a:t>dataInicial.</a:t>
+            </a:r>
+            <a:r>
+              <a:rPr lang="pt-BR" sz="2000" b="1" dirty="0" err="1">
+                <a:solidFill>
+                  <a:srgbClr val="FF0000"/>
+                </a:solidFill>
+                <a:latin typeface="Times New Roman" panose="02020603050405020304" pitchFamily="18" charset="0"/>
+                <a:cs typeface="Times New Roman" panose="02020603050405020304" pitchFamily="18" charset="0"/>
+              </a:rPr>
+              <a:t>getTime</a:t>
             </a:r>
             <a:r>
               <a:rPr lang="pt-BR" sz="2000" dirty="0">
@@ -16424,7 +17000,17 @@
                 <a:latin typeface="Times New Roman" panose="02020603050405020304" pitchFamily="18" charset="0"/>
                 <a:cs typeface="Times New Roman" panose="02020603050405020304" pitchFamily="18" charset="0"/>
               </a:rPr>
-              <a:t>.ceil</a:t>
+              <a:t>.</a:t>
+            </a:r>
+            <a:r>
+              <a:rPr lang="pt-BR" sz="2000" b="1" dirty="0" err="1">
+                <a:solidFill>
+                  <a:srgbClr val="FF0000"/>
+                </a:solidFill>
+                <a:latin typeface="Times New Roman" panose="02020603050405020304" pitchFamily="18" charset="0"/>
+                <a:cs typeface="Times New Roman" panose="02020603050405020304" pitchFamily="18" charset="0"/>
+              </a:rPr>
+              <a:t>ceil</a:t>
             </a:r>
             <a:r>
               <a:rPr lang="pt-BR" sz="2000" dirty="0">
@@ -16880,21 +17466,8 @@
                   <a:srgbClr val="0070C0"/>
                 </a:solidFill>
               </a:rPr>
-              <a:t>JS – </a:t>
-            </a:r>
-            <a:r>
-              <a:rPr lang="en-US" b="1" dirty="0" err="1">
-                <a:solidFill>
-                  <a:srgbClr val="0070C0"/>
-                </a:solidFill>
-              </a:rPr>
-              <a:t>Json</a:t>
-            </a:r>
-            <a:endParaRPr lang="en-US" b="1" dirty="0">
-              <a:solidFill>
-                <a:srgbClr val="0070C0"/>
-              </a:solidFill>
-            </a:endParaRPr>
+              <a:t>JS – JSON</a:t>
+            </a:r>
           </a:p>
         </p:txBody>
       </p:sp>
@@ -17120,7 +17693,47 @@
                 <a:latin typeface="Times New Roman" panose="02020603050405020304" pitchFamily="18" charset="0"/>
                 <a:cs typeface="Times New Roman" panose="02020603050405020304" pitchFamily="18" charset="0"/>
               </a:rPr>
-              <a:t>() -&gt; converte texto para JSON em objetos;</a:t>
+              <a:t>() -&gt; </a:t>
+            </a:r>
+            <a:r>
+              <a:rPr lang="pt-BR" sz="2000" b="1" dirty="0">
+                <a:solidFill>
+                  <a:schemeClr val="tx1"/>
+                </a:solidFill>
+                <a:latin typeface="Times New Roman" panose="02020603050405020304" pitchFamily="18" charset="0"/>
+                <a:cs typeface="Times New Roman" panose="02020603050405020304" pitchFamily="18" charset="0"/>
+              </a:rPr>
+              <a:t>converte texto </a:t>
+            </a:r>
+            <a:r>
+              <a:rPr lang="pt-BR" sz="2000" dirty="0">
+                <a:solidFill>
+                  <a:schemeClr val="tx1"/>
+                </a:solidFill>
+                <a:latin typeface="Times New Roman" panose="02020603050405020304" pitchFamily="18" charset="0"/>
+                <a:cs typeface="Times New Roman" panose="02020603050405020304" pitchFamily="18" charset="0"/>
+              </a:rPr>
+              <a:t>para </a:t>
+            </a:r>
+            <a:r>
+              <a:rPr lang="pt-BR" sz="2000" b="1" dirty="0">
+                <a:solidFill>
+                  <a:srgbClr val="FF0000"/>
+                </a:solidFill>
+                <a:latin typeface="Times New Roman" panose="02020603050405020304" pitchFamily="18" charset="0"/>
+                <a:cs typeface="Times New Roman" panose="02020603050405020304" pitchFamily="18" charset="0"/>
+              </a:rPr>
+              <a:t>JSON em objetos</a:t>
+            </a:r>
+            <a:r>
+              <a:rPr lang="pt-BR" sz="2000" dirty="0">
+                <a:solidFill>
+                  <a:schemeClr val="tx1"/>
+                </a:solidFill>
+                <a:latin typeface="Times New Roman" panose="02020603050405020304" pitchFamily="18" charset="0"/>
+                <a:cs typeface="Times New Roman" panose="02020603050405020304" pitchFamily="18" charset="0"/>
+              </a:rPr>
+              <a:t>;</a:t>
             </a:r>
           </a:p>
           <a:p>
@@ -17175,7 +17788,47 @@
                 <a:latin typeface="Times New Roman" panose="02020603050405020304" pitchFamily="18" charset="0"/>
                 <a:cs typeface="Times New Roman" panose="02020603050405020304" pitchFamily="18" charset="0"/>
               </a:rPr>
-              <a:t>() -&gt; converte objetos em texto padrão JSON.</a:t>
+              <a:t>() -&gt; </a:t>
+            </a:r>
+            <a:r>
+              <a:rPr lang="pt-BR" sz="2000" b="1" dirty="0">
+                <a:solidFill>
+                  <a:srgbClr val="FF0000"/>
+                </a:solidFill>
+                <a:latin typeface="Times New Roman" panose="02020603050405020304" pitchFamily="18" charset="0"/>
+                <a:cs typeface="Times New Roman" panose="02020603050405020304" pitchFamily="18" charset="0"/>
+              </a:rPr>
+              <a:t>converte objetos</a:t>
+            </a:r>
+            <a:r>
+              <a:rPr lang="pt-BR" sz="2000" dirty="0">
+                <a:solidFill>
+                  <a:schemeClr val="tx1"/>
+                </a:solidFill>
+                <a:latin typeface="Times New Roman" panose="02020603050405020304" pitchFamily="18" charset="0"/>
+                <a:cs typeface="Times New Roman" panose="02020603050405020304" pitchFamily="18" charset="0"/>
+              </a:rPr>
+              <a:t> em </a:t>
+            </a:r>
+            <a:r>
+              <a:rPr lang="pt-BR" sz="2000" b="1" dirty="0">
+                <a:solidFill>
+                  <a:schemeClr val="tx1"/>
+                </a:solidFill>
+                <a:latin typeface="Times New Roman" panose="02020603050405020304" pitchFamily="18" charset="0"/>
+                <a:cs typeface="Times New Roman" panose="02020603050405020304" pitchFamily="18" charset="0"/>
+              </a:rPr>
+              <a:t>texto padrão JSON</a:t>
+            </a:r>
+            <a:r>
+              <a:rPr lang="pt-BR" sz="2000" dirty="0">
+                <a:solidFill>
+                  <a:schemeClr val="tx1"/>
+                </a:solidFill>
+                <a:latin typeface="Times New Roman" panose="02020603050405020304" pitchFamily="18" charset="0"/>
+                <a:cs typeface="Times New Roman" panose="02020603050405020304" pitchFamily="18" charset="0"/>
+              </a:rPr>
+              <a:t>.</a:t>
             </a:r>
           </a:p>
           <a:p>
@@ -17287,23 +17940,7 @@
                   <a:srgbClr val="0070C0"/>
                 </a:solidFill>
               </a:rPr>
-              <a:t>JS – </a:t>
-            </a:r>
-            <a:r>
-              <a:rPr lang="en-US" b="1" dirty="0" err="1">
-                <a:solidFill>
-                  <a:srgbClr val="0070C0"/>
-                </a:solidFill>
-              </a:rPr>
-              <a:t>Json</a:t>
-            </a:r>
-            <a:r>
-              <a:rPr lang="en-US" b="1" dirty="0">
-                <a:solidFill>
-                  <a:srgbClr val="0070C0"/>
-                </a:solidFill>
-              </a:rPr>
-              <a:t> </a:t>
+              <a:t>JS – JSON </a:t>
             </a:r>
             <a:r>
               <a:rPr lang="en-US" b="1" dirty="0" err="1">
@@ -17379,7 +18016,27 @@
                 <a:latin typeface="Times New Roman" panose="02020603050405020304" pitchFamily="18" charset="0"/>
                 <a:cs typeface="Times New Roman" panose="02020603050405020304" pitchFamily="18" charset="0"/>
               </a:rPr>
-              <a:t> carro = {</a:t>
+              <a:t> </a:t>
+            </a:r>
+            <a:r>
+              <a:rPr lang="pt-BR" sz="2000" b="1" dirty="0">
+                <a:solidFill>
+                  <a:srgbClr val="FF0000"/>
+                </a:solidFill>
+                <a:latin typeface="Times New Roman" panose="02020603050405020304" pitchFamily="18" charset="0"/>
+                <a:cs typeface="Times New Roman" panose="02020603050405020304" pitchFamily="18" charset="0"/>
+              </a:rPr>
+              <a:t>carro</a:t>
+            </a:r>
+            <a:r>
+              <a:rPr lang="pt-BR" sz="2000" dirty="0">
+                <a:solidFill>
+                  <a:schemeClr val="tx1"/>
+                </a:solidFill>
+                <a:latin typeface="Times New Roman" panose="02020603050405020304" pitchFamily="18" charset="0"/>
+                <a:cs typeface="Times New Roman" panose="02020603050405020304" pitchFamily="18" charset="0"/>
+              </a:rPr>
+              <a:t> = {</a:t>
             </a:r>
           </a:p>
           <a:p>
@@ -17502,6 +18159,16 @@
               <a:t> = </a:t>
             </a:r>
             <a:r>
+              <a:rPr lang="pt-BR" sz="2000" b="1" dirty="0" err="1">
+                <a:solidFill>
+                  <a:schemeClr val="tx1"/>
+                </a:solidFill>
+                <a:latin typeface="Times New Roman" panose="02020603050405020304" pitchFamily="18" charset="0"/>
+                <a:cs typeface="Times New Roman" panose="02020603050405020304" pitchFamily="18" charset="0"/>
+              </a:rPr>
+              <a:t>JSON</a:t>
+            </a:r>
+            <a:r>
               <a:rPr lang="pt-BR" sz="2000" dirty="0" err="1">
                 <a:solidFill>
                   <a:schemeClr val="tx1"/>
@@ -17509,7 +18176,17 @@
                 <a:latin typeface="Times New Roman" panose="02020603050405020304" pitchFamily="18" charset="0"/>
                 <a:cs typeface="Times New Roman" panose="02020603050405020304" pitchFamily="18" charset="0"/>
               </a:rPr>
-              <a:t>JSON.stringify</a:t>
+              <a:t>.</a:t>
+            </a:r>
+            <a:r>
+              <a:rPr lang="pt-BR" sz="2000" b="1" dirty="0" err="1">
+                <a:solidFill>
+                  <a:srgbClr val="FF0000"/>
+                </a:solidFill>
+                <a:latin typeface="Times New Roman" panose="02020603050405020304" pitchFamily="18" charset="0"/>
+                <a:cs typeface="Times New Roman" panose="02020603050405020304" pitchFamily="18" charset="0"/>
+              </a:rPr>
+              <a:t>stringify</a:t>
             </a:r>
             <a:r>
               <a:rPr lang="pt-BR" sz="2000" dirty="0">
@@ -17534,7 +18211,17 @@
                 <a:latin typeface="Times New Roman" panose="02020603050405020304" pitchFamily="18" charset="0"/>
                 <a:cs typeface="Times New Roman" panose="02020603050405020304" pitchFamily="18" charset="0"/>
               </a:rPr>
-              <a:t>document.getElementById</a:t>
+              <a:t>document.</a:t>
+            </a:r>
+            <a:r>
+              <a:rPr lang="pt-BR" sz="2000" b="1" dirty="0" err="1">
+                <a:solidFill>
+                  <a:srgbClr val="FF0000"/>
+                </a:solidFill>
+                <a:latin typeface="Times New Roman" panose="02020603050405020304" pitchFamily="18" charset="0"/>
+                <a:cs typeface="Times New Roman" panose="02020603050405020304" pitchFamily="18" charset="0"/>
+              </a:rPr>
+              <a:t>getElementById</a:t>
             </a:r>
             <a:r>
               <a:rPr lang="pt-BR" sz="2000" dirty="0">
@@ -17699,7 +18386,17 @@
                 <a:latin typeface="Times New Roman" panose="02020603050405020304" pitchFamily="18" charset="0"/>
                 <a:cs typeface="Times New Roman" panose="02020603050405020304" pitchFamily="18" charset="0"/>
               </a:rPr>
-              <a:t>JSON.parse</a:t>
+              <a:t>JSON.</a:t>
+            </a:r>
+            <a:r>
+              <a:rPr lang="pt-BR" sz="2000" b="1" dirty="0" err="1">
+                <a:solidFill>
+                  <a:schemeClr val="tx1"/>
+                </a:solidFill>
+                <a:latin typeface="Times New Roman" panose="02020603050405020304" pitchFamily="18" charset="0"/>
+                <a:cs typeface="Times New Roman" panose="02020603050405020304" pitchFamily="18" charset="0"/>
+              </a:rPr>
+              <a:t>parse</a:t>
             </a:r>
             <a:r>
               <a:rPr lang="pt-BR" sz="2000" dirty="0">
@@ -17747,6 +18444,16 @@
               <a:t>console.log(</a:t>
             </a:r>
             <a:r>
+              <a:rPr lang="pt-BR" sz="2000" b="1" dirty="0" err="1">
+                <a:solidFill>
+                  <a:srgbClr val="FF0000"/>
+                </a:solidFill>
+                <a:latin typeface="Times New Roman" panose="02020603050405020304" pitchFamily="18" charset="0"/>
+                <a:cs typeface="Times New Roman" panose="02020603050405020304" pitchFamily="18" charset="0"/>
+              </a:rPr>
+              <a:t>objCarro</a:t>
+            </a:r>
+            <a:r>
               <a:rPr lang="pt-BR" sz="2000" dirty="0" err="1">
                 <a:solidFill>
                   <a:schemeClr val="tx1"/>
@@ -17754,7 +18461,7 @@
                 <a:latin typeface="Times New Roman" panose="02020603050405020304" pitchFamily="18" charset="0"/>
                 <a:cs typeface="Times New Roman" panose="02020603050405020304" pitchFamily="18" charset="0"/>
               </a:rPr>
-              <a:t>objCarro.modelo</a:t>
+              <a:t>.modelo</a:t>
             </a:r>
             <a:r>
               <a:rPr lang="pt-BR" sz="2000" dirty="0">
@@ -17864,23 +18571,7 @@
                   <a:srgbClr val="0070C0"/>
                 </a:solidFill>
               </a:rPr>
-              <a:t>JS – </a:t>
-            </a:r>
-            <a:r>
-              <a:rPr lang="en-US" b="1" dirty="0" err="1">
-                <a:solidFill>
-                  <a:srgbClr val="0070C0"/>
-                </a:solidFill>
-              </a:rPr>
-              <a:t>Json</a:t>
-            </a:r>
-            <a:r>
-              <a:rPr lang="en-US" b="1" dirty="0">
-                <a:solidFill>
-                  <a:srgbClr val="0070C0"/>
-                </a:solidFill>
-              </a:rPr>
-              <a:t> </a:t>
+              <a:t>JS – JSON </a:t>
             </a:r>
             <a:r>
               <a:rPr lang="en-US" b="1" dirty="0" err="1">
@@ -18022,8 +18713,53 @@
                 <a:latin typeface="Times New Roman" panose="02020603050405020304" pitchFamily="18" charset="0"/>
                 <a:cs typeface="Times New Roman" panose="02020603050405020304" pitchFamily="18" charset="0"/>
               </a:rPr>
-              <a:t> = new </a:t>
-            </a:r>
+              <a:t> = </a:t>
+            </a:r>
+            <a:r>
+              <a:rPr lang="pt-BR" sz="2000" b="1" dirty="0">
+                <a:solidFill>
+                  <a:schemeClr val="tx1"/>
+                </a:solidFill>
+                <a:latin typeface="Times New Roman" panose="02020603050405020304" pitchFamily="18" charset="0"/>
+                <a:cs typeface="Times New Roman" panose="02020603050405020304" pitchFamily="18" charset="0"/>
+              </a:rPr>
+              <a:t>new</a:t>
+            </a:r>
+            <a:r>
+              <a:rPr lang="pt-BR" sz="2000" dirty="0">
+                <a:solidFill>
+                  <a:schemeClr val="tx1"/>
+                </a:solidFill>
+                <a:latin typeface="Times New Roman" panose="02020603050405020304" pitchFamily="18" charset="0"/>
+                <a:cs typeface="Times New Roman" panose="02020603050405020304" pitchFamily="18" charset="0"/>
+              </a:rPr>
+              <a:t> </a:t>
+            </a:r>
+            <a:r>
+              <a:rPr lang="pt-BR" sz="2000" b="1" dirty="0" err="1">
+                <a:solidFill>
+                  <a:srgbClr val="FF0000"/>
+                </a:solidFill>
+                <a:latin typeface="Times New Roman" panose="02020603050405020304" pitchFamily="18" charset="0"/>
+                <a:cs typeface="Times New Roman" panose="02020603050405020304" pitchFamily="18" charset="0"/>
+              </a:rPr>
+              <a:t>XMLHttpRequest</a:t>
+            </a:r>
+            <a:r>
+              <a:rPr lang="pt-BR" sz="2000" dirty="0">
+                <a:solidFill>
+                  <a:schemeClr val="tx1"/>
+                </a:solidFill>
+                <a:latin typeface="Times New Roman" panose="02020603050405020304" pitchFamily="18" charset="0"/>
+                <a:cs typeface="Times New Roman" panose="02020603050405020304" pitchFamily="18" charset="0"/>
+              </a:rPr>
+              <a:t>();</a:t>
+            </a:r>
+          </a:p>
+          <a:p>
+            <a:pPr marL="0" indent="0" algn="just">
+              <a:buNone/>
+            </a:pPr>
             <a:r>
               <a:rPr lang="pt-BR" sz="2000" dirty="0" err="1">
                 <a:solidFill>
@@ -18032,7 +18768,92 @@
                 <a:latin typeface="Times New Roman" panose="02020603050405020304" pitchFamily="18" charset="0"/>
                 <a:cs typeface="Times New Roman" panose="02020603050405020304" pitchFamily="18" charset="0"/>
               </a:rPr>
-              <a:t>XMLHttpRequest</a:t>
+              <a:t>ajax.</a:t>
+            </a:r>
+            <a:r>
+              <a:rPr lang="pt-BR" sz="2000" b="1" dirty="0" err="1">
+                <a:solidFill>
+                  <a:srgbClr val="FF0000"/>
+                </a:solidFill>
+                <a:latin typeface="Times New Roman" panose="02020603050405020304" pitchFamily="18" charset="0"/>
+                <a:cs typeface="Times New Roman" panose="02020603050405020304" pitchFamily="18" charset="0"/>
+              </a:rPr>
+              <a:t>open</a:t>
+            </a:r>
+            <a:r>
+              <a:rPr lang="pt-BR" sz="2000" dirty="0">
+                <a:solidFill>
+                  <a:schemeClr val="tx1"/>
+                </a:solidFill>
+                <a:latin typeface="Times New Roman" panose="02020603050405020304" pitchFamily="18" charset="0"/>
+                <a:cs typeface="Times New Roman" panose="02020603050405020304" pitchFamily="18" charset="0"/>
+              </a:rPr>
+              <a:t>(‘GET’, ‘</a:t>
+            </a:r>
+            <a:r>
+              <a:rPr lang="pt-BR" sz="2000" b="1" dirty="0">
+                <a:solidFill>
+                  <a:schemeClr val="tx1"/>
+                </a:solidFill>
+                <a:latin typeface="Times New Roman" panose="02020603050405020304" pitchFamily="18" charset="0"/>
+                <a:cs typeface="Times New Roman" panose="02020603050405020304" pitchFamily="18" charset="0"/>
+              </a:rPr>
+              <a:t>https://viacep.com.br/ws/01001000/</a:t>
+            </a:r>
+            <a:r>
+              <a:rPr lang="pt-BR" sz="2000" b="1" dirty="0" err="1">
+                <a:solidFill>
+                  <a:schemeClr val="tx1"/>
+                </a:solidFill>
+                <a:latin typeface="Times New Roman" panose="02020603050405020304" pitchFamily="18" charset="0"/>
+                <a:cs typeface="Times New Roman" panose="02020603050405020304" pitchFamily="18" charset="0"/>
+              </a:rPr>
+              <a:t>json</a:t>
+            </a:r>
+            <a:r>
+              <a:rPr lang="pt-BR" sz="2000" b="1" dirty="0">
+                <a:solidFill>
+                  <a:schemeClr val="tx1"/>
+                </a:solidFill>
+                <a:latin typeface="Times New Roman" panose="02020603050405020304" pitchFamily="18" charset="0"/>
+                <a:cs typeface="Times New Roman" panose="02020603050405020304" pitchFamily="18" charset="0"/>
+              </a:rPr>
+              <a:t>/’</a:t>
+            </a:r>
+            <a:r>
+              <a:rPr lang="pt-BR" sz="2000" dirty="0">
+                <a:solidFill>
+                  <a:schemeClr val="tx1"/>
+                </a:solidFill>
+                <a:latin typeface="Times New Roman" panose="02020603050405020304" pitchFamily="18" charset="0"/>
+                <a:cs typeface="Times New Roman" panose="02020603050405020304" pitchFamily="18" charset="0"/>
+              </a:rPr>
+              <a:t>);</a:t>
+            </a:r>
+          </a:p>
+          <a:p>
+            <a:pPr marL="0" indent="0" algn="just">
+              <a:buNone/>
+            </a:pPr>
+            <a:r>
+              <a:rPr lang="pt-BR" sz="2000" dirty="0" err="1">
+                <a:solidFill>
+                  <a:schemeClr val="tx1"/>
+                </a:solidFill>
+                <a:latin typeface="Times New Roman" panose="02020603050405020304" pitchFamily="18" charset="0"/>
+                <a:cs typeface="Times New Roman" panose="02020603050405020304" pitchFamily="18" charset="0"/>
+              </a:rPr>
+              <a:t>ajax.</a:t>
+            </a:r>
+            <a:r>
+              <a:rPr lang="pt-BR" sz="2000" b="1" dirty="0" err="1">
+                <a:solidFill>
+                  <a:srgbClr val="FF0000"/>
+                </a:solidFill>
+                <a:latin typeface="Times New Roman" panose="02020603050405020304" pitchFamily="18" charset="0"/>
+                <a:cs typeface="Times New Roman" panose="02020603050405020304" pitchFamily="18" charset="0"/>
+              </a:rPr>
+              <a:t>send</a:t>
             </a:r>
             <a:r>
               <a:rPr lang="pt-BR" sz="2000" dirty="0">
@@ -18050,6 +18871,36 @@
               <a:buNone/>
             </a:pPr>
             <a:r>
+              <a:rPr lang="pt-BR" sz="2000" dirty="0">
+                <a:solidFill>
+                  <a:schemeClr val="tx1"/>
+                </a:solidFill>
+                <a:latin typeface="Times New Roman" panose="02020603050405020304" pitchFamily="18" charset="0"/>
+                <a:cs typeface="Times New Roman" panose="02020603050405020304" pitchFamily="18" charset="0"/>
+              </a:rPr>
+              <a:t>	// incluir na </a:t>
+            </a:r>
+            <a:r>
+              <a:rPr lang="pt-BR" sz="2000" b="1" dirty="0" err="1">
+                <a:solidFill>
+                  <a:schemeClr val="tx1"/>
+                </a:solidFill>
+                <a:latin typeface="Times New Roman" panose="02020603050405020304" pitchFamily="18" charset="0"/>
+                <a:cs typeface="Times New Roman" panose="02020603050405020304" pitchFamily="18" charset="0"/>
+              </a:rPr>
+              <a:t>tag</a:t>
+            </a:r>
+            <a:r>
+              <a:rPr lang="pt-BR" sz="2000" dirty="0">
+                <a:solidFill>
+                  <a:schemeClr val="tx1"/>
+                </a:solidFill>
+                <a:latin typeface="Times New Roman" panose="02020603050405020304" pitchFamily="18" charset="0"/>
+                <a:cs typeface="Times New Roman" panose="02020603050405020304" pitchFamily="18" charset="0"/>
+              </a:rPr>
+              <a:t> </a:t>
+            </a:r>
+            <a:r>
               <a:rPr lang="pt-BR" sz="2000" dirty="0" err="1">
                 <a:solidFill>
                   <a:schemeClr val="tx1"/>
@@ -18057,18 +18908,203 @@
                 <a:latin typeface="Times New Roman" panose="02020603050405020304" pitchFamily="18" charset="0"/>
                 <a:cs typeface="Times New Roman" panose="02020603050405020304" pitchFamily="18" charset="0"/>
               </a:rPr>
-              <a:t>ajax.open</a:t>
-            </a:r>
-            <a:r>
-              <a:rPr lang="pt-BR" sz="2000" dirty="0">
-                <a:solidFill>
-                  <a:schemeClr val="tx1"/>
-                </a:solidFill>
-                <a:latin typeface="Times New Roman" panose="02020603050405020304" pitchFamily="18" charset="0"/>
-                <a:cs typeface="Times New Roman" panose="02020603050405020304" pitchFamily="18" charset="0"/>
-              </a:rPr>
-              <a:t>(‘GET’, ‘</a:t>
-            </a:r>
+              <a:t>pre</a:t>
+            </a:r>
+            <a:r>
+              <a:rPr lang="pt-BR" sz="2000" dirty="0">
+                <a:solidFill>
+                  <a:schemeClr val="tx1"/>
+                </a:solidFill>
+                <a:latin typeface="Times New Roman" panose="02020603050405020304" pitchFamily="18" charset="0"/>
+                <a:cs typeface="Times New Roman" panose="02020603050405020304" pitchFamily="18" charset="0"/>
+              </a:rPr>
+              <a:t> ou p</a:t>
+            </a:r>
+          </a:p>
+          <a:p>
+            <a:pPr marL="0" indent="0" algn="just">
+              <a:buNone/>
+            </a:pPr>
+            <a:r>
+              <a:rPr lang="pt-BR" sz="2000" dirty="0" err="1">
+                <a:solidFill>
+                  <a:schemeClr val="tx1"/>
+                </a:solidFill>
+                <a:latin typeface="Times New Roman" panose="02020603050405020304" pitchFamily="18" charset="0"/>
+                <a:cs typeface="Times New Roman" panose="02020603050405020304" pitchFamily="18" charset="0"/>
+              </a:rPr>
+              <a:t>ajax.</a:t>
+            </a:r>
+            <a:r>
+              <a:rPr lang="pt-BR" sz="2000" b="1" dirty="0" err="1">
+                <a:solidFill>
+                  <a:srgbClr val="FF0000"/>
+                </a:solidFill>
+                <a:latin typeface="Times New Roman" panose="02020603050405020304" pitchFamily="18" charset="0"/>
+                <a:cs typeface="Times New Roman" panose="02020603050405020304" pitchFamily="18" charset="0"/>
+              </a:rPr>
+              <a:t>onload</a:t>
+            </a:r>
+            <a:r>
+              <a:rPr lang="pt-BR" sz="2000" dirty="0">
+                <a:solidFill>
+                  <a:schemeClr val="tx1"/>
+                </a:solidFill>
+                <a:latin typeface="Times New Roman" panose="02020603050405020304" pitchFamily="18" charset="0"/>
+                <a:cs typeface="Times New Roman" panose="02020603050405020304" pitchFamily="18" charset="0"/>
+              </a:rPr>
+              <a:t> = </a:t>
+            </a:r>
+            <a:r>
+              <a:rPr lang="pt-BR" sz="2000" b="1" dirty="0" err="1">
+                <a:solidFill>
+                  <a:schemeClr val="tx1"/>
+                </a:solidFill>
+                <a:latin typeface="Times New Roman" panose="02020603050405020304" pitchFamily="18" charset="0"/>
+                <a:cs typeface="Times New Roman" panose="02020603050405020304" pitchFamily="18" charset="0"/>
+              </a:rPr>
+              <a:t>function</a:t>
+            </a:r>
+            <a:r>
+              <a:rPr lang="pt-BR" sz="2000" dirty="0">
+                <a:solidFill>
+                  <a:schemeClr val="tx1"/>
+                </a:solidFill>
+                <a:latin typeface="Times New Roman" panose="02020603050405020304" pitchFamily="18" charset="0"/>
+                <a:cs typeface="Times New Roman" panose="02020603050405020304" pitchFamily="18" charset="0"/>
+              </a:rPr>
+              <a:t>(){  </a:t>
+            </a:r>
+          </a:p>
+          <a:p>
+            <a:pPr marL="0" indent="0" algn="just">
+              <a:buNone/>
+            </a:pPr>
+            <a:r>
+              <a:rPr lang="pt-BR" sz="2000" dirty="0">
+                <a:solidFill>
+                  <a:schemeClr val="tx1"/>
+                </a:solidFill>
+                <a:latin typeface="Times New Roman" panose="02020603050405020304" pitchFamily="18" charset="0"/>
+                <a:cs typeface="Times New Roman" panose="02020603050405020304" pitchFamily="18" charset="0"/>
+              </a:rPr>
+              <a:t>		</a:t>
+            </a:r>
+            <a:r>
+              <a:rPr lang="pt-BR" sz="2000" b="1" dirty="0" err="1">
+                <a:solidFill>
+                  <a:schemeClr val="tx1"/>
+                </a:solidFill>
+                <a:latin typeface="Times New Roman" panose="02020603050405020304" pitchFamily="18" charset="0"/>
+                <a:cs typeface="Times New Roman" panose="02020603050405020304" pitchFamily="18" charset="0"/>
+              </a:rPr>
+              <a:t>document</a:t>
+            </a:r>
+            <a:r>
+              <a:rPr lang="pt-BR" sz="2000" dirty="0" err="1">
+                <a:solidFill>
+                  <a:schemeClr val="tx1"/>
+                </a:solidFill>
+                <a:latin typeface="Times New Roman" panose="02020603050405020304" pitchFamily="18" charset="0"/>
+                <a:cs typeface="Times New Roman" panose="02020603050405020304" pitchFamily="18" charset="0"/>
+              </a:rPr>
+              <a:t>.</a:t>
+            </a:r>
+            <a:r>
+              <a:rPr lang="pt-BR" sz="2000" b="1" dirty="0" err="1">
+                <a:solidFill>
+                  <a:srgbClr val="FF0000"/>
+                </a:solidFill>
+                <a:latin typeface="Times New Roman" panose="02020603050405020304" pitchFamily="18" charset="0"/>
+                <a:cs typeface="Times New Roman" panose="02020603050405020304" pitchFamily="18" charset="0"/>
+              </a:rPr>
+              <a:t>getElementById</a:t>
+            </a:r>
+            <a:r>
+              <a:rPr lang="pt-BR" sz="2000" dirty="0">
+                <a:solidFill>
+                  <a:schemeClr val="tx1"/>
+                </a:solidFill>
+                <a:latin typeface="Times New Roman" panose="02020603050405020304" pitchFamily="18" charset="0"/>
+                <a:cs typeface="Times New Roman" panose="02020603050405020304" pitchFamily="18" charset="0"/>
+              </a:rPr>
+              <a:t>(“</a:t>
+            </a:r>
+            <a:r>
+              <a:rPr lang="pt-BR" sz="2000" b="1" dirty="0" err="1">
+                <a:solidFill>
+                  <a:schemeClr val="tx1"/>
+                </a:solidFill>
+                <a:latin typeface="Times New Roman" panose="02020603050405020304" pitchFamily="18" charset="0"/>
+                <a:cs typeface="Times New Roman" panose="02020603050405020304" pitchFamily="18" charset="0"/>
+              </a:rPr>
+              <a:t>IdArea</a:t>
+            </a:r>
+            <a:r>
+              <a:rPr lang="pt-BR" sz="2000" dirty="0">
+                <a:solidFill>
+                  <a:schemeClr val="tx1"/>
+                </a:solidFill>
+                <a:latin typeface="Times New Roman" panose="02020603050405020304" pitchFamily="18" charset="0"/>
+                <a:cs typeface="Times New Roman" panose="02020603050405020304" pitchFamily="18" charset="0"/>
+              </a:rPr>
+              <a:t>”).</a:t>
+            </a:r>
+            <a:r>
+              <a:rPr lang="pt-BR" sz="2000" dirty="0" err="1">
+                <a:solidFill>
+                  <a:schemeClr val="tx1"/>
+                </a:solidFill>
+                <a:latin typeface="Times New Roman" panose="02020603050405020304" pitchFamily="18" charset="0"/>
+                <a:cs typeface="Times New Roman" panose="02020603050405020304" pitchFamily="18" charset="0"/>
+              </a:rPr>
+              <a:t>innerHTML</a:t>
+            </a:r>
+            <a:r>
+              <a:rPr lang="pt-BR" sz="2000" dirty="0">
+                <a:solidFill>
+                  <a:schemeClr val="tx1"/>
+                </a:solidFill>
+                <a:latin typeface="Times New Roman" panose="02020603050405020304" pitchFamily="18" charset="0"/>
+                <a:cs typeface="Times New Roman" panose="02020603050405020304" pitchFamily="18" charset="0"/>
+              </a:rPr>
+              <a:t> = </a:t>
+            </a:r>
+            <a:r>
+              <a:rPr lang="pt-BR" sz="2000" b="1" dirty="0" err="1">
+                <a:solidFill>
+                  <a:schemeClr val="tx1"/>
+                </a:solidFill>
+                <a:latin typeface="Times New Roman" panose="02020603050405020304" pitchFamily="18" charset="0"/>
+                <a:cs typeface="Times New Roman" panose="02020603050405020304" pitchFamily="18" charset="0"/>
+              </a:rPr>
+              <a:t>this</a:t>
+            </a:r>
+            <a:r>
+              <a:rPr lang="pt-BR" sz="2000" dirty="0" err="1">
+                <a:solidFill>
+                  <a:schemeClr val="tx1"/>
+                </a:solidFill>
+                <a:latin typeface="Times New Roman" panose="02020603050405020304" pitchFamily="18" charset="0"/>
+                <a:cs typeface="Times New Roman" panose="02020603050405020304" pitchFamily="18" charset="0"/>
+              </a:rPr>
+              <a:t>.responseText</a:t>
+            </a:r>
+            <a:r>
+              <a:rPr lang="pt-BR" sz="2000" dirty="0">
+                <a:solidFill>
+                  <a:schemeClr val="tx1"/>
+                </a:solidFill>
+                <a:latin typeface="Times New Roman" panose="02020603050405020304" pitchFamily="18" charset="0"/>
+                <a:cs typeface="Times New Roman" panose="02020603050405020304" pitchFamily="18" charset="0"/>
+              </a:rPr>
+              <a:t>;</a:t>
+            </a:r>
+          </a:p>
+          <a:p>
+            <a:pPr marL="0" indent="0" algn="just">
+              <a:buNone/>
+            </a:pPr>
             <a:r>
               <a:rPr lang="pt-BR" sz="2000" b="1" dirty="0">
                 <a:solidFill>
@@ -18077,7 +19113,7 @@
                 <a:latin typeface="Times New Roman" panose="02020603050405020304" pitchFamily="18" charset="0"/>
                 <a:cs typeface="Times New Roman" panose="02020603050405020304" pitchFamily="18" charset="0"/>
               </a:rPr>
-              <a:t>https://viacep.com.br/ws/01001000/</a:t>
+              <a:t>		</a:t>
             </a:r>
             <a:r>
               <a:rPr lang="pt-BR" sz="2000" b="1" dirty="0" err="1">
@@ -18087,33 +19123,48 @@
                 <a:latin typeface="Times New Roman" panose="02020603050405020304" pitchFamily="18" charset="0"/>
                 <a:cs typeface="Times New Roman" panose="02020603050405020304" pitchFamily="18" charset="0"/>
               </a:rPr>
-              <a:t>json</a:t>
-            </a:r>
-            <a:r>
-              <a:rPr lang="pt-BR" sz="2000" b="1" dirty="0">
-                <a:solidFill>
-                  <a:schemeClr val="tx1"/>
-                </a:solidFill>
-                <a:latin typeface="Times New Roman" panose="02020603050405020304" pitchFamily="18" charset="0"/>
-                <a:cs typeface="Times New Roman" panose="02020603050405020304" pitchFamily="18" charset="0"/>
-              </a:rPr>
-              <a:t>/’</a:t>
-            </a:r>
-            <a:r>
-              <a:rPr lang="pt-BR" sz="2000" dirty="0">
-                <a:solidFill>
-                  <a:schemeClr val="tx1"/>
-                </a:solidFill>
-                <a:latin typeface="Times New Roman" panose="02020603050405020304" pitchFamily="18" charset="0"/>
-                <a:cs typeface="Times New Roman" panose="02020603050405020304" pitchFamily="18" charset="0"/>
-              </a:rPr>
-              <a:t>);</a:t>
-            </a:r>
-          </a:p>
-          <a:p>
-            <a:pPr marL="0" indent="0" algn="just">
-              <a:buNone/>
-            </a:pPr>
+              <a:t>let</a:t>
+            </a:r>
+            <a:r>
+              <a:rPr lang="pt-BR" sz="2000" dirty="0">
+                <a:solidFill>
+                  <a:schemeClr val="tx1"/>
+                </a:solidFill>
+                <a:latin typeface="Times New Roman" panose="02020603050405020304" pitchFamily="18" charset="0"/>
+                <a:cs typeface="Times New Roman" panose="02020603050405020304" pitchFamily="18" charset="0"/>
+              </a:rPr>
+              <a:t> </a:t>
+            </a:r>
+            <a:r>
+              <a:rPr lang="pt-BR" sz="2000" b="1" dirty="0" err="1">
+                <a:solidFill>
+                  <a:srgbClr val="FF0000"/>
+                </a:solidFill>
+                <a:latin typeface="Times New Roman" panose="02020603050405020304" pitchFamily="18" charset="0"/>
+                <a:cs typeface="Times New Roman" panose="02020603050405020304" pitchFamily="18" charset="0"/>
+              </a:rPr>
+              <a:t>objCEP</a:t>
+            </a:r>
+            <a:r>
+              <a:rPr lang="pt-BR" sz="2000" dirty="0">
+                <a:solidFill>
+                  <a:schemeClr val="tx1"/>
+                </a:solidFill>
+                <a:latin typeface="Times New Roman" panose="02020603050405020304" pitchFamily="18" charset="0"/>
+                <a:cs typeface="Times New Roman" panose="02020603050405020304" pitchFamily="18" charset="0"/>
+              </a:rPr>
+              <a:t> = </a:t>
+            </a:r>
+            <a:r>
+              <a:rPr lang="pt-BR" sz="2000" b="1" dirty="0" err="1">
+                <a:solidFill>
+                  <a:schemeClr val="tx1"/>
+                </a:solidFill>
+                <a:latin typeface="Times New Roman" panose="02020603050405020304" pitchFamily="18" charset="0"/>
+                <a:cs typeface="Times New Roman" panose="02020603050405020304" pitchFamily="18" charset="0"/>
+              </a:rPr>
+              <a:t>JSON</a:t>
+            </a:r>
             <a:r>
               <a:rPr lang="pt-BR" sz="2000" dirty="0" err="1">
                 <a:solidFill>
@@ -18122,307 +19173,17 @@
                 <a:latin typeface="Times New Roman" panose="02020603050405020304" pitchFamily="18" charset="0"/>
                 <a:cs typeface="Times New Roman" panose="02020603050405020304" pitchFamily="18" charset="0"/>
               </a:rPr>
-              <a:t>ajax.send</a:t>
-            </a:r>
-            <a:r>
-              <a:rPr lang="pt-BR" sz="2000" dirty="0">
-                <a:solidFill>
-                  <a:schemeClr val="tx1"/>
-                </a:solidFill>
-                <a:latin typeface="Times New Roman" panose="02020603050405020304" pitchFamily="18" charset="0"/>
-                <a:cs typeface="Times New Roman" panose="02020603050405020304" pitchFamily="18" charset="0"/>
-              </a:rPr>
-              <a:t>();</a:t>
-            </a:r>
-          </a:p>
-          <a:p>
-            <a:pPr marL="0" indent="0" algn="just">
-              <a:buNone/>
-            </a:pPr>
-            <a:r>
-              <a:rPr lang="pt-BR" sz="2000" dirty="0">
-                <a:solidFill>
-                  <a:schemeClr val="tx1"/>
-                </a:solidFill>
-                <a:latin typeface="Times New Roman" panose="02020603050405020304" pitchFamily="18" charset="0"/>
-                <a:cs typeface="Times New Roman" panose="02020603050405020304" pitchFamily="18" charset="0"/>
-              </a:rPr>
-              <a:t>	// incluir na </a:t>
+              <a:t>.</a:t>
             </a:r>
             <a:r>
               <a:rPr lang="pt-BR" sz="2000" b="1" dirty="0" err="1">
                 <a:solidFill>
-                  <a:schemeClr val="tx1"/>
-                </a:solidFill>
-                <a:latin typeface="Times New Roman" panose="02020603050405020304" pitchFamily="18" charset="0"/>
-                <a:cs typeface="Times New Roman" panose="02020603050405020304" pitchFamily="18" charset="0"/>
-              </a:rPr>
-              <a:t>tag</a:t>
-            </a:r>
-            <a:r>
-              <a:rPr lang="pt-BR" sz="2000" dirty="0">
-                <a:solidFill>
-                  <a:schemeClr val="tx1"/>
-                </a:solidFill>
-                <a:latin typeface="Times New Roman" panose="02020603050405020304" pitchFamily="18" charset="0"/>
-                <a:cs typeface="Times New Roman" panose="02020603050405020304" pitchFamily="18" charset="0"/>
-              </a:rPr>
-              <a:t> </a:t>
-            </a:r>
-            <a:r>
-              <a:rPr lang="pt-BR" sz="2000" dirty="0" err="1">
-                <a:solidFill>
-                  <a:schemeClr val="tx1"/>
-                </a:solidFill>
-                <a:latin typeface="Times New Roman" panose="02020603050405020304" pitchFamily="18" charset="0"/>
-                <a:cs typeface="Times New Roman" panose="02020603050405020304" pitchFamily="18" charset="0"/>
-              </a:rPr>
-              <a:t>pre</a:t>
-            </a:r>
-            <a:r>
-              <a:rPr lang="pt-BR" sz="2000" dirty="0">
-                <a:solidFill>
-                  <a:schemeClr val="tx1"/>
-                </a:solidFill>
-                <a:latin typeface="Times New Roman" panose="02020603050405020304" pitchFamily="18" charset="0"/>
-                <a:cs typeface="Times New Roman" panose="02020603050405020304" pitchFamily="18" charset="0"/>
-              </a:rPr>
-              <a:t> ou p</a:t>
-            </a:r>
-          </a:p>
-          <a:p>
-            <a:pPr marL="0" indent="0" algn="just">
-              <a:buNone/>
-            </a:pPr>
-            <a:r>
-              <a:rPr lang="pt-BR" sz="2000" dirty="0" err="1">
-                <a:solidFill>
-                  <a:schemeClr val="tx1"/>
-                </a:solidFill>
-                <a:latin typeface="Times New Roman" panose="02020603050405020304" pitchFamily="18" charset="0"/>
-                <a:cs typeface="Times New Roman" panose="02020603050405020304" pitchFamily="18" charset="0"/>
-              </a:rPr>
-              <a:t>ajax.onload</a:t>
-            </a:r>
-            <a:r>
-              <a:rPr lang="pt-BR" sz="2000" dirty="0">
-                <a:solidFill>
-                  <a:schemeClr val="tx1"/>
-                </a:solidFill>
-                <a:latin typeface="Times New Roman" panose="02020603050405020304" pitchFamily="18" charset="0"/>
-                <a:cs typeface="Times New Roman" panose="02020603050405020304" pitchFamily="18" charset="0"/>
-              </a:rPr>
-              <a:t> = </a:t>
-            </a:r>
-            <a:r>
-              <a:rPr lang="pt-BR" sz="2000" dirty="0" err="1">
-                <a:solidFill>
-                  <a:schemeClr val="tx1"/>
-                </a:solidFill>
-                <a:latin typeface="Times New Roman" panose="02020603050405020304" pitchFamily="18" charset="0"/>
-                <a:cs typeface="Times New Roman" panose="02020603050405020304" pitchFamily="18" charset="0"/>
-              </a:rPr>
-              <a:t>function</a:t>
-            </a:r>
-            <a:r>
-              <a:rPr lang="pt-BR" sz="2000" dirty="0">
-                <a:solidFill>
-                  <a:schemeClr val="tx1"/>
-                </a:solidFill>
-                <a:latin typeface="Times New Roman" panose="02020603050405020304" pitchFamily="18" charset="0"/>
-                <a:cs typeface="Times New Roman" panose="02020603050405020304" pitchFamily="18" charset="0"/>
-              </a:rPr>
-              <a:t>(){  </a:t>
-            </a:r>
-          </a:p>
-          <a:p>
-            <a:pPr marL="0" indent="0" algn="just">
-              <a:buNone/>
-            </a:pPr>
-            <a:r>
-              <a:rPr lang="pt-BR" sz="2000" dirty="0">
-                <a:solidFill>
-                  <a:schemeClr val="tx1"/>
-                </a:solidFill>
-                <a:latin typeface="Times New Roman" panose="02020603050405020304" pitchFamily="18" charset="0"/>
-                <a:cs typeface="Times New Roman" panose="02020603050405020304" pitchFamily="18" charset="0"/>
-              </a:rPr>
-              <a:t>		</a:t>
-            </a:r>
-            <a:r>
-              <a:rPr lang="pt-BR" sz="2000" b="1" dirty="0" err="1">
-                <a:solidFill>
-                  <a:schemeClr val="tx1"/>
-                </a:solidFill>
-                <a:latin typeface="Times New Roman" panose="02020603050405020304" pitchFamily="18" charset="0"/>
-                <a:cs typeface="Times New Roman" panose="02020603050405020304" pitchFamily="18" charset="0"/>
-              </a:rPr>
-              <a:t>document</a:t>
-            </a:r>
-            <a:r>
-              <a:rPr lang="pt-BR" sz="2000" dirty="0" err="1">
-                <a:solidFill>
-                  <a:schemeClr val="tx1"/>
-                </a:solidFill>
-                <a:latin typeface="Times New Roman" panose="02020603050405020304" pitchFamily="18" charset="0"/>
-                <a:cs typeface="Times New Roman" panose="02020603050405020304" pitchFamily="18" charset="0"/>
-              </a:rPr>
-              <a:t>.getElementById</a:t>
-            </a:r>
-            <a:r>
-              <a:rPr lang="pt-BR" sz="2000" dirty="0">
-                <a:solidFill>
-                  <a:schemeClr val="tx1"/>
-                </a:solidFill>
-                <a:latin typeface="Times New Roman" panose="02020603050405020304" pitchFamily="18" charset="0"/>
-                <a:cs typeface="Times New Roman" panose="02020603050405020304" pitchFamily="18" charset="0"/>
-              </a:rPr>
-              <a:t>(“</a:t>
-            </a:r>
-            <a:r>
-              <a:rPr lang="pt-BR" sz="2000" b="1" dirty="0" err="1">
-                <a:solidFill>
-                  <a:schemeClr val="tx1"/>
-                </a:solidFill>
-                <a:latin typeface="Times New Roman" panose="02020603050405020304" pitchFamily="18" charset="0"/>
-                <a:cs typeface="Times New Roman" panose="02020603050405020304" pitchFamily="18" charset="0"/>
-              </a:rPr>
-              <a:t>IdArea</a:t>
-            </a:r>
-            <a:r>
-              <a:rPr lang="pt-BR" sz="2000" dirty="0">
-                <a:solidFill>
-                  <a:schemeClr val="tx1"/>
-                </a:solidFill>
-                <a:latin typeface="Times New Roman" panose="02020603050405020304" pitchFamily="18" charset="0"/>
-                <a:cs typeface="Times New Roman" panose="02020603050405020304" pitchFamily="18" charset="0"/>
-              </a:rPr>
-              <a:t>”).</a:t>
-            </a:r>
-            <a:r>
-              <a:rPr lang="pt-BR" sz="2000" dirty="0" err="1">
-                <a:solidFill>
-                  <a:schemeClr val="tx1"/>
-                </a:solidFill>
-                <a:latin typeface="Times New Roman" panose="02020603050405020304" pitchFamily="18" charset="0"/>
-                <a:cs typeface="Times New Roman" panose="02020603050405020304" pitchFamily="18" charset="0"/>
-              </a:rPr>
-              <a:t>innerHTML</a:t>
-            </a:r>
-            <a:r>
-              <a:rPr lang="pt-BR" sz="2000" dirty="0">
-                <a:solidFill>
-                  <a:schemeClr val="tx1"/>
-                </a:solidFill>
-                <a:latin typeface="Times New Roman" panose="02020603050405020304" pitchFamily="18" charset="0"/>
-                <a:cs typeface="Times New Roman" panose="02020603050405020304" pitchFamily="18" charset="0"/>
-              </a:rPr>
-              <a:t> = </a:t>
-            </a:r>
-            <a:r>
-              <a:rPr lang="pt-BR" sz="2000" b="1" dirty="0" err="1">
-                <a:solidFill>
-                  <a:schemeClr val="tx1"/>
-                </a:solidFill>
-                <a:latin typeface="Times New Roman" panose="02020603050405020304" pitchFamily="18" charset="0"/>
-                <a:cs typeface="Times New Roman" panose="02020603050405020304" pitchFamily="18" charset="0"/>
-              </a:rPr>
-              <a:t>this</a:t>
-            </a:r>
-            <a:r>
-              <a:rPr lang="pt-BR" sz="2000" dirty="0" err="1">
-                <a:solidFill>
-                  <a:schemeClr val="tx1"/>
-                </a:solidFill>
-                <a:latin typeface="Times New Roman" panose="02020603050405020304" pitchFamily="18" charset="0"/>
-                <a:cs typeface="Times New Roman" panose="02020603050405020304" pitchFamily="18" charset="0"/>
-              </a:rPr>
-              <a:t>.responseText</a:t>
-            </a:r>
-            <a:r>
-              <a:rPr lang="pt-BR" sz="2000" dirty="0">
-                <a:solidFill>
-                  <a:schemeClr val="tx1"/>
-                </a:solidFill>
-                <a:latin typeface="Times New Roman" panose="02020603050405020304" pitchFamily="18" charset="0"/>
-                <a:cs typeface="Times New Roman" panose="02020603050405020304" pitchFamily="18" charset="0"/>
-              </a:rPr>
-              <a:t>;</a:t>
-            </a:r>
-          </a:p>
-          <a:p>
-            <a:pPr marL="0" indent="0" algn="just">
-              <a:buNone/>
-            </a:pPr>
-            <a:r>
-              <a:rPr lang="pt-BR" sz="2000" b="1" dirty="0">
-                <a:solidFill>
-                  <a:schemeClr val="tx1"/>
-                </a:solidFill>
-                <a:latin typeface="Times New Roman" panose="02020603050405020304" pitchFamily="18" charset="0"/>
-                <a:cs typeface="Times New Roman" panose="02020603050405020304" pitchFamily="18" charset="0"/>
-              </a:rPr>
-              <a:t>		</a:t>
-            </a:r>
-            <a:r>
-              <a:rPr lang="pt-BR" sz="2000" b="1" dirty="0" err="1">
-                <a:solidFill>
-                  <a:schemeClr val="tx1"/>
-                </a:solidFill>
-                <a:latin typeface="Times New Roman" panose="02020603050405020304" pitchFamily="18" charset="0"/>
-                <a:cs typeface="Times New Roman" panose="02020603050405020304" pitchFamily="18" charset="0"/>
-              </a:rPr>
-              <a:t>let</a:t>
-            </a:r>
-            <a:r>
-              <a:rPr lang="pt-BR" sz="2000" dirty="0">
-                <a:solidFill>
-                  <a:schemeClr val="tx1"/>
-                </a:solidFill>
-                <a:latin typeface="Times New Roman" panose="02020603050405020304" pitchFamily="18" charset="0"/>
-                <a:cs typeface="Times New Roman" panose="02020603050405020304" pitchFamily="18" charset="0"/>
-              </a:rPr>
-              <a:t> </a:t>
-            </a:r>
-            <a:r>
-              <a:rPr lang="pt-BR" sz="2000" b="1" dirty="0" err="1">
-                <a:solidFill>
                   <a:srgbClr val="FF0000"/>
                 </a:solidFill>
                 <a:latin typeface="Times New Roman" panose="02020603050405020304" pitchFamily="18" charset="0"/>
                 <a:cs typeface="Times New Roman" panose="02020603050405020304" pitchFamily="18" charset="0"/>
               </a:rPr>
-              <a:t>objCEP</a:t>
-            </a:r>
-            <a:r>
-              <a:rPr lang="pt-BR" sz="2000" dirty="0">
-                <a:solidFill>
-                  <a:schemeClr val="tx1"/>
-                </a:solidFill>
-                <a:latin typeface="Times New Roman" panose="02020603050405020304" pitchFamily="18" charset="0"/>
-                <a:cs typeface="Times New Roman" panose="02020603050405020304" pitchFamily="18" charset="0"/>
-              </a:rPr>
-              <a:t> = </a:t>
-            </a:r>
-            <a:r>
-              <a:rPr lang="pt-BR" sz="2000" b="1" dirty="0" err="1">
-                <a:solidFill>
-                  <a:schemeClr val="tx1"/>
-                </a:solidFill>
-                <a:latin typeface="Times New Roman" panose="02020603050405020304" pitchFamily="18" charset="0"/>
-                <a:cs typeface="Times New Roman" panose="02020603050405020304" pitchFamily="18" charset="0"/>
-              </a:rPr>
-              <a:t>JSON</a:t>
-            </a:r>
-            <a:r>
-              <a:rPr lang="pt-BR" sz="2000" dirty="0" err="1">
-                <a:solidFill>
-                  <a:schemeClr val="tx1"/>
-                </a:solidFill>
-                <a:latin typeface="Times New Roman" panose="02020603050405020304" pitchFamily="18" charset="0"/>
-                <a:cs typeface="Times New Roman" panose="02020603050405020304" pitchFamily="18" charset="0"/>
-              </a:rPr>
-              <a:t>.parse</a:t>
+              <a:t>parse</a:t>
             </a:r>
             <a:r>
               <a:rPr lang="pt-BR" sz="2000" dirty="0">
@@ -18811,7 +19572,17 @@
                 <a:latin typeface="Times New Roman" panose="02020603050405020304" pitchFamily="18" charset="0"/>
                 <a:cs typeface="Times New Roman" panose="02020603050405020304" pitchFamily="18" charset="0"/>
               </a:rPr>
-              <a:t>document.getElementById</a:t>
+              <a:t>document.</a:t>
+            </a:r>
+            <a:r>
+              <a:rPr lang="pt-BR" sz="2000" b="1" dirty="0" err="1">
+                <a:solidFill>
+                  <a:srgbClr val="FF0000"/>
+                </a:solidFill>
+                <a:latin typeface="Times New Roman" panose="02020603050405020304" pitchFamily="18" charset="0"/>
+                <a:cs typeface="Times New Roman" panose="02020603050405020304" pitchFamily="18" charset="0"/>
+              </a:rPr>
+              <a:t>getElementById</a:t>
             </a:r>
             <a:r>
               <a:rPr lang="pt-BR" sz="2000" dirty="0">
@@ -18906,8 +19677,53 @@
                 <a:latin typeface="Times New Roman" panose="02020603050405020304" pitchFamily="18" charset="0"/>
                 <a:cs typeface="Times New Roman" panose="02020603050405020304" pitchFamily="18" charset="0"/>
               </a:rPr>
-              <a:t> = new </a:t>
-            </a:r>
+              <a:t> = </a:t>
+            </a:r>
+            <a:r>
+              <a:rPr lang="pt-BR" sz="2000" b="1" dirty="0">
+                <a:solidFill>
+                  <a:schemeClr val="tx1"/>
+                </a:solidFill>
+                <a:latin typeface="Times New Roman" panose="02020603050405020304" pitchFamily="18" charset="0"/>
+                <a:cs typeface="Times New Roman" panose="02020603050405020304" pitchFamily="18" charset="0"/>
+              </a:rPr>
+              <a:t>new</a:t>
+            </a:r>
+            <a:r>
+              <a:rPr lang="pt-BR" sz="2000" dirty="0">
+                <a:solidFill>
+                  <a:schemeClr val="tx1"/>
+                </a:solidFill>
+                <a:latin typeface="Times New Roman" panose="02020603050405020304" pitchFamily="18" charset="0"/>
+                <a:cs typeface="Times New Roman" panose="02020603050405020304" pitchFamily="18" charset="0"/>
+              </a:rPr>
+              <a:t> </a:t>
+            </a:r>
+            <a:r>
+              <a:rPr lang="pt-BR" sz="2000" b="1" dirty="0" err="1">
+                <a:solidFill>
+                  <a:srgbClr val="FF0000"/>
+                </a:solidFill>
+                <a:latin typeface="Times New Roman" panose="02020603050405020304" pitchFamily="18" charset="0"/>
+                <a:cs typeface="Times New Roman" panose="02020603050405020304" pitchFamily="18" charset="0"/>
+              </a:rPr>
+              <a:t>XMLHttpRequest</a:t>
+            </a:r>
+            <a:r>
+              <a:rPr lang="pt-BR" sz="2000" dirty="0">
+                <a:solidFill>
+                  <a:schemeClr val="tx1"/>
+                </a:solidFill>
+                <a:latin typeface="Times New Roman" panose="02020603050405020304" pitchFamily="18" charset="0"/>
+                <a:cs typeface="Times New Roman" panose="02020603050405020304" pitchFamily="18" charset="0"/>
+              </a:rPr>
+              <a:t>();</a:t>
+            </a:r>
+          </a:p>
+          <a:p>
+            <a:pPr marL="447675" lvl="1" indent="0" algn="just">
+              <a:buNone/>
+            </a:pPr>
             <a:r>
               <a:rPr lang="pt-BR" sz="2000" dirty="0" err="1">
                 <a:solidFill>
@@ -18916,17 +19732,87 @@
                 <a:latin typeface="Times New Roman" panose="02020603050405020304" pitchFamily="18" charset="0"/>
                 <a:cs typeface="Times New Roman" panose="02020603050405020304" pitchFamily="18" charset="0"/>
               </a:rPr>
-              <a:t>XMLHttpRequest</a:t>
-            </a:r>
-            <a:r>
-              <a:rPr lang="pt-BR" sz="2000" dirty="0">
-                <a:solidFill>
-                  <a:schemeClr val="tx1"/>
-                </a:solidFill>
-                <a:latin typeface="Times New Roman" panose="02020603050405020304" pitchFamily="18" charset="0"/>
-                <a:cs typeface="Times New Roman" panose="02020603050405020304" pitchFamily="18" charset="0"/>
-              </a:rPr>
-              <a:t>();</a:t>
+              <a:t>ajax.</a:t>
+            </a:r>
+            <a:r>
+              <a:rPr lang="pt-BR" sz="2000" b="1" dirty="0" err="1">
+                <a:solidFill>
+                  <a:srgbClr val="FF0000"/>
+                </a:solidFill>
+                <a:latin typeface="Times New Roman" panose="02020603050405020304" pitchFamily="18" charset="0"/>
+                <a:cs typeface="Times New Roman" panose="02020603050405020304" pitchFamily="18" charset="0"/>
+              </a:rPr>
+              <a:t>open</a:t>
+            </a:r>
+            <a:r>
+              <a:rPr lang="pt-BR" sz="2000" dirty="0">
+                <a:solidFill>
+                  <a:schemeClr val="tx1"/>
+                </a:solidFill>
+                <a:latin typeface="Times New Roman" panose="02020603050405020304" pitchFamily="18" charset="0"/>
+                <a:cs typeface="Times New Roman" panose="02020603050405020304" pitchFamily="18" charset="0"/>
+              </a:rPr>
+              <a:t>(‘GET’, ‘</a:t>
+            </a:r>
+            <a:r>
+              <a:rPr lang="pt-BR" sz="2000" b="1" dirty="0">
+                <a:solidFill>
+                  <a:schemeClr val="tx1"/>
+                </a:solidFill>
+                <a:latin typeface="Times New Roman" panose="02020603050405020304" pitchFamily="18" charset="0"/>
+                <a:cs typeface="Times New Roman" panose="02020603050405020304" pitchFamily="18" charset="0"/>
+              </a:rPr>
+              <a:t>https://viacep.com.br/ws/’ + </a:t>
+            </a:r>
+            <a:r>
+              <a:rPr lang="pt-BR" sz="2000" b="1" dirty="0" err="1">
+                <a:solidFill>
+                  <a:schemeClr val="tx1"/>
+                </a:solidFill>
+                <a:latin typeface="Times New Roman" panose="02020603050405020304" pitchFamily="18" charset="0"/>
+                <a:cs typeface="Times New Roman" panose="02020603050405020304" pitchFamily="18" charset="0"/>
+              </a:rPr>
+              <a:t>inputCEP</a:t>
+            </a:r>
+            <a:r>
+              <a:rPr lang="pt-BR" sz="2000" b="1" dirty="0">
+                <a:solidFill>
+                  <a:schemeClr val="tx1"/>
+                </a:solidFill>
+                <a:latin typeface="Times New Roman" panose="02020603050405020304" pitchFamily="18" charset="0"/>
+                <a:cs typeface="Times New Roman" panose="02020603050405020304" pitchFamily="18" charset="0"/>
+              </a:rPr>
+              <a:t> + ‘/</a:t>
+            </a:r>
+            <a:r>
+              <a:rPr lang="pt-BR" sz="2000" b="1" dirty="0" err="1">
+                <a:solidFill>
+                  <a:schemeClr val="tx1"/>
+                </a:solidFill>
+                <a:latin typeface="Times New Roman" panose="02020603050405020304" pitchFamily="18" charset="0"/>
+                <a:cs typeface="Times New Roman" panose="02020603050405020304" pitchFamily="18" charset="0"/>
+              </a:rPr>
+              <a:t>json</a:t>
+            </a:r>
+            <a:r>
+              <a:rPr lang="pt-BR" sz="2000" b="1" dirty="0">
+                <a:solidFill>
+                  <a:schemeClr val="tx1"/>
+                </a:solidFill>
+                <a:latin typeface="Times New Roman" panose="02020603050405020304" pitchFamily="18" charset="0"/>
+                <a:cs typeface="Times New Roman" panose="02020603050405020304" pitchFamily="18" charset="0"/>
+              </a:rPr>
+              <a:t>/’</a:t>
+            </a:r>
+            <a:r>
+              <a:rPr lang="pt-BR" sz="2000" dirty="0">
+                <a:solidFill>
+                  <a:schemeClr val="tx1"/>
+                </a:solidFill>
+                <a:latin typeface="Times New Roman" panose="02020603050405020304" pitchFamily="18" charset="0"/>
+                <a:cs typeface="Times New Roman" panose="02020603050405020304" pitchFamily="18" charset="0"/>
+              </a:rPr>
+              <a:t>);</a:t>
             </a:r>
           </a:p>
           <a:p>
@@ -18941,18 +19827,88 @@
                 <a:latin typeface="Times New Roman" panose="02020603050405020304" pitchFamily="18" charset="0"/>
                 <a:cs typeface="Times New Roman" panose="02020603050405020304" pitchFamily="18" charset="0"/>
               </a:rPr>
-              <a:t>ajax.open</a:t>
-            </a:r>
-            <a:r>
-              <a:rPr lang="pt-BR" sz="2000" dirty="0">
-                <a:solidFill>
-                  <a:schemeClr val="tx1"/>
-                </a:solidFill>
-                <a:latin typeface="Times New Roman" panose="02020603050405020304" pitchFamily="18" charset="0"/>
-                <a:cs typeface="Times New Roman" panose="02020603050405020304" pitchFamily="18" charset="0"/>
-              </a:rPr>
-              <a:t>(‘GET’, ‘</a:t>
-            </a:r>
+              <a:t>ajax.</a:t>
+            </a:r>
+            <a:r>
+              <a:rPr lang="pt-BR" sz="2000" b="1" dirty="0" err="1">
+                <a:solidFill>
+                  <a:srgbClr val="FF0000"/>
+                </a:solidFill>
+                <a:latin typeface="Times New Roman" panose="02020603050405020304" pitchFamily="18" charset="0"/>
+                <a:cs typeface="Times New Roman" panose="02020603050405020304" pitchFamily="18" charset="0"/>
+              </a:rPr>
+              <a:t>send</a:t>
+            </a:r>
+            <a:r>
+              <a:rPr lang="pt-BR" sz="2000" dirty="0">
+                <a:solidFill>
+                  <a:schemeClr val="tx1"/>
+                </a:solidFill>
+                <a:latin typeface="Times New Roman" panose="02020603050405020304" pitchFamily="18" charset="0"/>
+                <a:cs typeface="Times New Roman" panose="02020603050405020304" pitchFamily="18" charset="0"/>
+              </a:rPr>
+              <a:t>(); </a:t>
+            </a:r>
+          </a:p>
+          <a:p>
+            <a:pPr marL="447675" lvl="1" indent="0" algn="just">
+              <a:buNone/>
+            </a:pPr>
+            <a:r>
+              <a:rPr lang="pt-BR" sz="2000" dirty="0" err="1">
+                <a:solidFill>
+                  <a:schemeClr val="tx1"/>
+                </a:solidFill>
+                <a:latin typeface="Times New Roman" panose="02020603050405020304" pitchFamily="18" charset="0"/>
+                <a:cs typeface="Times New Roman" panose="02020603050405020304" pitchFamily="18" charset="0"/>
+              </a:rPr>
+              <a:t>ajax.</a:t>
+            </a:r>
+            <a:r>
+              <a:rPr lang="pt-BR" sz="2000" b="1" dirty="0" err="1">
+                <a:solidFill>
+                  <a:srgbClr val="FF0000"/>
+                </a:solidFill>
+                <a:latin typeface="Times New Roman" panose="02020603050405020304" pitchFamily="18" charset="0"/>
+                <a:cs typeface="Times New Roman" panose="02020603050405020304" pitchFamily="18" charset="0"/>
+              </a:rPr>
+              <a:t>onload</a:t>
+            </a:r>
+            <a:r>
+              <a:rPr lang="pt-BR" sz="2000" dirty="0">
+                <a:solidFill>
+                  <a:schemeClr val="tx1"/>
+                </a:solidFill>
+                <a:latin typeface="Times New Roman" panose="02020603050405020304" pitchFamily="18" charset="0"/>
+                <a:cs typeface="Times New Roman" panose="02020603050405020304" pitchFamily="18" charset="0"/>
+              </a:rPr>
+              <a:t> = </a:t>
+            </a:r>
+            <a:r>
+              <a:rPr lang="pt-BR" sz="2000" b="1" dirty="0" err="1">
+                <a:solidFill>
+                  <a:schemeClr val="tx1"/>
+                </a:solidFill>
+                <a:latin typeface="Times New Roman" panose="02020603050405020304" pitchFamily="18" charset="0"/>
+                <a:cs typeface="Times New Roman" panose="02020603050405020304" pitchFamily="18" charset="0"/>
+              </a:rPr>
+              <a:t>function</a:t>
+            </a:r>
+            <a:r>
+              <a:rPr lang="pt-BR" sz="2000" dirty="0">
+                <a:solidFill>
+                  <a:schemeClr val="tx1"/>
+                </a:solidFill>
+                <a:latin typeface="Times New Roman" panose="02020603050405020304" pitchFamily="18" charset="0"/>
+                <a:cs typeface="Times New Roman" panose="02020603050405020304" pitchFamily="18" charset="0"/>
+              </a:rPr>
+              <a:t>(){  </a:t>
+            </a:r>
+          </a:p>
+          <a:p>
+            <a:pPr marL="447675" lvl="1" indent="0" algn="just">
+              <a:buNone/>
+            </a:pPr>
             <a:r>
               <a:rPr lang="pt-BR" sz="2000" b="1" dirty="0">
                 <a:solidFill>
@@ -18961,7 +19917,7 @@
                 <a:latin typeface="Times New Roman" panose="02020603050405020304" pitchFamily="18" charset="0"/>
                 <a:cs typeface="Times New Roman" panose="02020603050405020304" pitchFamily="18" charset="0"/>
               </a:rPr>
-              <a:t>https://viacep.com.br/ws/’ + </a:t>
+              <a:t>	    </a:t>
             </a:r>
             <a:r>
               <a:rPr lang="pt-BR" sz="2000" b="1" dirty="0" err="1">
@@ -18971,37 +19927,87 @@
                 <a:latin typeface="Times New Roman" panose="02020603050405020304" pitchFamily="18" charset="0"/>
                 <a:cs typeface="Times New Roman" panose="02020603050405020304" pitchFamily="18" charset="0"/>
               </a:rPr>
-              <a:t>inputCEP</a:t>
-            </a:r>
-            <a:r>
-              <a:rPr lang="pt-BR" sz="2000" b="1" dirty="0">
-                <a:solidFill>
-                  <a:schemeClr val="tx1"/>
-                </a:solidFill>
-                <a:latin typeface="Times New Roman" panose="02020603050405020304" pitchFamily="18" charset="0"/>
-                <a:cs typeface="Times New Roman" panose="02020603050405020304" pitchFamily="18" charset="0"/>
-              </a:rPr>
-              <a:t> + ‘/</a:t>
+              <a:t>let</a:t>
+            </a:r>
+            <a:r>
+              <a:rPr lang="pt-BR" sz="2000" dirty="0">
+                <a:solidFill>
+                  <a:schemeClr val="tx1"/>
+                </a:solidFill>
+                <a:latin typeface="Times New Roman" panose="02020603050405020304" pitchFamily="18" charset="0"/>
+                <a:cs typeface="Times New Roman" panose="02020603050405020304" pitchFamily="18" charset="0"/>
+              </a:rPr>
+              <a:t> </a:t>
             </a:r>
             <a:r>
               <a:rPr lang="pt-BR" sz="2000" b="1" dirty="0" err="1">
                 <a:solidFill>
-                  <a:schemeClr val="tx1"/>
-                </a:solidFill>
-                <a:latin typeface="Times New Roman" panose="02020603050405020304" pitchFamily="18" charset="0"/>
-                <a:cs typeface="Times New Roman" panose="02020603050405020304" pitchFamily="18" charset="0"/>
-              </a:rPr>
-              <a:t>json</a:t>
-            </a:r>
-            <a:r>
-              <a:rPr lang="pt-BR" sz="2000" b="1" dirty="0">
-                <a:solidFill>
-                  <a:schemeClr val="tx1"/>
-                </a:solidFill>
-                <a:latin typeface="Times New Roman" panose="02020603050405020304" pitchFamily="18" charset="0"/>
-                <a:cs typeface="Times New Roman" panose="02020603050405020304" pitchFamily="18" charset="0"/>
-              </a:rPr>
-              <a:t>/’</a:t>
+                  <a:srgbClr val="FF0000"/>
+                </a:solidFill>
+                <a:latin typeface="Times New Roman" panose="02020603050405020304" pitchFamily="18" charset="0"/>
+                <a:cs typeface="Times New Roman" panose="02020603050405020304" pitchFamily="18" charset="0"/>
+              </a:rPr>
+              <a:t>objCEP</a:t>
+            </a:r>
+            <a:r>
+              <a:rPr lang="pt-BR" sz="2000" dirty="0">
+                <a:solidFill>
+                  <a:schemeClr val="tx1"/>
+                </a:solidFill>
+                <a:latin typeface="Times New Roman" panose="02020603050405020304" pitchFamily="18" charset="0"/>
+                <a:cs typeface="Times New Roman" panose="02020603050405020304" pitchFamily="18" charset="0"/>
+              </a:rPr>
+              <a:t> = </a:t>
+            </a:r>
+            <a:r>
+              <a:rPr lang="pt-BR" sz="2000" b="1" dirty="0" err="1">
+                <a:solidFill>
+                  <a:schemeClr val="tx1"/>
+                </a:solidFill>
+                <a:latin typeface="Times New Roman" panose="02020603050405020304" pitchFamily="18" charset="0"/>
+                <a:cs typeface="Times New Roman" panose="02020603050405020304" pitchFamily="18" charset="0"/>
+              </a:rPr>
+              <a:t>JSON</a:t>
+            </a:r>
+            <a:r>
+              <a:rPr lang="pt-BR" sz="2000" dirty="0" err="1">
+                <a:solidFill>
+                  <a:schemeClr val="tx1"/>
+                </a:solidFill>
+                <a:latin typeface="Times New Roman" panose="02020603050405020304" pitchFamily="18" charset="0"/>
+                <a:cs typeface="Times New Roman" panose="02020603050405020304" pitchFamily="18" charset="0"/>
+              </a:rPr>
+              <a:t>.parse</a:t>
+            </a:r>
+            <a:r>
+              <a:rPr lang="pt-BR" sz="2000" dirty="0">
+                <a:solidFill>
+                  <a:schemeClr val="tx1"/>
+                </a:solidFill>
+                <a:latin typeface="Times New Roman" panose="02020603050405020304" pitchFamily="18" charset="0"/>
+                <a:cs typeface="Times New Roman" panose="02020603050405020304" pitchFamily="18" charset="0"/>
+              </a:rPr>
+              <a:t>(</a:t>
+            </a:r>
+            <a:r>
+              <a:rPr lang="pt-BR" sz="2000" b="1" dirty="0" err="1">
+                <a:solidFill>
+                  <a:schemeClr val="tx1"/>
+                </a:solidFill>
+                <a:latin typeface="Times New Roman" panose="02020603050405020304" pitchFamily="18" charset="0"/>
+                <a:cs typeface="Times New Roman" panose="02020603050405020304" pitchFamily="18" charset="0"/>
+              </a:rPr>
+              <a:t>this</a:t>
+            </a:r>
+            <a:r>
+              <a:rPr lang="pt-BR" sz="2000" dirty="0" err="1">
+                <a:solidFill>
+                  <a:schemeClr val="tx1"/>
+                </a:solidFill>
+                <a:latin typeface="Times New Roman" panose="02020603050405020304" pitchFamily="18" charset="0"/>
+                <a:cs typeface="Times New Roman" panose="02020603050405020304" pitchFamily="18" charset="0"/>
+              </a:rPr>
+              <a:t>.responseText</a:t>
             </a:r>
             <a:r>
               <a:rPr lang="pt-BR" sz="2000" dirty="0">
@@ -19019,6 +20025,36 @@
               <a:buNone/>
             </a:pPr>
             <a:r>
+              <a:rPr lang="pt-BR" sz="2000" dirty="0">
+                <a:solidFill>
+                  <a:schemeClr val="tx1"/>
+                </a:solidFill>
+                <a:latin typeface="Times New Roman" panose="02020603050405020304" pitchFamily="18" charset="0"/>
+                <a:cs typeface="Times New Roman" panose="02020603050405020304" pitchFamily="18" charset="0"/>
+              </a:rPr>
+              <a:t>	    </a:t>
+            </a:r>
+            <a:r>
+              <a:rPr lang="pt-BR" sz="2000" b="1" dirty="0" err="1">
+                <a:solidFill>
+                  <a:schemeClr val="tx1"/>
+                </a:solidFill>
+                <a:latin typeface="Times New Roman" panose="02020603050405020304" pitchFamily="18" charset="0"/>
+                <a:cs typeface="Times New Roman" panose="02020603050405020304" pitchFamily="18" charset="0"/>
+              </a:rPr>
+              <a:t>let</a:t>
+            </a:r>
+            <a:r>
+              <a:rPr lang="pt-BR" sz="2000" dirty="0">
+                <a:solidFill>
+                  <a:schemeClr val="tx1"/>
+                </a:solidFill>
+                <a:latin typeface="Times New Roman" panose="02020603050405020304" pitchFamily="18" charset="0"/>
+                <a:cs typeface="Times New Roman" panose="02020603050405020304" pitchFamily="18" charset="0"/>
+              </a:rPr>
+              <a:t> </a:t>
+            </a:r>
+            <a:r>
               <a:rPr lang="pt-BR" sz="2000" dirty="0" err="1">
                 <a:solidFill>
                   <a:schemeClr val="tx1"/>
@@ -19026,17 +20062,77 @@
                 <a:latin typeface="Times New Roman" panose="02020603050405020304" pitchFamily="18" charset="0"/>
                 <a:cs typeface="Times New Roman" panose="02020603050405020304" pitchFamily="18" charset="0"/>
               </a:rPr>
-              <a:t>ajax.send</a:t>
-            </a:r>
-            <a:r>
-              <a:rPr lang="pt-BR" sz="2000" dirty="0">
-                <a:solidFill>
-                  <a:schemeClr val="tx1"/>
-                </a:solidFill>
-                <a:latin typeface="Times New Roman" panose="02020603050405020304" pitchFamily="18" charset="0"/>
-                <a:cs typeface="Times New Roman" panose="02020603050405020304" pitchFamily="18" charset="0"/>
-              </a:rPr>
-              <a:t>(); </a:t>
+              <a:t>lograd</a:t>
+            </a:r>
+            <a:r>
+              <a:rPr lang="pt-BR" sz="2000" dirty="0">
+                <a:solidFill>
+                  <a:schemeClr val="tx1"/>
+                </a:solidFill>
+                <a:latin typeface="Times New Roman" panose="02020603050405020304" pitchFamily="18" charset="0"/>
+                <a:cs typeface="Times New Roman" panose="02020603050405020304" pitchFamily="18" charset="0"/>
+              </a:rPr>
+              <a:t> = </a:t>
+            </a:r>
+            <a:r>
+              <a:rPr lang="pt-BR" sz="2000" dirty="0" err="1">
+                <a:solidFill>
+                  <a:schemeClr val="tx1"/>
+                </a:solidFill>
+                <a:latin typeface="Times New Roman" panose="02020603050405020304" pitchFamily="18" charset="0"/>
+                <a:cs typeface="Times New Roman" panose="02020603050405020304" pitchFamily="18" charset="0"/>
+              </a:rPr>
+              <a:t>objCEP.logradouro</a:t>
+            </a:r>
+            <a:r>
+              <a:rPr lang="pt-BR" sz="2000" dirty="0">
+                <a:solidFill>
+                  <a:schemeClr val="tx1"/>
+                </a:solidFill>
+                <a:latin typeface="Times New Roman" panose="02020603050405020304" pitchFamily="18" charset="0"/>
+                <a:cs typeface="Times New Roman" panose="02020603050405020304" pitchFamily="18" charset="0"/>
+              </a:rPr>
+              <a:t>; </a:t>
+            </a:r>
+            <a:r>
+              <a:rPr lang="pt-BR" sz="2000" b="1" dirty="0" err="1">
+                <a:solidFill>
+                  <a:schemeClr val="tx1"/>
+                </a:solidFill>
+                <a:latin typeface="Times New Roman" panose="02020603050405020304" pitchFamily="18" charset="0"/>
+                <a:cs typeface="Times New Roman" panose="02020603050405020304" pitchFamily="18" charset="0"/>
+              </a:rPr>
+              <a:t>let</a:t>
+            </a:r>
+            <a:r>
+              <a:rPr lang="pt-BR" sz="2000" dirty="0">
+                <a:solidFill>
+                  <a:schemeClr val="tx1"/>
+                </a:solidFill>
+                <a:latin typeface="Times New Roman" panose="02020603050405020304" pitchFamily="18" charset="0"/>
+                <a:cs typeface="Times New Roman" panose="02020603050405020304" pitchFamily="18" charset="0"/>
+              </a:rPr>
+              <a:t> cidade = </a:t>
+            </a:r>
+            <a:r>
+              <a:rPr lang="pt-BR" sz="2000" dirty="0" err="1">
+                <a:solidFill>
+                  <a:schemeClr val="tx1"/>
+                </a:solidFill>
+                <a:latin typeface="Times New Roman" panose="02020603050405020304" pitchFamily="18" charset="0"/>
+                <a:cs typeface="Times New Roman" panose="02020603050405020304" pitchFamily="18" charset="0"/>
+              </a:rPr>
+              <a:t>objCEP.bairro</a:t>
+            </a:r>
+            <a:r>
+              <a:rPr lang="pt-BR" sz="2000" dirty="0">
+                <a:solidFill>
+                  <a:schemeClr val="tx1"/>
+                </a:solidFill>
+                <a:latin typeface="Times New Roman" panose="02020603050405020304" pitchFamily="18" charset="0"/>
+                <a:cs typeface="Times New Roman" panose="02020603050405020304" pitchFamily="18" charset="0"/>
+              </a:rPr>
+              <a:t>; </a:t>
             </a:r>
           </a:p>
           <a:p>
@@ -19044,6 +20140,36 @@
               <a:buNone/>
             </a:pPr>
             <a:r>
+              <a:rPr lang="pt-BR" sz="2000" dirty="0">
+                <a:solidFill>
+                  <a:schemeClr val="tx1"/>
+                </a:solidFill>
+                <a:latin typeface="Times New Roman" panose="02020603050405020304" pitchFamily="18" charset="0"/>
+                <a:cs typeface="Times New Roman" panose="02020603050405020304" pitchFamily="18" charset="0"/>
+              </a:rPr>
+              <a:t>	    </a:t>
+            </a:r>
+            <a:r>
+              <a:rPr lang="pt-BR" sz="2000" b="1" dirty="0" err="1">
+                <a:solidFill>
+                  <a:schemeClr val="tx1"/>
+                </a:solidFill>
+                <a:latin typeface="Times New Roman" panose="02020603050405020304" pitchFamily="18" charset="0"/>
+                <a:cs typeface="Times New Roman" panose="02020603050405020304" pitchFamily="18" charset="0"/>
+              </a:rPr>
+              <a:t>let</a:t>
+            </a:r>
+            <a:r>
+              <a:rPr lang="pt-BR" sz="2000" dirty="0">
+                <a:solidFill>
+                  <a:schemeClr val="tx1"/>
+                </a:solidFill>
+                <a:latin typeface="Times New Roman" panose="02020603050405020304" pitchFamily="18" charset="0"/>
+                <a:cs typeface="Times New Roman" panose="02020603050405020304" pitchFamily="18" charset="0"/>
+              </a:rPr>
+              <a:t> uf = </a:t>
+            </a:r>
+            <a:r>
               <a:rPr lang="pt-BR" sz="2000" dirty="0" err="1">
                 <a:solidFill>
                   <a:schemeClr val="tx1"/>
@@ -19051,17 +20177,42 @@
                 <a:latin typeface="Times New Roman" panose="02020603050405020304" pitchFamily="18" charset="0"/>
                 <a:cs typeface="Times New Roman" panose="02020603050405020304" pitchFamily="18" charset="0"/>
               </a:rPr>
-              <a:t>ajax.onload</a:t>
-            </a:r>
-            <a:r>
-              <a:rPr lang="pt-BR" sz="2000" dirty="0">
-                <a:solidFill>
-                  <a:schemeClr val="tx1"/>
-                </a:solidFill>
-                <a:latin typeface="Times New Roman" panose="02020603050405020304" pitchFamily="18" charset="0"/>
-                <a:cs typeface="Times New Roman" panose="02020603050405020304" pitchFamily="18" charset="0"/>
-              </a:rPr>
-              <a:t> = </a:t>
+              <a:t>objCEP.uf</a:t>
+            </a:r>
+            <a:r>
+              <a:rPr lang="pt-BR" sz="2000" dirty="0">
+                <a:solidFill>
+                  <a:schemeClr val="tx1"/>
+                </a:solidFill>
+                <a:latin typeface="Times New Roman" panose="02020603050405020304" pitchFamily="18" charset="0"/>
+                <a:cs typeface="Times New Roman" panose="02020603050405020304" pitchFamily="18" charset="0"/>
+              </a:rPr>
+              <a:t>;</a:t>
+            </a:r>
+          </a:p>
+          <a:p>
+            <a:pPr marL="447675" lvl="1" indent="0" algn="just">
+              <a:buNone/>
+            </a:pPr>
+            <a:r>
+              <a:rPr lang="pt-BR" sz="2000" dirty="0">
+                <a:solidFill>
+                  <a:schemeClr val="tx1"/>
+                </a:solidFill>
+                <a:latin typeface="Times New Roman" panose="02020603050405020304" pitchFamily="18" charset="0"/>
+                <a:cs typeface="Times New Roman" panose="02020603050405020304" pitchFamily="18" charset="0"/>
+              </a:rPr>
+              <a:t>	    </a:t>
+            </a:r>
+            <a:r>
+              <a:rPr lang="pt-BR" sz="2000" b="1" dirty="0" err="1">
+                <a:solidFill>
+                  <a:schemeClr val="tx1"/>
+                </a:solidFill>
+                <a:latin typeface="Times New Roman" panose="02020603050405020304" pitchFamily="18" charset="0"/>
+                <a:cs typeface="Times New Roman" panose="02020603050405020304" pitchFamily="18" charset="0"/>
+              </a:rPr>
+              <a:t>document</a:t>
             </a:r>
             <a:r>
               <a:rPr lang="pt-BR" sz="2000" dirty="0" err="1">
@@ -19071,337 +20222,17 @@
                 <a:latin typeface="Times New Roman" panose="02020603050405020304" pitchFamily="18" charset="0"/>
                 <a:cs typeface="Times New Roman" panose="02020603050405020304" pitchFamily="18" charset="0"/>
               </a:rPr>
-              <a:t>function</a:t>
-            </a:r>
-            <a:r>
-              <a:rPr lang="pt-BR" sz="2000" dirty="0">
-                <a:solidFill>
-                  <a:schemeClr val="tx1"/>
-                </a:solidFill>
-                <a:latin typeface="Times New Roman" panose="02020603050405020304" pitchFamily="18" charset="0"/>
-                <a:cs typeface="Times New Roman" panose="02020603050405020304" pitchFamily="18" charset="0"/>
-              </a:rPr>
-              <a:t>(){  </a:t>
-            </a:r>
-          </a:p>
-          <a:p>
-            <a:pPr marL="447675" lvl="1" indent="0" algn="just">
-              <a:buNone/>
-            </a:pPr>
-            <a:r>
-              <a:rPr lang="pt-BR" sz="2000" b="1" dirty="0">
-                <a:solidFill>
-                  <a:schemeClr val="tx1"/>
-                </a:solidFill>
-                <a:latin typeface="Times New Roman" panose="02020603050405020304" pitchFamily="18" charset="0"/>
-                <a:cs typeface="Times New Roman" panose="02020603050405020304" pitchFamily="18" charset="0"/>
-              </a:rPr>
-              <a:t>	    </a:t>
+              <a:t>.</a:t>
             </a:r>
             <a:r>
               <a:rPr lang="pt-BR" sz="2000" b="1" dirty="0" err="1">
                 <a:solidFill>
-                  <a:schemeClr val="tx1"/>
-                </a:solidFill>
-                <a:latin typeface="Times New Roman" panose="02020603050405020304" pitchFamily="18" charset="0"/>
-                <a:cs typeface="Times New Roman" panose="02020603050405020304" pitchFamily="18" charset="0"/>
-              </a:rPr>
-              <a:t>let</a:t>
-            </a:r>
-            <a:r>
-              <a:rPr lang="pt-BR" sz="2000" dirty="0">
-                <a:solidFill>
-                  <a:schemeClr val="tx1"/>
-                </a:solidFill>
-                <a:latin typeface="Times New Roman" panose="02020603050405020304" pitchFamily="18" charset="0"/>
-                <a:cs typeface="Times New Roman" panose="02020603050405020304" pitchFamily="18" charset="0"/>
-              </a:rPr>
-              <a:t> </a:t>
-            </a:r>
-            <a:r>
-              <a:rPr lang="pt-BR" sz="2000" b="1" dirty="0" err="1">
-                <a:solidFill>
                   <a:srgbClr val="FF0000"/>
                 </a:solidFill>
                 <a:latin typeface="Times New Roman" panose="02020603050405020304" pitchFamily="18" charset="0"/>
                 <a:cs typeface="Times New Roman" panose="02020603050405020304" pitchFamily="18" charset="0"/>
               </a:rPr>
-              <a:t>objCEP</a:t>
-            </a:r>
-            <a:r>
-              <a:rPr lang="pt-BR" sz="2000" dirty="0">
-                <a:solidFill>
-                  <a:schemeClr val="tx1"/>
-                </a:solidFill>
-                <a:latin typeface="Times New Roman" panose="02020603050405020304" pitchFamily="18" charset="0"/>
-                <a:cs typeface="Times New Roman" panose="02020603050405020304" pitchFamily="18" charset="0"/>
-              </a:rPr>
-              <a:t> = </a:t>
-            </a:r>
-            <a:r>
-              <a:rPr lang="pt-BR" sz="2000" b="1" dirty="0" err="1">
-                <a:solidFill>
-                  <a:schemeClr val="tx1"/>
-                </a:solidFill>
-                <a:latin typeface="Times New Roman" panose="02020603050405020304" pitchFamily="18" charset="0"/>
-                <a:cs typeface="Times New Roman" panose="02020603050405020304" pitchFamily="18" charset="0"/>
-              </a:rPr>
-              <a:t>JSON</a:t>
-            </a:r>
-            <a:r>
-              <a:rPr lang="pt-BR" sz="2000" dirty="0" err="1">
-                <a:solidFill>
-                  <a:schemeClr val="tx1"/>
-                </a:solidFill>
-                <a:latin typeface="Times New Roman" panose="02020603050405020304" pitchFamily="18" charset="0"/>
-                <a:cs typeface="Times New Roman" panose="02020603050405020304" pitchFamily="18" charset="0"/>
-              </a:rPr>
-              <a:t>.parse</a:t>
-            </a:r>
-            <a:r>
-              <a:rPr lang="pt-BR" sz="2000" dirty="0">
-                <a:solidFill>
-                  <a:schemeClr val="tx1"/>
-                </a:solidFill>
-                <a:latin typeface="Times New Roman" panose="02020603050405020304" pitchFamily="18" charset="0"/>
-                <a:cs typeface="Times New Roman" panose="02020603050405020304" pitchFamily="18" charset="0"/>
-              </a:rPr>
-              <a:t>(</a:t>
-            </a:r>
-            <a:r>
-              <a:rPr lang="pt-BR" sz="2000" b="1" dirty="0" err="1">
-                <a:solidFill>
-                  <a:schemeClr val="tx1"/>
-                </a:solidFill>
-                <a:latin typeface="Times New Roman" panose="02020603050405020304" pitchFamily="18" charset="0"/>
-                <a:cs typeface="Times New Roman" panose="02020603050405020304" pitchFamily="18" charset="0"/>
-              </a:rPr>
-              <a:t>this</a:t>
-            </a:r>
-            <a:r>
-              <a:rPr lang="pt-BR" sz="2000" dirty="0" err="1">
-                <a:solidFill>
-                  <a:schemeClr val="tx1"/>
-                </a:solidFill>
-                <a:latin typeface="Times New Roman" panose="02020603050405020304" pitchFamily="18" charset="0"/>
-                <a:cs typeface="Times New Roman" panose="02020603050405020304" pitchFamily="18" charset="0"/>
-              </a:rPr>
-              <a:t>.responseText</a:t>
-            </a:r>
-            <a:r>
-              <a:rPr lang="pt-BR" sz="2000" dirty="0">
-                <a:solidFill>
-                  <a:schemeClr val="tx1"/>
-                </a:solidFill>
-                <a:latin typeface="Times New Roman" panose="02020603050405020304" pitchFamily="18" charset="0"/>
-                <a:cs typeface="Times New Roman" panose="02020603050405020304" pitchFamily="18" charset="0"/>
-              </a:rPr>
-              <a:t>);</a:t>
-            </a:r>
-          </a:p>
-          <a:p>
-            <a:pPr marL="447675" lvl="1" indent="0" algn="just">
-              <a:buNone/>
-            </a:pPr>
-            <a:r>
-              <a:rPr lang="pt-BR" sz="2000" dirty="0">
-                <a:solidFill>
-                  <a:schemeClr val="tx1"/>
-                </a:solidFill>
-                <a:latin typeface="Times New Roman" panose="02020603050405020304" pitchFamily="18" charset="0"/>
-                <a:cs typeface="Times New Roman" panose="02020603050405020304" pitchFamily="18" charset="0"/>
-              </a:rPr>
-              <a:t>	    </a:t>
-            </a:r>
-            <a:r>
-              <a:rPr lang="pt-BR" sz="2000" b="1" dirty="0" err="1">
-                <a:solidFill>
-                  <a:schemeClr val="tx1"/>
-                </a:solidFill>
-                <a:latin typeface="Times New Roman" panose="02020603050405020304" pitchFamily="18" charset="0"/>
-                <a:cs typeface="Times New Roman" panose="02020603050405020304" pitchFamily="18" charset="0"/>
-              </a:rPr>
-              <a:t>let</a:t>
-            </a:r>
-            <a:r>
-              <a:rPr lang="pt-BR" sz="2000" dirty="0">
-                <a:solidFill>
-                  <a:schemeClr val="tx1"/>
-                </a:solidFill>
-                <a:latin typeface="Times New Roman" panose="02020603050405020304" pitchFamily="18" charset="0"/>
-                <a:cs typeface="Times New Roman" panose="02020603050405020304" pitchFamily="18" charset="0"/>
-              </a:rPr>
-              <a:t> </a:t>
-            </a:r>
-            <a:r>
-              <a:rPr lang="pt-BR" sz="2000" dirty="0" err="1">
-                <a:solidFill>
-                  <a:schemeClr val="tx1"/>
-                </a:solidFill>
-                <a:latin typeface="Times New Roman" panose="02020603050405020304" pitchFamily="18" charset="0"/>
-                <a:cs typeface="Times New Roman" panose="02020603050405020304" pitchFamily="18" charset="0"/>
-              </a:rPr>
-              <a:t>lograd</a:t>
-            </a:r>
-            <a:r>
-              <a:rPr lang="pt-BR" sz="2000" dirty="0">
-                <a:solidFill>
-                  <a:schemeClr val="tx1"/>
-                </a:solidFill>
-                <a:latin typeface="Times New Roman" panose="02020603050405020304" pitchFamily="18" charset="0"/>
-                <a:cs typeface="Times New Roman" panose="02020603050405020304" pitchFamily="18" charset="0"/>
-              </a:rPr>
-              <a:t> = </a:t>
-            </a:r>
-            <a:r>
-              <a:rPr lang="pt-BR" sz="2000" dirty="0" err="1">
-                <a:solidFill>
-                  <a:schemeClr val="tx1"/>
-                </a:solidFill>
-                <a:latin typeface="Times New Roman" panose="02020603050405020304" pitchFamily="18" charset="0"/>
-                <a:cs typeface="Times New Roman" panose="02020603050405020304" pitchFamily="18" charset="0"/>
-              </a:rPr>
-              <a:t>objCEP.logradouro</a:t>
-            </a:r>
-            <a:r>
-              <a:rPr lang="pt-BR" sz="2000" dirty="0">
-                <a:solidFill>
-                  <a:schemeClr val="tx1"/>
-                </a:solidFill>
-                <a:latin typeface="Times New Roman" panose="02020603050405020304" pitchFamily="18" charset="0"/>
-                <a:cs typeface="Times New Roman" panose="02020603050405020304" pitchFamily="18" charset="0"/>
-              </a:rPr>
-              <a:t>; </a:t>
-            </a:r>
-            <a:r>
-              <a:rPr lang="pt-BR" sz="2000" dirty="0" err="1">
-                <a:solidFill>
-                  <a:schemeClr val="tx1"/>
-                </a:solidFill>
-                <a:latin typeface="Times New Roman" panose="02020603050405020304" pitchFamily="18" charset="0"/>
-                <a:cs typeface="Times New Roman" panose="02020603050405020304" pitchFamily="18" charset="0"/>
-              </a:rPr>
-              <a:t>let</a:t>
-            </a:r>
-            <a:r>
-              <a:rPr lang="pt-BR" sz="2000" dirty="0">
-                <a:solidFill>
-                  <a:schemeClr val="tx1"/>
-                </a:solidFill>
-                <a:latin typeface="Times New Roman" panose="02020603050405020304" pitchFamily="18" charset="0"/>
-                <a:cs typeface="Times New Roman" panose="02020603050405020304" pitchFamily="18" charset="0"/>
-              </a:rPr>
-              <a:t> cidade = </a:t>
-            </a:r>
-            <a:r>
-              <a:rPr lang="pt-BR" sz="2000" dirty="0" err="1">
-                <a:solidFill>
-                  <a:schemeClr val="tx1"/>
-                </a:solidFill>
-                <a:latin typeface="Times New Roman" panose="02020603050405020304" pitchFamily="18" charset="0"/>
-                <a:cs typeface="Times New Roman" panose="02020603050405020304" pitchFamily="18" charset="0"/>
-              </a:rPr>
-              <a:t>objCEP.bairro</a:t>
-            </a:r>
-            <a:r>
-              <a:rPr lang="pt-BR" sz="2000" dirty="0">
-                <a:solidFill>
-                  <a:schemeClr val="tx1"/>
-                </a:solidFill>
-                <a:latin typeface="Times New Roman" panose="02020603050405020304" pitchFamily="18" charset="0"/>
-                <a:cs typeface="Times New Roman" panose="02020603050405020304" pitchFamily="18" charset="0"/>
-              </a:rPr>
-              <a:t>; </a:t>
-            </a:r>
-          </a:p>
-          <a:p>
-            <a:pPr marL="447675" lvl="1" indent="0" algn="just">
-              <a:buNone/>
-            </a:pPr>
-            <a:r>
-              <a:rPr lang="pt-BR" sz="2000" dirty="0">
-                <a:solidFill>
-                  <a:schemeClr val="tx1"/>
-                </a:solidFill>
-                <a:latin typeface="Times New Roman" panose="02020603050405020304" pitchFamily="18" charset="0"/>
-                <a:cs typeface="Times New Roman" panose="02020603050405020304" pitchFamily="18" charset="0"/>
-              </a:rPr>
-              <a:t>	    </a:t>
-            </a:r>
-            <a:r>
-              <a:rPr lang="pt-BR" sz="2000" b="1" dirty="0" err="1">
-                <a:solidFill>
-                  <a:schemeClr val="tx1"/>
-                </a:solidFill>
-                <a:latin typeface="Times New Roman" panose="02020603050405020304" pitchFamily="18" charset="0"/>
-                <a:cs typeface="Times New Roman" panose="02020603050405020304" pitchFamily="18" charset="0"/>
-              </a:rPr>
-              <a:t>let</a:t>
-            </a:r>
-            <a:r>
-              <a:rPr lang="pt-BR" sz="2000" dirty="0">
-                <a:solidFill>
-                  <a:schemeClr val="tx1"/>
-                </a:solidFill>
-                <a:latin typeface="Times New Roman" panose="02020603050405020304" pitchFamily="18" charset="0"/>
-                <a:cs typeface="Times New Roman" panose="02020603050405020304" pitchFamily="18" charset="0"/>
-              </a:rPr>
-              <a:t> uf = </a:t>
-            </a:r>
-            <a:r>
-              <a:rPr lang="pt-BR" sz="2000" dirty="0" err="1">
-                <a:solidFill>
-                  <a:schemeClr val="tx1"/>
-                </a:solidFill>
-                <a:latin typeface="Times New Roman" panose="02020603050405020304" pitchFamily="18" charset="0"/>
-                <a:cs typeface="Times New Roman" panose="02020603050405020304" pitchFamily="18" charset="0"/>
-              </a:rPr>
-              <a:t>objCEP.uf</a:t>
-            </a:r>
-            <a:r>
-              <a:rPr lang="pt-BR" sz="2000" dirty="0">
-                <a:solidFill>
-                  <a:schemeClr val="tx1"/>
-                </a:solidFill>
-                <a:latin typeface="Times New Roman" panose="02020603050405020304" pitchFamily="18" charset="0"/>
-                <a:cs typeface="Times New Roman" panose="02020603050405020304" pitchFamily="18" charset="0"/>
-              </a:rPr>
-              <a:t>;</a:t>
-            </a:r>
-          </a:p>
-          <a:p>
-            <a:pPr marL="447675" lvl="1" indent="0" algn="just">
-              <a:buNone/>
-            </a:pPr>
-            <a:r>
-              <a:rPr lang="pt-BR" sz="2000" dirty="0">
-                <a:solidFill>
-                  <a:schemeClr val="tx1"/>
-                </a:solidFill>
-                <a:latin typeface="Times New Roman" panose="02020603050405020304" pitchFamily="18" charset="0"/>
-                <a:cs typeface="Times New Roman" panose="02020603050405020304" pitchFamily="18" charset="0"/>
-              </a:rPr>
-              <a:t>	    </a:t>
-            </a:r>
-            <a:r>
-              <a:rPr lang="pt-BR" sz="2000" b="1" dirty="0" err="1">
-                <a:solidFill>
-                  <a:schemeClr val="tx1"/>
-                </a:solidFill>
-                <a:latin typeface="Times New Roman" panose="02020603050405020304" pitchFamily="18" charset="0"/>
-                <a:cs typeface="Times New Roman" panose="02020603050405020304" pitchFamily="18" charset="0"/>
-              </a:rPr>
-              <a:t>document</a:t>
-            </a:r>
-            <a:r>
-              <a:rPr lang="pt-BR" sz="2000" dirty="0" err="1">
-                <a:solidFill>
-                  <a:schemeClr val="tx1"/>
-                </a:solidFill>
-                <a:latin typeface="Times New Roman" panose="02020603050405020304" pitchFamily="18" charset="0"/>
-                <a:cs typeface="Times New Roman" panose="02020603050405020304" pitchFamily="18" charset="0"/>
-              </a:rPr>
-              <a:t>.getElementById</a:t>
+              <a:t>getElementById</a:t>
             </a:r>
             <a:r>
               <a:rPr lang="pt-BR" sz="2000" dirty="0">
@@ -19861,6 +20692,46 @@
               <a:t>			</a:t>
             </a:r>
             <a:r>
+              <a:rPr lang="pt-BR" sz="2000" b="1" dirty="0" err="1">
+                <a:solidFill>
+                  <a:schemeClr val="tx1"/>
+                </a:solidFill>
+                <a:latin typeface="Times New Roman" panose="02020603050405020304" pitchFamily="18" charset="0"/>
+                <a:cs typeface="Times New Roman" panose="02020603050405020304" pitchFamily="18" charset="0"/>
+              </a:rPr>
+              <a:t>let</a:t>
+            </a:r>
+            <a:r>
+              <a:rPr lang="pt-BR" sz="2000" dirty="0">
+                <a:solidFill>
+                  <a:schemeClr val="tx1"/>
+                </a:solidFill>
+                <a:latin typeface="Times New Roman" panose="02020603050405020304" pitchFamily="18" charset="0"/>
+                <a:cs typeface="Times New Roman" panose="02020603050405020304" pitchFamily="18" charset="0"/>
+              </a:rPr>
+              <a:t> </a:t>
+            </a:r>
+            <a:r>
+              <a:rPr lang="pt-BR" sz="2000" b="1" dirty="0" err="1">
+                <a:solidFill>
+                  <a:srgbClr val="FF0000"/>
+                </a:solidFill>
+                <a:latin typeface="Times New Roman" panose="02020603050405020304" pitchFamily="18" charset="0"/>
+                <a:cs typeface="Times New Roman" panose="02020603050405020304" pitchFamily="18" charset="0"/>
+              </a:rPr>
+              <a:t>elemento_pai</a:t>
+            </a:r>
+            <a:r>
+              <a:rPr lang="pt-BR" sz="2000" dirty="0">
+                <a:solidFill>
+                  <a:schemeClr val="tx1"/>
+                </a:solidFill>
+                <a:latin typeface="Times New Roman" panose="02020603050405020304" pitchFamily="18" charset="0"/>
+                <a:cs typeface="Times New Roman" panose="02020603050405020304" pitchFamily="18" charset="0"/>
+              </a:rPr>
+              <a:t> = </a:t>
+            </a:r>
+            <a:r>
               <a:rPr lang="pt-BR" sz="2000" dirty="0" err="1">
                 <a:solidFill>
                   <a:schemeClr val="tx1"/>
@@ -19868,6 +20739,51 @@
                 <a:latin typeface="Times New Roman" panose="02020603050405020304" pitchFamily="18" charset="0"/>
                 <a:cs typeface="Times New Roman" panose="02020603050405020304" pitchFamily="18" charset="0"/>
               </a:rPr>
+              <a:t>document.</a:t>
+            </a:r>
+            <a:r>
+              <a:rPr lang="pt-BR" sz="2000" b="1" dirty="0" err="1">
+                <a:solidFill>
+                  <a:schemeClr val="tx1"/>
+                </a:solidFill>
+                <a:latin typeface="Times New Roman" panose="02020603050405020304" pitchFamily="18" charset="0"/>
+                <a:cs typeface="Times New Roman" panose="02020603050405020304" pitchFamily="18" charset="0"/>
+              </a:rPr>
+              <a:t>body</a:t>
+            </a:r>
+            <a:r>
+              <a:rPr lang="pt-BR" sz="2000" dirty="0">
+                <a:solidFill>
+                  <a:schemeClr val="tx1"/>
+                </a:solidFill>
+                <a:latin typeface="Times New Roman" panose="02020603050405020304" pitchFamily="18" charset="0"/>
+                <a:cs typeface="Times New Roman" panose="02020603050405020304" pitchFamily="18" charset="0"/>
+              </a:rPr>
+              <a:t>;</a:t>
+            </a:r>
+          </a:p>
+          <a:p>
+            <a:pPr marL="0" indent="0" algn="just">
+              <a:buNone/>
+            </a:pPr>
+            <a:r>
+              <a:rPr lang="pt-BR" sz="2000" dirty="0">
+                <a:solidFill>
+                  <a:schemeClr val="tx1"/>
+                </a:solidFill>
+                <a:latin typeface="Times New Roman" panose="02020603050405020304" pitchFamily="18" charset="0"/>
+                <a:cs typeface="Times New Roman" panose="02020603050405020304" pitchFamily="18" charset="0"/>
+              </a:rPr>
+              <a:t>			</a:t>
+            </a:r>
+            <a:r>
+              <a:rPr lang="pt-BR" sz="2000" b="1" dirty="0" err="1">
+                <a:solidFill>
+                  <a:schemeClr val="tx1"/>
+                </a:solidFill>
+                <a:latin typeface="Times New Roman" panose="02020603050405020304" pitchFamily="18" charset="0"/>
+                <a:cs typeface="Times New Roman" panose="02020603050405020304" pitchFamily="18" charset="0"/>
+              </a:rPr>
               <a:t>let</a:t>
             </a:r>
             <a:r>
@@ -19878,11 +20794,71 @@
                 <a:latin typeface="Times New Roman" panose="02020603050405020304" pitchFamily="18" charset="0"/>
                 <a:cs typeface="Times New Roman" panose="02020603050405020304" pitchFamily="18" charset="0"/>
               </a:rPr>
-              <a:t> </a:t>
+              <a:t> titulo = </a:t>
+            </a:r>
+            <a:r>
+              <a:rPr lang="pt-BR" sz="2000" dirty="0" err="1">
+                <a:solidFill>
+                  <a:schemeClr val="tx1"/>
+                </a:solidFill>
+                <a:latin typeface="Times New Roman" panose="02020603050405020304" pitchFamily="18" charset="0"/>
+                <a:cs typeface="Times New Roman" panose="02020603050405020304" pitchFamily="18" charset="0"/>
+              </a:rPr>
+              <a:t>document.</a:t>
             </a:r>
             <a:r>
               <a:rPr lang="pt-BR" sz="2000" b="1" dirty="0" err="1">
                 <a:solidFill>
+                  <a:schemeClr val="tx1"/>
+                </a:solidFill>
+                <a:latin typeface="Times New Roman" panose="02020603050405020304" pitchFamily="18" charset="0"/>
+                <a:cs typeface="Times New Roman" panose="02020603050405020304" pitchFamily="18" charset="0"/>
+              </a:rPr>
+              <a:t>createElement</a:t>
+            </a:r>
+            <a:r>
+              <a:rPr lang="pt-BR" sz="2000" dirty="0">
+                <a:solidFill>
+                  <a:schemeClr val="tx1"/>
+                </a:solidFill>
+                <a:latin typeface="Times New Roman" panose="02020603050405020304" pitchFamily="18" charset="0"/>
+                <a:cs typeface="Times New Roman" panose="02020603050405020304" pitchFamily="18" charset="0"/>
+              </a:rPr>
+              <a:t>('h1’);	</a:t>
+            </a:r>
+          </a:p>
+          <a:p>
+            <a:pPr marL="0" indent="0" algn="just">
+              <a:buNone/>
+            </a:pPr>
+            <a:r>
+              <a:rPr lang="pt-BR" sz="2000" dirty="0">
+                <a:solidFill>
+                  <a:schemeClr val="tx1"/>
+                </a:solidFill>
+                <a:latin typeface="Times New Roman" panose="02020603050405020304" pitchFamily="18" charset="0"/>
+                <a:cs typeface="Times New Roman" panose="02020603050405020304" pitchFamily="18" charset="0"/>
+              </a:rPr>
+              <a:t>			// Inserir (anexar) o elemento filho (titulo) ao elemento pai (body)</a:t>
+            </a:r>
+          </a:p>
+          <a:p>
+            <a:pPr marL="0" indent="0" algn="just">
+              <a:buNone/>
+            </a:pPr>
+            <a:r>
+              <a:rPr lang="pt-BR" sz="2000" dirty="0">
+                <a:solidFill>
+                  <a:schemeClr val="tx1"/>
+                </a:solidFill>
+                <a:latin typeface="Times New Roman" panose="02020603050405020304" pitchFamily="18" charset="0"/>
+                <a:cs typeface="Times New Roman" panose="02020603050405020304" pitchFamily="18" charset="0"/>
+              </a:rPr>
+              <a:t>			</a:t>
+            </a:r>
+            <a:r>
+              <a:rPr lang="pt-BR" sz="2000" b="1" dirty="0" err="1">
+                <a:solidFill>
                   <a:srgbClr val="FF0000"/>
                 </a:solidFill>
                 <a:latin typeface="Times New Roman" panose="02020603050405020304" pitchFamily="18" charset="0"/>
@@ -19891,16 +20867,6 @@
               <a:t>elemento_pai</a:t>
             </a:r>
             <a:r>
-              <a:rPr lang="pt-BR" sz="2000" dirty="0">
-                <a:solidFill>
-                  <a:schemeClr val="tx1"/>
-                </a:solidFill>
-                <a:latin typeface="Times New Roman" panose="02020603050405020304" pitchFamily="18" charset="0"/>
-                <a:cs typeface="Times New Roman" panose="02020603050405020304" pitchFamily="18" charset="0"/>
-              </a:rPr>
-              <a:t> = </a:t>
-            </a:r>
-            <a:r>
               <a:rPr lang="pt-BR" sz="2000" dirty="0" err="1">
                 <a:solidFill>
                   <a:schemeClr val="tx1"/>
@@ -19908,131 +20874,6 @@
                 <a:latin typeface="Times New Roman" panose="02020603050405020304" pitchFamily="18" charset="0"/>
                 <a:cs typeface="Times New Roman" panose="02020603050405020304" pitchFamily="18" charset="0"/>
               </a:rPr>
-              <a:t>document.body</a:t>
-            </a:r>
-            <a:r>
-              <a:rPr lang="pt-BR" sz="2000" dirty="0">
-                <a:solidFill>
-                  <a:schemeClr val="tx1"/>
-                </a:solidFill>
-                <a:latin typeface="Times New Roman" panose="02020603050405020304" pitchFamily="18" charset="0"/>
-                <a:cs typeface="Times New Roman" panose="02020603050405020304" pitchFamily="18" charset="0"/>
-              </a:rPr>
-              <a:t>;</a:t>
-            </a:r>
-          </a:p>
-          <a:p>
-            <a:pPr marL="0" indent="0" algn="just">
-              <a:buNone/>
-            </a:pPr>
-            <a:r>
-              <a:rPr lang="pt-BR" sz="2000" dirty="0">
-                <a:solidFill>
-                  <a:schemeClr val="tx1"/>
-                </a:solidFill>
-                <a:latin typeface="Times New Roman" panose="02020603050405020304" pitchFamily="18" charset="0"/>
-                <a:cs typeface="Times New Roman" panose="02020603050405020304" pitchFamily="18" charset="0"/>
-              </a:rPr>
-              <a:t>			</a:t>
-            </a:r>
-            <a:r>
-              <a:rPr lang="pt-BR" sz="2000" dirty="0" err="1">
-                <a:solidFill>
-                  <a:schemeClr val="tx1"/>
-                </a:solidFill>
-                <a:latin typeface="Times New Roman" panose="02020603050405020304" pitchFamily="18" charset="0"/>
-                <a:cs typeface="Times New Roman" panose="02020603050405020304" pitchFamily="18" charset="0"/>
-              </a:rPr>
-              <a:t>let</a:t>
-            </a:r>
-            <a:r>
-              <a:rPr lang="pt-BR" sz="2000" dirty="0">
-                <a:solidFill>
-                  <a:schemeClr val="tx1"/>
-                </a:solidFill>
-                <a:latin typeface="Times New Roman" panose="02020603050405020304" pitchFamily="18" charset="0"/>
-                <a:cs typeface="Times New Roman" panose="02020603050405020304" pitchFamily="18" charset="0"/>
-              </a:rPr>
-              <a:t> titulo = </a:t>
-            </a:r>
-            <a:r>
-              <a:rPr lang="pt-BR" sz="2000" dirty="0" err="1">
-                <a:solidFill>
-                  <a:schemeClr val="tx1"/>
-                </a:solidFill>
-                <a:latin typeface="Times New Roman" panose="02020603050405020304" pitchFamily="18" charset="0"/>
-                <a:cs typeface="Times New Roman" panose="02020603050405020304" pitchFamily="18" charset="0"/>
-              </a:rPr>
-              <a:t>document.</a:t>
-            </a:r>
-            <a:r>
-              <a:rPr lang="pt-BR" sz="2000" b="1" dirty="0" err="1">
-                <a:solidFill>
-                  <a:schemeClr val="tx1"/>
-                </a:solidFill>
-                <a:latin typeface="Times New Roman" panose="02020603050405020304" pitchFamily="18" charset="0"/>
-                <a:cs typeface="Times New Roman" panose="02020603050405020304" pitchFamily="18" charset="0"/>
-              </a:rPr>
-              <a:t>createElement</a:t>
-            </a:r>
-            <a:r>
-              <a:rPr lang="pt-BR" sz="2000" dirty="0">
-                <a:solidFill>
-                  <a:schemeClr val="tx1"/>
-                </a:solidFill>
-                <a:latin typeface="Times New Roman" panose="02020603050405020304" pitchFamily="18" charset="0"/>
-                <a:cs typeface="Times New Roman" panose="02020603050405020304" pitchFamily="18" charset="0"/>
-              </a:rPr>
-              <a:t>('h1’);	</a:t>
-            </a:r>
-          </a:p>
-          <a:p>
-            <a:pPr marL="0" indent="0" algn="just">
-              <a:buNone/>
-            </a:pPr>
-            <a:r>
-              <a:rPr lang="pt-BR" sz="2000" dirty="0">
-                <a:solidFill>
-                  <a:schemeClr val="tx1"/>
-                </a:solidFill>
-                <a:latin typeface="Times New Roman" panose="02020603050405020304" pitchFamily="18" charset="0"/>
-                <a:cs typeface="Times New Roman" panose="02020603050405020304" pitchFamily="18" charset="0"/>
-              </a:rPr>
-              <a:t>			// Inserir (anexar) o elemento filho (titulo) ao elemento pai (body)</a:t>
-            </a:r>
-          </a:p>
-          <a:p>
-            <a:pPr marL="0" indent="0" algn="just">
-              <a:buNone/>
-            </a:pPr>
-            <a:r>
-              <a:rPr lang="pt-BR" sz="2000" dirty="0">
-                <a:solidFill>
-                  <a:schemeClr val="tx1"/>
-                </a:solidFill>
-                <a:latin typeface="Times New Roman" panose="02020603050405020304" pitchFamily="18" charset="0"/>
-                <a:cs typeface="Times New Roman" panose="02020603050405020304" pitchFamily="18" charset="0"/>
-              </a:rPr>
-              <a:t>			</a:t>
-            </a:r>
-            <a:r>
-              <a:rPr lang="pt-BR" sz="2000" b="1" dirty="0" err="1">
-                <a:solidFill>
-                  <a:srgbClr val="FF0000"/>
-                </a:solidFill>
-                <a:latin typeface="Times New Roman" panose="02020603050405020304" pitchFamily="18" charset="0"/>
-                <a:cs typeface="Times New Roman" panose="02020603050405020304" pitchFamily="18" charset="0"/>
-              </a:rPr>
-              <a:t>elemento_pai</a:t>
-            </a:r>
-            <a:r>
-              <a:rPr lang="pt-BR" sz="2000" dirty="0" err="1">
-                <a:solidFill>
-                  <a:schemeClr val="tx1"/>
-                </a:solidFill>
-                <a:latin typeface="Times New Roman" panose="02020603050405020304" pitchFamily="18" charset="0"/>
-                <a:cs typeface="Times New Roman" panose="02020603050405020304" pitchFamily="18" charset="0"/>
-              </a:rPr>
               <a:t>.appendChild</a:t>
             </a:r>
             <a:r>
@@ -20050,7 +20891,7 @@
             <a:pPr marL="0" indent="0" algn="just">
               <a:buNone/>
             </a:pPr>
-            <a:endParaRPr lang="pt-BR" sz="2000" b="1">
+            <a:endParaRPr lang="pt-BR" sz="2000" b="1" dirty="0">
               <a:solidFill>
                 <a:schemeClr val="tx1"/>
               </a:solidFill>
@@ -20063,7 +20904,7 @@
               <a:buNone/>
             </a:pPr>
             <a:r>
-              <a:rPr lang="pt-BR" sz="2000" b="1">
+              <a:rPr lang="pt-BR" sz="2000" b="1" dirty="0">
                 <a:solidFill>
                   <a:schemeClr val="tx1"/>
                 </a:solidFill>
@@ -20113,7 +20954,7 @@
               <a:t>&gt;  &lt;</a:t>
             </a:r>
             <a:r>
-              <a:rPr lang="pt-BR" sz="1600" b="1">
+              <a:rPr lang="pt-BR" sz="1600" b="1" dirty="0">
                 <a:solidFill>
                   <a:schemeClr val="tx1"/>
                 </a:solidFill>
@@ -20123,16 +20964,6 @@
               <a:t>h1</a:t>
             </a:r>
             <a:r>
-              <a:rPr lang="pt-BR" sz="1600">
-                <a:solidFill>
-                  <a:schemeClr val="tx1"/>
-                </a:solidFill>
-                <a:latin typeface="Times New Roman" panose="02020603050405020304" pitchFamily="18" charset="0"/>
-                <a:cs typeface="Times New Roman" panose="02020603050405020304" pitchFamily="18" charset="0"/>
-              </a:rPr>
-              <a:t>&gt;  &lt;/</a:t>
-            </a:r>
-            <a:r>
               <a:rPr lang="pt-BR" sz="1600" dirty="0">
                 <a:solidFill>
                   <a:schemeClr val="tx1"/>
@@ -20140,7 +20971,7 @@
                 <a:latin typeface="Times New Roman" panose="02020603050405020304" pitchFamily="18" charset="0"/>
                 <a:cs typeface="Times New Roman" panose="02020603050405020304" pitchFamily="18" charset="0"/>
               </a:rPr>
-              <a:t>h1&gt; &lt;/</a:t>
+              <a:t>&gt;  &lt;/h1&gt; &lt;/</a:t>
             </a:r>
             <a:r>
               <a:rPr lang="pt-BR" sz="1600" b="1" dirty="0">
@@ -20581,7 +21412,27 @@
                 <a:latin typeface="Times New Roman" panose="02020603050405020304" pitchFamily="18" charset="0"/>
                 <a:cs typeface="Times New Roman" panose="02020603050405020304" pitchFamily="18" charset="0"/>
               </a:rPr>
-              <a:t>.style.color = '</a:t>
+              <a:t>.</a:t>
+            </a:r>
+            <a:r>
+              <a:rPr lang="pt-BR" sz="2000" b="1" dirty="0">
+                <a:solidFill>
+                  <a:srgbClr val="FF0000"/>
+                </a:solidFill>
+                <a:latin typeface="Times New Roman" panose="02020603050405020304" pitchFamily="18" charset="0"/>
+                <a:cs typeface="Times New Roman" panose="02020603050405020304" pitchFamily="18" charset="0"/>
+              </a:rPr>
+              <a:t>style</a:t>
+            </a:r>
+            <a:r>
+              <a:rPr lang="pt-BR" sz="2000" dirty="0">
+                <a:solidFill>
+                  <a:schemeClr val="tx1"/>
+                </a:solidFill>
+                <a:latin typeface="Times New Roman" panose="02020603050405020304" pitchFamily="18" charset="0"/>
+                <a:cs typeface="Times New Roman" panose="02020603050405020304" pitchFamily="18" charset="0"/>
+              </a:rPr>
+              <a:t>.color = '</a:t>
             </a:r>
             <a:r>
               <a:rPr lang="pt-BR" sz="2000" b="1" dirty="0" err="1">
@@ -20716,7 +21567,7 @@
               <a:t>(‘</a:t>
             </a:r>
             <a:r>
-              <a:rPr lang="pt-BR" sz="2000" dirty="0" err="1">
+              <a:rPr lang="pt-BR" sz="2000" b="1" dirty="0" err="1">
                 <a:solidFill>
                   <a:schemeClr val="tx1"/>
                 </a:solidFill>

--- a/01 Classes/Aula 10 Desenvolvimento Web PHP - JS.pptx
+++ b/01 Classes/Aula 10 Desenvolvimento Web PHP - JS.pptx
@@ -18631,7 +18631,7 @@
               <a:buNone/>
             </a:pPr>
             <a:r>
-              <a:rPr lang="pt-BR" sz="2000" b="1" dirty="0">
+              <a:rPr lang="pt-BR" sz="2400" b="1" dirty="0">
                 <a:solidFill>
                   <a:schemeClr val="tx1"/>
                 </a:solidFill>
@@ -18641,7 +18641,7 @@
               <a:t>// </a:t>
             </a:r>
             <a:r>
-              <a:rPr lang="pt-BR" sz="2000" b="1" dirty="0">
+              <a:rPr lang="pt-BR" sz="2400" b="1" dirty="0">
                 <a:solidFill>
                   <a:schemeClr val="tx1"/>
                 </a:solidFill>
@@ -18651,7 +18651,7 @@
               </a:rPr>
               <a:t>https://viacep.com.br/</a:t>
             </a:r>
-            <a:endParaRPr lang="pt-BR" sz="2000" b="1" dirty="0">
+            <a:endParaRPr lang="pt-BR" sz="2400" b="1" dirty="0">
               <a:solidFill>
                 <a:schemeClr val="tx1"/>
               </a:solidFill>
@@ -18663,7 +18663,7 @@
             <a:pPr marL="0" indent="0" algn="just">
               <a:buNone/>
             </a:pPr>
-            <a:endParaRPr lang="pt-BR" sz="2000" b="1" dirty="0">
+            <a:endParaRPr lang="pt-BR" sz="2400" b="1" dirty="0">
               <a:solidFill>
                 <a:schemeClr val="tx1"/>
               </a:solidFill>
@@ -18676,17 +18676,7 @@
               <a:buNone/>
             </a:pPr>
             <a:r>
-              <a:rPr lang="pt-BR" sz="2000" b="1" dirty="0" err="1">
-                <a:solidFill>
-                  <a:schemeClr val="tx1"/>
-                </a:solidFill>
-                <a:latin typeface="Times New Roman" panose="02020603050405020304" pitchFamily="18" charset="0"/>
-                <a:cs typeface="Times New Roman" panose="02020603050405020304" pitchFamily="18" charset="0"/>
-              </a:rPr>
-              <a:t>const</a:t>
-            </a:r>
-            <a:r>
-              <a:rPr lang="pt-BR" sz="2000" dirty="0">
+              <a:rPr lang="pt-BR" sz="2400" b="1" dirty="0">
                 <a:solidFill>
                   <a:schemeClr val="tx1"/>
                 </a:solidFill>
@@ -18696,37 +18686,62 @@
               <a:t> </a:t>
             </a:r>
             <a:r>
-              <a:rPr lang="pt-BR" sz="2000" dirty="0" err="1">
-                <a:solidFill>
-                  <a:schemeClr val="tx1"/>
-                </a:solidFill>
-                <a:latin typeface="Times New Roman" panose="02020603050405020304" pitchFamily="18" charset="0"/>
-                <a:cs typeface="Times New Roman" panose="02020603050405020304" pitchFamily="18" charset="0"/>
-              </a:rPr>
-              <a:t>ajax</a:t>
-            </a:r>
-            <a:r>
-              <a:rPr lang="pt-BR" sz="2000" dirty="0">
-                <a:solidFill>
-                  <a:schemeClr val="tx1"/>
-                </a:solidFill>
-                <a:latin typeface="Times New Roman" panose="02020603050405020304" pitchFamily="18" charset="0"/>
-                <a:cs typeface="Times New Roman" panose="02020603050405020304" pitchFamily="18" charset="0"/>
-              </a:rPr>
-              <a:t> = </a:t>
-            </a:r>
-            <a:r>
-              <a:rPr lang="pt-BR" sz="2000" b="1" dirty="0">
-                <a:solidFill>
-                  <a:schemeClr val="tx1"/>
-                </a:solidFill>
-                <a:latin typeface="Times New Roman" panose="02020603050405020304" pitchFamily="18" charset="0"/>
-                <a:cs typeface="Times New Roman" panose="02020603050405020304" pitchFamily="18" charset="0"/>
-              </a:rPr>
-              <a:t>new</a:t>
-            </a:r>
-            <a:r>
-              <a:rPr lang="pt-BR" sz="2000" dirty="0">
+              <a:rPr lang="pt-BR" sz="2400" dirty="0">
+                <a:solidFill>
+                  <a:schemeClr val="tx1"/>
+                </a:solidFill>
+                <a:latin typeface="Times New Roman" panose="02020603050405020304" pitchFamily="18" charset="0"/>
+                <a:cs typeface="Times New Roman" panose="02020603050405020304" pitchFamily="18" charset="0"/>
+              </a:rPr>
+              <a:t>&lt;</a:t>
+            </a:r>
+            <a:r>
+              <a:rPr lang="pt-BR" sz="2400" b="1" dirty="0">
+                <a:solidFill>
+                  <a:schemeClr val="tx1"/>
+                </a:solidFill>
+                <a:latin typeface="Times New Roman" panose="02020603050405020304" pitchFamily="18" charset="0"/>
+                <a:cs typeface="Times New Roman" panose="02020603050405020304" pitchFamily="18" charset="0"/>
+              </a:rPr>
+              <a:t>body</a:t>
+            </a:r>
+            <a:r>
+              <a:rPr lang="pt-BR" sz="2400" dirty="0">
+                <a:solidFill>
+                  <a:schemeClr val="tx1"/>
+                </a:solidFill>
+                <a:latin typeface="Times New Roman" panose="02020603050405020304" pitchFamily="18" charset="0"/>
+                <a:cs typeface="Times New Roman" panose="02020603050405020304" pitchFamily="18" charset="0"/>
+              </a:rPr>
+              <a:t>&gt;</a:t>
+            </a:r>
+          </a:p>
+          <a:p>
+            <a:pPr marL="0" indent="0" algn="just">
+              <a:buNone/>
+            </a:pPr>
+            <a:r>
+              <a:rPr lang="pt-BR" sz="2400" dirty="0">
+                <a:solidFill>
+                  <a:schemeClr val="tx1"/>
+                </a:solidFill>
+                <a:latin typeface="Times New Roman" panose="02020603050405020304" pitchFamily="18" charset="0"/>
+                <a:cs typeface="Times New Roman" panose="02020603050405020304" pitchFamily="18" charset="0"/>
+              </a:rPr>
+              <a:t>    &lt;</a:t>
+            </a:r>
+            <a:r>
+              <a:rPr lang="pt-BR" sz="2400" b="1" dirty="0">
+                <a:solidFill>
+                  <a:schemeClr val="tx1"/>
+                </a:solidFill>
+                <a:latin typeface="Times New Roman" panose="02020603050405020304" pitchFamily="18" charset="0"/>
+                <a:cs typeface="Times New Roman" panose="02020603050405020304" pitchFamily="18" charset="0"/>
+              </a:rPr>
+              <a:t>input</a:t>
+            </a:r>
+            <a:r>
+              <a:rPr lang="pt-BR" sz="2400" dirty="0">
                 <a:solidFill>
                   <a:schemeClr val="tx1"/>
                 </a:solidFill>
@@ -18736,162 +18751,107 @@
               <a:t> </a:t>
             </a:r>
             <a:r>
-              <a:rPr lang="pt-BR" sz="2000" b="1" dirty="0" err="1">
+              <a:rPr lang="pt-BR" sz="2400" b="1" dirty="0" err="1">
                 <a:solidFill>
                   <a:srgbClr val="FF0000"/>
                 </a:solidFill>
                 <a:latin typeface="Times New Roman" panose="02020603050405020304" pitchFamily="18" charset="0"/>
                 <a:cs typeface="Times New Roman" panose="02020603050405020304" pitchFamily="18" charset="0"/>
               </a:rPr>
-              <a:t>XMLHttpRequest</a:t>
-            </a:r>
-            <a:r>
-              <a:rPr lang="pt-BR" sz="2000" dirty="0">
-                <a:solidFill>
-                  <a:schemeClr val="tx1"/>
-                </a:solidFill>
-                <a:latin typeface="Times New Roman" panose="02020603050405020304" pitchFamily="18" charset="0"/>
-                <a:cs typeface="Times New Roman" panose="02020603050405020304" pitchFamily="18" charset="0"/>
-              </a:rPr>
-              <a:t>();</a:t>
-            </a:r>
-          </a:p>
-          <a:p>
-            <a:pPr marL="0" indent="0" algn="just">
-              <a:buNone/>
-            </a:pPr>
-            <a:r>
-              <a:rPr lang="pt-BR" sz="2000" dirty="0" err="1">
-                <a:solidFill>
-                  <a:schemeClr val="tx1"/>
-                </a:solidFill>
-                <a:latin typeface="Times New Roman" panose="02020603050405020304" pitchFamily="18" charset="0"/>
-                <a:cs typeface="Times New Roman" panose="02020603050405020304" pitchFamily="18" charset="0"/>
-              </a:rPr>
-              <a:t>ajax.</a:t>
-            </a:r>
-            <a:r>
-              <a:rPr lang="pt-BR" sz="2000" b="1" dirty="0" err="1">
+              <a:t>type</a:t>
+            </a:r>
+            <a:r>
+              <a:rPr lang="pt-BR" sz="2400" dirty="0">
+                <a:solidFill>
+                  <a:schemeClr val="tx1"/>
+                </a:solidFill>
+                <a:latin typeface="Times New Roman" panose="02020603050405020304" pitchFamily="18" charset="0"/>
+                <a:cs typeface="Times New Roman" panose="02020603050405020304" pitchFamily="18" charset="0"/>
+              </a:rPr>
+              <a:t>="</a:t>
+            </a:r>
+            <a:r>
+              <a:rPr lang="pt-BR" sz="2400" b="1" dirty="0" err="1">
+                <a:solidFill>
+                  <a:schemeClr val="tx1"/>
+                </a:solidFill>
+                <a:latin typeface="Times New Roman" panose="02020603050405020304" pitchFamily="18" charset="0"/>
+                <a:cs typeface="Times New Roman" panose="02020603050405020304" pitchFamily="18" charset="0"/>
+              </a:rPr>
+              <a:t>text</a:t>
+            </a:r>
+            <a:r>
+              <a:rPr lang="pt-BR" sz="2400" dirty="0">
+                <a:solidFill>
+                  <a:schemeClr val="tx1"/>
+                </a:solidFill>
+                <a:latin typeface="Times New Roman" panose="02020603050405020304" pitchFamily="18" charset="0"/>
+                <a:cs typeface="Times New Roman" panose="02020603050405020304" pitchFamily="18" charset="0"/>
+              </a:rPr>
+              <a:t>" </a:t>
+            </a:r>
+            <a:r>
+              <a:rPr lang="pt-BR" sz="2400" b="1" dirty="0" err="1">
                 <a:solidFill>
                   <a:srgbClr val="FF0000"/>
                 </a:solidFill>
                 <a:latin typeface="Times New Roman" panose="02020603050405020304" pitchFamily="18" charset="0"/>
                 <a:cs typeface="Times New Roman" panose="02020603050405020304" pitchFamily="18" charset="0"/>
               </a:rPr>
-              <a:t>open</a:t>
-            </a:r>
-            <a:r>
-              <a:rPr lang="pt-BR" sz="2000" dirty="0">
-                <a:solidFill>
-                  <a:schemeClr val="tx1"/>
-                </a:solidFill>
-                <a:latin typeface="Times New Roman" panose="02020603050405020304" pitchFamily="18" charset="0"/>
-                <a:cs typeface="Times New Roman" panose="02020603050405020304" pitchFamily="18" charset="0"/>
-              </a:rPr>
-              <a:t>(‘GET’, ‘</a:t>
-            </a:r>
-            <a:r>
-              <a:rPr lang="pt-BR" sz="2000" b="1" dirty="0">
-                <a:solidFill>
-                  <a:schemeClr val="tx1"/>
-                </a:solidFill>
-                <a:latin typeface="Times New Roman" panose="02020603050405020304" pitchFamily="18" charset="0"/>
-                <a:cs typeface="Times New Roman" panose="02020603050405020304" pitchFamily="18" charset="0"/>
-              </a:rPr>
-              <a:t>https://viacep.com.br/ws/01001000/</a:t>
-            </a:r>
-            <a:r>
-              <a:rPr lang="pt-BR" sz="2000" b="1" dirty="0" err="1">
-                <a:solidFill>
-                  <a:schemeClr val="tx1"/>
-                </a:solidFill>
-                <a:latin typeface="Times New Roman" panose="02020603050405020304" pitchFamily="18" charset="0"/>
-                <a:cs typeface="Times New Roman" panose="02020603050405020304" pitchFamily="18" charset="0"/>
-              </a:rPr>
-              <a:t>json</a:t>
-            </a:r>
-            <a:r>
-              <a:rPr lang="pt-BR" sz="2000" b="1" dirty="0">
-                <a:solidFill>
-                  <a:schemeClr val="tx1"/>
-                </a:solidFill>
-                <a:latin typeface="Times New Roman" panose="02020603050405020304" pitchFamily="18" charset="0"/>
-                <a:cs typeface="Times New Roman" panose="02020603050405020304" pitchFamily="18" charset="0"/>
-              </a:rPr>
-              <a:t>/’</a:t>
-            </a:r>
-            <a:r>
-              <a:rPr lang="pt-BR" sz="2000" dirty="0">
-                <a:solidFill>
-                  <a:schemeClr val="tx1"/>
-                </a:solidFill>
-                <a:latin typeface="Times New Roman" panose="02020603050405020304" pitchFamily="18" charset="0"/>
-                <a:cs typeface="Times New Roman" panose="02020603050405020304" pitchFamily="18" charset="0"/>
-              </a:rPr>
-              <a:t>);</a:t>
-            </a:r>
-          </a:p>
-          <a:p>
-            <a:pPr marL="0" indent="0" algn="just">
-              <a:buNone/>
-            </a:pPr>
-            <a:r>
-              <a:rPr lang="pt-BR" sz="2000" dirty="0" err="1">
-                <a:solidFill>
-                  <a:schemeClr val="tx1"/>
-                </a:solidFill>
-                <a:latin typeface="Times New Roman" panose="02020603050405020304" pitchFamily="18" charset="0"/>
-                <a:cs typeface="Times New Roman" panose="02020603050405020304" pitchFamily="18" charset="0"/>
-              </a:rPr>
-              <a:t>ajax.</a:t>
-            </a:r>
-            <a:r>
-              <a:rPr lang="pt-BR" sz="2000" b="1" dirty="0" err="1">
+              <a:t>name</a:t>
+            </a:r>
+            <a:r>
+              <a:rPr lang="pt-BR" sz="2400" dirty="0">
+                <a:solidFill>
+                  <a:schemeClr val="tx1"/>
+                </a:solidFill>
+                <a:latin typeface="Times New Roman" panose="02020603050405020304" pitchFamily="18" charset="0"/>
+                <a:cs typeface="Times New Roman" panose="02020603050405020304" pitchFamily="18" charset="0"/>
+              </a:rPr>
+              <a:t>=“</a:t>
+            </a:r>
+            <a:r>
+              <a:rPr lang="pt-BR" sz="2400" b="1" dirty="0" err="1">
+                <a:solidFill>
+                  <a:schemeClr val="tx1"/>
+                </a:solidFill>
+                <a:latin typeface="Times New Roman" panose="02020603050405020304" pitchFamily="18" charset="0"/>
+                <a:cs typeface="Times New Roman" panose="02020603050405020304" pitchFamily="18" charset="0"/>
+              </a:rPr>
+              <a:t>idCEP</a:t>
+            </a:r>
+            <a:r>
+              <a:rPr lang="pt-BR" sz="2400" dirty="0">
+                <a:solidFill>
+                  <a:schemeClr val="tx1"/>
+                </a:solidFill>
+                <a:latin typeface="Times New Roman" panose="02020603050405020304" pitchFamily="18" charset="0"/>
+                <a:cs typeface="Times New Roman" panose="02020603050405020304" pitchFamily="18" charset="0"/>
+              </a:rPr>
+              <a:t>" </a:t>
+            </a:r>
+            <a:r>
+              <a:rPr lang="pt-BR" sz="2400" b="1" dirty="0">
                 <a:solidFill>
                   <a:srgbClr val="FF0000"/>
                 </a:solidFill>
                 <a:latin typeface="Times New Roman" panose="02020603050405020304" pitchFamily="18" charset="0"/>
                 <a:cs typeface="Times New Roman" panose="02020603050405020304" pitchFamily="18" charset="0"/>
               </a:rPr>
-              <a:t>send</a:t>
-            </a:r>
-            <a:r>
-              <a:rPr lang="pt-BR" sz="2000" dirty="0">
-                <a:solidFill>
-                  <a:schemeClr val="tx1"/>
-                </a:solidFill>
-                <a:latin typeface="Times New Roman" panose="02020603050405020304" pitchFamily="18" charset="0"/>
-                <a:cs typeface="Times New Roman" panose="02020603050405020304" pitchFamily="18" charset="0"/>
-              </a:rPr>
-              <a:t>();</a:t>
-            </a:r>
-          </a:p>
-          <a:p>
-            <a:pPr marL="0" indent="0" algn="just">
-              <a:buNone/>
-            </a:pPr>
-            <a:r>
-              <a:rPr lang="pt-BR" sz="2000" dirty="0">
-                <a:solidFill>
-                  <a:schemeClr val="tx1"/>
-                </a:solidFill>
-                <a:latin typeface="Times New Roman" panose="02020603050405020304" pitchFamily="18" charset="0"/>
-                <a:cs typeface="Times New Roman" panose="02020603050405020304" pitchFamily="18" charset="0"/>
-              </a:rPr>
-              <a:t>	// incluir na </a:t>
-            </a:r>
-            <a:r>
-              <a:rPr lang="pt-BR" sz="2000" b="1" dirty="0" err="1">
-                <a:solidFill>
-                  <a:schemeClr val="tx1"/>
-                </a:solidFill>
-                <a:latin typeface="Times New Roman" panose="02020603050405020304" pitchFamily="18" charset="0"/>
-                <a:cs typeface="Times New Roman" panose="02020603050405020304" pitchFamily="18" charset="0"/>
-              </a:rPr>
-              <a:t>tag</a:t>
-            </a:r>
-            <a:r>
-              <a:rPr lang="pt-BR" sz="2000" dirty="0">
+              <a:t>id</a:t>
+            </a:r>
+            <a:r>
+              <a:rPr lang="pt-BR" sz="2400" dirty="0">
+                <a:solidFill>
+                  <a:schemeClr val="tx1"/>
+                </a:solidFill>
+                <a:latin typeface="Times New Roman" panose="02020603050405020304" pitchFamily="18" charset="0"/>
+                <a:cs typeface="Times New Roman" panose="02020603050405020304" pitchFamily="18" charset="0"/>
+              </a:rPr>
+              <a:t>="</a:t>
+            </a:r>
+            <a:r>
+              <a:rPr lang="pt-BR" sz="2400" b="1" dirty="0">
                 <a:solidFill>
                   <a:schemeClr val="tx1"/>
                 </a:solidFill>
@@ -18901,7 +18861,187 @@
               <a:t> </a:t>
             </a:r>
             <a:r>
-              <a:rPr lang="pt-BR" sz="2000" dirty="0" err="1">
+              <a:rPr lang="pt-BR" sz="2400" b="1" dirty="0" err="1">
+                <a:solidFill>
+                  <a:schemeClr val="tx1"/>
+                </a:solidFill>
+                <a:latin typeface="Times New Roman" panose="02020603050405020304" pitchFamily="18" charset="0"/>
+                <a:cs typeface="Times New Roman" panose="02020603050405020304" pitchFamily="18" charset="0"/>
+              </a:rPr>
+              <a:t>idCEP</a:t>
+            </a:r>
+            <a:r>
+              <a:rPr lang="pt-BR" sz="2400" dirty="0">
+                <a:solidFill>
+                  <a:schemeClr val="tx1"/>
+                </a:solidFill>
+                <a:latin typeface="Times New Roman" panose="02020603050405020304" pitchFamily="18" charset="0"/>
+                <a:cs typeface="Times New Roman" panose="02020603050405020304" pitchFamily="18" charset="0"/>
+              </a:rPr>
+              <a:t>" /&gt;</a:t>
+            </a:r>
+          </a:p>
+          <a:p>
+            <a:pPr marL="0" indent="0" algn="just">
+              <a:buNone/>
+            </a:pPr>
+            <a:r>
+              <a:rPr lang="pt-BR" sz="2400" dirty="0">
+                <a:solidFill>
+                  <a:schemeClr val="tx1"/>
+                </a:solidFill>
+                <a:latin typeface="Times New Roman" panose="02020603050405020304" pitchFamily="18" charset="0"/>
+                <a:cs typeface="Times New Roman" panose="02020603050405020304" pitchFamily="18" charset="0"/>
+              </a:rPr>
+              <a:t>    &lt;</a:t>
+            </a:r>
+            <a:r>
+              <a:rPr lang="pt-BR" sz="2400" b="1" dirty="0">
+                <a:solidFill>
+                  <a:schemeClr val="tx1"/>
+                </a:solidFill>
+                <a:latin typeface="Times New Roman" panose="02020603050405020304" pitchFamily="18" charset="0"/>
+                <a:cs typeface="Times New Roman" panose="02020603050405020304" pitchFamily="18" charset="0"/>
+              </a:rPr>
+              <a:t>input</a:t>
+            </a:r>
+            <a:r>
+              <a:rPr lang="pt-BR" sz="2400" dirty="0">
+                <a:solidFill>
+                  <a:schemeClr val="tx1"/>
+                </a:solidFill>
+                <a:latin typeface="Times New Roman" panose="02020603050405020304" pitchFamily="18" charset="0"/>
+                <a:cs typeface="Times New Roman" panose="02020603050405020304" pitchFamily="18" charset="0"/>
+              </a:rPr>
+              <a:t> </a:t>
+            </a:r>
+            <a:r>
+              <a:rPr lang="pt-BR" sz="2400" b="1" dirty="0" err="1">
+                <a:solidFill>
+                  <a:srgbClr val="FF0000"/>
+                </a:solidFill>
+                <a:latin typeface="Times New Roman" panose="02020603050405020304" pitchFamily="18" charset="0"/>
+                <a:cs typeface="Times New Roman" panose="02020603050405020304" pitchFamily="18" charset="0"/>
+              </a:rPr>
+              <a:t>type</a:t>
+            </a:r>
+            <a:r>
+              <a:rPr lang="pt-BR" sz="2400" dirty="0">
+                <a:solidFill>
+                  <a:schemeClr val="tx1"/>
+                </a:solidFill>
+                <a:latin typeface="Times New Roman" panose="02020603050405020304" pitchFamily="18" charset="0"/>
+                <a:cs typeface="Times New Roman" panose="02020603050405020304" pitchFamily="18" charset="0"/>
+              </a:rPr>
+              <a:t>="</a:t>
+            </a:r>
+            <a:r>
+              <a:rPr lang="pt-BR" sz="2400" b="1" dirty="0" err="1">
+                <a:solidFill>
+                  <a:schemeClr val="tx1"/>
+                </a:solidFill>
+                <a:latin typeface="Times New Roman" panose="02020603050405020304" pitchFamily="18" charset="0"/>
+                <a:cs typeface="Times New Roman" panose="02020603050405020304" pitchFamily="18" charset="0"/>
+              </a:rPr>
+              <a:t>button</a:t>
+            </a:r>
+            <a:r>
+              <a:rPr lang="pt-BR" sz="2400" dirty="0">
+                <a:solidFill>
+                  <a:schemeClr val="tx1"/>
+                </a:solidFill>
+                <a:latin typeface="Times New Roman" panose="02020603050405020304" pitchFamily="18" charset="0"/>
+                <a:cs typeface="Times New Roman" panose="02020603050405020304" pitchFamily="18" charset="0"/>
+              </a:rPr>
+              <a:t>" </a:t>
+            </a:r>
+            <a:r>
+              <a:rPr lang="pt-BR" sz="2400" b="1" dirty="0" err="1">
+                <a:solidFill>
+                  <a:srgbClr val="FF0000"/>
+                </a:solidFill>
+                <a:latin typeface="Times New Roman" panose="02020603050405020304" pitchFamily="18" charset="0"/>
+                <a:cs typeface="Times New Roman" panose="02020603050405020304" pitchFamily="18" charset="0"/>
+              </a:rPr>
+              <a:t>value</a:t>
+            </a:r>
+            <a:r>
+              <a:rPr lang="pt-BR" sz="2400" dirty="0">
+                <a:solidFill>
+                  <a:schemeClr val="tx1"/>
+                </a:solidFill>
+                <a:latin typeface="Times New Roman" panose="02020603050405020304" pitchFamily="18" charset="0"/>
+                <a:cs typeface="Times New Roman" panose="02020603050405020304" pitchFamily="18" charset="0"/>
+              </a:rPr>
+              <a:t>="Buscar" </a:t>
+            </a:r>
+            <a:r>
+              <a:rPr lang="pt-BR" sz="2400" b="1" dirty="0" err="1">
+                <a:solidFill>
+                  <a:srgbClr val="FF0000"/>
+                </a:solidFill>
+                <a:latin typeface="Times New Roman" panose="02020603050405020304" pitchFamily="18" charset="0"/>
+                <a:cs typeface="Times New Roman" panose="02020603050405020304" pitchFamily="18" charset="0"/>
+              </a:rPr>
+              <a:t>onclick</a:t>
+            </a:r>
+            <a:r>
+              <a:rPr lang="pt-BR" sz="2400" dirty="0">
+                <a:solidFill>
+                  <a:schemeClr val="tx1"/>
+                </a:solidFill>
+                <a:latin typeface="Times New Roman" panose="02020603050405020304" pitchFamily="18" charset="0"/>
+                <a:cs typeface="Times New Roman" panose="02020603050405020304" pitchFamily="18" charset="0"/>
+              </a:rPr>
+              <a:t>="</a:t>
+            </a:r>
+            <a:r>
+              <a:rPr lang="pt-BR" sz="2400" b="1" dirty="0" err="1">
+                <a:solidFill>
+                  <a:schemeClr val="tx1"/>
+                </a:solidFill>
+                <a:latin typeface="Times New Roman" panose="02020603050405020304" pitchFamily="18" charset="0"/>
+                <a:cs typeface="Times New Roman" panose="02020603050405020304" pitchFamily="18" charset="0"/>
+              </a:rPr>
+              <a:t>buscarCEP</a:t>
+            </a:r>
+            <a:r>
+              <a:rPr lang="pt-BR" sz="2400" b="1" dirty="0">
+                <a:solidFill>
+                  <a:schemeClr val="tx1"/>
+                </a:solidFill>
+                <a:latin typeface="Times New Roman" panose="02020603050405020304" pitchFamily="18" charset="0"/>
+                <a:cs typeface="Times New Roman" panose="02020603050405020304" pitchFamily="18" charset="0"/>
+              </a:rPr>
+              <a:t>( )</a:t>
+            </a:r>
+            <a:r>
+              <a:rPr lang="pt-BR" sz="2400" dirty="0">
+                <a:solidFill>
+                  <a:schemeClr val="tx1"/>
+                </a:solidFill>
+                <a:latin typeface="Times New Roman" panose="02020603050405020304" pitchFamily="18" charset="0"/>
+                <a:cs typeface="Times New Roman" panose="02020603050405020304" pitchFamily="18" charset="0"/>
+              </a:rPr>
+              <a:t>" /&gt;</a:t>
+            </a:r>
+          </a:p>
+          <a:p>
+            <a:pPr marL="0" indent="0" algn="just">
+              <a:buNone/>
+            </a:pPr>
+            <a:r>
+              <a:rPr lang="pt-BR" sz="2400" dirty="0">
+                <a:solidFill>
+                  <a:schemeClr val="tx1"/>
+                </a:solidFill>
+                <a:latin typeface="Times New Roman" panose="02020603050405020304" pitchFamily="18" charset="0"/>
+                <a:cs typeface="Times New Roman" panose="02020603050405020304" pitchFamily="18" charset="0"/>
+              </a:rPr>
+              <a:t>    &lt;</a:t>
+            </a:r>
+            <a:r>
+              <a:rPr lang="pt-BR" sz="2400" b="1" dirty="0" err="1">
                 <a:solidFill>
                   <a:schemeClr val="tx1"/>
                 </a:solidFill>
@@ -18911,397 +19051,165 @@
               <a:t>pre</a:t>
             </a:r>
             <a:r>
-              <a:rPr lang="pt-BR" sz="2000" dirty="0">
-                <a:solidFill>
-                  <a:schemeClr val="tx1"/>
-                </a:solidFill>
-                <a:latin typeface="Times New Roman" panose="02020603050405020304" pitchFamily="18" charset="0"/>
-                <a:cs typeface="Times New Roman" panose="02020603050405020304" pitchFamily="18" charset="0"/>
-              </a:rPr>
-              <a:t> ou p</a:t>
-            </a:r>
-          </a:p>
-          <a:p>
-            <a:pPr marL="0" indent="0" algn="just">
-              <a:buNone/>
-            </a:pPr>
-            <a:r>
-              <a:rPr lang="pt-BR" sz="2000" dirty="0" err="1">
-                <a:solidFill>
-                  <a:schemeClr val="tx1"/>
-                </a:solidFill>
-                <a:latin typeface="Times New Roman" panose="02020603050405020304" pitchFamily="18" charset="0"/>
-                <a:cs typeface="Times New Roman" panose="02020603050405020304" pitchFamily="18" charset="0"/>
-              </a:rPr>
-              <a:t>ajax.</a:t>
-            </a:r>
-            <a:r>
-              <a:rPr lang="pt-BR" sz="2000" b="1" dirty="0" err="1">
+              <a:rPr lang="pt-BR" sz="2400" dirty="0">
+                <a:solidFill>
+                  <a:schemeClr val="tx1"/>
+                </a:solidFill>
+                <a:latin typeface="Times New Roman" panose="02020603050405020304" pitchFamily="18" charset="0"/>
+                <a:cs typeface="Times New Roman" panose="02020603050405020304" pitchFamily="18" charset="0"/>
+              </a:rPr>
+              <a:t> </a:t>
+            </a:r>
+            <a:r>
+              <a:rPr lang="pt-BR" sz="2400" b="1" dirty="0">
+                <a:solidFill>
+                  <a:schemeClr val="tx1"/>
+                </a:solidFill>
+                <a:latin typeface="Times New Roman" panose="02020603050405020304" pitchFamily="18" charset="0"/>
+                <a:cs typeface="Times New Roman" panose="02020603050405020304" pitchFamily="18" charset="0"/>
+              </a:rPr>
+              <a:t>id</a:t>
+            </a:r>
+            <a:r>
+              <a:rPr lang="pt-BR" sz="2400" dirty="0">
+                <a:solidFill>
+                  <a:schemeClr val="tx1"/>
+                </a:solidFill>
+                <a:latin typeface="Times New Roman" panose="02020603050405020304" pitchFamily="18" charset="0"/>
+                <a:cs typeface="Times New Roman" panose="02020603050405020304" pitchFamily="18" charset="0"/>
+              </a:rPr>
+              <a:t>=“</a:t>
+            </a:r>
+            <a:r>
+              <a:rPr lang="pt-BR" sz="2400" b="1" dirty="0" err="1">
                 <a:solidFill>
                   <a:srgbClr val="FF0000"/>
                 </a:solidFill>
                 <a:latin typeface="Times New Roman" panose="02020603050405020304" pitchFamily="18" charset="0"/>
                 <a:cs typeface="Times New Roman" panose="02020603050405020304" pitchFamily="18" charset="0"/>
               </a:rPr>
-              <a:t>onload</a:t>
-            </a:r>
-            <a:r>
-              <a:rPr lang="pt-BR" sz="2000" dirty="0">
-                <a:solidFill>
-                  <a:schemeClr val="tx1"/>
-                </a:solidFill>
-                <a:latin typeface="Times New Roman" panose="02020603050405020304" pitchFamily="18" charset="0"/>
-                <a:cs typeface="Times New Roman" panose="02020603050405020304" pitchFamily="18" charset="0"/>
-              </a:rPr>
-              <a:t> = </a:t>
-            </a:r>
-            <a:r>
-              <a:rPr lang="pt-BR" sz="2000" b="1" dirty="0" err="1">
-                <a:solidFill>
-                  <a:schemeClr val="tx1"/>
-                </a:solidFill>
-                <a:latin typeface="Times New Roman" panose="02020603050405020304" pitchFamily="18" charset="0"/>
-                <a:cs typeface="Times New Roman" panose="02020603050405020304" pitchFamily="18" charset="0"/>
-              </a:rPr>
-              <a:t>function</a:t>
-            </a:r>
-            <a:r>
-              <a:rPr lang="pt-BR" sz="2000" dirty="0">
-                <a:solidFill>
-                  <a:schemeClr val="tx1"/>
-                </a:solidFill>
-                <a:latin typeface="Times New Roman" panose="02020603050405020304" pitchFamily="18" charset="0"/>
-                <a:cs typeface="Times New Roman" panose="02020603050405020304" pitchFamily="18" charset="0"/>
-              </a:rPr>
-              <a:t>(){  </a:t>
-            </a:r>
-          </a:p>
-          <a:p>
-            <a:pPr marL="0" indent="0" algn="just">
-              <a:buNone/>
-            </a:pPr>
-            <a:r>
-              <a:rPr lang="pt-BR" sz="2000" dirty="0">
-                <a:solidFill>
-                  <a:schemeClr val="tx1"/>
-                </a:solidFill>
-                <a:latin typeface="Times New Roman" panose="02020603050405020304" pitchFamily="18" charset="0"/>
-                <a:cs typeface="Times New Roman" panose="02020603050405020304" pitchFamily="18" charset="0"/>
-              </a:rPr>
-              <a:t>		</a:t>
-            </a:r>
-            <a:r>
-              <a:rPr lang="pt-BR" sz="2000" b="1" dirty="0" err="1">
-                <a:solidFill>
-                  <a:schemeClr val="tx1"/>
-                </a:solidFill>
-                <a:latin typeface="Times New Roman" panose="02020603050405020304" pitchFamily="18" charset="0"/>
-                <a:cs typeface="Times New Roman" panose="02020603050405020304" pitchFamily="18" charset="0"/>
-              </a:rPr>
-              <a:t>document</a:t>
-            </a:r>
-            <a:r>
-              <a:rPr lang="pt-BR" sz="2000" dirty="0" err="1">
-                <a:solidFill>
-                  <a:schemeClr val="tx1"/>
-                </a:solidFill>
-                <a:latin typeface="Times New Roman" panose="02020603050405020304" pitchFamily="18" charset="0"/>
-                <a:cs typeface="Times New Roman" panose="02020603050405020304" pitchFamily="18" charset="0"/>
-              </a:rPr>
-              <a:t>.</a:t>
-            </a:r>
-            <a:r>
-              <a:rPr lang="pt-BR" sz="2000" b="1" dirty="0" err="1">
-                <a:solidFill>
-                  <a:srgbClr val="FF0000"/>
-                </a:solidFill>
-                <a:latin typeface="Times New Roman" panose="02020603050405020304" pitchFamily="18" charset="0"/>
-                <a:cs typeface="Times New Roman" panose="02020603050405020304" pitchFamily="18" charset="0"/>
-              </a:rPr>
-              <a:t>getElementById</a:t>
-            </a:r>
-            <a:r>
-              <a:rPr lang="pt-BR" sz="2000" dirty="0">
-                <a:solidFill>
-                  <a:schemeClr val="tx1"/>
-                </a:solidFill>
-                <a:latin typeface="Times New Roman" panose="02020603050405020304" pitchFamily="18" charset="0"/>
-                <a:cs typeface="Times New Roman" panose="02020603050405020304" pitchFamily="18" charset="0"/>
-              </a:rPr>
-              <a:t>(“</a:t>
-            </a:r>
-            <a:r>
-              <a:rPr lang="pt-BR" sz="2000" b="1" dirty="0" err="1">
-                <a:solidFill>
-                  <a:schemeClr val="tx1"/>
-                </a:solidFill>
-                <a:latin typeface="Times New Roman" panose="02020603050405020304" pitchFamily="18" charset="0"/>
-                <a:cs typeface="Times New Roman" panose="02020603050405020304" pitchFamily="18" charset="0"/>
-              </a:rPr>
-              <a:t>IdArea</a:t>
-            </a:r>
-            <a:r>
-              <a:rPr lang="pt-BR" sz="2000" dirty="0">
-                <a:solidFill>
-                  <a:schemeClr val="tx1"/>
-                </a:solidFill>
-                <a:latin typeface="Times New Roman" panose="02020603050405020304" pitchFamily="18" charset="0"/>
-                <a:cs typeface="Times New Roman" panose="02020603050405020304" pitchFamily="18" charset="0"/>
-              </a:rPr>
-              <a:t>”).</a:t>
-            </a:r>
-            <a:r>
-              <a:rPr lang="pt-BR" sz="2000" dirty="0" err="1">
-                <a:solidFill>
-                  <a:schemeClr val="tx1"/>
-                </a:solidFill>
-                <a:latin typeface="Times New Roman" panose="02020603050405020304" pitchFamily="18" charset="0"/>
-                <a:cs typeface="Times New Roman" panose="02020603050405020304" pitchFamily="18" charset="0"/>
-              </a:rPr>
-              <a:t>innerHTML</a:t>
-            </a:r>
-            <a:r>
-              <a:rPr lang="pt-BR" sz="2000" dirty="0">
-                <a:solidFill>
-                  <a:schemeClr val="tx1"/>
-                </a:solidFill>
-                <a:latin typeface="Times New Roman" panose="02020603050405020304" pitchFamily="18" charset="0"/>
-                <a:cs typeface="Times New Roman" panose="02020603050405020304" pitchFamily="18" charset="0"/>
-              </a:rPr>
-              <a:t> = </a:t>
-            </a:r>
-            <a:r>
-              <a:rPr lang="pt-BR" sz="2000" b="1" dirty="0" err="1">
-                <a:solidFill>
-                  <a:schemeClr val="tx1"/>
-                </a:solidFill>
-                <a:latin typeface="Times New Roman" panose="02020603050405020304" pitchFamily="18" charset="0"/>
-                <a:cs typeface="Times New Roman" panose="02020603050405020304" pitchFamily="18" charset="0"/>
-              </a:rPr>
-              <a:t>this</a:t>
-            </a:r>
-            <a:r>
-              <a:rPr lang="pt-BR" sz="2000" dirty="0" err="1">
-                <a:solidFill>
-                  <a:schemeClr val="tx1"/>
-                </a:solidFill>
-                <a:latin typeface="Times New Roman" panose="02020603050405020304" pitchFamily="18" charset="0"/>
-                <a:cs typeface="Times New Roman" panose="02020603050405020304" pitchFamily="18" charset="0"/>
-              </a:rPr>
-              <a:t>.responseText</a:t>
-            </a:r>
-            <a:r>
-              <a:rPr lang="pt-BR" sz="2000" dirty="0">
-                <a:solidFill>
-                  <a:schemeClr val="tx1"/>
-                </a:solidFill>
-                <a:latin typeface="Times New Roman" panose="02020603050405020304" pitchFamily="18" charset="0"/>
-                <a:cs typeface="Times New Roman" panose="02020603050405020304" pitchFamily="18" charset="0"/>
-              </a:rPr>
-              <a:t>;</a:t>
-            </a:r>
-          </a:p>
-          <a:p>
-            <a:pPr marL="0" indent="0" algn="just">
-              <a:buNone/>
-            </a:pPr>
-            <a:r>
-              <a:rPr lang="pt-BR" sz="2000" b="1" dirty="0">
-                <a:solidFill>
-                  <a:schemeClr val="tx1"/>
-                </a:solidFill>
-                <a:latin typeface="Times New Roman" panose="02020603050405020304" pitchFamily="18" charset="0"/>
-                <a:cs typeface="Times New Roman" panose="02020603050405020304" pitchFamily="18" charset="0"/>
-              </a:rPr>
-              <a:t>		</a:t>
-            </a:r>
-            <a:r>
-              <a:rPr lang="pt-BR" sz="2000" b="1" dirty="0" err="1">
-                <a:solidFill>
-                  <a:schemeClr val="tx1"/>
-                </a:solidFill>
-                <a:latin typeface="Times New Roman" panose="02020603050405020304" pitchFamily="18" charset="0"/>
-                <a:cs typeface="Times New Roman" panose="02020603050405020304" pitchFamily="18" charset="0"/>
-              </a:rPr>
-              <a:t>let</a:t>
-            </a:r>
-            <a:r>
-              <a:rPr lang="pt-BR" sz="2000" dirty="0">
-                <a:solidFill>
-                  <a:schemeClr val="tx1"/>
-                </a:solidFill>
-                <a:latin typeface="Times New Roman" panose="02020603050405020304" pitchFamily="18" charset="0"/>
-                <a:cs typeface="Times New Roman" panose="02020603050405020304" pitchFamily="18" charset="0"/>
-              </a:rPr>
-              <a:t> </a:t>
-            </a:r>
-            <a:r>
-              <a:rPr lang="pt-BR" sz="2000" b="1" dirty="0" err="1">
-                <a:solidFill>
-                  <a:srgbClr val="FF0000"/>
-                </a:solidFill>
-                <a:latin typeface="Times New Roman" panose="02020603050405020304" pitchFamily="18" charset="0"/>
-                <a:cs typeface="Times New Roman" panose="02020603050405020304" pitchFamily="18" charset="0"/>
-              </a:rPr>
-              <a:t>objCEP</a:t>
-            </a:r>
-            <a:r>
-              <a:rPr lang="pt-BR" sz="2000" dirty="0">
-                <a:solidFill>
-                  <a:schemeClr val="tx1"/>
-                </a:solidFill>
-                <a:latin typeface="Times New Roman" panose="02020603050405020304" pitchFamily="18" charset="0"/>
-                <a:cs typeface="Times New Roman" panose="02020603050405020304" pitchFamily="18" charset="0"/>
-              </a:rPr>
-              <a:t> = </a:t>
-            </a:r>
-            <a:r>
-              <a:rPr lang="pt-BR" sz="2000" b="1" dirty="0" err="1">
-                <a:solidFill>
-                  <a:schemeClr val="tx1"/>
-                </a:solidFill>
-                <a:latin typeface="Times New Roman" panose="02020603050405020304" pitchFamily="18" charset="0"/>
-                <a:cs typeface="Times New Roman" panose="02020603050405020304" pitchFamily="18" charset="0"/>
-              </a:rPr>
-              <a:t>JSON</a:t>
-            </a:r>
-            <a:r>
-              <a:rPr lang="pt-BR" sz="2000" dirty="0" err="1">
-                <a:solidFill>
-                  <a:schemeClr val="tx1"/>
-                </a:solidFill>
-                <a:latin typeface="Times New Roman" panose="02020603050405020304" pitchFamily="18" charset="0"/>
-                <a:cs typeface="Times New Roman" panose="02020603050405020304" pitchFamily="18" charset="0"/>
-              </a:rPr>
-              <a:t>.</a:t>
-            </a:r>
-            <a:r>
-              <a:rPr lang="pt-BR" sz="2000" b="1" dirty="0" err="1">
-                <a:solidFill>
-                  <a:srgbClr val="FF0000"/>
-                </a:solidFill>
-                <a:latin typeface="Times New Roman" panose="02020603050405020304" pitchFamily="18" charset="0"/>
-                <a:cs typeface="Times New Roman" panose="02020603050405020304" pitchFamily="18" charset="0"/>
-              </a:rPr>
-              <a:t>parse</a:t>
-            </a:r>
-            <a:r>
-              <a:rPr lang="pt-BR" sz="2000" dirty="0">
-                <a:solidFill>
-                  <a:schemeClr val="tx1"/>
-                </a:solidFill>
-                <a:latin typeface="Times New Roman" panose="02020603050405020304" pitchFamily="18" charset="0"/>
-                <a:cs typeface="Times New Roman" panose="02020603050405020304" pitchFamily="18" charset="0"/>
-              </a:rPr>
-              <a:t>(</a:t>
-            </a:r>
-            <a:r>
-              <a:rPr lang="pt-BR" sz="2000" b="1" dirty="0" err="1">
-                <a:solidFill>
-                  <a:schemeClr val="tx1"/>
-                </a:solidFill>
-                <a:latin typeface="Times New Roman" panose="02020603050405020304" pitchFamily="18" charset="0"/>
-                <a:cs typeface="Times New Roman" panose="02020603050405020304" pitchFamily="18" charset="0"/>
-              </a:rPr>
-              <a:t>this</a:t>
-            </a:r>
-            <a:r>
-              <a:rPr lang="pt-BR" sz="2000" dirty="0" err="1">
-                <a:solidFill>
-                  <a:schemeClr val="tx1"/>
-                </a:solidFill>
-                <a:latin typeface="Times New Roman" panose="02020603050405020304" pitchFamily="18" charset="0"/>
-                <a:cs typeface="Times New Roman" panose="02020603050405020304" pitchFamily="18" charset="0"/>
-              </a:rPr>
-              <a:t>.responseText</a:t>
-            </a:r>
-            <a:r>
-              <a:rPr lang="pt-BR" sz="2000" dirty="0">
-                <a:solidFill>
-                  <a:schemeClr val="tx1"/>
-                </a:solidFill>
-                <a:latin typeface="Times New Roman" panose="02020603050405020304" pitchFamily="18" charset="0"/>
-                <a:cs typeface="Times New Roman" panose="02020603050405020304" pitchFamily="18" charset="0"/>
-              </a:rPr>
-              <a:t>);</a:t>
-            </a:r>
-          </a:p>
-          <a:p>
-            <a:pPr marL="0" indent="0" algn="just">
-              <a:buNone/>
-            </a:pPr>
-            <a:r>
-              <a:rPr lang="pt-BR" sz="2000" dirty="0">
-                <a:solidFill>
-                  <a:schemeClr val="tx1"/>
-                </a:solidFill>
-                <a:latin typeface="Times New Roman" panose="02020603050405020304" pitchFamily="18" charset="0"/>
-                <a:cs typeface="Times New Roman" panose="02020603050405020304" pitchFamily="18" charset="0"/>
-              </a:rPr>
-              <a:t>		</a:t>
-            </a:r>
-            <a:r>
-              <a:rPr lang="pt-BR" sz="2000" b="1" dirty="0" err="1">
-                <a:solidFill>
-                  <a:schemeClr val="tx1"/>
-                </a:solidFill>
-                <a:latin typeface="Times New Roman" panose="02020603050405020304" pitchFamily="18" charset="0"/>
-                <a:cs typeface="Times New Roman" panose="02020603050405020304" pitchFamily="18" charset="0"/>
-              </a:rPr>
-              <a:t>alert</a:t>
-            </a:r>
-            <a:r>
-              <a:rPr lang="pt-BR" sz="2000" dirty="0">
-                <a:solidFill>
-                  <a:schemeClr val="tx1"/>
-                </a:solidFill>
-                <a:latin typeface="Times New Roman" panose="02020603050405020304" pitchFamily="18" charset="0"/>
-                <a:cs typeface="Times New Roman" panose="02020603050405020304" pitchFamily="18" charset="0"/>
-              </a:rPr>
-              <a:t>(</a:t>
-            </a:r>
-            <a:r>
-              <a:rPr lang="pt-BR" sz="2000" b="1" dirty="0" err="1">
-                <a:solidFill>
-                  <a:srgbClr val="FF0000"/>
-                </a:solidFill>
-                <a:latin typeface="Times New Roman" panose="02020603050405020304" pitchFamily="18" charset="0"/>
-                <a:cs typeface="Times New Roman" panose="02020603050405020304" pitchFamily="18" charset="0"/>
-              </a:rPr>
-              <a:t>objCEP.</a:t>
-            </a:r>
-            <a:r>
-              <a:rPr lang="pt-BR" sz="2000" b="1" dirty="0" err="1">
-                <a:solidFill>
-                  <a:schemeClr val="tx1"/>
-                </a:solidFill>
-                <a:latin typeface="Times New Roman" panose="02020603050405020304" pitchFamily="18" charset="0"/>
-                <a:cs typeface="Times New Roman" panose="02020603050405020304" pitchFamily="18" charset="0"/>
-              </a:rPr>
-              <a:t>bairro</a:t>
-            </a:r>
-            <a:r>
-              <a:rPr lang="pt-BR" sz="2000" dirty="0">
-                <a:solidFill>
-                  <a:schemeClr val="tx1"/>
-                </a:solidFill>
-                <a:latin typeface="Times New Roman" panose="02020603050405020304" pitchFamily="18" charset="0"/>
-                <a:cs typeface="Times New Roman" panose="02020603050405020304" pitchFamily="18" charset="0"/>
-              </a:rPr>
-              <a:t>); }</a:t>
-            </a:r>
-          </a:p>
-          <a:p>
-            <a:pPr marL="0" indent="0" algn="just">
-              <a:buNone/>
-            </a:pPr>
-            <a:endParaRPr lang="pt-BR" sz="2000" dirty="0">
-              <a:solidFill>
-                <a:schemeClr val="tx1"/>
-              </a:solidFill>
-              <a:latin typeface="Times New Roman" panose="02020603050405020304" pitchFamily="18" charset="0"/>
-              <a:cs typeface="Times New Roman" panose="02020603050405020304" pitchFamily="18" charset="0"/>
-            </a:endParaRPr>
+              <a:t>idArea</a:t>
+            </a:r>
+            <a:r>
+              <a:rPr lang="pt-BR" sz="2400" dirty="0">
+                <a:solidFill>
+                  <a:schemeClr val="tx1"/>
+                </a:solidFill>
+                <a:latin typeface="Times New Roman" panose="02020603050405020304" pitchFamily="18" charset="0"/>
+                <a:cs typeface="Times New Roman" panose="02020603050405020304" pitchFamily="18" charset="0"/>
+              </a:rPr>
+              <a:t>"&gt;&lt;/</a:t>
+            </a:r>
+            <a:r>
+              <a:rPr lang="pt-BR" sz="2400" dirty="0" err="1">
+                <a:solidFill>
+                  <a:schemeClr val="tx1"/>
+                </a:solidFill>
+                <a:latin typeface="Times New Roman" panose="02020603050405020304" pitchFamily="18" charset="0"/>
+                <a:cs typeface="Times New Roman" panose="02020603050405020304" pitchFamily="18" charset="0"/>
+              </a:rPr>
+              <a:t>pre</a:t>
+            </a:r>
+            <a:r>
+              <a:rPr lang="pt-BR" sz="2400" dirty="0">
+                <a:solidFill>
+                  <a:schemeClr val="tx1"/>
+                </a:solidFill>
+                <a:latin typeface="Times New Roman" panose="02020603050405020304" pitchFamily="18" charset="0"/>
+                <a:cs typeface="Times New Roman" panose="02020603050405020304" pitchFamily="18" charset="0"/>
+              </a:rPr>
+              <a:t>&gt;</a:t>
+            </a:r>
+          </a:p>
+          <a:p>
+            <a:pPr marL="0" indent="0" algn="just">
+              <a:buNone/>
+            </a:pPr>
+            <a:r>
+              <a:rPr lang="pt-BR" sz="2400" dirty="0">
+                <a:solidFill>
+                  <a:schemeClr val="tx1"/>
+                </a:solidFill>
+                <a:latin typeface="Times New Roman" panose="02020603050405020304" pitchFamily="18" charset="0"/>
+                <a:cs typeface="Times New Roman" panose="02020603050405020304" pitchFamily="18" charset="0"/>
+              </a:rPr>
+              <a:t>    &lt;</a:t>
+            </a:r>
+            <a:r>
+              <a:rPr lang="pt-BR" sz="2400" b="1" dirty="0">
+                <a:solidFill>
+                  <a:schemeClr val="tx1"/>
+                </a:solidFill>
+                <a:latin typeface="Times New Roman" panose="02020603050405020304" pitchFamily="18" charset="0"/>
+                <a:cs typeface="Times New Roman" panose="02020603050405020304" pitchFamily="18" charset="0"/>
+              </a:rPr>
+              <a:t>script</a:t>
+            </a:r>
+            <a:r>
+              <a:rPr lang="pt-BR" sz="2400" dirty="0">
+                <a:solidFill>
+                  <a:schemeClr val="tx1"/>
+                </a:solidFill>
+                <a:latin typeface="Times New Roman" panose="02020603050405020304" pitchFamily="18" charset="0"/>
+                <a:cs typeface="Times New Roman" panose="02020603050405020304" pitchFamily="18" charset="0"/>
+              </a:rPr>
+              <a:t>&gt; </a:t>
+            </a:r>
+            <a:r>
+              <a:rPr lang="pt-BR" sz="2400" b="1" dirty="0">
+                <a:solidFill>
+                  <a:schemeClr val="tx1"/>
+                </a:solidFill>
+                <a:latin typeface="Times New Roman" panose="02020603050405020304" pitchFamily="18" charset="0"/>
+                <a:cs typeface="Times New Roman" panose="02020603050405020304" pitchFamily="18" charset="0"/>
+              </a:rPr>
+              <a:t>instruções JS</a:t>
+            </a:r>
+            <a:r>
+              <a:rPr lang="pt-BR" sz="2400" dirty="0">
+                <a:solidFill>
+                  <a:schemeClr val="tx1"/>
+                </a:solidFill>
+                <a:latin typeface="Times New Roman" panose="02020603050405020304" pitchFamily="18" charset="0"/>
+                <a:cs typeface="Times New Roman" panose="02020603050405020304" pitchFamily="18" charset="0"/>
+              </a:rPr>
+              <a:t> &lt;/script&gt;</a:t>
+            </a:r>
+          </a:p>
+          <a:p>
+            <a:pPr marL="0" indent="0" algn="just">
+              <a:buNone/>
+            </a:pPr>
+            <a:r>
+              <a:rPr lang="pt-BR" sz="2400" dirty="0">
+                <a:solidFill>
+                  <a:schemeClr val="tx1"/>
+                </a:solidFill>
+                <a:latin typeface="Times New Roman" panose="02020603050405020304" pitchFamily="18" charset="0"/>
+                <a:cs typeface="Times New Roman" panose="02020603050405020304" pitchFamily="18" charset="0"/>
+              </a:rPr>
+              <a:t> &lt;/</a:t>
+            </a:r>
+            <a:r>
+              <a:rPr lang="pt-BR" sz="2400" b="1" dirty="0">
+                <a:solidFill>
+                  <a:schemeClr val="tx1"/>
+                </a:solidFill>
+                <a:latin typeface="Times New Roman" panose="02020603050405020304" pitchFamily="18" charset="0"/>
+                <a:cs typeface="Times New Roman" panose="02020603050405020304" pitchFamily="18" charset="0"/>
+              </a:rPr>
+              <a:t>body</a:t>
+            </a:r>
+            <a:r>
+              <a:rPr lang="pt-BR" sz="2400" dirty="0">
+                <a:solidFill>
+                  <a:schemeClr val="tx1"/>
+                </a:solidFill>
+                <a:latin typeface="Times New Roman" panose="02020603050405020304" pitchFamily="18" charset="0"/>
+                <a:cs typeface="Times New Roman" panose="02020603050405020304" pitchFamily="18" charset="0"/>
+              </a:rPr>
+              <a:t>&gt;</a:t>
+            </a:r>
           </a:p>
         </p:txBody>
       </p:sp>
@@ -19487,7 +19395,99 @@
                 <a:latin typeface="Times New Roman" panose="02020603050405020304" pitchFamily="18" charset="0"/>
                 <a:cs typeface="Times New Roman" panose="02020603050405020304" pitchFamily="18" charset="0"/>
               </a:rPr>
-              <a:t> { // input; </a:t>
+              <a:t> { // no HTML acrescentar: </a:t>
+            </a:r>
+            <a:r>
+              <a:rPr lang="pt-BR" sz="2000" b="1" dirty="0" err="1">
+                <a:solidFill>
+                  <a:srgbClr val="FF0000"/>
+                </a:solidFill>
+                <a:latin typeface="Times New Roman" panose="02020603050405020304" pitchFamily="18" charset="0"/>
+                <a:cs typeface="Times New Roman" panose="02020603050405020304" pitchFamily="18" charset="0"/>
+              </a:rPr>
+              <a:t>input:text</a:t>
+            </a:r>
+            <a:r>
+              <a:rPr lang="pt-BR" sz="2000" b="1" dirty="0">
+                <a:solidFill>
+                  <a:srgbClr val="FF0000"/>
+                </a:solidFill>
+                <a:latin typeface="Times New Roman" panose="02020603050405020304" pitchFamily="18" charset="0"/>
+                <a:cs typeface="Times New Roman" panose="02020603050405020304" pitchFamily="18" charset="0"/>
+              </a:rPr>
+              <a:t>; </a:t>
+            </a:r>
+            <a:r>
+              <a:rPr lang="pt-BR" sz="2000" b="1" dirty="0" err="1">
+                <a:solidFill>
+                  <a:srgbClr val="FF0000"/>
+                </a:solidFill>
+                <a:latin typeface="Times New Roman" panose="02020603050405020304" pitchFamily="18" charset="0"/>
+                <a:cs typeface="Times New Roman" panose="02020603050405020304" pitchFamily="18" charset="0"/>
+              </a:rPr>
+              <a:t>input:button</a:t>
+            </a:r>
+            <a:r>
+              <a:rPr lang="pt-BR" sz="2000" b="1" dirty="0">
+                <a:solidFill>
+                  <a:srgbClr val="FF0000"/>
+                </a:solidFill>
+                <a:latin typeface="Times New Roman" panose="02020603050405020304" pitchFamily="18" charset="0"/>
+                <a:cs typeface="Times New Roman" panose="02020603050405020304" pitchFamily="18" charset="0"/>
+              </a:rPr>
+              <a:t>; </a:t>
+            </a:r>
+            <a:r>
+              <a:rPr lang="pt-BR" sz="2000" b="1" dirty="0" err="1">
+                <a:solidFill>
+                  <a:srgbClr val="FF0000"/>
+                </a:solidFill>
+                <a:latin typeface="Times New Roman" panose="02020603050405020304" pitchFamily="18" charset="0"/>
+                <a:cs typeface="Times New Roman" panose="02020603050405020304" pitchFamily="18" charset="0"/>
+              </a:rPr>
+              <a:t>pre</a:t>
+            </a:r>
+            <a:endParaRPr lang="pt-BR" sz="2000" b="1" dirty="0">
+              <a:solidFill>
+                <a:srgbClr val="FF0000"/>
+              </a:solidFill>
+              <a:latin typeface="Times New Roman" panose="02020603050405020304" pitchFamily="18" charset="0"/>
+              <a:cs typeface="Times New Roman" panose="02020603050405020304" pitchFamily="18" charset="0"/>
+            </a:endParaRPr>
+          </a:p>
+          <a:p>
+            <a:pPr marL="0" indent="0" algn="just">
+              <a:buNone/>
+            </a:pPr>
+            <a:r>
+              <a:rPr lang="pt-BR" sz="2000" dirty="0">
+                <a:solidFill>
+                  <a:schemeClr val="tx1"/>
+                </a:solidFill>
+                <a:latin typeface="Times New Roman" panose="02020603050405020304" pitchFamily="18" charset="0"/>
+                <a:cs typeface="Times New Roman" panose="02020603050405020304" pitchFamily="18" charset="0"/>
+              </a:rPr>
+              <a:t>	</a:t>
+            </a:r>
+            <a:r>
+              <a:rPr lang="pt-BR" sz="2000" b="1" dirty="0" err="1">
+                <a:solidFill>
+                  <a:schemeClr val="tx1"/>
+                </a:solidFill>
+                <a:latin typeface="Times New Roman" panose="02020603050405020304" pitchFamily="18" charset="0"/>
+                <a:cs typeface="Times New Roman" panose="02020603050405020304" pitchFamily="18" charset="0"/>
+              </a:rPr>
+              <a:t>let</a:t>
+            </a:r>
+            <a:r>
+              <a:rPr lang="pt-BR" sz="2000" dirty="0">
+                <a:solidFill>
+                  <a:schemeClr val="tx1"/>
+                </a:solidFill>
+                <a:latin typeface="Times New Roman" panose="02020603050405020304" pitchFamily="18" charset="0"/>
+                <a:cs typeface="Times New Roman" panose="02020603050405020304" pitchFamily="18" charset="0"/>
+              </a:rPr>
+              <a:t> </a:t>
             </a:r>
             <a:r>
               <a:rPr lang="pt-BR" sz="2000" dirty="0" err="1">
@@ -19497,7 +19497,7 @@
                 <a:latin typeface="Times New Roman" panose="02020603050405020304" pitchFamily="18" charset="0"/>
                 <a:cs typeface="Times New Roman" panose="02020603050405020304" pitchFamily="18" charset="0"/>
               </a:rPr>
-              <a:t>button</a:t>
+              <a:t>inputCEP</a:t>
             </a:r>
             <a:r>
               <a:rPr lang="pt-BR" sz="2000" dirty="0">
@@ -19507,13 +19507,28 @@
                 <a:latin typeface="Times New Roman" panose="02020603050405020304" pitchFamily="18" charset="0"/>
                 <a:cs typeface="Times New Roman" panose="02020603050405020304" pitchFamily="18" charset="0"/>
               </a:rPr>
-              <a:t>; p</a:t>
-            </a:r>
-          </a:p>
-          <a:p>
-            <a:pPr marL="0" indent="0" algn="just">
-              <a:buNone/>
-            </a:pPr>
+              <a:t> = </a:t>
+            </a:r>
+            <a:r>
+              <a:rPr lang="pt-BR" sz="2000" dirty="0" err="1">
+                <a:solidFill>
+                  <a:schemeClr val="tx1"/>
+                </a:solidFill>
+                <a:latin typeface="Times New Roman" panose="02020603050405020304" pitchFamily="18" charset="0"/>
+                <a:cs typeface="Times New Roman" panose="02020603050405020304" pitchFamily="18" charset="0"/>
+              </a:rPr>
+              <a:t>document.</a:t>
+            </a:r>
+            <a:r>
+              <a:rPr lang="pt-BR" sz="2000" b="1" dirty="0" err="1">
+                <a:solidFill>
+                  <a:srgbClr val="FF0000"/>
+                </a:solidFill>
+                <a:latin typeface="Times New Roman" panose="02020603050405020304" pitchFamily="18" charset="0"/>
+                <a:cs typeface="Times New Roman" panose="02020603050405020304" pitchFamily="18" charset="0"/>
+              </a:rPr>
+              <a:t>getElementById</a:t>
+            </a:r>
             <a:r>
               <a:rPr lang="pt-BR" sz="2000" dirty="0">
                 <a:solidFill>
@@ -19522,7 +19537,7 @@
                 <a:latin typeface="Times New Roman" panose="02020603050405020304" pitchFamily="18" charset="0"/>
                 <a:cs typeface="Times New Roman" panose="02020603050405020304" pitchFamily="18" charset="0"/>
               </a:rPr>
-              <a:t>	</a:t>
+              <a:t>("</a:t>
             </a:r>
             <a:r>
               <a:rPr lang="pt-BR" sz="2000" b="1" dirty="0" err="1">
@@ -19532,6 +19547,331 @@
                 <a:latin typeface="Times New Roman" panose="02020603050405020304" pitchFamily="18" charset="0"/>
                 <a:cs typeface="Times New Roman" panose="02020603050405020304" pitchFamily="18" charset="0"/>
               </a:rPr>
+              <a:t>idCEP</a:t>
+            </a:r>
+            <a:r>
+              <a:rPr lang="pt-BR" sz="2000" dirty="0">
+                <a:solidFill>
+                  <a:schemeClr val="tx1"/>
+                </a:solidFill>
+                <a:latin typeface="Times New Roman" panose="02020603050405020304" pitchFamily="18" charset="0"/>
+                <a:cs typeface="Times New Roman" panose="02020603050405020304" pitchFamily="18" charset="0"/>
+              </a:rPr>
+              <a:t>").</a:t>
+            </a:r>
+            <a:r>
+              <a:rPr lang="pt-BR" sz="2000" dirty="0" err="1">
+                <a:solidFill>
+                  <a:schemeClr val="tx1"/>
+                </a:solidFill>
+                <a:latin typeface="Times New Roman" panose="02020603050405020304" pitchFamily="18" charset="0"/>
+                <a:cs typeface="Times New Roman" panose="02020603050405020304" pitchFamily="18" charset="0"/>
+              </a:rPr>
+              <a:t>value</a:t>
+            </a:r>
+            <a:r>
+              <a:rPr lang="pt-BR" sz="2000" dirty="0">
+                <a:solidFill>
+                  <a:schemeClr val="tx1"/>
+                </a:solidFill>
+                <a:latin typeface="Times New Roman" panose="02020603050405020304" pitchFamily="18" charset="0"/>
+                <a:cs typeface="Times New Roman" panose="02020603050405020304" pitchFamily="18" charset="0"/>
+              </a:rPr>
+              <a:t>;</a:t>
+            </a:r>
+          </a:p>
+          <a:p>
+            <a:pPr marL="447675" lvl="1" indent="0" algn="just">
+              <a:buNone/>
+            </a:pPr>
+            <a:r>
+              <a:rPr lang="pt-BR" sz="2000" b="1" dirty="0" err="1">
+                <a:solidFill>
+                  <a:schemeClr val="tx1"/>
+                </a:solidFill>
+                <a:latin typeface="Times New Roman" panose="02020603050405020304" pitchFamily="18" charset="0"/>
+                <a:cs typeface="Times New Roman" panose="02020603050405020304" pitchFamily="18" charset="0"/>
+              </a:rPr>
+              <a:t>const</a:t>
+            </a:r>
+            <a:r>
+              <a:rPr lang="pt-BR" sz="2000" dirty="0">
+                <a:solidFill>
+                  <a:schemeClr val="tx1"/>
+                </a:solidFill>
+                <a:latin typeface="Times New Roman" panose="02020603050405020304" pitchFamily="18" charset="0"/>
+                <a:cs typeface="Times New Roman" panose="02020603050405020304" pitchFamily="18" charset="0"/>
+              </a:rPr>
+              <a:t> </a:t>
+            </a:r>
+            <a:r>
+              <a:rPr lang="pt-BR" sz="2000" dirty="0" err="1">
+                <a:solidFill>
+                  <a:schemeClr val="tx1"/>
+                </a:solidFill>
+                <a:latin typeface="Times New Roman" panose="02020603050405020304" pitchFamily="18" charset="0"/>
+                <a:cs typeface="Times New Roman" panose="02020603050405020304" pitchFamily="18" charset="0"/>
+              </a:rPr>
+              <a:t>ajax</a:t>
+            </a:r>
+            <a:r>
+              <a:rPr lang="pt-BR" sz="2000" dirty="0">
+                <a:solidFill>
+                  <a:schemeClr val="tx1"/>
+                </a:solidFill>
+                <a:latin typeface="Times New Roman" panose="02020603050405020304" pitchFamily="18" charset="0"/>
+                <a:cs typeface="Times New Roman" panose="02020603050405020304" pitchFamily="18" charset="0"/>
+              </a:rPr>
+              <a:t> = </a:t>
+            </a:r>
+            <a:r>
+              <a:rPr lang="pt-BR" sz="2000" b="1" dirty="0">
+                <a:solidFill>
+                  <a:schemeClr val="tx1"/>
+                </a:solidFill>
+                <a:latin typeface="Times New Roman" panose="02020603050405020304" pitchFamily="18" charset="0"/>
+                <a:cs typeface="Times New Roman" panose="02020603050405020304" pitchFamily="18" charset="0"/>
+              </a:rPr>
+              <a:t>new</a:t>
+            </a:r>
+            <a:r>
+              <a:rPr lang="pt-BR" sz="2000" dirty="0">
+                <a:solidFill>
+                  <a:schemeClr val="tx1"/>
+                </a:solidFill>
+                <a:latin typeface="Times New Roman" panose="02020603050405020304" pitchFamily="18" charset="0"/>
+                <a:cs typeface="Times New Roman" panose="02020603050405020304" pitchFamily="18" charset="0"/>
+              </a:rPr>
+              <a:t> </a:t>
+            </a:r>
+            <a:r>
+              <a:rPr lang="pt-BR" sz="2000" b="1" dirty="0" err="1">
+                <a:solidFill>
+                  <a:srgbClr val="FF0000"/>
+                </a:solidFill>
+                <a:latin typeface="Times New Roman" panose="02020603050405020304" pitchFamily="18" charset="0"/>
+                <a:cs typeface="Times New Roman" panose="02020603050405020304" pitchFamily="18" charset="0"/>
+              </a:rPr>
+              <a:t>XMLHttpRequest</a:t>
+            </a:r>
+            <a:r>
+              <a:rPr lang="pt-BR" sz="2000" dirty="0">
+                <a:solidFill>
+                  <a:schemeClr val="tx1"/>
+                </a:solidFill>
+                <a:latin typeface="Times New Roman" panose="02020603050405020304" pitchFamily="18" charset="0"/>
+                <a:cs typeface="Times New Roman" panose="02020603050405020304" pitchFamily="18" charset="0"/>
+              </a:rPr>
+              <a:t>();</a:t>
+            </a:r>
+          </a:p>
+          <a:p>
+            <a:pPr marL="447675" lvl="1" indent="0" algn="just">
+              <a:buNone/>
+            </a:pPr>
+            <a:r>
+              <a:rPr lang="pt-BR" sz="2000" dirty="0" err="1">
+                <a:solidFill>
+                  <a:schemeClr val="tx1"/>
+                </a:solidFill>
+                <a:latin typeface="Times New Roman" panose="02020603050405020304" pitchFamily="18" charset="0"/>
+                <a:cs typeface="Times New Roman" panose="02020603050405020304" pitchFamily="18" charset="0"/>
+              </a:rPr>
+              <a:t>ajax.</a:t>
+            </a:r>
+            <a:r>
+              <a:rPr lang="pt-BR" sz="2000" b="1" dirty="0" err="1">
+                <a:solidFill>
+                  <a:srgbClr val="FF0000"/>
+                </a:solidFill>
+                <a:latin typeface="Times New Roman" panose="02020603050405020304" pitchFamily="18" charset="0"/>
+                <a:cs typeface="Times New Roman" panose="02020603050405020304" pitchFamily="18" charset="0"/>
+              </a:rPr>
+              <a:t>open</a:t>
+            </a:r>
+            <a:r>
+              <a:rPr lang="pt-BR" sz="2000" dirty="0">
+                <a:solidFill>
+                  <a:schemeClr val="tx1"/>
+                </a:solidFill>
+                <a:latin typeface="Times New Roman" panose="02020603050405020304" pitchFamily="18" charset="0"/>
+                <a:cs typeface="Times New Roman" panose="02020603050405020304" pitchFamily="18" charset="0"/>
+              </a:rPr>
+              <a:t>("GET", "</a:t>
+            </a:r>
+            <a:r>
+              <a:rPr lang="pt-BR" sz="2000" b="1" dirty="0">
+                <a:solidFill>
+                  <a:schemeClr val="tx1"/>
+                </a:solidFill>
+                <a:latin typeface="Times New Roman" panose="02020603050405020304" pitchFamily="18" charset="0"/>
+                <a:cs typeface="Times New Roman" panose="02020603050405020304" pitchFamily="18" charset="0"/>
+              </a:rPr>
+              <a:t>https://viacep.com.br/ws/" + </a:t>
+            </a:r>
+            <a:r>
+              <a:rPr lang="pt-BR" sz="2000" b="1" dirty="0" err="1">
+                <a:solidFill>
+                  <a:schemeClr val="tx1"/>
+                </a:solidFill>
+                <a:latin typeface="Times New Roman" panose="02020603050405020304" pitchFamily="18" charset="0"/>
+                <a:cs typeface="Times New Roman" panose="02020603050405020304" pitchFamily="18" charset="0"/>
+              </a:rPr>
+              <a:t>inputCEP</a:t>
+            </a:r>
+            <a:r>
+              <a:rPr lang="pt-BR" sz="2000" b="1" dirty="0">
+                <a:solidFill>
+                  <a:schemeClr val="tx1"/>
+                </a:solidFill>
+                <a:latin typeface="Times New Roman" panose="02020603050405020304" pitchFamily="18" charset="0"/>
+                <a:cs typeface="Times New Roman" panose="02020603050405020304" pitchFamily="18" charset="0"/>
+              </a:rPr>
+              <a:t> + "/</a:t>
+            </a:r>
+            <a:r>
+              <a:rPr lang="pt-BR" sz="2000" b="1" dirty="0" err="1">
+                <a:solidFill>
+                  <a:schemeClr val="tx1"/>
+                </a:solidFill>
+                <a:latin typeface="Times New Roman" panose="02020603050405020304" pitchFamily="18" charset="0"/>
+                <a:cs typeface="Times New Roman" panose="02020603050405020304" pitchFamily="18" charset="0"/>
+              </a:rPr>
+              <a:t>json</a:t>
+            </a:r>
+            <a:r>
+              <a:rPr lang="pt-BR" sz="2000" b="1" dirty="0">
+                <a:solidFill>
+                  <a:schemeClr val="tx1"/>
+                </a:solidFill>
+                <a:latin typeface="Times New Roman" panose="02020603050405020304" pitchFamily="18" charset="0"/>
+                <a:cs typeface="Times New Roman" panose="02020603050405020304" pitchFamily="18" charset="0"/>
+              </a:rPr>
+              <a:t>/"</a:t>
+            </a:r>
+            <a:r>
+              <a:rPr lang="pt-BR" sz="2000" dirty="0">
+                <a:solidFill>
+                  <a:schemeClr val="tx1"/>
+                </a:solidFill>
+                <a:latin typeface="Times New Roman" panose="02020603050405020304" pitchFamily="18" charset="0"/>
+                <a:cs typeface="Times New Roman" panose="02020603050405020304" pitchFamily="18" charset="0"/>
+              </a:rPr>
+              <a:t>);</a:t>
+            </a:r>
+          </a:p>
+          <a:p>
+            <a:pPr marL="447675" lvl="1" indent="0" algn="just">
+              <a:buNone/>
+            </a:pPr>
+            <a:r>
+              <a:rPr lang="pt-BR" sz="2000" dirty="0" err="1">
+                <a:solidFill>
+                  <a:schemeClr val="tx1"/>
+                </a:solidFill>
+                <a:latin typeface="Times New Roman" panose="02020603050405020304" pitchFamily="18" charset="0"/>
+                <a:cs typeface="Times New Roman" panose="02020603050405020304" pitchFamily="18" charset="0"/>
+              </a:rPr>
+              <a:t>ajax.</a:t>
+            </a:r>
+            <a:r>
+              <a:rPr lang="pt-BR" sz="2000" b="1" dirty="0" err="1">
+                <a:solidFill>
+                  <a:srgbClr val="FF0000"/>
+                </a:solidFill>
+                <a:latin typeface="Times New Roman" panose="02020603050405020304" pitchFamily="18" charset="0"/>
+                <a:cs typeface="Times New Roman" panose="02020603050405020304" pitchFamily="18" charset="0"/>
+              </a:rPr>
+              <a:t>send</a:t>
+            </a:r>
+            <a:r>
+              <a:rPr lang="pt-BR" sz="2000" dirty="0">
+                <a:solidFill>
+                  <a:schemeClr val="tx1"/>
+                </a:solidFill>
+                <a:latin typeface="Times New Roman" panose="02020603050405020304" pitchFamily="18" charset="0"/>
+                <a:cs typeface="Times New Roman" panose="02020603050405020304" pitchFamily="18" charset="0"/>
+              </a:rPr>
+              <a:t>(); </a:t>
+            </a:r>
+          </a:p>
+          <a:p>
+            <a:pPr marL="447675" lvl="1" indent="0" algn="just">
+              <a:buNone/>
+            </a:pPr>
+            <a:r>
+              <a:rPr lang="pt-BR" sz="2000" dirty="0" err="1">
+                <a:solidFill>
+                  <a:schemeClr val="tx1"/>
+                </a:solidFill>
+                <a:latin typeface="Times New Roman" panose="02020603050405020304" pitchFamily="18" charset="0"/>
+                <a:cs typeface="Times New Roman" panose="02020603050405020304" pitchFamily="18" charset="0"/>
+              </a:rPr>
+              <a:t>ajax.</a:t>
+            </a:r>
+            <a:r>
+              <a:rPr lang="pt-BR" sz="2000" b="1" dirty="0" err="1">
+                <a:solidFill>
+                  <a:srgbClr val="FF0000"/>
+                </a:solidFill>
+                <a:latin typeface="Times New Roman" panose="02020603050405020304" pitchFamily="18" charset="0"/>
+                <a:cs typeface="Times New Roman" panose="02020603050405020304" pitchFamily="18" charset="0"/>
+              </a:rPr>
+              <a:t>onload</a:t>
+            </a:r>
+            <a:r>
+              <a:rPr lang="pt-BR" sz="2000" dirty="0">
+                <a:solidFill>
+                  <a:schemeClr val="tx1"/>
+                </a:solidFill>
+                <a:latin typeface="Times New Roman" panose="02020603050405020304" pitchFamily="18" charset="0"/>
+                <a:cs typeface="Times New Roman" panose="02020603050405020304" pitchFamily="18" charset="0"/>
+              </a:rPr>
+              <a:t> = </a:t>
+            </a:r>
+            <a:r>
+              <a:rPr lang="pt-BR" sz="2000" b="1" dirty="0" err="1">
+                <a:solidFill>
+                  <a:schemeClr val="tx1"/>
+                </a:solidFill>
+                <a:latin typeface="Times New Roman" panose="02020603050405020304" pitchFamily="18" charset="0"/>
+                <a:cs typeface="Times New Roman" panose="02020603050405020304" pitchFamily="18" charset="0"/>
+              </a:rPr>
+              <a:t>function</a:t>
+            </a:r>
+            <a:r>
+              <a:rPr lang="pt-BR" sz="2000" dirty="0">
+                <a:solidFill>
+                  <a:schemeClr val="tx1"/>
+                </a:solidFill>
+                <a:latin typeface="Times New Roman" panose="02020603050405020304" pitchFamily="18" charset="0"/>
+                <a:cs typeface="Times New Roman" panose="02020603050405020304" pitchFamily="18" charset="0"/>
+              </a:rPr>
+              <a:t>(){  </a:t>
+            </a:r>
+          </a:p>
+          <a:p>
+            <a:pPr marL="447675" lvl="1" indent="0" algn="just">
+              <a:buNone/>
+            </a:pPr>
+            <a:r>
+              <a:rPr lang="pt-BR" sz="2000" b="1" dirty="0">
+                <a:solidFill>
+                  <a:schemeClr val="tx1"/>
+                </a:solidFill>
+                <a:latin typeface="Times New Roman" panose="02020603050405020304" pitchFamily="18" charset="0"/>
+                <a:cs typeface="Times New Roman" panose="02020603050405020304" pitchFamily="18" charset="0"/>
+              </a:rPr>
+              <a:t>	    </a:t>
+            </a:r>
+            <a:r>
+              <a:rPr lang="pt-BR" sz="2000" b="1" dirty="0" err="1">
+                <a:solidFill>
+                  <a:schemeClr val="tx1"/>
+                </a:solidFill>
+                <a:latin typeface="Times New Roman" panose="02020603050405020304" pitchFamily="18" charset="0"/>
+                <a:cs typeface="Times New Roman" panose="02020603050405020304" pitchFamily="18" charset="0"/>
+              </a:rPr>
               <a:t>let</a:t>
             </a:r>
             <a:r>
@@ -19545,6 +19885,36 @@
               <a:t> </a:t>
             </a:r>
             <a:r>
+              <a:rPr lang="pt-BR" sz="2000" b="1" dirty="0" err="1">
+                <a:solidFill>
+                  <a:srgbClr val="FF0000"/>
+                </a:solidFill>
+                <a:latin typeface="Times New Roman" panose="02020603050405020304" pitchFamily="18" charset="0"/>
+                <a:cs typeface="Times New Roman" panose="02020603050405020304" pitchFamily="18" charset="0"/>
+              </a:rPr>
+              <a:t>objCEP</a:t>
+            </a:r>
+            <a:r>
+              <a:rPr lang="pt-BR" sz="2000" dirty="0">
+                <a:solidFill>
+                  <a:schemeClr val="tx1"/>
+                </a:solidFill>
+                <a:latin typeface="Times New Roman" panose="02020603050405020304" pitchFamily="18" charset="0"/>
+                <a:cs typeface="Times New Roman" panose="02020603050405020304" pitchFamily="18" charset="0"/>
+              </a:rPr>
+              <a:t> = </a:t>
+            </a:r>
+            <a:r>
+              <a:rPr lang="pt-BR" sz="2000" b="1" dirty="0" err="1">
+                <a:solidFill>
+                  <a:schemeClr val="tx1"/>
+                </a:solidFill>
+                <a:latin typeface="Times New Roman" panose="02020603050405020304" pitchFamily="18" charset="0"/>
+                <a:cs typeface="Times New Roman" panose="02020603050405020304" pitchFamily="18" charset="0"/>
+              </a:rPr>
+              <a:t>JSON</a:t>
+            </a:r>
+            <a:r>
               <a:rPr lang="pt-BR" sz="2000" dirty="0" err="1">
                 <a:solidFill>
                   <a:schemeClr val="tx1"/>
@@ -19552,7 +19922,7 @@
                 <a:latin typeface="Times New Roman" panose="02020603050405020304" pitchFamily="18" charset="0"/>
                 <a:cs typeface="Times New Roman" panose="02020603050405020304" pitchFamily="18" charset="0"/>
               </a:rPr>
-              <a:t>inputCEP</a:t>
+              <a:t>.parse</a:t>
             </a:r>
             <a:r>
               <a:rPr lang="pt-BR" sz="2000" dirty="0">
@@ -19562,6 +19932,91 @@
                 <a:latin typeface="Times New Roman" panose="02020603050405020304" pitchFamily="18" charset="0"/>
                 <a:cs typeface="Times New Roman" panose="02020603050405020304" pitchFamily="18" charset="0"/>
               </a:rPr>
+              <a:t>(</a:t>
+            </a:r>
+            <a:r>
+              <a:rPr lang="pt-BR" sz="2000" b="1" dirty="0" err="1">
+                <a:solidFill>
+                  <a:schemeClr val="tx1"/>
+                </a:solidFill>
+                <a:latin typeface="Times New Roman" panose="02020603050405020304" pitchFamily="18" charset="0"/>
+                <a:cs typeface="Times New Roman" panose="02020603050405020304" pitchFamily="18" charset="0"/>
+              </a:rPr>
+              <a:t>this</a:t>
+            </a:r>
+            <a:r>
+              <a:rPr lang="pt-BR" sz="2000" dirty="0" err="1">
+                <a:solidFill>
+                  <a:schemeClr val="tx1"/>
+                </a:solidFill>
+                <a:latin typeface="Times New Roman" panose="02020603050405020304" pitchFamily="18" charset="0"/>
+                <a:cs typeface="Times New Roman" panose="02020603050405020304" pitchFamily="18" charset="0"/>
+              </a:rPr>
+              <a:t>.responseText</a:t>
+            </a:r>
+            <a:r>
+              <a:rPr lang="pt-BR" sz="2000" dirty="0">
+                <a:solidFill>
+                  <a:schemeClr val="tx1"/>
+                </a:solidFill>
+                <a:latin typeface="Times New Roman" panose="02020603050405020304" pitchFamily="18" charset="0"/>
+                <a:cs typeface="Times New Roman" panose="02020603050405020304" pitchFamily="18" charset="0"/>
+              </a:rPr>
+              <a:t>);</a:t>
+            </a:r>
+          </a:p>
+          <a:p>
+            <a:pPr marL="447675" lvl="1" indent="0" algn="just">
+              <a:buNone/>
+            </a:pPr>
+            <a:r>
+              <a:rPr lang="pt-BR" sz="2000" dirty="0">
+                <a:solidFill>
+                  <a:schemeClr val="tx1"/>
+                </a:solidFill>
+                <a:latin typeface="Times New Roman" panose="02020603050405020304" pitchFamily="18" charset="0"/>
+                <a:cs typeface="Times New Roman" panose="02020603050405020304" pitchFamily="18" charset="0"/>
+              </a:rPr>
+              <a:t>	    </a:t>
+            </a:r>
+            <a:r>
+              <a:rPr lang="pt-BR" sz="2000" b="1" dirty="0" err="1">
+                <a:solidFill>
+                  <a:schemeClr val="tx1"/>
+                </a:solidFill>
+                <a:latin typeface="Times New Roman" panose="02020603050405020304" pitchFamily="18" charset="0"/>
+                <a:cs typeface="Times New Roman" panose="02020603050405020304" pitchFamily="18" charset="0"/>
+              </a:rPr>
+              <a:t>let</a:t>
+            </a:r>
+            <a:r>
+              <a:rPr lang="pt-BR" sz="2000" dirty="0">
+                <a:solidFill>
+                  <a:schemeClr val="tx1"/>
+                </a:solidFill>
+                <a:latin typeface="Times New Roman" panose="02020603050405020304" pitchFamily="18" charset="0"/>
+                <a:cs typeface="Times New Roman" panose="02020603050405020304" pitchFamily="18" charset="0"/>
+              </a:rPr>
+              <a:t> </a:t>
+            </a:r>
+            <a:r>
+              <a:rPr lang="pt-BR" sz="2000" dirty="0" err="1">
+                <a:solidFill>
+                  <a:schemeClr val="tx1"/>
+                </a:solidFill>
+                <a:latin typeface="Times New Roman" panose="02020603050405020304" pitchFamily="18" charset="0"/>
+                <a:cs typeface="Times New Roman" panose="02020603050405020304" pitchFamily="18" charset="0"/>
+              </a:rPr>
+              <a:t>lograd</a:t>
+            </a:r>
+            <a:r>
+              <a:rPr lang="pt-BR" sz="2000" dirty="0">
+                <a:solidFill>
+                  <a:schemeClr val="tx1"/>
+                </a:solidFill>
+                <a:latin typeface="Times New Roman" panose="02020603050405020304" pitchFamily="18" charset="0"/>
+                <a:cs typeface="Times New Roman" panose="02020603050405020304" pitchFamily="18" charset="0"/>
+              </a:rPr>
               <a:t> = </a:t>
             </a:r>
             <a:r>
@@ -19572,11 +20027,151 @@
                 <a:latin typeface="Times New Roman" panose="02020603050405020304" pitchFamily="18" charset="0"/>
                 <a:cs typeface="Times New Roman" panose="02020603050405020304" pitchFamily="18" charset="0"/>
               </a:rPr>
-              <a:t>document.</a:t>
+              <a:t>objCEP.logradouro</a:t>
+            </a:r>
+            <a:r>
+              <a:rPr lang="pt-BR" sz="2000" dirty="0">
+                <a:solidFill>
+                  <a:schemeClr val="tx1"/>
+                </a:solidFill>
+                <a:latin typeface="Times New Roman" panose="02020603050405020304" pitchFamily="18" charset="0"/>
+                <a:cs typeface="Times New Roman" panose="02020603050405020304" pitchFamily="18" charset="0"/>
+              </a:rPr>
+              <a:t>; </a:t>
             </a:r>
             <a:r>
               <a:rPr lang="pt-BR" sz="2000" b="1" dirty="0" err="1">
                 <a:solidFill>
+                  <a:schemeClr val="tx1"/>
+                </a:solidFill>
+                <a:latin typeface="Times New Roman" panose="02020603050405020304" pitchFamily="18" charset="0"/>
+                <a:cs typeface="Times New Roman" panose="02020603050405020304" pitchFamily="18" charset="0"/>
+              </a:rPr>
+              <a:t>let</a:t>
+            </a:r>
+            <a:r>
+              <a:rPr lang="pt-BR" sz="2000" dirty="0">
+                <a:solidFill>
+                  <a:schemeClr val="tx1"/>
+                </a:solidFill>
+                <a:latin typeface="Times New Roman" panose="02020603050405020304" pitchFamily="18" charset="0"/>
+                <a:cs typeface="Times New Roman" panose="02020603050405020304" pitchFamily="18" charset="0"/>
+              </a:rPr>
+              <a:t> cidade = </a:t>
+            </a:r>
+            <a:r>
+              <a:rPr lang="pt-BR" sz="2000" dirty="0" err="1">
+                <a:solidFill>
+                  <a:schemeClr val="tx1"/>
+                </a:solidFill>
+                <a:latin typeface="Times New Roman" panose="02020603050405020304" pitchFamily="18" charset="0"/>
+                <a:cs typeface="Times New Roman" panose="02020603050405020304" pitchFamily="18" charset="0"/>
+              </a:rPr>
+              <a:t>objCEP.bairro</a:t>
+            </a:r>
+            <a:r>
+              <a:rPr lang="pt-BR" sz="2000" dirty="0">
+                <a:solidFill>
+                  <a:schemeClr val="tx1"/>
+                </a:solidFill>
+                <a:latin typeface="Times New Roman" panose="02020603050405020304" pitchFamily="18" charset="0"/>
+                <a:cs typeface="Times New Roman" panose="02020603050405020304" pitchFamily="18" charset="0"/>
+              </a:rPr>
+              <a:t>; </a:t>
+            </a:r>
+          </a:p>
+          <a:p>
+            <a:pPr marL="447675" lvl="1" indent="0" algn="just">
+              <a:buNone/>
+            </a:pPr>
+            <a:r>
+              <a:rPr lang="pt-BR" sz="2000" dirty="0">
+                <a:solidFill>
+                  <a:schemeClr val="tx1"/>
+                </a:solidFill>
+                <a:latin typeface="Times New Roman" panose="02020603050405020304" pitchFamily="18" charset="0"/>
+                <a:cs typeface="Times New Roman" panose="02020603050405020304" pitchFamily="18" charset="0"/>
+              </a:rPr>
+              <a:t>	    </a:t>
+            </a:r>
+            <a:r>
+              <a:rPr lang="pt-BR" sz="2000" b="1" dirty="0" err="1">
+                <a:solidFill>
+                  <a:schemeClr val="tx1"/>
+                </a:solidFill>
+                <a:latin typeface="Times New Roman" panose="02020603050405020304" pitchFamily="18" charset="0"/>
+                <a:cs typeface="Times New Roman" panose="02020603050405020304" pitchFamily="18" charset="0"/>
+              </a:rPr>
+              <a:t>let</a:t>
+            </a:r>
+            <a:r>
+              <a:rPr lang="pt-BR" sz="2000" dirty="0">
+                <a:solidFill>
+                  <a:schemeClr val="tx1"/>
+                </a:solidFill>
+                <a:latin typeface="Times New Roman" panose="02020603050405020304" pitchFamily="18" charset="0"/>
+                <a:cs typeface="Times New Roman" panose="02020603050405020304" pitchFamily="18" charset="0"/>
+              </a:rPr>
+              <a:t> uf = </a:t>
+            </a:r>
+            <a:r>
+              <a:rPr lang="pt-BR" sz="2000" dirty="0" err="1">
+                <a:solidFill>
+                  <a:schemeClr val="tx1"/>
+                </a:solidFill>
+                <a:latin typeface="Times New Roman" panose="02020603050405020304" pitchFamily="18" charset="0"/>
+                <a:cs typeface="Times New Roman" panose="02020603050405020304" pitchFamily="18" charset="0"/>
+              </a:rPr>
+              <a:t>objCEP.uf</a:t>
+            </a:r>
+            <a:r>
+              <a:rPr lang="pt-BR" sz="2000" dirty="0">
+                <a:solidFill>
+                  <a:schemeClr val="tx1"/>
+                </a:solidFill>
+                <a:latin typeface="Times New Roman" panose="02020603050405020304" pitchFamily="18" charset="0"/>
+                <a:cs typeface="Times New Roman" panose="02020603050405020304" pitchFamily="18" charset="0"/>
+              </a:rPr>
+              <a:t>;</a:t>
+            </a:r>
+          </a:p>
+          <a:p>
+            <a:pPr marL="447675" lvl="1" indent="0" algn="just">
+              <a:buNone/>
+            </a:pPr>
+            <a:r>
+              <a:rPr lang="pt-BR" sz="2000" dirty="0">
+                <a:solidFill>
+                  <a:schemeClr val="tx1"/>
+                </a:solidFill>
+                <a:latin typeface="Times New Roman" panose="02020603050405020304" pitchFamily="18" charset="0"/>
+                <a:cs typeface="Times New Roman" panose="02020603050405020304" pitchFamily="18" charset="0"/>
+              </a:rPr>
+              <a:t>	    </a:t>
+            </a:r>
+            <a:r>
+              <a:rPr lang="pt-BR" sz="2000" b="1" dirty="0" err="1">
+                <a:solidFill>
+                  <a:schemeClr val="tx1"/>
+                </a:solidFill>
+                <a:latin typeface="Times New Roman" panose="02020603050405020304" pitchFamily="18" charset="0"/>
+                <a:cs typeface="Times New Roman" panose="02020603050405020304" pitchFamily="18" charset="0"/>
+              </a:rPr>
+              <a:t>document</a:t>
+            </a:r>
+            <a:r>
+              <a:rPr lang="pt-BR" sz="2000" dirty="0" err="1">
+                <a:solidFill>
+                  <a:schemeClr val="tx1"/>
+                </a:solidFill>
+                <a:latin typeface="Times New Roman" panose="02020603050405020304" pitchFamily="18" charset="0"/>
+                <a:cs typeface="Times New Roman" panose="02020603050405020304" pitchFamily="18" charset="0"/>
+              </a:rPr>
+              <a:t>.</a:t>
+            </a:r>
+            <a:r>
+              <a:rPr lang="pt-BR" sz="2000" b="1" dirty="0" err="1">
+                <a:solidFill>
                   <a:srgbClr val="FF0000"/>
                 </a:solidFill>
                 <a:latin typeface="Times New Roman" panose="02020603050405020304" pitchFamily="18" charset="0"/>
@@ -19595,6 +20190,26 @@
               <a:t>(“</a:t>
             </a:r>
             <a:r>
+              <a:rPr lang="pt-BR" sz="2000" b="1" dirty="0" err="1">
+                <a:solidFill>
+                  <a:srgbClr val="FF0000"/>
+                </a:solidFill>
+                <a:latin typeface="Times New Roman" panose="02020603050405020304" pitchFamily="18" charset="0"/>
+                <a:cs typeface="Times New Roman" panose="02020603050405020304" pitchFamily="18" charset="0"/>
+              </a:rPr>
+              <a:t>idArea</a:t>
+            </a:r>
+            <a:r>
+              <a:rPr lang="pt-BR" sz="2000" dirty="0">
+                <a:solidFill>
+                  <a:schemeClr val="tx1"/>
+                </a:solidFill>
+                <a:latin typeface="Times New Roman" panose="02020603050405020304" pitchFamily="18" charset="0"/>
+                <a:cs typeface="Times New Roman" panose="02020603050405020304" pitchFamily="18" charset="0"/>
+              </a:rPr>
+              <a:t>”).</a:t>
+            </a:r>
+            <a:r>
               <a:rPr lang="pt-BR" sz="2000" dirty="0" err="1">
                 <a:solidFill>
                   <a:schemeClr val="tx1"/>
@@ -19602,7 +20217,7 @@
                 <a:latin typeface="Times New Roman" panose="02020603050405020304" pitchFamily="18" charset="0"/>
                 <a:cs typeface="Times New Roman" panose="02020603050405020304" pitchFamily="18" charset="0"/>
               </a:rPr>
-              <a:t>IdCEP</a:t>
+              <a:t>innerHTML</a:t>
             </a:r>
             <a:r>
               <a:rPr lang="pt-BR" sz="2000" dirty="0">
@@ -19612,7 +20227,7 @@
                 <a:latin typeface="Times New Roman" panose="02020603050405020304" pitchFamily="18" charset="0"/>
                 <a:cs typeface="Times New Roman" panose="02020603050405020304" pitchFamily="18" charset="0"/>
               </a:rPr>
-              <a:t>”).</a:t>
+              <a:t> = </a:t>
             </a:r>
             <a:r>
               <a:rPr lang="pt-BR" sz="2000" dirty="0" err="1">
@@ -19622,7 +20237,7 @@
                 <a:latin typeface="Times New Roman" panose="02020603050405020304" pitchFamily="18" charset="0"/>
                 <a:cs typeface="Times New Roman" panose="02020603050405020304" pitchFamily="18" charset="0"/>
               </a:rPr>
-              <a:t>value</a:t>
+              <a:t>lograd</a:t>
             </a:r>
             <a:r>
               <a:rPr lang="pt-BR" sz="2000" dirty="0">
@@ -19632,677 +20247,7 @@
                 <a:latin typeface="Times New Roman" panose="02020603050405020304" pitchFamily="18" charset="0"/>
                 <a:cs typeface="Times New Roman" panose="02020603050405020304" pitchFamily="18" charset="0"/>
               </a:rPr>
-              <a:t>;</a:t>
-            </a:r>
-          </a:p>
-          <a:p>
-            <a:pPr marL="447675" lvl="1" indent="0" algn="just">
-              <a:buNone/>
-            </a:pPr>
-            <a:r>
-              <a:rPr lang="pt-BR" sz="2000" b="1" dirty="0" err="1">
-                <a:solidFill>
-                  <a:schemeClr val="tx1"/>
-                </a:solidFill>
-                <a:latin typeface="Times New Roman" panose="02020603050405020304" pitchFamily="18" charset="0"/>
-                <a:cs typeface="Times New Roman" panose="02020603050405020304" pitchFamily="18" charset="0"/>
-              </a:rPr>
-              <a:t>const</a:t>
-            </a:r>
-            <a:r>
-              <a:rPr lang="pt-BR" sz="2000" dirty="0">
-                <a:solidFill>
-                  <a:schemeClr val="tx1"/>
-                </a:solidFill>
-                <a:latin typeface="Times New Roman" panose="02020603050405020304" pitchFamily="18" charset="0"/>
-                <a:cs typeface="Times New Roman" panose="02020603050405020304" pitchFamily="18" charset="0"/>
-              </a:rPr>
-              <a:t> </a:t>
-            </a:r>
-            <a:r>
-              <a:rPr lang="pt-BR" sz="2000" dirty="0" err="1">
-                <a:solidFill>
-                  <a:schemeClr val="tx1"/>
-                </a:solidFill>
-                <a:latin typeface="Times New Roman" panose="02020603050405020304" pitchFamily="18" charset="0"/>
-                <a:cs typeface="Times New Roman" panose="02020603050405020304" pitchFamily="18" charset="0"/>
-              </a:rPr>
-              <a:t>ajax</a:t>
-            </a:r>
-            <a:r>
-              <a:rPr lang="pt-BR" sz="2000" dirty="0">
-                <a:solidFill>
-                  <a:schemeClr val="tx1"/>
-                </a:solidFill>
-                <a:latin typeface="Times New Roman" panose="02020603050405020304" pitchFamily="18" charset="0"/>
-                <a:cs typeface="Times New Roman" panose="02020603050405020304" pitchFamily="18" charset="0"/>
-              </a:rPr>
-              <a:t> = </a:t>
-            </a:r>
-            <a:r>
-              <a:rPr lang="pt-BR" sz="2000" b="1" dirty="0">
-                <a:solidFill>
-                  <a:schemeClr val="tx1"/>
-                </a:solidFill>
-                <a:latin typeface="Times New Roman" panose="02020603050405020304" pitchFamily="18" charset="0"/>
-                <a:cs typeface="Times New Roman" panose="02020603050405020304" pitchFamily="18" charset="0"/>
-              </a:rPr>
-              <a:t>new</a:t>
-            </a:r>
-            <a:r>
-              <a:rPr lang="pt-BR" sz="2000" dirty="0">
-                <a:solidFill>
-                  <a:schemeClr val="tx1"/>
-                </a:solidFill>
-                <a:latin typeface="Times New Roman" panose="02020603050405020304" pitchFamily="18" charset="0"/>
-                <a:cs typeface="Times New Roman" panose="02020603050405020304" pitchFamily="18" charset="0"/>
-              </a:rPr>
-              <a:t> </a:t>
-            </a:r>
-            <a:r>
-              <a:rPr lang="pt-BR" sz="2000" b="1" dirty="0" err="1">
-                <a:solidFill>
-                  <a:srgbClr val="FF0000"/>
-                </a:solidFill>
-                <a:latin typeface="Times New Roman" panose="02020603050405020304" pitchFamily="18" charset="0"/>
-                <a:cs typeface="Times New Roman" panose="02020603050405020304" pitchFamily="18" charset="0"/>
-              </a:rPr>
-              <a:t>XMLHttpRequest</a:t>
-            </a:r>
-            <a:r>
-              <a:rPr lang="pt-BR" sz="2000" dirty="0">
-                <a:solidFill>
-                  <a:schemeClr val="tx1"/>
-                </a:solidFill>
-                <a:latin typeface="Times New Roman" panose="02020603050405020304" pitchFamily="18" charset="0"/>
-                <a:cs typeface="Times New Roman" panose="02020603050405020304" pitchFamily="18" charset="0"/>
-              </a:rPr>
-              <a:t>();</a:t>
-            </a:r>
-          </a:p>
-          <a:p>
-            <a:pPr marL="447675" lvl="1" indent="0" algn="just">
-              <a:buNone/>
-            </a:pPr>
-            <a:r>
-              <a:rPr lang="pt-BR" sz="2000" dirty="0" err="1">
-                <a:solidFill>
-                  <a:schemeClr val="tx1"/>
-                </a:solidFill>
-                <a:latin typeface="Times New Roman" panose="02020603050405020304" pitchFamily="18" charset="0"/>
-                <a:cs typeface="Times New Roman" panose="02020603050405020304" pitchFamily="18" charset="0"/>
-              </a:rPr>
-              <a:t>ajax.</a:t>
-            </a:r>
-            <a:r>
-              <a:rPr lang="pt-BR" sz="2000" b="1" dirty="0" err="1">
-                <a:solidFill>
-                  <a:srgbClr val="FF0000"/>
-                </a:solidFill>
-                <a:latin typeface="Times New Roman" panose="02020603050405020304" pitchFamily="18" charset="0"/>
-                <a:cs typeface="Times New Roman" panose="02020603050405020304" pitchFamily="18" charset="0"/>
-              </a:rPr>
-              <a:t>open</a:t>
-            </a:r>
-            <a:r>
-              <a:rPr lang="pt-BR" sz="2000" dirty="0">
-                <a:solidFill>
-                  <a:schemeClr val="tx1"/>
-                </a:solidFill>
-                <a:latin typeface="Times New Roman" panose="02020603050405020304" pitchFamily="18" charset="0"/>
-                <a:cs typeface="Times New Roman" panose="02020603050405020304" pitchFamily="18" charset="0"/>
-              </a:rPr>
-              <a:t>(‘GET’, ‘</a:t>
-            </a:r>
-            <a:r>
-              <a:rPr lang="pt-BR" sz="2000" b="1" dirty="0">
-                <a:solidFill>
-                  <a:schemeClr val="tx1"/>
-                </a:solidFill>
-                <a:latin typeface="Times New Roman" panose="02020603050405020304" pitchFamily="18" charset="0"/>
-                <a:cs typeface="Times New Roman" panose="02020603050405020304" pitchFamily="18" charset="0"/>
-              </a:rPr>
-              <a:t>https://viacep.com.br/ws/’ + </a:t>
-            </a:r>
-            <a:r>
-              <a:rPr lang="pt-BR" sz="2000" b="1" dirty="0" err="1">
-                <a:solidFill>
-                  <a:schemeClr val="tx1"/>
-                </a:solidFill>
-                <a:latin typeface="Times New Roman" panose="02020603050405020304" pitchFamily="18" charset="0"/>
-                <a:cs typeface="Times New Roman" panose="02020603050405020304" pitchFamily="18" charset="0"/>
-              </a:rPr>
-              <a:t>inputCEP</a:t>
-            </a:r>
-            <a:r>
-              <a:rPr lang="pt-BR" sz="2000" b="1" dirty="0">
-                <a:solidFill>
-                  <a:schemeClr val="tx1"/>
-                </a:solidFill>
-                <a:latin typeface="Times New Roman" panose="02020603050405020304" pitchFamily="18" charset="0"/>
-                <a:cs typeface="Times New Roman" panose="02020603050405020304" pitchFamily="18" charset="0"/>
-              </a:rPr>
-              <a:t> + ‘/</a:t>
-            </a:r>
-            <a:r>
-              <a:rPr lang="pt-BR" sz="2000" b="1" dirty="0" err="1">
-                <a:solidFill>
-                  <a:schemeClr val="tx1"/>
-                </a:solidFill>
-                <a:latin typeface="Times New Roman" panose="02020603050405020304" pitchFamily="18" charset="0"/>
-                <a:cs typeface="Times New Roman" panose="02020603050405020304" pitchFamily="18" charset="0"/>
-              </a:rPr>
-              <a:t>json</a:t>
-            </a:r>
-            <a:r>
-              <a:rPr lang="pt-BR" sz="2000" b="1" dirty="0">
-                <a:solidFill>
-                  <a:schemeClr val="tx1"/>
-                </a:solidFill>
-                <a:latin typeface="Times New Roman" panose="02020603050405020304" pitchFamily="18" charset="0"/>
-                <a:cs typeface="Times New Roman" panose="02020603050405020304" pitchFamily="18" charset="0"/>
-              </a:rPr>
-              <a:t>/’</a:t>
-            </a:r>
-            <a:r>
-              <a:rPr lang="pt-BR" sz="2000" dirty="0">
-                <a:solidFill>
-                  <a:schemeClr val="tx1"/>
-                </a:solidFill>
-                <a:latin typeface="Times New Roman" panose="02020603050405020304" pitchFamily="18" charset="0"/>
-                <a:cs typeface="Times New Roman" panose="02020603050405020304" pitchFamily="18" charset="0"/>
-              </a:rPr>
-              <a:t>);</a:t>
-            </a:r>
-          </a:p>
-          <a:p>
-            <a:pPr marL="447675" lvl="1" indent="0" algn="just">
-              <a:buNone/>
-            </a:pPr>
-            <a:r>
-              <a:rPr lang="pt-BR" sz="2000" dirty="0" err="1">
-                <a:solidFill>
-                  <a:schemeClr val="tx1"/>
-                </a:solidFill>
-                <a:latin typeface="Times New Roman" panose="02020603050405020304" pitchFamily="18" charset="0"/>
-                <a:cs typeface="Times New Roman" panose="02020603050405020304" pitchFamily="18" charset="0"/>
-              </a:rPr>
-              <a:t>ajax.</a:t>
-            </a:r>
-            <a:r>
-              <a:rPr lang="pt-BR" sz="2000" b="1" dirty="0" err="1">
-                <a:solidFill>
-                  <a:srgbClr val="FF0000"/>
-                </a:solidFill>
-                <a:latin typeface="Times New Roman" panose="02020603050405020304" pitchFamily="18" charset="0"/>
-                <a:cs typeface="Times New Roman" panose="02020603050405020304" pitchFamily="18" charset="0"/>
-              </a:rPr>
-              <a:t>send</a:t>
-            </a:r>
-            <a:r>
-              <a:rPr lang="pt-BR" sz="2000" dirty="0">
-                <a:solidFill>
-                  <a:schemeClr val="tx1"/>
-                </a:solidFill>
-                <a:latin typeface="Times New Roman" panose="02020603050405020304" pitchFamily="18" charset="0"/>
-                <a:cs typeface="Times New Roman" panose="02020603050405020304" pitchFamily="18" charset="0"/>
-              </a:rPr>
-              <a:t>(); </a:t>
-            </a:r>
-          </a:p>
-          <a:p>
-            <a:pPr marL="447675" lvl="1" indent="0" algn="just">
-              <a:buNone/>
-            </a:pPr>
-            <a:r>
-              <a:rPr lang="pt-BR" sz="2000" dirty="0" err="1">
-                <a:solidFill>
-                  <a:schemeClr val="tx1"/>
-                </a:solidFill>
-                <a:latin typeface="Times New Roman" panose="02020603050405020304" pitchFamily="18" charset="0"/>
-                <a:cs typeface="Times New Roman" panose="02020603050405020304" pitchFamily="18" charset="0"/>
-              </a:rPr>
-              <a:t>ajax.</a:t>
-            </a:r>
-            <a:r>
-              <a:rPr lang="pt-BR" sz="2000" b="1" dirty="0" err="1">
-                <a:solidFill>
-                  <a:srgbClr val="FF0000"/>
-                </a:solidFill>
-                <a:latin typeface="Times New Roman" panose="02020603050405020304" pitchFamily="18" charset="0"/>
-                <a:cs typeface="Times New Roman" panose="02020603050405020304" pitchFamily="18" charset="0"/>
-              </a:rPr>
-              <a:t>onload</a:t>
-            </a:r>
-            <a:r>
-              <a:rPr lang="pt-BR" sz="2000" dirty="0">
-                <a:solidFill>
-                  <a:schemeClr val="tx1"/>
-                </a:solidFill>
-                <a:latin typeface="Times New Roman" panose="02020603050405020304" pitchFamily="18" charset="0"/>
-                <a:cs typeface="Times New Roman" panose="02020603050405020304" pitchFamily="18" charset="0"/>
-              </a:rPr>
-              <a:t> = </a:t>
-            </a:r>
-            <a:r>
-              <a:rPr lang="pt-BR" sz="2000" b="1" dirty="0" err="1">
-                <a:solidFill>
-                  <a:schemeClr val="tx1"/>
-                </a:solidFill>
-                <a:latin typeface="Times New Roman" panose="02020603050405020304" pitchFamily="18" charset="0"/>
-                <a:cs typeface="Times New Roman" panose="02020603050405020304" pitchFamily="18" charset="0"/>
-              </a:rPr>
-              <a:t>function</a:t>
-            </a:r>
-            <a:r>
-              <a:rPr lang="pt-BR" sz="2000" dirty="0">
-                <a:solidFill>
-                  <a:schemeClr val="tx1"/>
-                </a:solidFill>
-                <a:latin typeface="Times New Roman" panose="02020603050405020304" pitchFamily="18" charset="0"/>
-                <a:cs typeface="Times New Roman" panose="02020603050405020304" pitchFamily="18" charset="0"/>
-              </a:rPr>
-              <a:t>(){  </a:t>
-            </a:r>
-          </a:p>
-          <a:p>
-            <a:pPr marL="447675" lvl="1" indent="0" algn="just">
-              <a:buNone/>
-            </a:pPr>
-            <a:r>
-              <a:rPr lang="pt-BR" sz="2000" b="1" dirty="0">
-                <a:solidFill>
-                  <a:schemeClr val="tx1"/>
-                </a:solidFill>
-                <a:latin typeface="Times New Roman" panose="02020603050405020304" pitchFamily="18" charset="0"/>
-                <a:cs typeface="Times New Roman" panose="02020603050405020304" pitchFamily="18" charset="0"/>
-              </a:rPr>
-              <a:t>	    </a:t>
-            </a:r>
-            <a:r>
-              <a:rPr lang="pt-BR" sz="2000" b="1" dirty="0" err="1">
-                <a:solidFill>
-                  <a:schemeClr val="tx1"/>
-                </a:solidFill>
-                <a:latin typeface="Times New Roman" panose="02020603050405020304" pitchFamily="18" charset="0"/>
-                <a:cs typeface="Times New Roman" panose="02020603050405020304" pitchFamily="18" charset="0"/>
-              </a:rPr>
-              <a:t>let</a:t>
-            </a:r>
-            <a:r>
-              <a:rPr lang="pt-BR" sz="2000" dirty="0">
-                <a:solidFill>
-                  <a:schemeClr val="tx1"/>
-                </a:solidFill>
-                <a:latin typeface="Times New Roman" panose="02020603050405020304" pitchFamily="18" charset="0"/>
-                <a:cs typeface="Times New Roman" panose="02020603050405020304" pitchFamily="18" charset="0"/>
-              </a:rPr>
-              <a:t> </a:t>
-            </a:r>
-            <a:r>
-              <a:rPr lang="pt-BR" sz="2000" b="1" dirty="0" err="1">
-                <a:solidFill>
-                  <a:srgbClr val="FF0000"/>
-                </a:solidFill>
-                <a:latin typeface="Times New Roman" panose="02020603050405020304" pitchFamily="18" charset="0"/>
-                <a:cs typeface="Times New Roman" panose="02020603050405020304" pitchFamily="18" charset="0"/>
-              </a:rPr>
-              <a:t>objCEP</a:t>
-            </a:r>
-            <a:r>
-              <a:rPr lang="pt-BR" sz="2000" dirty="0">
-                <a:solidFill>
-                  <a:schemeClr val="tx1"/>
-                </a:solidFill>
-                <a:latin typeface="Times New Roman" panose="02020603050405020304" pitchFamily="18" charset="0"/>
-                <a:cs typeface="Times New Roman" panose="02020603050405020304" pitchFamily="18" charset="0"/>
-              </a:rPr>
-              <a:t> = </a:t>
-            </a:r>
-            <a:r>
-              <a:rPr lang="pt-BR" sz="2000" b="1" dirty="0" err="1">
-                <a:solidFill>
-                  <a:schemeClr val="tx1"/>
-                </a:solidFill>
-                <a:latin typeface="Times New Roman" panose="02020603050405020304" pitchFamily="18" charset="0"/>
-                <a:cs typeface="Times New Roman" panose="02020603050405020304" pitchFamily="18" charset="0"/>
-              </a:rPr>
-              <a:t>JSON</a:t>
-            </a:r>
-            <a:r>
-              <a:rPr lang="pt-BR" sz="2000" dirty="0" err="1">
-                <a:solidFill>
-                  <a:schemeClr val="tx1"/>
-                </a:solidFill>
-                <a:latin typeface="Times New Roman" panose="02020603050405020304" pitchFamily="18" charset="0"/>
-                <a:cs typeface="Times New Roman" panose="02020603050405020304" pitchFamily="18" charset="0"/>
-              </a:rPr>
-              <a:t>.parse</a:t>
-            </a:r>
-            <a:r>
-              <a:rPr lang="pt-BR" sz="2000" dirty="0">
-                <a:solidFill>
-                  <a:schemeClr val="tx1"/>
-                </a:solidFill>
-                <a:latin typeface="Times New Roman" panose="02020603050405020304" pitchFamily="18" charset="0"/>
-                <a:cs typeface="Times New Roman" panose="02020603050405020304" pitchFamily="18" charset="0"/>
-              </a:rPr>
-              <a:t>(</a:t>
-            </a:r>
-            <a:r>
-              <a:rPr lang="pt-BR" sz="2000" b="1" dirty="0" err="1">
-                <a:solidFill>
-                  <a:schemeClr val="tx1"/>
-                </a:solidFill>
-                <a:latin typeface="Times New Roman" panose="02020603050405020304" pitchFamily="18" charset="0"/>
-                <a:cs typeface="Times New Roman" panose="02020603050405020304" pitchFamily="18" charset="0"/>
-              </a:rPr>
-              <a:t>this</a:t>
-            </a:r>
-            <a:r>
-              <a:rPr lang="pt-BR" sz="2000" dirty="0" err="1">
-                <a:solidFill>
-                  <a:schemeClr val="tx1"/>
-                </a:solidFill>
-                <a:latin typeface="Times New Roman" panose="02020603050405020304" pitchFamily="18" charset="0"/>
-                <a:cs typeface="Times New Roman" panose="02020603050405020304" pitchFamily="18" charset="0"/>
-              </a:rPr>
-              <a:t>.responseText</a:t>
-            </a:r>
-            <a:r>
-              <a:rPr lang="pt-BR" sz="2000" dirty="0">
-                <a:solidFill>
-                  <a:schemeClr val="tx1"/>
-                </a:solidFill>
-                <a:latin typeface="Times New Roman" panose="02020603050405020304" pitchFamily="18" charset="0"/>
-                <a:cs typeface="Times New Roman" panose="02020603050405020304" pitchFamily="18" charset="0"/>
-              </a:rPr>
-              <a:t>);</a:t>
-            </a:r>
-          </a:p>
-          <a:p>
-            <a:pPr marL="447675" lvl="1" indent="0" algn="just">
-              <a:buNone/>
-            </a:pPr>
-            <a:r>
-              <a:rPr lang="pt-BR" sz="2000" dirty="0">
-                <a:solidFill>
-                  <a:schemeClr val="tx1"/>
-                </a:solidFill>
-                <a:latin typeface="Times New Roman" panose="02020603050405020304" pitchFamily="18" charset="0"/>
-                <a:cs typeface="Times New Roman" panose="02020603050405020304" pitchFamily="18" charset="0"/>
-              </a:rPr>
-              <a:t>	    </a:t>
-            </a:r>
-            <a:r>
-              <a:rPr lang="pt-BR" sz="2000" b="1" dirty="0" err="1">
-                <a:solidFill>
-                  <a:schemeClr val="tx1"/>
-                </a:solidFill>
-                <a:latin typeface="Times New Roman" panose="02020603050405020304" pitchFamily="18" charset="0"/>
-                <a:cs typeface="Times New Roman" panose="02020603050405020304" pitchFamily="18" charset="0"/>
-              </a:rPr>
-              <a:t>let</a:t>
-            </a:r>
-            <a:r>
-              <a:rPr lang="pt-BR" sz="2000" dirty="0">
-                <a:solidFill>
-                  <a:schemeClr val="tx1"/>
-                </a:solidFill>
-                <a:latin typeface="Times New Roman" panose="02020603050405020304" pitchFamily="18" charset="0"/>
-                <a:cs typeface="Times New Roman" panose="02020603050405020304" pitchFamily="18" charset="0"/>
-              </a:rPr>
-              <a:t> </a:t>
-            </a:r>
-            <a:r>
-              <a:rPr lang="pt-BR" sz="2000" dirty="0" err="1">
-                <a:solidFill>
-                  <a:schemeClr val="tx1"/>
-                </a:solidFill>
-                <a:latin typeface="Times New Roman" panose="02020603050405020304" pitchFamily="18" charset="0"/>
-                <a:cs typeface="Times New Roman" panose="02020603050405020304" pitchFamily="18" charset="0"/>
-              </a:rPr>
-              <a:t>lograd</a:t>
-            </a:r>
-            <a:r>
-              <a:rPr lang="pt-BR" sz="2000" dirty="0">
-                <a:solidFill>
-                  <a:schemeClr val="tx1"/>
-                </a:solidFill>
-                <a:latin typeface="Times New Roman" panose="02020603050405020304" pitchFamily="18" charset="0"/>
-                <a:cs typeface="Times New Roman" panose="02020603050405020304" pitchFamily="18" charset="0"/>
-              </a:rPr>
-              <a:t> = </a:t>
-            </a:r>
-            <a:r>
-              <a:rPr lang="pt-BR" sz="2000" dirty="0" err="1">
-                <a:solidFill>
-                  <a:schemeClr val="tx1"/>
-                </a:solidFill>
-                <a:latin typeface="Times New Roman" panose="02020603050405020304" pitchFamily="18" charset="0"/>
-                <a:cs typeface="Times New Roman" panose="02020603050405020304" pitchFamily="18" charset="0"/>
-              </a:rPr>
-              <a:t>objCEP.logradouro</a:t>
-            </a:r>
-            <a:r>
-              <a:rPr lang="pt-BR" sz="2000" dirty="0">
-                <a:solidFill>
-                  <a:schemeClr val="tx1"/>
-                </a:solidFill>
-                <a:latin typeface="Times New Roman" panose="02020603050405020304" pitchFamily="18" charset="0"/>
-                <a:cs typeface="Times New Roman" panose="02020603050405020304" pitchFamily="18" charset="0"/>
-              </a:rPr>
-              <a:t>; </a:t>
-            </a:r>
-            <a:r>
-              <a:rPr lang="pt-BR" sz="2000" b="1" dirty="0" err="1">
-                <a:solidFill>
-                  <a:schemeClr val="tx1"/>
-                </a:solidFill>
-                <a:latin typeface="Times New Roman" panose="02020603050405020304" pitchFamily="18" charset="0"/>
-                <a:cs typeface="Times New Roman" panose="02020603050405020304" pitchFamily="18" charset="0"/>
-              </a:rPr>
-              <a:t>let</a:t>
-            </a:r>
-            <a:r>
-              <a:rPr lang="pt-BR" sz="2000" dirty="0">
-                <a:solidFill>
-                  <a:schemeClr val="tx1"/>
-                </a:solidFill>
-                <a:latin typeface="Times New Roman" panose="02020603050405020304" pitchFamily="18" charset="0"/>
-                <a:cs typeface="Times New Roman" panose="02020603050405020304" pitchFamily="18" charset="0"/>
-              </a:rPr>
-              <a:t> cidade = </a:t>
-            </a:r>
-            <a:r>
-              <a:rPr lang="pt-BR" sz="2000" dirty="0" err="1">
-                <a:solidFill>
-                  <a:schemeClr val="tx1"/>
-                </a:solidFill>
-                <a:latin typeface="Times New Roman" panose="02020603050405020304" pitchFamily="18" charset="0"/>
-                <a:cs typeface="Times New Roman" panose="02020603050405020304" pitchFamily="18" charset="0"/>
-              </a:rPr>
-              <a:t>objCEP.bairro</a:t>
-            </a:r>
-            <a:r>
-              <a:rPr lang="pt-BR" sz="2000" dirty="0">
-                <a:solidFill>
-                  <a:schemeClr val="tx1"/>
-                </a:solidFill>
-                <a:latin typeface="Times New Roman" panose="02020603050405020304" pitchFamily="18" charset="0"/>
-                <a:cs typeface="Times New Roman" panose="02020603050405020304" pitchFamily="18" charset="0"/>
-              </a:rPr>
-              <a:t>; </a:t>
-            </a:r>
-          </a:p>
-          <a:p>
-            <a:pPr marL="447675" lvl="1" indent="0" algn="just">
-              <a:buNone/>
-            </a:pPr>
-            <a:r>
-              <a:rPr lang="pt-BR" sz="2000" dirty="0">
-                <a:solidFill>
-                  <a:schemeClr val="tx1"/>
-                </a:solidFill>
-                <a:latin typeface="Times New Roman" panose="02020603050405020304" pitchFamily="18" charset="0"/>
-                <a:cs typeface="Times New Roman" panose="02020603050405020304" pitchFamily="18" charset="0"/>
-              </a:rPr>
-              <a:t>	    </a:t>
-            </a:r>
-            <a:r>
-              <a:rPr lang="pt-BR" sz="2000" b="1" dirty="0" err="1">
-                <a:solidFill>
-                  <a:schemeClr val="tx1"/>
-                </a:solidFill>
-                <a:latin typeface="Times New Roman" panose="02020603050405020304" pitchFamily="18" charset="0"/>
-                <a:cs typeface="Times New Roman" panose="02020603050405020304" pitchFamily="18" charset="0"/>
-              </a:rPr>
-              <a:t>let</a:t>
-            </a:r>
-            <a:r>
-              <a:rPr lang="pt-BR" sz="2000" dirty="0">
-                <a:solidFill>
-                  <a:schemeClr val="tx1"/>
-                </a:solidFill>
-                <a:latin typeface="Times New Roman" panose="02020603050405020304" pitchFamily="18" charset="0"/>
-                <a:cs typeface="Times New Roman" panose="02020603050405020304" pitchFamily="18" charset="0"/>
-              </a:rPr>
-              <a:t> uf = </a:t>
-            </a:r>
-            <a:r>
-              <a:rPr lang="pt-BR" sz="2000" dirty="0" err="1">
-                <a:solidFill>
-                  <a:schemeClr val="tx1"/>
-                </a:solidFill>
-                <a:latin typeface="Times New Roman" panose="02020603050405020304" pitchFamily="18" charset="0"/>
-                <a:cs typeface="Times New Roman" panose="02020603050405020304" pitchFamily="18" charset="0"/>
-              </a:rPr>
-              <a:t>objCEP.uf</a:t>
-            </a:r>
-            <a:r>
-              <a:rPr lang="pt-BR" sz="2000" dirty="0">
-                <a:solidFill>
-                  <a:schemeClr val="tx1"/>
-                </a:solidFill>
-                <a:latin typeface="Times New Roman" panose="02020603050405020304" pitchFamily="18" charset="0"/>
-                <a:cs typeface="Times New Roman" panose="02020603050405020304" pitchFamily="18" charset="0"/>
-              </a:rPr>
-              <a:t>;</a:t>
-            </a:r>
-          </a:p>
-          <a:p>
-            <a:pPr marL="447675" lvl="1" indent="0" algn="just">
-              <a:buNone/>
-            </a:pPr>
-            <a:r>
-              <a:rPr lang="pt-BR" sz="2000" dirty="0">
-                <a:solidFill>
-                  <a:schemeClr val="tx1"/>
-                </a:solidFill>
-                <a:latin typeface="Times New Roman" panose="02020603050405020304" pitchFamily="18" charset="0"/>
-                <a:cs typeface="Times New Roman" panose="02020603050405020304" pitchFamily="18" charset="0"/>
-              </a:rPr>
-              <a:t>	    </a:t>
-            </a:r>
-            <a:r>
-              <a:rPr lang="pt-BR" sz="2000" b="1" dirty="0" err="1">
-                <a:solidFill>
-                  <a:schemeClr val="tx1"/>
-                </a:solidFill>
-                <a:latin typeface="Times New Roman" panose="02020603050405020304" pitchFamily="18" charset="0"/>
-                <a:cs typeface="Times New Roman" panose="02020603050405020304" pitchFamily="18" charset="0"/>
-              </a:rPr>
-              <a:t>document</a:t>
-            </a:r>
-            <a:r>
-              <a:rPr lang="pt-BR" sz="2000" dirty="0" err="1">
-                <a:solidFill>
-                  <a:schemeClr val="tx1"/>
-                </a:solidFill>
-                <a:latin typeface="Times New Roman" panose="02020603050405020304" pitchFamily="18" charset="0"/>
-                <a:cs typeface="Times New Roman" panose="02020603050405020304" pitchFamily="18" charset="0"/>
-              </a:rPr>
-              <a:t>.</a:t>
-            </a:r>
-            <a:r>
-              <a:rPr lang="pt-BR" sz="2000" b="1" dirty="0" err="1">
-                <a:solidFill>
-                  <a:srgbClr val="FF0000"/>
-                </a:solidFill>
-                <a:latin typeface="Times New Roman" panose="02020603050405020304" pitchFamily="18" charset="0"/>
-                <a:cs typeface="Times New Roman" panose="02020603050405020304" pitchFamily="18" charset="0"/>
-              </a:rPr>
-              <a:t>getElementById</a:t>
-            </a:r>
-            <a:r>
-              <a:rPr lang="pt-BR" sz="2000" dirty="0">
-                <a:solidFill>
-                  <a:schemeClr val="tx1"/>
-                </a:solidFill>
-                <a:latin typeface="Times New Roman" panose="02020603050405020304" pitchFamily="18" charset="0"/>
-                <a:cs typeface="Times New Roman" panose="02020603050405020304" pitchFamily="18" charset="0"/>
-              </a:rPr>
-              <a:t>(“</a:t>
-            </a:r>
-            <a:r>
-              <a:rPr lang="pt-BR" sz="2000" b="1" dirty="0" err="1">
-                <a:solidFill>
-                  <a:schemeClr val="tx1"/>
-                </a:solidFill>
-                <a:latin typeface="Times New Roman" panose="02020603050405020304" pitchFamily="18" charset="0"/>
-                <a:cs typeface="Times New Roman" panose="02020603050405020304" pitchFamily="18" charset="0"/>
-              </a:rPr>
-              <a:t>Idparag</a:t>
-            </a:r>
-            <a:r>
-              <a:rPr lang="pt-BR" sz="2000" dirty="0">
-                <a:solidFill>
-                  <a:schemeClr val="tx1"/>
-                </a:solidFill>
-                <a:latin typeface="Times New Roman" panose="02020603050405020304" pitchFamily="18" charset="0"/>
-                <a:cs typeface="Times New Roman" panose="02020603050405020304" pitchFamily="18" charset="0"/>
-              </a:rPr>
-              <a:t>”).</a:t>
-            </a:r>
-            <a:r>
-              <a:rPr lang="pt-BR" sz="2000" dirty="0" err="1">
-                <a:solidFill>
-                  <a:schemeClr val="tx1"/>
-                </a:solidFill>
-                <a:latin typeface="Times New Roman" panose="02020603050405020304" pitchFamily="18" charset="0"/>
-                <a:cs typeface="Times New Roman" panose="02020603050405020304" pitchFamily="18" charset="0"/>
-              </a:rPr>
-              <a:t>innerHTML</a:t>
-            </a:r>
-            <a:r>
-              <a:rPr lang="pt-BR" sz="2000" dirty="0">
-                <a:solidFill>
-                  <a:schemeClr val="tx1"/>
-                </a:solidFill>
-                <a:latin typeface="Times New Roman" panose="02020603050405020304" pitchFamily="18" charset="0"/>
-                <a:cs typeface="Times New Roman" panose="02020603050405020304" pitchFamily="18" charset="0"/>
-              </a:rPr>
-              <a:t> = </a:t>
-            </a:r>
-            <a:r>
-              <a:rPr lang="pt-BR" sz="2000" dirty="0" err="1">
-                <a:solidFill>
-                  <a:schemeClr val="tx1"/>
-                </a:solidFill>
-                <a:latin typeface="Times New Roman" panose="02020603050405020304" pitchFamily="18" charset="0"/>
-                <a:cs typeface="Times New Roman" panose="02020603050405020304" pitchFamily="18" charset="0"/>
-              </a:rPr>
-              <a:t>lograd</a:t>
-            </a:r>
-            <a:r>
-              <a:rPr lang="pt-BR" sz="2000" dirty="0">
-                <a:solidFill>
-                  <a:schemeClr val="tx1"/>
-                </a:solidFill>
-                <a:latin typeface="Times New Roman" panose="02020603050405020304" pitchFamily="18" charset="0"/>
-                <a:cs typeface="Times New Roman" panose="02020603050405020304" pitchFamily="18" charset="0"/>
-              </a:rPr>
-              <a:t> + bairro + uf;}</a:t>
+              <a:t> + bairro + uf;}}</a:t>
             </a:r>
           </a:p>
         </p:txBody>
@@ -21310,6 +21255,16 @@
               <a:t>createElement</a:t>
             </a:r>
             <a:r>
+              <a:rPr lang="pt-BR" sz="2000">
+                <a:solidFill>
+                  <a:schemeClr val="tx1"/>
+                </a:solidFill>
+                <a:latin typeface="Times New Roman" panose="02020603050405020304" pitchFamily="18" charset="0"/>
+                <a:cs typeface="Times New Roman" panose="02020603050405020304" pitchFamily="18" charset="0"/>
+              </a:rPr>
+              <a:t>('h1</a:t>
+            </a:r>
+            <a:r>
               <a:rPr lang="pt-BR" sz="2000" dirty="0">
                 <a:solidFill>
                   <a:schemeClr val="tx1"/>
@@ -21317,7 +21272,7 @@
                 <a:latin typeface="Times New Roman" panose="02020603050405020304" pitchFamily="18" charset="0"/>
                 <a:cs typeface="Times New Roman" panose="02020603050405020304" pitchFamily="18" charset="0"/>
               </a:rPr>
-              <a:t>(‘h1');</a:t>
+              <a:t>');</a:t>
             </a:r>
           </a:p>
           <a:p>
@@ -21342,7 +21297,7 @@
                 <a:latin typeface="Times New Roman" panose="02020603050405020304" pitchFamily="18" charset="0"/>
                 <a:cs typeface="Times New Roman" panose="02020603050405020304" pitchFamily="18" charset="0"/>
               </a:rPr>
-              <a:t>.innerHTML = ‘Texto’;</a:t>
+              <a:t>.innerHTML = 'Texto';</a:t>
             </a:r>
           </a:p>
           <a:p>
@@ -21387,7 +21342,7 @@
                 <a:latin typeface="Times New Roman" panose="02020603050405020304" pitchFamily="18" charset="0"/>
                 <a:cs typeface="Times New Roman" panose="02020603050405020304" pitchFamily="18" charset="0"/>
               </a:rPr>
-              <a:t>('id', ‘idH1');</a:t>
+              <a:t>('id', 'idH1');</a:t>
             </a:r>
           </a:p>
           <a:p>

--- a/01 Classes/Aula 10 Desenvolvimento Web PHP - JS.pptx
+++ b/01 Classes/Aula 10 Desenvolvimento Web PHP - JS.pptx
@@ -22211,7 +22211,7 @@
                 <a:latin typeface="Times New Roman" panose="02020603050405020304" pitchFamily="18" charset="0"/>
                 <a:cs typeface="Times New Roman" panose="02020603050405020304" pitchFamily="18" charset="0"/>
               </a:rPr>
-              <a:t>(‘</a:t>
+              <a:t>('</a:t>
             </a:r>
             <a:r>
               <a:rPr lang="pt-BR" sz="2000" b="1" dirty="0" err="1">
@@ -22231,7 +22231,7 @@
                 <a:latin typeface="Times New Roman" panose="02020603050405020304" pitchFamily="18" charset="0"/>
                 <a:cs typeface="Times New Roman" panose="02020603050405020304" pitchFamily="18" charset="0"/>
               </a:rPr>
-              <a:t>’, ‘imagem.png’);</a:t>
+              <a:t>', 'imagem.png');</a:t>
             </a:r>
           </a:p>
           <a:p>

--- a/01 Classes/Aula 10 Desenvolvimento Web PHP - JS.pptx
+++ b/01 Classes/Aula 10 Desenvolvimento Web PHP - JS.pptx
@@ -19350,7 +19350,37 @@
                 <a:latin typeface="Times New Roman" panose="02020603050405020304" pitchFamily="18" charset="0"/>
                 <a:cs typeface="Times New Roman" panose="02020603050405020304" pitchFamily="18" charset="0"/>
               </a:rPr>
-              <a:t>// </a:t>
+              <a:t>//</a:t>
+            </a:r>
+            <a:r>
+              <a:rPr lang="pt-BR" sz="2400" b="1" dirty="0">
+                <a:solidFill>
+                  <a:srgbClr val="FF0000"/>
+                </a:solidFill>
+                <a:latin typeface="Times New Roman" panose="02020603050405020304" pitchFamily="18" charset="0"/>
+                <a:cs typeface="Times New Roman" panose="02020603050405020304" pitchFamily="18" charset="0"/>
+              </a:rPr>
+              <a:t>API </a:t>
+            </a:r>
+            <a:r>
+              <a:rPr lang="pt-BR" sz="2400" b="1" dirty="0" err="1">
+                <a:solidFill>
+                  <a:srgbClr val="FF0000"/>
+                </a:solidFill>
+                <a:latin typeface="Times New Roman" panose="02020603050405020304" pitchFamily="18" charset="0"/>
+                <a:cs typeface="Times New Roman" panose="02020603050405020304" pitchFamily="18" charset="0"/>
+              </a:rPr>
+              <a:t>viaCEP</a:t>
+            </a:r>
+            <a:r>
+              <a:rPr lang="pt-BR" sz="2400" b="1" dirty="0">
+                <a:solidFill>
+                  <a:schemeClr val="tx1"/>
+                </a:solidFill>
+                <a:latin typeface="Times New Roman" panose="02020603050405020304" pitchFamily="18" charset="0"/>
+                <a:cs typeface="Times New Roman" panose="02020603050405020304" pitchFamily="18" charset="0"/>
+              </a:rPr>
+              <a:t>  </a:t>
             </a:r>
             <a:r>
               <a:rPr lang="pt-BR" sz="2400" b="1" dirty="0">
@@ -19375,7 +19405,7 @@
             <a:pPr marL="0" indent="0" algn="just">
               <a:buNone/>
             </a:pPr>
-            <a:endParaRPr lang="pt-BR" sz="2400" b="1" dirty="0">
+            <a:endParaRPr lang="pt-BR" sz="2200" b="1" dirty="0">
               <a:solidFill>
                 <a:schemeClr val="tx1"/>
               </a:solidFill>
@@ -19388,7 +19418,7 @@
               <a:buNone/>
             </a:pPr>
             <a:r>
-              <a:rPr lang="pt-BR" sz="2400" b="1" dirty="0">
+              <a:rPr lang="pt-BR" sz="2200" b="1" dirty="0">
                 <a:solidFill>
                   <a:schemeClr val="tx1"/>
                 </a:solidFill>
@@ -19398,7 +19428,7 @@
               <a:t> </a:t>
             </a:r>
             <a:r>
-              <a:rPr lang="pt-BR" sz="2400" dirty="0">
+              <a:rPr lang="pt-BR" sz="2200" dirty="0">
                 <a:solidFill>
                   <a:schemeClr val="tx1"/>
                 </a:solidFill>
@@ -19408,7 +19438,7 @@
               <a:t>&lt;</a:t>
             </a:r>
             <a:r>
-              <a:rPr lang="pt-BR" sz="2400" b="1" dirty="0">
+              <a:rPr lang="pt-BR" sz="2200" b="1" dirty="0">
                 <a:solidFill>
                   <a:schemeClr val="tx1"/>
                 </a:solidFill>
@@ -19418,7 +19448,7 @@
               <a:t>body</a:t>
             </a:r>
             <a:r>
-              <a:rPr lang="pt-BR" sz="2400" dirty="0">
+              <a:rPr lang="pt-BR" sz="2200" dirty="0">
                 <a:solidFill>
                   <a:schemeClr val="tx1"/>
                 </a:solidFill>
@@ -19433,7 +19463,7 @@
               <a:buNone/>
             </a:pPr>
             <a:r>
-              <a:rPr lang="pt-BR" sz="2400" dirty="0">
+              <a:rPr lang="pt-BR" sz="2200" dirty="0">
                 <a:solidFill>
                   <a:schemeClr val="tx1"/>
                 </a:solidFill>
@@ -19443,7 +19473,7 @@
               <a:t>    &lt;</a:t>
             </a:r>
             <a:r>
-              <a:rPr lang="pt-BR" sz="2400" b="1" dirty="0">
+              <a:rPr lang="pt-BR" sz="2200" b="1" dirty="0">
                 <a:solidFill>
                   <a:schemeClr val="tx1"/>
                 </a:solidFill>
@@ -19453,7 +19483,7 @@
               <a:t>input</a:t>
             </a:r>
             <a:r>
-              <a:rPr lang="pt-BR" sz="2400" dirty="0">
+              <a:rPr lang="pt-BR" sz="2200" dirty="0">
                 <a:solidFill>
                   <a:schemeClr val="tx1"/>
                 </a:solidFill>
@@ -19463,7 +19493,7 @@
               <a:t> </a:t>
             </a:r>
             <a:r>
-              <a:rPr lang="pt-BR" sz="2400" b="1" dirty="0" err="1">
+              <a:rPr lang="pt-BR" sz="2200" b="1" dirty="0" err="1">
                 <a:solidFill>
                   <a:srgbClr val="FF0000"/>
                 </a:solidFill>
@@ -19473,7 +19503,7 @@
               <a:t>type</a:t>
             </a:r>
             <a:r>
-              <a:rPr lang="pt-BR" sz="2400" dirty="0">
+              <a:rPr lang="pt-BR" sz="2200" dirty="0">
                 <a:solidFill>
                   <a:schemeClr val="tx1"/>
                 </a:solidFill>
@@ -19483,7 +19513,7 @@
               <a:t>="</a:t>
             </a:r>
             <a:r>
-              <a:rPr lang="pt-BR" sz="2400" b="1" dirty="0" err="1">
+              <a:rPr lang="pt-BR" sz="2200" b="1" dirty="0" err="1">
                 <a:solidFill>
                   <a:schemeClr val="tx1"/>
                 </a:solidFill>
@@ -19493,7 +19523,7 @@
               <a:t>text</a:t>
             </a:r>
             <a:r>
-              <a:rPr lang="pt-BR" sz="2400" dirty="0">
+              <a:rPr lang="pt-BR" sz="2200" dirty="0">
                 <a:solidFill>
                   <a:schemeClr val="tx1"/>
                 </a:solidFill>
@@ -19503,7 +19533,7 @@
               <a:t>" </a:t>
             </a:r>
             <a:r>
-              <a:rPr lang="pt-BR" sz="2400" b="1" dirty="0" err="1">
+              <a:rPr lang="pt-BR" sz="2200" b="1" dirty="0" err="1">
                 <a:solidFill>
                   <a:srgbClr val="FF0000"/>
                 </a:solidFill>
@@ -19513,7 +19543,7 @@
               <a:t>name</a:t>
             </a:r>
             <a:r>
-              <a:rPr lang="pt-BR" sz="2400" dirty="0">
+              <a:rPr lang="pt-BR" sz="2200" dirty="0">
                 <a:solidFill>
                   <a:schemeClr val="tx1"/>
                 </a:solidFill>
@@ -19523,7 +19553,7 @@
               <a:t>="</a:t>
             </a:r>
             <a:r>
-              <a:rPr lang="pt-BR" sz="2400" b="1" dirty="0" err="1">
+              <a:rPr lang="pt-BR" sz="2200" b="1" dirty="0" err="1">
                 <a:solidFill>
                   <a:schemeClr val="tx1"/>
                 </a:solidFill>
@@ -19533,7 +19563,7 @@
               <a:t>idCEP</a:t>
             </a:r>
             <a:r>
-              <a:rPr lang="pt-BR" sz="2400" dirty="0">
+              <a:rPr lang="pt-BR" sz="2200" dirty="0">
                 <a:solidFill>
                   <a:schemeClr val="tx1"/>
                 </a:solidFill>
@@ -19543,7 +19573,7 @@
               <a:t>" </a:t>
             </a:r>
             <a:r>
-              <a:rPr lang="pt-BR" sz="2400" b="1" dirty="0">
+              <a:rPr lang="pt-BR" sz="2200" b="1" dirty="0">
                 <a:solidFill>
                   <a:srgbClr val="FF0000"/>
                 </a:solidFill>
@@ -19553,7 +19583,7 @@
               <a:t>id</a:t>
             </a:r>
             <a:r>
-              <a:rPr lang="pt-BR" sz="2400" dirty="0">
+              <a:rPr lang="pt-BR" sz="2200" dirty="0">
                 <a:solidFill>
                   <a:schemeClr val="tx1"/>
                 </a:solidFill>
@@ -19563,7 +19593,7 @@
               <a:t>="</a:t>
             </a:r>
             <a:r>
-              <a:rPr lang="pt-BR" sz="2400" b="1" dirty="0" err="1">
+              <a:rPr lang="pt-BR" sz="2200" b="1" dirty="0" err="1">
                 <a:solidFill>
                   <a:schemeClr val="tx1"/>
                 </a:solidFill>
@@ -19573,7 +19603,172 @@
               <a:t>idCEP</a:t>
             </a:r>
             <a:r>
-              <a:rPr lang="pt-BR" sz="2400" dirty="0">
+              <a:rPr lang="pt-BR" sz="2200" dirty="0">
+                <a:solidFill>
+                  <a:schemeClr val="tx1"/>
+                </a:solidFill>
+                <a:latin typeface="Times New Roman" panose="02020603050405020304" pitchFamily="18" charset="0"/>
+                <a:cs typeface="Times New Roman" panose="02020603050405020304" pitchFamily="18" charset="0"/>
+              </a:rPr>
+              <a:t>" </a:t>
+            </a:r>
+            <a:r>
+              <a:rPr lang="pt-BR" sz="2200" b="1" dirty="0" err="1">
+                <a:solidFill>
+                  <a:srgbClr val="FF0000"/>
+                </a:solidFill>
+                <a:latin typeface="Times New Roman" panose="02020603050405020304" pitchFamily="18" charset="0"/>
+                <a:cs typeface="Times New Roman" panose="02020603050405020304" pitchFamily="18" charset="0"/>
+              </a:rPr>
+              <a:t>placeholder</a:t>
+            </a:r>
+            <a:r>
+              <a:rPr lang="pt-BR" sz="2200" dirty="0">
+                <a:solidFill>
+                  <a:schemeClr val="tx1"/>
+                </a:solidFill>
+                <a:latin typeface="Times New Roman" panose="02020603050405020304" pitchFamily="18" charset="0"/>
+                <a:cs typeface="Times New Roman" panose="02020603050405020304" pitchFamily="18" charset="0"/>
+              </a:rPr>
+              <a:t>= “CEP:" /&gt;</a:t>
+            </a:r>
+          </a:p>
+          <a:p>
+            <a:pPr marL="0" indent="0" algn="just">
+              <a:buNone/>
+            </a:pPr>
+            <a:r>
+              <a:rPr lang="pt-BR" sz="2200" dirty="0">
+                <a:solidFill>
+                  <a:schemeClr val="tx1"/>
+                </a:solidFill>
+                <a:latin typeface="Times New Roman" panose="02020603050405020304" pitchFamily="18" charset="0"/>
+                <a:cs typeface="Times New Roman" panose="02020603050405020304" pitchFamily="18" charset="0"/>
+              </a:rPr>
+              <a:t>    &lt;</a:t>
+            </a:r>
+            <a:r>
+              <a:rPr lang="pt-BR" sz="2200" b="1" dirty="0">
+                <a:solidFill>
+                  <a:schemeClr val="tx1"/>
+                </a:solidFill>
+                <a:latin typeface="Times New Roman" panose="02020603050405020304" pitchFamily="18" charset="0"/>
+                <a:cs typeface="Times New Roman" panose="02020603050405020304" pitchFamily="18" charset="0"/>
+              </a:rPr>
+              <a:t>input</a:t>
+            </a:r>
+            <a:r>
+              <a:rPr lang="pt-BR" sz="2200" dirty="0">
+                <a:solidFill>
+                  <a:schemeClr val="tx1"/>
+                </a:solidFill>
+                <a:latin typeface="Times New Roman" panose="02020603050405020304" pitchFamily="18" charset="0"/>
+                <a:cs typeface="Times New Roman" panose="02020603050405020304" pitchFamily="18" charset="0"/>
+              </a:rPr>
+              <a:t> </a:t>
+            </a:r>
+            <a:r>
+              <a:rPr lang="pt-BR" sz="2200" b="1" dirty="0" err="1">
+                <a:solidFill>
+                  <a:srgbClr val="FF0000"/>
+                </a:solidFill>
+                <a:latin typeface="Times New Roman" panose="02020603050405020304" pitchFamily="18" charset="0"/>
+                <a:cs typeface="Times New Roman" panose="02020603050405020304" pitchFamily="18" charset="0"/>
+              </a:rPr>
+              <a:t>type</a:t>
+            </a:r>
+            <a:r>
+              <a:rPr lang="pt-BR" sz="2200" dirty="0">
+                <a:solidFill>
+                  <a:schemeClr val="tx1"/>
+                </a:solidFill>
+                <a:latin typeface="Times New Roman" panose="02020603050405020304" pitchFamily="18" charset="0"/>
+                <a:cs typeface="Times New Roman" panose="02020603050405020304" pitchFamily="18" charset="0"/>
+              </a:rPr>
+              <a:t>="</a:t>
+            </a:r>
+            <a:r>
+              <a:rPr lang="pt-BR" sz="2200" b="1" dirty="0" err="1">
+                <a:solidFill>
+                  <a:schemeClr val="tx1"/>
+                </a:solidFill>
+                <a:latin typeface="Times New Roman" panose="02020603050405020304" pitchFamily="18" charset="0"/>
+                <a:cs typeface="Times New Roman" panose="02020603050405020304" pitchFamily="18" charset="0"/>
+              </a:rPr>
+              <a:t>button</a:t>
+            </a:r>
+            <a:r>
+              <a:rPr lang="pt-BR" sz="2200" dirty="0">
+                <a:solidFill>
+                  <a:schemeClr val="tx1"/>
+                </a:solidFill>
+                <a:latin typeface="Times New Roman" panose="02020603050405020304" pitchFamily="18" charset="0"/>
+                <a:cs typeface="Times New Roman" panose="02020603050405020304" pitchFamily="18" charset="0"/>
+              </a:rPr>
+              <a:t>" </a:t>
+            </a:r>
+            <a:r>
+              <a:rPr lang="pt-BR" sz="2200" b="1" dirty="0" err="1">
+                <a:solidFill>
+                  <a:srgbClr val="FF0000"/>
+                </a:solidFill>
+                <a:latin typeface="Times New Roman" panose="02020603050405020304" pitchFamily="18" charset="0"/>
+                <a:cs typeface="Times New Roman" panose="02020603050405020304" pitchFamily="18" charset="0"/>
+              </a:rPr>
+              <a:t>value</a:t>
+            </a:r>
+            <a:r>
+              <a:rPr lang="pt-BR" sz="2200" dirty="0">
+                <a:solidFill>
+                  <a:schemeClr val="tx1"/>
+                </a:solidFill>
+                <a:latin typeface="Times New Roman" panose="02020603050405020304" pitchFamily="18" charset="0"/>
+                <a:cs typeface="Times New Roman" panose="02020603050405020304" pitchFamily="18" charset="0"/>
+              </a:rPr>
+              <a:t>="Buscar" </a:t>
+            </a:r>
+            <a:r>
+              <a:rPr lang="pt-BR" sz="2200" b="1" dirty="0" err="1">
+                <a:solidFill>
+                  <a:srgbClr val="FF0000"/>
+                </a:solidFill>
+                <a:latin typeface="Times New Roman" panose="02020603050405020304" pitchFamily="18" charset="0"/>
+                <a:cs typeface="Times New Roman" panose="02020603050405020304" pitchFamily="18" charset="0"/>
+              </a:rPr>
+              <a:t>onclick</a:t>
+            </a:r>
+            <a:r>
+              <a:rPr lang="pt-BR" sz="2200" dirty="0">
+                <a:solidFill>
+                  <a:schemeClr val="tx1"/>
+                </a:solidFill>
+                <a:latin typeface="Times New Roman" panose="02020603050405020304" pitchFamily="18" charset="0"/>
+                <a:cs typeface="Times New Roman" panose="02020603050405020304" pitchFamily="18" charset="0"/>
+              </a:rPr>
+              <a:t>="</a:t>
+            </a:r>
+            <a:r>
+              <a:rPr lang="pt-BR" sz="2200" b="1" dirty="0" err="1">
+                <a:solidFill>
+                  <a:schemeClr val="tx1"/>
+                </a:solidFill>
+                <a:latin typeface="Times New Roman" panose="02020603050405020304" pitchFamily="18" charset="0"/>
+                <a:cs typeface="Times New Roman" panose="02020603050405020304" pitchFamily="18" charset="0"/>
+              </a:rPr>
+              <a:t>buscarCEP</a:t>
+            </a:r>
+            <a:r>
+              <a:rPr lang="pt-BR" sz="2200" b="1" dirty="0">
+                <a:solidFill>
+                  <a:schemeClr val="tx1"/>
+                </a:solidFill>
+                <a:latin typeface="Times New Roman" panose="02020603050405020304" pitchFamily="18" charset="0"/>
+                <a:cs typeface="Times New Roman" panose="02020603050405020304" pitchFamily="18" charset="0"/>
+              </a:rPr>
+              <a:t>( )</a:t>
+            </a:r>
+            <a:r>
+              <a:rPr lang="pt-BR" sz="2200" dirty="0">
                 <a:solidFill>
                   <a:schemeClr val="tx1"/>
                 </a:solidFill>
@@ -19588,7 +19783,7 @@
               <a:buNone/>
             </a:pPr>
             <a:r>
-              <a:rPr lang="pt-BR" sz="2400" dirty="0">
+              <a:rPr lang="pt-BR" sz="2200" dirty="0">
                 <a:solidFill>
                   <a:schemeClr val="tx1"/>
                 </a:solidFill>
@@ -19598,17 +19793,17 @@
               <a:t>    &lt;</a:t>
             </a:r>
             <a:r>
-              <a:rPr lang="pt-BR" sz="2400" b="1" dirty="0">
-                <a:solidFill>
-                  <a:schemeClr val="tx1"/>
-                </a:solidFill>
-                <a:latin typeface="Times New Roman" panose="02020603050405020304" pitchFamily="18" charset="0"/>
-                <a:cs typeface="Times New Roman" panose="02020603050405020304" pitchFamily="18" charset="0"/>
-              </a:rPr>
-              <a:t>input</a:t>
-            </a:r>
-            <a:r>
-              <a:rPr lang="pt-BR" sz="2400" dirty="0">
+              <a:rPr lang="pt-BR" sz="2200" b="1" dirty="0" err="1">
+                <a:solidFill>
+                  <a:schemeClr val="tx1"/>
+                </a:solidFill>
+                <a:latin typeface="Times New Roman" panose="02020603050405020304" pitchFamily="18" charset="0"/>
+                <a:cs typeface="Times New Roman" panose="02020603050405020304" pitchFamily="18" charset="0"/>
+              </a:rPr>
+              <a:t>pre</a:t>
+            </a:r>
+            <a:r>
+              <a:rPr lang="pt-BR" sz="2200" dirty="0">
                 <a:solidFill>
                   <a:schemeClr val="tx1"/>
                 </a:solidFill>
@@ -19618,272 +19813,149 @@
               <a:t> </a:t>
             </a:r>
             <a:r>
-              <a:rPr lang="pt-BR" sz="2400" b="1" dirty="0" err="1">
+              <a:rPr lang="pt-BR" sz="2200" b="1" dirty="0">
+                <a:solidFill>
+                  <a:schemeClr val="tx1"/>
+                </a:solidFill>
+                <a:latin typeface="Times New Roman" panose="02020603050405020304" pitchFamily="18" charset="0"/>
+                <a:cs typeface="Times New Roman" panose="02020603050405020304" pitchFamily="18" charset="0"/>
+              </a:rPr>
+              <a:t>id</a:t>
+            </a:r>
+            <a:r>
+              <a:rPr lang="pt-BR" sz="2200" dirty="0">
+                <a:solidFill>
+                  <a:schemeClr val="tx1"/>
+                </a:solidFill>
+                <a:latin typeface="Times New Roman" panose="02020603050405020304" pitchFamily="18" charset="0"/>
+                <a:cs typeface="Times New Roman" panose="02020603050405020304" pitchFamily="18" charset="0"/>
+              </a:rPr>
+              <a:t>="</a:t>
+            </a:r>
+            <a:r>
+              <a:rPr lang="pt-BR" sz="2200" b="1" dirty="0" err="1">
                 <a:solidFill>
                   <a:srgbClr val="FF0000"/>
                 </a:solidFill>
                 <a:latin typeface="Times New Roman" panose="02020603050405020304" pitchFamily="18" charset="0"/>
                 <a:cs typeface="Times New Roman" panose="02020603050405020304" pitchFamily="18" charset="0"/>
               </a:rPr>
-              <a:t>type</a:t>
-            </a:r>
-            <a:r>
-              <a:rPr lang="pt-BR" sz="2400" dirty="0">
-                <a:solidFill>
-                  <a:schemeClr val="tx1"/>
-                </a:solidFill>
-                <a:latin typeface="Times New Roman" panose="02020603050405020304" pitchFamily="18" charset="0"/>
-                <a:cs typeface="Times New Roman" panose="02020603050405020304" pitchFamily="18" charset="0"/>
-              </a:rPr>
-              <a:t>="</a:t>
-            </a:r>
-            <a:r>
-              <a:rPr lang="pt-BR" sz="2400" b="1" dirty="0" err="1">
-                <a:solidFill>
-                  <a:schemeClr val="tx1"/>
-                </a:solidFill>
-                <a:latin typeface="Times New Roman" panose="02020603050405020304" pitchFamily="18" charset="0"/>
-                <a:cs typeface="Times New Roman" panose="02020603050405020304" pitchFamily="18" charset="0"/>
-              </a:rPr>
-              <a:t>button</a:t>
-            </a:r>
-            <a:r>
-              <a:rPr lang="pt-BR" sz="2400" dirty="0">
-                <a:solidFill>
-                  <a:schemeClr val="tx1"/>
-                </a:solidFill>
-                <a:latin typeface="Times New Roman" panose="02020603050405020304" pitchFamily="18" charset="0"/>
-                <a:cs typeface="Times New Roman" panose="02020603050405020304" pitchFamily="18" charset="0"/>
-              </a:rPr>
-              <a:t>" </a:t>
-            </a:r>
-            <a:r>
-              <a:rPr lang="pt-BR" sz="2400" b="1" dirty="0" err="1">
+              <a:t>idArea</a:t>
+            </a:r>
+            <a:r>
+              <a:rPr lang="pt-BR" sz="2200" dirty="0">
+                <a:solidFill>
+                  <a:schemeClr val="tx1"/>
+                </a:solidFill>
+                <a:latin typeface="Times New Roman" panose="02020603050405020304" pitchFamily="18" charset="0"/>
+                <a:cs typeface="Times New Roman" panose="02020603050405020304" pitchFamily="18" charset="0"/>
+              </a:rPr>
+              <a:t>"&gt;&lt;/</a:t>
+            </a:r>
+            <a:r>
+              <a:rPr lang="pt-BR" sz="2200" dirty="0" err="1">
+                <a:solidFill>
+                  <a:schemeClr val="tx1"/>
+                </a:solidFill>
+                <a:latin typeface="Times New Roman" panose="02020603050405020304" pitchFamily="18" charset="0"/>
+                <a:cs typeface="Times New Roman" panose="02020603050405020304" pitchFamily="18" charset="0"/>
+              </a:rPr>
+              <a:t>pre</a:t>
+            </a:r>
+            <a:r>
+              <a:rPr lang="pt-BR" sz="2200" dirty="0">
+                <a:solidFill>
+                  <a:schemeClr val="tx1"/>
+                </a:solidFill>
+                <a:latin typeface="Times New Roman" panose="02020603050405020304" pitchFamily="18" charset="0"/>
+                <a:cs typeface="Times New Roman" panose="02020603050405020304" pitchFamily="18" charset="0"/>
+              </a:rPr>
+              <a:t>&gt;</a:t>
+            </a:r>
+          </a:p>
+          <a:p>
+            <a:pPr marL="0" indent="0" algn="just">
+              <a:buNone/>
+            </a:pPr>
+            <a:endParaRPr lang="pt-BR" sz="2200" dirty="0">
+              <a:solidFill>
+                <a:schemeClr val="tx1"/>
+              </a:solidFill>
+              <a:latin typeface="Times New Roman" panose="02020603050405020304" pitchFamily="18" charset="0"/>
+              <a:cs typeface="Times New Roman" panose="02020603050405020304" pitchFamily="18" charset="0"/>
+            </a:endParaRPr>
+          </a:p>
+          <a:p>
+            <a:pPr marL="0" indent="0" algn="just">
+              <a:buNone/>
+            </a:pPr>
+            <a:r>
+              <a:rPr lang="pt-BR" sz="2200" dirty="0">
+                <a:solidFill>
+                  <a:schemeClr val="tx1"/>
+                </a:solidFill>
+                <a:latin typeface="Times New Roman" panose="02020603050405020304" pitchFamily="18" charset="0"/>
+                <a:cs typeface="Times New Roman" panose="02020603050405020304" pitchFamily="18" charset="0"/>
+              </a:rPr>
+              <a:t>    &lt;</a:t>
+            </a:r>
+            <a:r>
+              <a:rPr lang="pt-BR" sz="2200" b="1" dirty="0">
+                <a:solidFill>
+                  <a:schemeClr val="tx1"/>
+                </a:solidFill>
+                <a:latin typeface="Times New Roman" panose="02020603050405020304" pitchFamily="18" charset="0"/>
+                <a:cs typeface="Times New Roman" panose="02020603050405020304" pitchFamily="18" charset="0"/>
+              </a:rPr>
+              <a:t>script</a:t>
+            </a:r>
+            <a:r>
+              <a:rPr lang="pt-BR" sz="2200" dirty="0">
+                <a:solidFill>
+                  <a:schemeClr val="tx1"/>
+                </a:solidFill>
+                <a:latin typeface="Times New Roman" panose="02020603050405020304" pitchFamily="18" charset="0"/>
+                <a:cs typeface="Times New Roman" panose="02020603050405020304" pitchFamily="18" charset="0"/>
+              </a:rPr>
+              <a:t>&gt; </a:t>
+            </a:r>
+            <a:r>
+              <a:rPr lang="pt-BR" sz="2200" b="1" dirty="0">
                 <a:solidFill>
                   <a:srgbClr val="FF0000"/>
                 </a:solidFill>
                 <a:latin typeface="Times New Roman" panose="02020603050405020304" pitchFamily="18" charset="0"/>
                 <a:cs typeface="Times New Roman" panose="02020603050405020304" pitchFamily="18" charset="0"/>
               </a:rPr>
-              <a:t>value</a:t>
-            </a:r>
-            <a:r>
-              <a:rPr lang="pt-BR" sz="2400" dirty="0">
-                <a:solidFill>
-                  <a:schemeClr val="tx1"/>
-                </a:solidFill>
-                <a:latin typeface="Times New Roman" panose="02020603050405020304" pitchFamily="18" charset="0"/>
-                <a:cs typeface="Times New Roman" panose="02020603050405020304" pitchFamily="18" charset="0"/>
-              </a:rPr>
-              <a:t>="Buscar" </a:t>
-            </a:r>
-            <a:r>
-              <a:rPr lang="pt-BR" sz="2400" b="1" dirty="0" err="1">
+              <a:t>instruções JS</a:t>
+            </a:r>
+            <a:r>
+              <a:rPr lang="pt-BR" sz="2200" dirty="0">
                 <a:solidFill>
                   <a:srgbClr val="FF0000"/>
                 </a:solidFill>
                 <a:latin typeface="Times New Roman" panose="02020603050405020304" pitchFamily="18" charset="0"/>
                 <a:cs typeface="Times New Roman" panose="02020603050405020304" pitchFamily="18" charset="0"/>
               </a:rPr>
-              <a:t>onclick</a:t>
-            </a:r>
-            <a:r>
-              <a:rPr lang="pt-BR" sz="2400" dirty="0">
-                <a:solidFill>
-                  <a:schemeClr val="tx1"/>
-                </a:solidFill>
-                <a:latin typeface="Times New Roman" panose="02020603050405020304" pitchFamily="18" charset="0"/>
-                <a:cs typeface="Times New Roman" panose="02020603050405020304" pitchFamily="18" charset="0"/>
-              </a:rPr>
-              <a:t>="</a:t>
-            </a:r>
-            <a:r>
-              <a:rPr lang="pt-BR" sz="2400" b="1" dirty="0" err="1">
-                <a:solidFill>
-                  <a:schemeClr val="tx1"/>
-                </a:solidFill>
-                <a:latin typeface="Times New Roman" panose="02020603050405020304" pitchFamily="18" charset="0"/>
-                <a:cs typeface="Times New Roman" panose="02020603050405020304" pitchFamily="18" charset="0"/>
-              </a:rPr>
-              <a:t>buscarCEP</a:t>
-            </a:r>
-            <a:r>
-              <a:rPr lang="pt-BR" sz="2400" b="1" dirty="0">
-                <a:solidFill>
-                  <a:schemeClr val="tx1"/>
-                </a:solidFill>
-                <a:latin typeface="Times New Roman" panose="02020603050405020304" pitchFamily="18" charset="0"/>
-                <a:cs typeface="Times New Roman" panose="02020603050405020304" pitchFamily="18" charset="0"/>
-              </a:rPr>
-              <a:t>( )</a:t>
-            </a:r>
-            <a:r>
-              <a:rPr lang="pt-BR" sz="2400" dirty="0">
-                <a:solidFill>
-                  <a:schemeClr val="tx1"/>
-                </a:solidFill>
-                <a:latin typeface="Times New Roman" panose="02020603050405020304" pitchFamily="18" charset="0"/>
-                <a:cs typeface="Times New Roman" panose="02020603050405020304" pitchFamily="18" charset="0"/>
-              </a:rPr>
-              <a:t>" /&gt;</a:t>
-            </a:r>
-          </a:p>
-          <a:p>
-            <a:pPr marL="0" indent="0" algn="just">
-              <a:buNone/>
-            </a:pPr>
-            <a:r>
-              <a:rPr lang="pt-BR" sz="2400" dirty="0">
-                <a:solidFill>
-                  <a:schemeClr val="tx1"/>
-                </a:solidFill>
-                <a:latin typeface="Times New Roman" panose="02020603050405020304" pitchFamily="18" charset="0"/>
-                <a:cs typeface="Times New Roman" panose="02020603050405020304" pitchFamily="18" charset="0"/>
-              </a:rPr>
-              <a:t>    &lt;</a:t>
-            </a:r>
-            <a:r>
-              <a:rPr lang="pt-BR" sz="2400" b="1" dirty="0" err="1">
-                <a:solidFill>
-                  <a:schemeClr val="tx1"/>
-                </a:solidFill>
-                <a:latin typeface="Times New Roman" panose="02020603050405020304" pitchFamily="18" charset="0"/>
-                <a:cs typeface="Times New Roman" panose="02020603050405020304" pitchFamily="18" charset="0"/>
-              </a:rPr>
-              <a:t>pre</a:t>
-            </a:r>
-            <a:r>
-              <a:rPr lang="pt-BR" sz="2400" dirty="0">
-                <a:solidFill>
-                  <a:schemeClr val="tx1"/>
-                </a:solidFill>
-                <a:latin typeface="Times New Roman" panose="02020603050405020304" pitchFamily="18" charset="0"/>
-                <a:cs typeface="Times New Roman" panose="02020603050405020304" pitchFamily="18" charset="0"/>
-              </a:rPr>
               <a:t> </a:t>
             </a:r>
             <a:r>
-              <a:rPr lang="pt-BR" sz="2400" b="1" dirty="0">
-                <a:solidFill>
-                  <a:schemeClr val="tx1"/>
-                </a:solidFill>
-                <a:latin typeface="Times New Roman" panose="02020603050405020304" pitchFamily="18" charset="0"/>
-                <a:cs typeface="Times New Roman" panose="02020603050405020304" pitchFamily="18" charset="0"/>
-              </a:rPr>
-              <a:t>id</a:t>
-            </a:r>
-            <a:r>
-              <a:rPr lang="pt-BR" sz="2400" dirty="0">
-                <a:solidFill>
-                  <a:schemeClr val="tx1"/>
-                </a:solidFill>
-                <a:latin typeface="Times New Roman" panose="02020603050405020304" pitchFamily="18" charset="0"/>
-                <a:cs typeface="Times New Roman" panose="02020603050405020304" pitchFamily="18" charset="0"/>
-              </a:rPr>
-              <a:t>="</a:t>
-            </a:r>
-            <a:r>
-              <a:rPr lang="pt-BR" sz="2400" b="1" dirty="0" err="1">
-                <a:solidFill>
-                  <a:srgbClr val="FF0000"/>
-                </a:solidFill>
-                <a:latin typeface="Times New Roman" panose="02020603050405020304" pitchFamily="18" charset="0"/>
-                <a:cs typeface="Times New Roman" panose="02020603050405020304" pitchFamily="18" charset="0"/>
-              </a:rPr>
-              <a:t>idArea</a:t>
-            </a:r>
-            <a:r>
-              <a:rPr lang="pt-BR" sz="2400" dirty="0">
-                <a:solidFill>
-                  <a:schemeClr val="tx1"/>
-                </a:solidFill>
-                <a:latin typeface="Times New Roman" panose="02020603050405020304" pitchFamily="18" charset="0"/>
-                <a:cs typeface="Times New Roman" panose="02020603050405020304" pitchFamily="18" charset="0"/>
-              </a:rPr>
-              <a:t>"&gt;&lt;/</a:t>
-            </a:r>
-            <a:r>
-              <a:rPr lang="pt-BR" sz="2400" dirty="0" err="1">
-                <a:solidFill>
-                  <a:schemeClr val="tx1"/>
-                </a:solidFill>
-                <a:latin typeface="Times New Roman" panose="02020603050405020304" pitchFamily="18" charset="0"/>
-                <a:cs typeface="Times New Roman" panose="02020603050405020304" pitchFamily="18" charset="0"/>
-              </a:rPr>
-              <a:t>pre</a:t>
-            </a:r>
-            <a:r>
-              <a:rPr lang="pt-BR" sz="2400" dirty="0">
-                <a:solidFill>
-                  <a:schemeClr val="tx1"/>
-                </a:solidFill>
-                <a:latin typeface="Times New Roman" panose="02020603050405020304" pitchFamily="18" charset="0"/>
-                <a:cs typeface="Times New Roman" panose="02020603050405020304" pitchFamily="18" charset="0"/>
-              </a:rPr>
-              <a:t>&gt;</a:t>
-            </a:r>
-          </a:p>
-          <a:p>
-            <a:pPr marL="0" indent="0" algn="just">
-              <a:buNone/>
-            </a:pPr>
-            <a:r>
-              <a:rPr lang="pt-BR" sz="2400" dirty="0">
-                <a:solidFill>
-                  <a:schemeClr val="tx1"/>
-                </a:solidFill>
-                <a:latin typeface="Times New Roman" panose="02020603050405020304" pitchFamily="18" charset="0"/>
-                <a:cs typeface="Times New Roman" panose="02020603050405020304" pitchFamily="18" charset="0"/>
-              </a:rPr>
-              <a:t>    &lt;</a:t>
-            </a:r>
-            <a:r>
-              <a:rPr lang="pt-BR" sz="2400" b="1" dirty="0">
-                <a:solidFill>
-                  <a:schemeClr val="tx1"/>
-                </a:solidFill>
-                <a:latin typeface="Times New Roman" panose="02020603050405020304" pitchFamily="18" charset="0"/>
-                <a:cs typeface="Times New Roman" panose="02020603050405020304" pitchFamily="18" charset="0"/>
-              </a:rPr>
-              <a:t>script</a:t>
-            </a:r>
-            <a:r>
-              <a:rPr lang="pt-BR" sz="2400" dirty="0">
-                <a:solidFill>
-                  <a:schemeClr val="tx1"/>
-                </a:solidFill>
-                <a:latin typeface="Times New Roman" panose="02020603050405020304" pitchFamily="18" charset="0"/>
-                <a:cs typeface="Times New Roman" panose="02020603050405020304" pitchFamily="18" charset="0"/>
-              </a:rPr>
-              <a:t>&gt; </a:t>
-            </a:r>
-            <a:r>
-              <a:rPr lang="pt-BR" sz="2400" b="1" dirty="0">
-                <a:solidFill>
-                  <a:schemeClr val="tx1"/>
-                </a:solidFill>
-                <a:latin typeface="Times New Roman" panose="02020603050405020304" pitchFamily="18" charset="0"/>
-                <a:cs typeface="Times New Roman" panose="02020603050405020304" pitchFamily="18" charset="0"/>
-              </a:rPr>
-              <a:t>instruções JS</a:t>
-            </a:r>
-            <a:r>
-              <a:rPr lang="pt-BR" sz="2400" dirty="0">
-                <a:solidFill>
-                  <a:schemeClr val="tx1"/>
-                </a:solidFill>
-                <a:latin typeface="Times New Roman" panose="02020603050405020304" pitchFamily="18" charset="0"/>
-                <a:cs typeface="Times New Roman" panose="02020603050405020304" pitchFamily="18" charset="0"/>
-              </a:rPr>
-              <a:t> &lt;/script&gt;</a:t>
-            </a:r>
-          </a:p>
-          <a:p>
-            <a:pPr marL="0" indent="0" algn="just">
-              <a:buNone/>
-            </a:pPr>
-            <a:r>
-              <a:rPr lang="pt-BR" sz="2400" dirty="0">
+              <a:rPr lang="pt-BR" sz="2200" dirty="0">
+                <a:solidFill>
+                  <a:schemeClr val="tx1"/>
+                </a:solidFill>
+                <a:latin typeface="Times New Roman" panose="02020603050405020304" pitchFamily="18" charset="0"/>
+                <a:cs typeface="Times New Roman" panose="02020603050405020304" pitchFamily="18" charset="0"/>
+              </a:rPr>
+              <a:t>&lt;/script&gt;</a:t>
+            </a:r>
+          </a:p>
+          <a:p>
+            <a:pPr marL="0" indent="0" algn="just">
+              <a:buNone/>
+            </a:pPr>
+            <a:r>
+              <a:rPr lang="pt-BR" sz="2200" dirty="0">
                 <a:solidFill>
                   <a:schemeClr val="tx1"/>
                 </a:solidFill>
@@ -19893,7 +19965,7 @@
               <a:t> &lt;/</a:t>
             </a:r>
             <a:r>
-              <a:rPr lang="pt-BR" sz="2400" b="1" dirty="0">
+              <a:rPr lang="pt-BR" sz="2200" b="1" dirty="0">
                 <a:solidFill>
                   <a:schemeClr val="tx1"/>
                 </a:solidFill>
@@ -19903,7 +19975,7 @@
               <a:t>body</a:t>
             </a:r>
             <a:r>
-              <a:rPr lang="pt-BR" sz="2400" dirty="0">
+              <a:rPr lang="pt-BR" sz="2200" dirty="0">
                 <a:solidFill>
                   <a:schemeClr val="tx1"/>
                 </a:solidFill>
@@ -20271,6 +20343,28 @@
               </a:rPr>
               <a:t>value</a:t>
             </a:r>
+            <a:endParaRPr lang="pt-BR" sz="2000" dirty="0">
+              <a:solidFill>
+                <a:schemeClr val="tx1"/>
+              </a:solidFill>
+              <a:latin typeface="Times New Roman" panose="02020603050405020304" pitchFamily="18" charset="0"/>
+              <a:cs typeface="Times New Roman" panose="02020603050405020304" pitchFamily="18" charset="0"/>
+            </a:endParaRPr>
+          </a:p>
+          <a:p>
+            <a:pPr marL="447675" lvl="1" indent="0" algn="just">
+              <a:buNone/>
+            </a:pPr>
+            <a:r>
+              <a:rPr lang="pt-BR" sz="2000" b="1" dirty="0" err="1">
+                <a:solidFill>
+                  <a:schemeClr val="tx1"/>
+                </a:solidFill>
+                <a:latin typeface="Times New Roman" panose="02020603050405020304" pitchFamily="18" charset="0"/>
+                <a:cs typeface="Times New Roman" panose="02020603050405020304" pitchFamily="18" charset="0"/>
+              </a:rPr>
+              <a:t>const</a:t>
+            </a:r>
             <a:r>
               <a:rPr lang="pt-BR" sz="2000" dirty="0">
                 <a:solidFill>
@@ -20279,7 +20373,67 @@
                 <a:latin typeface="Times New Roman" panose="02020603050405020304" pitchFamily="18" charset="0"/>
                 <a:cs typeface="Times New Roman" panose="02020603050405020304" pitchFamily="18" charset="0"/>
               </a:rPr>
-              <a:t>;</a:t>
+              <a:t> </a:t>
+            </a:r>
+            <a:r>
+              <a:rPr lang="pt-BR" sz="2000" dirty="0" err="1">
+                <a:solidFill>
+                  <a:schemeClr val="tx1"/>
+                </a:solidFill>
+                <a:latin typeface="Times New Roman" panose="02020603050405020304" pitchFamily="18" charset="0"/>
+                <a:cs typeface="Times New Roman" panose="02020603050405020304" pitchFamily="18" charset="0"/>
+              </a:rPr>
+              <a:t>ajax</a:t>
+            </a:r>
+            <a:r>
+              <a:rPr lang="pt-BR" sz="2000" dirty="0">
+                <a:solidFill>
+                  <a:schemeClr val="tx1"/>
+                </a:solidFill>
+                <a:latin typeface="Times New Roman" panose="02020603050405020304" pitchFamily="18" charset="0"/>
+                <a:cs typeface="Times New Roman" panose="02020603050405020304" pitchFamily="18" charset="0"/>
+              </a:rPr>
+              <a:t> = </a:t>
+            </a:r>
+            <a:r>
+              <a:rPr lang="pt-BR" sz="2000" b="1" dirty="0">
+                <a:solidFill>
+                  <a:schemeClr val="tx1"/>
+                </a:solidFill>
+                <a:latin typeface="Times New Roman" panose="02020603050405020304" pitchFamily="18" charset="0"/>
+                <a:cs typeface="Times New Roman" panose="02020603050405020304" pitchFamily="18" charset="0"/>
+              </a:rPr>
+              <a:t>new</a:t>
+            </a:r>
+            <a:r>
+              <a:rPr lang="pt-BR" sz="2000" dirty="0">
+                <a:solidFill>
+                  <a:schemeClr val="tx1"/>
+                </a:solidFill>
+                <a:latin typeface="Times New Roman" panose="02020603050405020304" pitchFamily="18" charset="0"/>
+                <a:cs typeface="Times New Roman" panose="02020603050405020304" pitchFamily="18" charset="0"/>
+              </a:rPr>
+              <a:t> </a:t>
+            </a:r>
+            <a:r>
+              <a:rPr lang="pt-BR" sz="2000" b="1" dirty="0" err="1">
+                <a:solidFill>
+                  <a:srgbClr val="FF0000"/>
+                </a:solidFill>
+                <a:latin typeface="Times New Roman" panose="02020603050405020304" pitchFamily="18" charset="0"/>
+                <a:cs typeface="Times New Roman" panose="02020603050405020304" pitchFamily="18" charset="0"/>
+              </a:rPr>
+              <a:t>XMLHttpRequest</a:t>
+            </a:r>
+            <a:r>
+              <a:rPr lang="pt-BR" sz="2000" dirty="0">
+                <a:solidFill>
+                  <a:schemeClr val="tx1"/>
+                </a:solidFill>
+                <a:latin typeface="Times New Roman" panose="02020603050405020304" pitchFamily="18" charset="0"/>
+                <a:cs typeface="Times New Roman" panose="02020603050405020304" pitchFamily="18" charset="0"/>
+              </a:rPr>
+              <a:t>()</a:t>
             </a:r>
           </a:p>
           <a:p>
@@ -20287,14 +20441,24 @@
               <a:buNone/>
             </a:pPr>
             <a:r>
+              <a:rPr lang="pt-BR" sz="2000" dirty="0" err="1">
+                <a:solidFill>
+                  <a:schemeClr val="tx1"/>
+                </a:solidFill>
+                <a:latin typeface="Times New Roman" panose="02020603050405020304" pitchFamily="18" charset="0"/>
+                <a:cs typeface="Times New Roman" panose="02020603050405020304" pitchFamily="18" charset="0"/>
+              </a:rPr>
+              <a:t>ajax.</a:t>
+            </a:r>
+            <a:r>
               <a:rPr lang="pt-BR" sz="2000" b="1" dirty="0" err="1">
                 <a:solidFill>
-                  <a:schemeClr val="tx1"/>
-                </a:solidFill>
-                <a:latin typeface="Times New Roman" panose="02020603050405020304" pitchFamily="18" charset="0"/>
-                <a:cs typeface="Times New Roman" panose="02020603050405020304" pitchFamily="18" charset="0"/>
-              </a:rPr>
-              <a:t>const</a:t>
+                  <a:srgbClr val="FF0000"/>
+                </a:solidFill>
+                <a:latin typeface="Times New Roman" panose="02020603050405020304" pitchFamily="18" charset="0"/>
+                <a:cs typeface="Times New Roman" panose="02020603050405020304" pitchFamily="18" charset="0"/>
+              </a:rPr>
+              <a:t>open</a:t>
             </a:r>
             <a:r>
               <a:rPr lang="pt-BR" sz="2000" dirty="0">
@@ -20304,9 +20468,214 @@
                 <a:latin typeface="Times New Roman" panose="02020603050405020304" pitchFamily="18" charset="0"/>
                 <a:cs typeface="Times New Roman" panose="02020603050405020304" pitchFamily="18" charset="0"/>
               </a:rPr>
+              <a:t>("GET", "</a:t>
+            </a:r>
+            <a:r>
+              <a:rPr lang="pt-BR" sz="2000" b="1" dirty="0">
+                <a:solidFill>
+                  <a:schemeClr val="tx1"/>
+                </a:solidFill>
+                <a:latin typeface="Times New Roman" panose="02020603050405020304" pitchFamily="18" charset="0"/>
+                <a:cs typeface="Times New Roman" panose="02020603050405020304" pitchFamily="18" charset="0"/>
+              </a:rPr>
+              <a:t>https://viacep.com.br/ws/" + </a:t>
+            </a:r>
+            <a:r>
+              <a:rPr lang="pt-BR" sz="2000" b="1" dirty="0" err="1">
+                <a:solidFill>
+                  <a:schemeClr val="tx1"/>
+                </a:solidFill>
+                <a:latin typeface="Times New Roman" panose="02020603050405020304" pitchFamily="18" charset="0"/>
+                <a:cs typeface="Times New Roman" panose="02020603050405020304" pitchFamily="18" charset="0"/>
+              </a:rPr>
+              <a:t>inputCEP</a:t>
+            </a:r>
+            <a:r>
+              <a:rPr lang="pt-BR" sz="2000" b="1" dirty="0">
+                <a:solidFill>
+                  <a:schemeClr val="tx1"/>
+                </a:solidFill>
+                <a:latin typeface="Times New Roman" panose="02020603050405020304" pitchFamily="18" charset="0"/>
+                <a:cs typeface="Times New Roman" panose="02020603050405020304" pitchFamily="18" charset="0"/>
+              </a:rPr>
+              <a:t> + "/</a:t>
+            </a:r>
+            <a:r>
+              <a:rPr lang="pt-BR" sz="2000" b="1" dirty="0" err="1">
+                <a:solidFill>
+                  <a:schemeClr val="tx1"/>
+                </a:solidFill>
+                <a:latin typeface="Times New Roman" panose="02020603050405020304" pitchFamily="18" charset="0"/>
+                <a:cs typeface="Times New Roman" panose="02020603050405020304" pitchFamily="18" charset="0"/>
+              </a:rPr>
+              <a:t>json</a:t>
+            </a:r>
+            <a:r>
+              <a:rPr lang="pt-BR" sz="2000" b="1" dirty="0">
+                <a:solidFill>
+                  <a:schemeClr val="tx1"/>
+                </a:solidFill>
+                <a:latin typeface="Times New Roman" panose="02020603050405020304" pitchFamily="18" charset="0"/>
+                <a:cs typeface="Times New Roman" panose="02020603050405020304" pitchFamily="18" charset="0"/>
+              </a:rPr>
+              <a:t>/"</a:t>
+            </a:r>
+            <a:r>
+              <a:rPr lang="pt-BR" sz="2000" dirty="0">
+                <a:solidFill>
+                  <a:schemeClr val="tx1"/>
+                </a:solidFill>
+                <a:latin typeface="Times New Roman" panose="02020603050405020304" pitchFamily="18" charset="0"/>
+                <a:cs typeface="Times New Roman" panose="02020603050405020304" pitchFamily="18" charset="0"/>
+              </a:rPr>
+              <a:t>)</a:t>
+            </a:r>
+          </a:p>
+          <a:p>
+            <a:pPr marL="447675" lvl="1" indent="0" algn="just">
+              <a:buNone/>
+            </a:pPr>
+            <a:r>
+              <a:rPr lang="pt-BR" sz="2000" dirty="0" err="1">
+                <a:solidFill>
+                  <a:schemeClr val="tx1"/>
+                </a:solidFill>
+                <a:latin typeface="Times New Roman" panose="02020603050405020304" pitchFamily="18" charset="0"/>
+                <a:cs typeface="Times New Roman" panose="02020603050405020304" pitchFamily="18" charset="0"/>
+              </a:rPr>
+              <a:t>ajax.</a:t>
+            </a:r>
+            <a:r>
+              <a:rPr lang="pt-BR" sz="2000" b="1" dirty="0" err="1">
+                <a:solidFill>
+                  <a:srgbClr val="FF0000"/>
+                </a:solidFill>
+                <a:latin typeface="Times New Roman" panose="02020603050405020304" pitchFamily="18" charset="0"/>
+                <a:cs typeface="Times New Roman" panose="02020603050405020304" pitchFamily="18" charset="0"/>
+              </a:rPr>
+              <a:t>send</a:t>
+            </a:r>
+            <a:r>
+              <a:rPr lang="pt-BR" sz="2000" dirty="0">
+                <a:solidFill>
+                  <a:schemeClr val="tx1"/>
+                </a:solidFill>
+                <a:latin typeface="Times New Roman" panose="02020603050405020304" pitchFamily="18" charset="0"/>
+                <a:cs typeface="Times New Roman" panose="02020603050405020304" pitchFamily="18" charset="0"/>
+              </a:rPr>
+              <a:t>()</a:t>
+            </a:r>
+          </a:p>
+          <a:p>
+            <a:pPr marL="447675" lvl="1" indent="0" algn="just">
+              <a:buNone/>
+            </a:pPr>
+            <a:r>
+              <a:rPr lang="pt-BR" sz="2000" dirty="0" err="1">
+                <a:solidFill>
+                  <a:schemeClr val="tx1"/>
+                </a:solidFill>
+                <a:latin typeface="Times New Roman" panose="02020603050405020304" pitchFamily="18" charset="0"/>
+                <a:cs typeface="Times New Roman" panose="02020603050405020304" pitchFamily="18" charset="0"/>
+              </a:rPr>
+              <a:t>ajax.</a:t>
+            </a:r>
+            <a:r>
+              <a:rPr lang="pt-BR" sz="2000" b="1" dirty="0" err="1">
+                <a:solidFill>
+                  <a:srgbClr val="FF0000"/>
+                </a:solidFill>
+                <a:latin typeface="Times New Roman" panose="02020603050405020304" pitchFamily="18" charset="0"/>
+                <a:cs typeface="Times New Roman" panose="02020603050405020304" pitchFamily="18" charset="0"/>
+              </a:rPr>
+              <a:t>onload</a:t>
+            </a:r>
+            <a:r>
+              <a:rPr lang="pt-BR" sz="2000" dirty="0">
+                <a:solidFill>
+                  <a:schemeClr val="tx1"/>
+                </a:solidFill>
+                <a:latin typeface="Times New Roman" panose="02020603050405020304" pitchFamily="18" charset="0"/>
+                <a:cs typeface="Times New Roman" panose="02020603050405020304" pitchFamily="18" charset="0"/>
+              </a:rPr>
+              <a:t> = </a:t>
+            </a:r>
+            <a:r>
+              <a:rPr lang="pt-BR" sz="2000" b="1" dirty="0" err="1">
+                <a:solidFill>
+                  <a:schemeClr val="tx1"/>
+                </a:solidFill>
+                <a:latin typeface="Times New Roman" panose="02020603050405020304" pitchFamily="18" charset="0"/>
+                <a:cs typeface="Times New Roman" panose="02020603050405020304" pitchFamily="18" charset="0"/>
+              </a:rPr>
+              <a:t>function</a:t>
+            </a:r>
+            <a:r>
+              <a:rPr lang="pt-BR" sz="2000" dirty="0">
+                <a:solidFill>
+                  <a:schemeClr val="tx1"/>
+                </a:solidFill>
+                <a:latin typeface="Times New Roman" panose="02020603050405020304" pitchFamily="18" charset="0"/>
+                <a:cs typeface="Times New Roman" panose="02020603050405020304" pitchFamily="18" charset="0"/>
+              </a:rPr>
+              <a:t>(){  </a:t>
+            </a:r>
+          </a:p>
+          <a:p>
+            <a:pPr marL="447675" lvl="1" indent="0" algn="just">
+              <a:buNone/>
+            </a:pPr>
+            <a:r>
+              <a:rPr lang="pt-BR" sz="2000" b="1" dirty="0" err="1">
+                <a:solidFill>
+                  <a:schemeClr val="tx1"/>
+                </a:solidFill>
+                <a:latin typeface="Times New Roman" panose="02020603050405020304" pitchFamily="18" charset="0"/>
+                <a:cs typeface="Times New Roman" panose="02020603050405020304" pitchFamily="18" charset="0"/>
+              </a:rPr>
+              <a:t>let</a:t>
+            </a:r>
+            <a:r>
+              <a:rPr lang="pt-BR" sz="2000" dirty="0">
+                <a:solidFill>
+                  <a:schemeClr val="tx1"/>
+                </a:solidFill>
+                <a:latin typeface="Times New Roman" panose="02020603050405020304" pitchFamily="18" charset="0"/>
+                <a:cs typeface="Times New Roman" panose="02020603050405020304" pitchFamily="18" charset="0"/>
+              </a:rPr>
               <a:t> </a:t>
             </a:r>
             <a:r>
+              <a:rPr lang="pt-BR" sz="2000" b="1" dirty="0" err="1">
+                <a:solidFill>
+                  <a:srgbClr val="FF0000"/>
+                </a:solidFill>
+                <a:latin typeface="Times New Roman" panose="02020603050405020304" pitchFamily="18" charset="0"/>
+                <a:cs typeface="Times New Roman" panose="02020603050405020304" pitchFamily="18" charset="0"/>
+              </a:rPr>
+              <a:t>objCEP</a:t>
+            </a:r>
+            <a:r>
+              <a:rPr lang="pt-BR" sz="2000" dirty="0">
+                <a:solidFill>
+                  <a:schemeClr val="tx1"/>
+                </a:solidFill>
+                <a:latin typeface="Times New Roman" panose="02020603050405020304" pitchFamily="18" charset="0"/>
+                <a:cs typeface="Times New Roman" panose="02020603050405020304" pitchFamily="18" charset="0"/>
+              </a:rPr>
+              <a:t> = </a:t>
+            </a:r>
+            <a:r>
+              <a:rPr lang="pt-BR" sz="2000" b="1" dirty="0" err="1">
+                <a:solidFill>
+                  <a:schemeClr val="tx1"/>
+                </a:solidFill>
+                <a:latin typeface="Times New Roman" panose="02020603050405020304" pitchFamily="18" charset="0"/>
+                <a:cs typeface="Times New Roman" panose="02020603050405020304" pitchFamily="18" charset="0"/>
+              </a:rPr>
+              <a:t>JSON</a:t>
+            </a:r>
+            <a:r>
               <a:rPr lang="pt-BR" sz="2000" dirty="0" err="1">
                 <a:solidFill>
                   <a:schemeClr val="tx1"/>
@@ -20314,7 +20683,7 @@
                 <a:latin typeface="Times New Roman" panose="02020603050405020304" pitchFamily="18" charset="0"/>
                 <a:cs typeface="Times New Roman" panose="02020603050405020304" pitchFamily="18" charset="0"/>
               </a:rPr>
-              <a:t>ajax</a:t>
+              <a:t>.parse</a:t>
             </a:r>
             <a:r>
               <a:rPr lang="pt-BR" sz="2000" dirty="0">
@@ -20324,18 +20693,270 @@
                 <a:latin typeface="Times New Roman" panose="02020603050405020304" pitchFamily="18" charset="0"/>
                 <a:cs typeface="Times New Roman" panose="02020603050405020304" pitchFamily="18" charset="0"/>
               </a:rPr>
+              <a:t>(</a:t>
+            </a:r>
+            <a:r>
+              <a:rPr lang="pt-BR" sz="2000" b="1" dirty="0" err="1">
+                <a:solidFill>
+                  <a:schemeClr val="tx1"/>
+                </a:solidFill>
+                <a:latin typeface="Times New Roman" panose="02020603050405020304" pitchFamily="18" charset="0"/>
+                <a:cs typeface="Times New Roman" panose="02020603050405020304" pitchFamily="18" charset="0"/>
+              </a:rPr>
+              <a:t>this</a:t>
+            </a:r>
+            <a:r>
+              <a:rPr lang="pt-BR" sz="2000" dirty="0" err="1">
+                <a:solidFill>
+                  <a:schemeClr val="tx1"/>
+                </a:solidFill>
+                <a:latin typeface="Times New Roman" panose="02020603050405020304" pitchFamily="18" charset="0"/>
+                <a:cs typeface="Times New Roman" panose="02020603050405020304" pitchFamily="18" charset="0"/>
+              </a:rPr>
+              <a:t>.responseText</a:t>
+            </a:r>
+            <a:r>
+              <a:rPr lang="pt-BR" sz="2000" dirty="0">
+                <a:solidFill>
+                  <a:schemeClr val="tx1"/>
+                </a:solidFill>
+                <a:latin typeface="Times New Roman" panose="02020603050405020304" pitchFamily="18" charset="0"/>
+                <a:cs typeface="Times New Roman" panose="02020603050405020304" pitchFamily="18" charset="0"/>
+              </a:rPr>
+              <a:t>)</a:t>
+            </a:r>
+          </a:p>
+          <a:p>
+            <a:pPr marL="447675" lvl="1" indent="0" algn="just">
+              <a:buNone/>
+            </a:pPr>
+            <a:r>
+              <a:rPr lang="pt-BR" sz="2000" b="1" dirty="0" err="1">
+                <a:solidFill>
+                  <a:schemeClr val="tx1"/>
+                </a:solidFill>
+                <a:latin typeface="Times New Roman" panose="02020603050405020304" pitchFamily="18" charset="0"/>
+                <a:cs typeface="Times New Roman" panose="02020603050405020304" pitchFamily="18" charset="0"/>
+              </a:rPr>
+              <a:t>let</a:t>
+            </a:r>
+            <a:r>
+              <a:rPr lang="pt-BR" sz="2000" dirty="0">
+                <a:solidFill>
+                  <a:schemeClr val="tx1"/>
+                </a:solidFill>
+                <a:latin typeface="Times New Roman" panose="02020603050405020304" pitchFamily="18" charset="0"/>
+                <a:cs typeface="Times New Roman" panose="02020603050405020304" pitchFamily="18" charset="0"/>
+              </a:rPr>
+              <a:t> </a:t>
+            </a:r>
+            <a:r>
+              <a:rPr lang="pt-BR" sz="2000" dirty="0" err="1">
+                <a:solidFill>
+                  <a:schemeClr val="tx1"/>
+                </a:solidFill>
+                <a:latin typeface="Times New Roman" panose="02020603050405020304" pitchFamily="18" charset="0"/>
+                <a:cs typeface="Times New Roman" panose="02020603050405020304" pitchFamily="18" charset="0"/>
+              </a:rPr>
+              <a:t>lograd</a:t>
+            </a:r>
+            <a:r>
+              <a:rPr lang="pt-BR" sz="2000" dirty="0">
+                <a:solidFill>
+                  <a:schemeClr val="tx1"/>
+                </a:solidFill>
+                <a:latin typeface="Times New Roman" panose="02020603050405020304" pitchFamily="18" charset="0"/>
+                <a:cs typeface="Times New Roman" panose="02020603050405020304" pitchFamily="18" charset="0"/>
+              </a:rPr>
+              <a:t>= </a:t>
+            </a:r>
+            <a:r>
+              <a:rPr lang="pt-BR" sz="2000" dirty="0" err="1">
+                <a:solidFill>
+                  <a:schemeClr val="tx1"/>
+                </a:solidFill>
+                <a:latin typeface="Times New Roman" panose="02020603050405020304" pitchFamily="18" charset="0"/>
+                <a:cs typeface="Times New Roman" panose="02020603050405020304" pitchFamily="18" charset="0"/>
+              </a:rPr>
+              <a:t>objCEP.logradouro</a:t>
+            </a:r>
+            <a:r>
+              <a:rPr lang="pt-BR" sz="2000" dirty="0">
+                <a:solidFill>
+                  <a:schemeClr val="tx1"/>
+                </a:solidFill>
+                <a:latin typeface="Times New Roman" panose="02020603050405020304" pitchFamily="18" charset="0"/>
+                <a:cs typeface="Times New Roman" panose="02020603050405020304" pitchFamily="18" charset="0"/>
+              </a:rPr>
+              <a:t>; </a:t>
+            </a:r>
+            <a:r>
+              <a:rPr lang="pt-BR" sz="2000" b="1" dirty="0" err="1">
+                <a:solidFill>
+                  <a:schemeClr val="tx1"/>
+                </a:solidFill>
+                <a:latin typeface="Times New Roman" panose="02020603050405020304" pitchFamily="18" charset="0"/>
+                <a:cs typeface="Times New Roman" panose="02020603050405020304" pitchFamily="18" charset="0"/>
+              </a:rPr>
+              <a:t>let</a:t>
+            </a:r>
+            <a:r>
+              <a:rPr lang="pt-BR" sz="2000" dirty="0">
+                <a:solidFill>
+                  <a:schemeClr val="tx1"/>
+                </a:solidFill>
+                <a:latin typeface="Times New Roman" panose="02020603050405020304" pitchFamily="18" charset="0"/>
+                <a:cs typeface="Times New Roman" panose="02020603050405020304" pitchFamily="18" charset="0"/>
+              </a:rPr>
+              <a:t> bairro= </a:t>
+            </a:r>
+            <a:r>
+              <a:rPr lang="pt-BR" sz="2000" dirty="0" err="1">
+                <a:solidFill>
+                  <a:schemeClr val="tx1"/>
+                </a:solidFill>
+                <a:latin typeface="Times New Roman" panose="02020603050405020304" pitchFamily="18" charset="0"/>
+                <a:cs typeface="Times New Roman" panose="02020603050405020304" pitchFamily="18" charset="0"/>
+              </a:rPr>
+              <a:t>objCEP.bairro</a:t>
+            </a:r>
+            <a:r>
+              <a:rPr lang="pt-BR" sz="2000" dirty="0">
+                <a:solidFill>
+                  <a:schemeClr val="tx1"/>
+                </a:solidFill>
+                <a:latin typeface="Times New Roman" panose="02020603050405020304" pitchFamily="18" charset="0"/>
+                <a:cs typeface="Times New Roman" panose="02020603050405020304" pitchFamily="18" charset="0"/>
+              </a:rPr>
+              <a:t>; </a:t>
+            </a:r>
+            <a:r>
+              <a:rPr lang="pt-BR" sz="2000" b="1" dirty="0" err="1">
+                <a:solidFill>
+                  <a:schemeClr val="tx1"/>
+                </a:solidFill>
+                <a:latin typeface="Times New Roman" panose="02020603050405020304" pitchFamily="18" charset="0"/>
+                <a:cs typeface="Times New Roman" panose="02020603050405020304" pitchFamily="18" charset="0"/>
+              </a:rPr>
+              <a:t>let</a:t>
+            </a:r>
+            <a:r>
+              <a:rPr lang="pt-BR" sz="2000" dirty="0">
+                <a:solidFill>
+                  <a:schemeClr val="tx1"/>
+                </a:solidFill>
+                <a:latin typeface="Times New Roman" panose="02020603050405020304" pitchFamily="18" charset="0"/>
+                <a:cs typeface="Times New Roman" panose="02020603050405020304" pitchFamily="18" charset="0"/>
+              </a:rPr>
+              <a:t> uf= </a:t>
+            </a:r>
+            <a:r>
+              <a:rPr lang="pt-BR" sz="2000" dirty="0" err="1">
+                <a:solidFill>
+                  <a:schemeClr val="tx1"/>
+                </a:solidFill>
+                <a:latin typeface="Times New Roman" panose="02020603050405020304" pitchFamily="18" charset="0"/>
+                <a:cs typeface="Times New Roman" panose="02020603050405020304" pitchFamily="18" charset="0"/>
+              </a:rPr>
+              <a:t>objCEP.uf</a:t>
+            </a:r>
+            <a:endParaRPr lang="pt-BR" sz="2000" dirty="0">
+              <a:solidFill>
+                <a:schemeClr val="tx1"/>
+              </a:solidFill>
+              <a:latin typeface="Times New Roman" panose="02020603050405020304" pitchFamily="18" charset="0"/>
+              <a:cs typeface="Times New Roman" panose="02020603050405020304" pitchFamily="18" charset="0"/>
+            </a:endParaRPr>
+          </a:p>
+          <a:p>
+            <a:pPr marL="447675" lvl="1" indent="0" algn="just">
+              <a:buNone/>
+            </a:pPr>
+            <a:r>
+              <a:rPr lang="pt-BR" sz="2000" b="1" dirty="0" err="1">
+                <a:solidFill>
+                  <a:schemeClr val="tx1"/>
+                </a:solidFill>
+                <a:latin typeface="Times New Roman" panose="02020603050405020304" pitchFamily="18" charset="0"/>
+                <a:cs typeface="Times New Roman" panose="02020603050405020304" pitchFamily="18" charset="0"/>
+              </a:rPr>
+              <a:t>document</a:t>
+            </a:r>
+            <a:r>
+              <a:rPr lang="pt-BR" sz="2000" dirty="0" err="1">
+                <a:solidFill>
+                  <a:schemeClr val="tx1"/>
+                </a:solidFill>
+                <a:latin typeface="Times New Roman" panose="02020603050405020304" pitchFamily="18" charset="0"/>
+                <a:cs typeface="Times New Roman" panose="02020603050405020304" pitchFamily="18" charset="0"/>
+              </a:rPr>
+              <a:t>.</a:t>
+            </a:r>
+            <a:r>
+              <a:rPr lang="pt-BR" sz="2000" b="1" dirty="0" err="1">
+                <a:solidFill>
+                  <a:srgbClr val="FF0000"/>
+                </a:solidFill>
+                <a:latin typeface="Times New Roman" panose="02020603050405020304" pitchFamily="18" charset="0"/>
+                <a:cs typeface="Times New Roman" panose="02020603050405020304" pitchFamily="18" charset="0"/>
+              </a:rPr>
+              <a:t>getElementById</a:t>
+            </a:r>
+            <a:r>
+              <a:rPr lang="pt-BR" sz="2000" dirty="0">
+                <a:solidFill>
+                  <a:schemeClr val="tx1"/>
+                </a:solidFill>
+                <a:latin typeface="Times New Roman" panose="02020603050405020304" pitchFamily="18" charset="0"/>
+                <a:cs typeface="Times New Roman" panose="02020603050405020304" pitchFamily="18" charset="0"/>
+              </a:rPr>
+              <a:t>("</a:t>
+            </a:r>
+            <a:r>
+              <a:rPr lang="pt-BR" sz="2000" b="1" dirty="0" err="1">
+                <a:solidFill>
+                  <a:srgbClr val="FF0000"/>
+                </a:solidFill>
+                <a:latin typeface="Times New Roman" panose="02020603050405020304" pitchFamily="18" charset="0"/>
+                <a:cs typeface="Times New Roman" panose="02020603050405020304" pitchFamily="18" charset="0"/>
+              </a:rPr>
+              <a:t>idArea</a:t>
+            </a:r>
+            <a:r>
+              <a:rPr lang="pt-BR" sz="2000" dirty="0">
+                <a:solidFill>
+                  <a:schemeClr val="tx1"/>
+                </a:solidFill>
+                <a:latin typeface="Times New Roman" panose="02020603050405020304" pitchFamily="18" charset="0"/>
+                <a:cs typeface="Times New Roman" panose="02020603050405020304" pitchFamily="18" charset="0"/>
+              </a:rPr>
+              <a:t>").</a:t>
+            </a:r>
+            <a:r>
+              <a:rPr lang="pt-BR" sz="2000" dirty="0" err="1">
+                <a:solidFill>
+                  <a:schemeClr val="tx1"/>
+                </a:solidFill>
+                <a:latin typeface="Times New Roman" panose="02020603050405020304" pitchFamily="18" charset="0"/>
+                <a:cs typeface="Times New Roman" panose="02020603050405020304" pitchFamily="18" charset="0"/>
+              </a:rPr>
+              <a:t>innerHTML</a:t>
+            </a:r>
+            <a:r>
+              <a:rPr lang="pt-BR" sz="2000" dirty="0">
+                <a:solidFill>
+                  <a:schemeClr val="tx1"/>
+                </a:solidFill>
+                <a:latin typeface="Times New Roman" panose="02020603050405020304" pitchFamily="18" charset="0"/>
+                <a:cs typeface="Times New Roman" panose="02020603050405020304" pitchFamily="18" charset="0"/>
+              </a:rPr>
               <a:t> = </a:t>
             </a:r>
-            <a:r>
-              <a:rPr lang="pt-BR" sz="2000" b="1" dirty="0">
-                <a:solidFill>
-                  <a:schemeClr val="tx1"/>
-                </a:solidFill>
-                <a:latin typeface="Times New Roman" panose="02020603050405020304" pitchFamily="18" charset="0"/>
-                <a:cs typeface="Times New Roman" panose="02020603050405020304" pitchFamily="18" charset="0"/>
-              </a:rPr>
-              <a:t>new</a:t>
-            </a:r>
+          </a:p>
+          <a:p>
+            <a:pPr marL="447675" lvl="1" indent="0" algn="just">
+              <a:buNone/>
+            </a:pPr>
             <a:r>
               <a:rPr lang="pt-BR" sz="2000" dirty="0">
                 <a:solidFill>
@@ -20344,17 +20965,17 @@
                 <a:latin typeface="Times New Roman" panose="02020603050405020304" pitchFamily="18" charset="0"/>
                 <a:cs typeface="Times New Roman" panose="02020603050405020304" pitchFamily="18" charset="0"/>
               </a:rPr>
-              <a:t> </a:t>
-            </a:r>
-            <a:r>
-              <a:rPr lang="pt-BR" sz="2000" b="1" dirty="0" err="1">
-                <a:solidFill>
-                  <a:srgbClr val="FF0000"/>
-                </a:solidFill>
-                <a:latin typeface="Times New Roman" panose="02020603050405020304" pitchFamily="18" charset="0"/>
-                <a:cs typeface="Times New Roman" panose="02020603050405020304" pitchFamily="18" charset="0"/>
-              </a:rPr>
-              <a:t>XMLHttpRequest</a:t>
+              <a:t>"Endereço: " + </a:t>
+            </a:r>
+            <a:r>
+              <a:rPr lang="pt-BR" sz="2000" dirty="0" err="1">
+                <a:solidFill>
+                  <a:schemeClr val="tx1"/>
+                </a:solidFill>
+                <a:latin typeface="Times New Roman" panose="02020603050405020304" pitchFamily="18" charset="0"/>
+                <a:cs typeface="Times New Roman" panose="02020603050405020304" pitchFamily="18" charset="0"/>
+              </a:rPr>
+              <a:t>lograd</a:t>
             </a:r>
             <a:r>
               <a:rPr lang="pt-BR" sz="2000" dirty="0">
@@ -20364,13 +20985,8 @@
                 <a:latin typeface="Times New Roman" panose="02020603050405020304" pitchFamily="18" charset="0"/>
                 <a:cs typeface="Times New Roman" panose="02020603050405020304" pitchFamily="18" charset="0"/>
               </a:rPr>
-              <a:t>();</a:t>
-            </a:r>
-          </a:p>
-          <a:p>
-            <a:pPr marL="447675" lvl="1" indent="0" algn="just">
-              <a:buNone/>
-            </a:pPr>
+              <a:t> + "&lt;</a:t>
+            </a:r>
             <a:r>
               <a:rPr lang="pt-BR" sz="2000" dirty="0" err="1">
                 <a:solidFill>
@@ -20379,17 +20995,7 @@
                 <a:latin typeface="Times New Roman" panose="02020603050405020304" pitchFamily="18" charset="0"/>
                 <a:cs typeface="Times New Roman" panose="02020603050405020304" pitchFamily="18" charset="0"/>
               </a:rPr>
-              <a:t>ajax.</a:t>
-            </a:r>
-            <a:r>
-              <a:rPr lang="pt-BR" sz="2000" b="1" dirty="0" err="1">
-                <a:solidFill>
-                  <a:srgbClr val="FF0000"/>
-                </a:solidFill>
-                <a:latin typeface="Times New Roman" panose="02020603050405020304" pitchFamily="18" charset="0"/>
-                <a:cs typeface="Times New Roman" panose="02020603050405020304" pitchFamily="18" charset="0"/>
-              </a:rPr>
-              <a:t>open</a:t>
+              <a:t>br</a:t>
             </a:r>
             <a:r>
               <a:rPr lang="pt-BR" sz="2000" dirty="0">
@@ -20399,57 +21005,17 @@
                 <a:latin typeface="Times New Roman" panose="02020603050405020304" pitchFamily="18" charset="0"/>
                 <a:cs typeface="Times New Roman" panose="02020603050405020304" pitchFamily="18" charset="0"/>
               </a:rPr>
-              <a:t>("GET", "</a:t>
-            </a:r>
-            <a:r>
-              <a:rPr lang="pt-BR" sz="2000" b="1" dirty="0">
-                <a:solidFill>
-                  <a:schemeClr val="tx1"/>
-                </a:solidFill>
-                <a:latin typeface="Times New Roman" panose="02020603050405020304" pitchFamily="18" charset="0"/>
-                <a:cs typeface="Times New Roman" panose="02020603050405020304" pitchFamily="18" charset="0"/>
-              </a:rPr>
-              <a:t>https://viacep.com.br/ws/" + </a:t>
-            </a:r>
-            <a:r>
-              <a:rPr lang="pt-BR" sz="2000" b="1" dirty="0" err="1">
-                <a:solidFill>
-                  <a:schemeClr val="tx1"/>
-                </a:solidFill>
-                <a:latin typeface="Times New Roman" panose="02020603050405020304" pitchFamily="18" charset="0"/>
-                <a:cs typeface="Times New Roman" panose="02020603050405020304" pitchFamily="18" charset="0"/>
-              </a:rPr>
-              <a:t>inputCEP</a:t>
-            </a:r>
-            <a:r>
-              <a:rPr lang="pt-BR" sz="2000" b="1" dirty="0">
-                <a:solidFill>
-                  <a:schemeClr val="tx1"/>
-                </a:solidFill>
-                <a:latin typeface="Times New Roman" panose="02020603050405020304" pitchFamily="18" charset="0"/>
-                <a:cs typeface="Times New Roman" panose="02020603050405020304" pitchFamily="18" charset="0"/>
-              </a:rPr>
-              <a:t> + "/</a:t>
-            </a:r>
-            <a:r>
-              <a:rPr lang="pt-BR" sz="2000" b="1" dirty="0" err="1">
-                <a:solidFill>
-                  <a:schemeClr val="tx1"/>
-                </a:solidFill>
-                <a:latin typeface="Times New Roman" panose="02020603050405020304" pitchFamily="18" charset="0"/>
-                <a:cs typeface="Times New Roman" panose="02020603050405020304" pitchFamily="18" charset="0"/>
-              </a:rPr>
-              <a:t>json</a:t>
-            </a:r>
-            <a:r>
-              <a:rPr lang="pt-BR" sz="2000" b="1" dirty="0">
-                <a:solidFill>
-                  <a:schemeClr val="tx1"/>
-                </a:solidFill>
-                <a:latin typeface="Times New Roman" panose="02020603050405020304" pitchFamily="18" charset="0"/>
-                <a:cs typeface="Times New Roman" panose="02020603050405020304" pitchFamily="18" charset="0"/>
-              </a:rPr>
-              <a:t>/"</a:t>
+              <a:t>&gt;Bairro: " + bairro + "&lt;</a:t>
+            </a:r>
+            <a:r>
+              <a:rPr lang="pt-BR" sz="2000" dirty="0" err="1">
+                <a:solidFill>
+                  <a:schemeClr val="tx1"/>
+                </a:solidFill>
+                <a:latin typeface="Times New Roman" panose="02020603050405020304" pitchFamily="18" charset="0"/>
+                <a:cs typeface="Times New Roman" panose="02020603050405020304" pitchFamily="18" charset="0"/>
+              </a:rPr>
+              <a:t>br</a:t>
             </a:r>
             <a:r>
               <a:rPr lang="pt-BR" sz="2000" dirty="0">
@@ -20459,497 +21025,7 @@
                 <a:latin typeface="Times New Roman" panose="02020603050405020304" pitchFamily="18" charset="0"/>
                 <a:cs typeface="Times New Roman" panose="02020603050405020304" pitchFamily="18" charset="0"/>
               </a:rPr>
-              <a:t>);</a:t>
-            </a:r>
-          </a:p>
-          <a:p>
-            <a:pPr marL="447675" lvl="1" indent="0" algn="just">
-              <a:buNone/>
-            </a:pPr>
-            <a:r>
-              <a:rPr lang="pt-BR" sz="2000" dirty="0" err="1">
-                <a:solidFill>
-                  <a:schemeClr val="tx1"/>
-                </a:solidFill>
-                <a:latin typeface="Times New Roman" panose="02020603050405020304" pitchFamily="18" charset="0"/>
-                <a:cs typeface="Times New Roman" panose="02020603050405020304" pitchFamily="18" charset="0"/>
-              </a:rPr>
-              <a:t>ajax.</a:t>
-            </a:r>
-            <a:r>
-              <a:rPr lang="pt-BR" sz="2000" b="1" dirty="0" err="1">
-                <a:solidFill>
-                  <a:srgbClr val="FF0000"/>
-                </a:solidFill>
-                <a:latin typeface="Times New Roman" panose="02020603050405020304" pitchFamily="18" charset="0"/>
-                <a:cs typeface="Times New Roman" panose="02020603050405020304" pitchFamily="18" charset="0"/>
-              </a:rPr>
-              <a:t>send</a:t>
-            </a:r>
-            <a:r>
-              <a:rPr lang="pt-BR" sz="2000" dirty="0">
-                <a:solidFill>
-                  <a:schemeClr val="tx1"/>
-                </a:solidFill>
-                <a:latin typeface="Times New Roman" panose="02020603050405020304" pitchFamily="18" charset="0"/>
-                <a:cs typeface="Times New Roman" panose="02020603050405020304" pitchFamily="18" charset="0"/>
-              </a:rPr>
-              <a:t>(); </a:t>
-            </a:r>
-          </a:p>
-          <a:p>
-            <a:pPr marL="447675" lvl="1" indent="0" algn="just">
-              <a:buNone/>
-            </a:pPr>
-            <a:r>
-              <a:rPr lang="pt-BR" sz="2000" dirty="0" err="1">
-                <a:solidFill>
-                  <a:schemeClr val="tx1"/>
-                </a:solidFill>
-                <a:latin typeface="Times New Roman" panose="02020603050405020304" pitchFamily="18" charset="0"/>
-                <a:cs typeface="Times New Roman" panose="02020603050405020304" pitchFamily="18" charset="0"/>
-              </a:rPr>
-              <a:t>ajax.</a:t>
-            </a:r>
-            <a:r>
-              <a:rPr lang="pt-BR" sz="2000" b="1" dirty="0" err="1">
-                <a:solidFill>
-                  <a:srgbClr val="FF0000"/>
-                </a:solidFill>
-                <a:latin typeface="Times New Roman" panose="02020603050405020304" pitchFamily="18" charset="0"/>
-                <a:cs typeface="Times New Roman" panose="02020603050405020304" pitchFamily="18" charset="0"/>
-              </a:rPr>
-              <a:t>onload</a:t>
-            </a:r>
-            <a:r>
-              <a:rPr lang="pt-BR" sz="2000" dirty="0">
-                <a:solidFill>
-                  <a:schemeClr val="tx1"/>
-                </a:solidFill>
-                <a:latin typeface="Times New Roman" panose="02020603050405020304" pitchFamily="18" charset="0"/>
-                <a:cs typeface="Times New Roman" panose="02020603050405020304" pitchFamily="18" charset="0"/>
-              </a:rPr>
-              <a:t> = </a:t>
-            </a:r>
-            <a:r>
-              <a:rPr lang="pt-BR" sz="2000" b="1" dirty="0" err="1">
-                <a:solidFill>
-                  <a:schemeClr val="tx1"/>
-                </a:solidFill>
-                <a:latin typeface="Times New Roman" panose="02020603050405020304" pitchFamily="18" charset="0"/>
-                <a:cs typeface="Times New Roman" panose="02020603050405020304" pitchFamily="18" charset="0"/>
-              </a:rPr>
-              <a:t>function</a:t>
-            </a:r>
-            <a:r>
-              <a:rPr lang="pt-BR" sz="2000" dirty="0">
-                <a:solidFill>
-                  <a:schemeClr val="tx1"/>
-                </a:solidFill>
-                <a:latin typeface="Times New Roman" panose="02020603050405020304" pitchFamily="18" charset="0"/>
-                <a:cs typeface="Times New Roman" panose="02020603050405020304" pitchFamily="18" charset="0"/>
-              </a:rPr>
-              <a:t>(){  </a:t>
-            </a:r>
-          </a:p>
-          <a:p>
-            <a:pPr marL="447675" lvl="1" indent="0" algn="just">
-              <a:buNone/>
-            </a:pPr>
-            <a:r>
-              <a:rPr lang="pt-BR" sz="2000" b="1" dirty="0">
-                <a:solidFill>
-                  <a:schemeClr val="tx1"/>
-                </a:solidFill>
-                <a:latin typeface="Times New Roman" panose="02020603050405020304" pitchFamily="18" charset="0"/>
-                <a:cs typeface="Times New Roman" panose="02020603050405020304" pitchFamily="18" charset="0"/>
-              </a:rPr>
-              <a:t>	    </a:t>
-            </a:r>
-            <a:r>
-              <a:rPr lang="pt-BR" sz="2000" b="1" dirty="0" err="1">
-                <a:solidFill>
-                  <a:schemeClr val="tx1"/>
-                </a:solidFill>
-                <a:latin typeface="Times New Roman" panose="02020603050405020304" pitchFamily="18" charset="0"/>
-                <a:cs typeface="Times New Roman" panose="02020603050405020304" pitchFamily="18" charset="0"/>
-              </a:rPr>
-              <a:t>let</a:t>
-            </a:r>
-            <a:r>
-              <a:rPr lang="pt-BR" sz="2000" dirty="0">
-                <a:solidFill>
-                  <a:schemeClr val="tx1"/>
-                </a:solidFill>
-                <a:latin typeface="Times New Roman" panose="02020603050405020304" pitchFamily="18" charset="0"/>
-                <a:cs typeface="Times New Roman" panose="02020603050405020304" pitchFamily="18" charset="0"/>
-              </a:rPr>
-              <a:t> </a:t>
-            </a:r>
-            <a:r>
-              <a:rPr lang="pt-BR" sz="2000" b="1" dirty="0" err="1">
-                <a:solidFill>
-                  <a:srgbClr val="FF0000"/>
-                </a:solidFill>
-                <a:latin typeface="Times New Roman" panose="02020603050405020304" pitchFamily="18" charset="0"/>
-                <a:cs typeface="Times New Roman" panose="02020603050405020304" pitchFamily="18" charset="0"/>
-              </a:rPr>
-              <a:t>objCEP</a:t>
-            </a:r>
-            <a:r>
-              <a:rPr lang="pt-BR" sz="2000" dirty="0">
-                <a:solidFill>
-                  <a:schemeClr val="tx1"/>
-                </a:solidFill>
-                <a:latin typeface="Times New Roman" panose="02020603050405020304" pitchFamily="18" charset="0"/>
-                <a:cs typeface="Times New Roman" panose="02020603050405020304" pitchFamily="18" charset="0"/>
-              </a:rPr>
-              <a:t> = </a:t>
-            </a:r>
-            <a:r>
-              <a:rPr lang="pt-BR" sz="2000" b="1" dirty="0" err="1">
-                <a:solidFill>
-                  <a:schemeClr val="tx1"/>
-                </a:solidFill>
-                <a:latin typeface="Times New Roman" panose="02020603050405020304" pitchFamily="18" charset="0"/>
-                <a:cs typeface="Times New Roman" panose="02020603050405020304" pitchFamily="18" charset="0"/>
-              </a:rPr>
-              <a:t>JSON</a:t>
-            </a:r>
-            <a:r>
-              <a:rPr lang="pt-BR" sz="2000" dirty="0" err="1">
-                <a:solidFill>
-                  <a:schemeClr val="tx1"/>
-                </a:solidFill>
-                <a:latin typeface="Times New Roman" panose="02020603050405020304" pitchFamily="18" charset="0"/>
-                <a:cs typeface="Times New Roman" panose="02020603050405020304" pitchFamily="18" charset="0"/>
-              </a:rPr>
-              <a:t>.parse</a:t>
-            </a:r>
-            <a:r>
-              <a:rPr lang="pt-BR" sz="2000" dirty="0">
-                <a:solidFill>
-                  <a:schemeClr val="tx1"/>
-                </a:solidFill>
-                <a:latin typeface="Times New Roman" panose="02020603050405020304" pitchFamily="18" charset="0"/>
-                <a:cs typeface="Times New Roman" panose="02020603050405020304" pitchFamily="18" charset="0"/>
-              </a:rPr>
-              <a:t>(</a:t>
-            </a:r>
-            <a:r>
-              <a:rPr lang="pt-BR" sz="2000" b="1" dirty="0" err="1">
-                <a:solidFill>
-                  <a:schemeClr val="tx1"/>
-                </a:solidFill>
-                <a:latin typeface="Times New Roman" panose="02020603050405020304" pitchFamily="18" charset="0"/>
-                <a:cs typeface="Times New Roman" panose="02020603050405020304" pitchFamily="18" charset="0"/>
-              </a:rPr>
-              <a:t>this</a:t>
-            </a:r>
-            <a:r>
-              <a:rPr lang="pt-BR" sz="2000" dirty="0" err="1">
-                <a:solidFill>
-                  <a:schemeClr val="tx1"/>
-                </a:solidFill>
-                <a:latin typeface="Times New Roman" panose="02020603050405020304" pitchFamily="18" charset="0"/>
-                <a:cs typeface="Times New Roman" panose="02020603050405020304" pitchFamily="18" charset="0"/>
-              </a:rPr>
-              <a:t>.responseText</a:t>
-            </a:r>
-            <a:r>
-              <a:rPr lang="pt-BR" sz="2000" dirty="0">
-                <a:solidFill>
-                  <a:schemeClr val="tx1"/>
-                </a:solidFill>
-                <a:latin typeface="Times New Roman" panose="02020603050405020304" pitchFamily="18" charset="0"/>
-                <a:cs typeface="Times New Roman" panose="02020603050405020304" pitchFamily="18" charset="0"/>
-              </a:rPr>
-              <a:t>);</a:t>
-            </a:r>
-          </a:p>
-          <a:p>
-            <a:pPr marL="447675" lvl="1" indent="0" algn="just">
-              <a:buNone/>
-            </a:pPr>
-            <a:r>
-              <a:rPr lang="pt-BR" sz="2000" dirty="0">
-                <a:solidFill>
-                  <a:schemeClr val="tx1"/>
-                </a:solidFill>
-                <a:latin typeface="Times New Roman" panose="02020603050405020304" pitchFamily="18" charset="0"/>
-                <a:cs typeface="Times New Roman" panose="02020603050405020304" pitchFamily="18" charset="0"/>
-              </a:rPr>
-              <a:t>	    </a:t>
-            </a:r>
-            <a:r>
-              <a:rPr lang="pt-BR" sz="2000" b="1" dirty="0" err="1">
-                <a:solidFill>
-                  <a:schemeClr val="tx1"/>
-                </a:solidFill>
-                <a:latin typeface="Times New Roman" panose="02020603050405020304" pitchFamily="18" charset="0"/>
-                <a:cs typeface="Times New Roman" panose="02020603050405020304" pitchFamily="18" charset="0"/>
-              </a:rPr>
-              <a:t>let</a:t>
-            </a:r>
-            <a:r>
-              <a:rPr lang="pt-BR" sz="2000" dirty="0">
-                <a:solidFill>
-                  <a:schemeClr val="tx1"/>
-                </a:solidFill>
-                <a:latin typeface="Times New Roman" panose="02020603050405020304" pitchFamily="18" charset="0"/>
-                <a:cs typeface="Times New Roman" panose="02020603050405020304" pitchFamily="18" charset="0"/>
-              </a:rPr>
-              <a:t> </a:t>
-            </a:r>
-            <a:r>
-              <a:rPr lang="pt-BR" sz="2000" dirty="0" err="1">
-                <a:solidFill>
-                  <a:schemeClr val="tx1"/>
-                </a:solidFill>
-                <a:latin typeface="Times New Roman" panose="02020603050405020304" pitchFamily="18" charset="0"/>
-                <a:cs typeface="Times New Roman" panose="02020603050405020304" pitchFamily="18" charset="0"/>
-              </a:rPr>
-              <a:t>lograd</a:t>
-            </a:r>
-            <a:r>
-              <a:rPr lang="pt-BR" sz="2000" dirty="0">
-                <a:solidFill>
-                  <a:schemeClr val="tx1"/>
-                </a:solidFill>
-                <a:latin typeface="Times New Roman" panose="02020603050405020304" pitchFamily="18" charset="0"/>
-                <a:cs typeface="Times New Roman" panose="02020603050405020304" pitchFamily="18" charset="0"/>
-              </a:rPr>
-              <a:t> = </a:t>
-            </a:r>
-            <a:r>
-              <a:rPr lang="pt-BR" sz="2000" dirty="0" err="1">
-                <a:solidFill>
-                  <a:schemeClr val="tx1"/>
-                </a:solidFill>
-                <a:latin typeface="Times New Roman" panose="02020603050405020304" pitchFamily="18" charset="0"/>
-                <a:cs typeface="Times New Roman" panose="02020603050405020304" pitchFamily="18" charset="0"/>
-              </a:rPr>
-              <a:t>objCEP.logradouro</a:t>
-            </a:r>
-            <a:r>
-              <a:rPr lang="pt-BR" sz="2000" dirty="0">
-                <a:solidFill>
-                  <a:schemeClr val="tx1"/>
-                </a:solidFill>
-                <a:latin typeface="Times New Roman" panose="02020603050405020304" pitchFamily="18" charset="0"/>
-                <a:cs typeface="Times New Roman" panose="02020603050405020304" pitchFamily="18" charset="0"/>
-              </a:rPr>
-              <a:t>; </a:t>
-            </a:r>
-            <a:r>
-              <a:rPr lang="pt-BR" sz="2000" b="1" dirty="0" err="1">
-                <a:solidFill>
-                  <a:schemeClr val="tx1"/>
-                </a:solidFill>
-                <a:latin typeface="Times New Roman" panose="02020603050405020304" pitchFamily="18" charset="0"/>
-                <a:cs typeface="Times New Roman" panose="02020603050405020304" pitchFamily="18" charset="0"/>
-              </a:rPr>
-              <a:t>let</a:t>
-            </a:r>
-            <a:r>
-              <a:rPr lang="pt-BR" sz="2000" dirty="0">
-                <a:solidFill>
-                  <a:schemeClr val="tx1"/>
-                </a:solidFill>
-                <a:latin typeface="Times New Roman" panose="02020603050405020304" pitchFamily="18" charset="0"/>
-                <a:cs typeface="Times New Roman" panose="02020603050405020304" pitchFamily="18" charset="0"/>
-              </a:rPr>
-              <a:t> cidade = </a:t>
-            </a:r>
-            <a:r>
-              <a:rPr lang="pt-BR" sz="2000" dirty="0" err="1">
-                <a:solidFill>
-                  <a:schemeClr val="tx1"/>
-                </a:solidFill>
-                <a:latin typeface="Times New Roman" panose="02020603050405020304" pitchFamily="18" charset="0"/>
-                <a:cs typeface="Times New Roman" panose="02020603050405020304" pitchFamily="18" charset="0"/>
-              </a:rPr>
-              <a:t>objCEP.bairro</a:t>
-            </a:r>
-            <a:r>
-              <a:rPr lang="pt-BR" sz="2000" dirty="0">
-                <a:solidFill>
-                  <a:schemeClr val="tx1"/>
-                </a:solidFill>
-                <a:latin typeface="Times New Roman" panose="02020603050405020304" pitchFamily="18" charset="0"/>
-                <a:cs typeface="Times New Roman" panose="02020603050405020304" pitchFamily="18" charset="0"/>
-              </a:rPr>
-              <a:t>; </a:t>
-            </a:r>
-          </a:p>
-          <a:p>
-            <a:pPr marL="447675" lvl="1" indent="0" algn="just">
-              <a:buNone/>
-            </a:pPr>
-            <a:r>
-              <a:rPr lang="pt-BR" sz="2000" dirty="0">
-                <a:solidFill>
-                  <a:schemeClr val="tx1"/>
-                </a:solidFill>
-                <a:latin typeface="Times New Roman" panose="02020603050405020304" pitchFamily="18" charset="0"/>
-                <a:cs typeface="Times New Roman" panose="02020603050405020304" pitchFamily="18" charset="0"/>
-              </a:rPr>
-              <a:t>	    </a:t>
-            </a:r>
-            <a:r>
-              <a:rPr lang="pt-BR" sz="2000" b="1" dirty="0" err="1">
-                <a:solidFill>
-                  <a:schemeClr val="tx1"/>
-                </a:solidFill>
-                <a:latin typeface="Times New Roman" panose="02020603050405020304" pitchFamily="18" charset="0"/>
-                <a:cs typeface="Times New Roman" panose="02020603050405020304" pitchFamily="18" charset="0"/>
-              </a:rPr>
-              <a:t>let</a:t>
-            </a:r>
-            <a:r>
-              <a:rPr lang="pt-BR" sz="2000" dirty="0">
-                <a:solidFill>
-                  <a:schemeClr val="tx1"/>
-                </a:solidFill>
-                <a:latin typeface="Times New Roman" panose="02020603050405020304" pitchFamily="18" charset="0"/>
-                <a:cs typeface="Times New Roman" panose="02020603050405020304" pitchFamily="18" charset="0"/>
-              </a:rPr>
-              <a:t> uf = </a:t>
-            </a:r>
-            <a:r>
-              <a:rPr lang="pt-BR" sz="2000" dirty="0" err="1">
-                <a:solidFill>
-                  <a:schemeClr val="tx1"/>
-                </a:solidFill>
-                <a:latin typeface="Times New Roman" panose="02020603050405020304" pitchFamily="18" charset="0"/>
-                <a:cs typeface="Times New Roman" panose="02020603050405020304" pitchFamily="18" charset="0"/>
-              </a:rPr>
-              <a:t>objCEP.uf</a:t>
-            </a:r>
-            <a:r>
-              <a:rPr lang="pt-BR" sz="2000" dirty="0">
-                <a:solidFill>
-                  <a:schemeClr val="tx1"/>
-                </a:solidFill>
-                <a:latin typeface="Times New Roman" panose="02020603050405020304" pitchFamily="18" charset="0"/>
-                <a:cs typeface="Times New Roman" panose="02020603050405020304" pitchFamily="18" charset="0"/>
-              </a:rPr>
-              <a:t>;</a:t>
-            </a:r>
-          </a:p>
-          <a:p>
-            <a:pPr marL="447675" lvl="1" indent="0" algn="just">
-              <a:buNone/>
-            </a:pPr>
-            <a:r>
-              <a:rPr lang="pt-BR" sz="2000" dirty="0">
-                <a:solidFill>
-                  <a:schemeClr val="tx1"/>
-                </a:solidFill>
-                <a:latin typeface="Times New Roman" panose="02020603050405020304" pitchFamily="18" charset="0"/>
-                <a:cs typeface="Times New Roman" panose="02020603050405020304" pitchFamily="18" charset="0"/>
-              </a:rPr>
-              <a:t>	    </a:t>
-            </a:r>
-            <a:r>
-              <a:rPr lang="pt-BR" sz="2000" b="1" dirty="0" err="1">
-                <a:solidFill>
-                  <a:schemeClr val="tx1"/>
-                </a:solidFill>
-                <a:latin typeface="Times New Roman" panose="02020603050405020304" pitchFamily="18" charset="0"/>
-                <a:cs typeface="Times New Roman" panose="02020603050405020304" pitchFamily="18" charset="0"/>
-              </a:rPr>
-              <a:t>document</a:t>
-            </a:r>
-            <a:r>
-              <a:rPr lang="pt-BR" sz="2000" dirty="0" err="1">
-                <a:solidFill>
-                  <a:schemeClr val="tx1"/>
-                </a:solidFill>
-                <a:latin typeface="Times New Roman" panose="02020603050405020304" pitchFamily="18" charset="0"/>
-                <a:cs typeface="Times New Roman" panose="02020603050405020304" pitchFamily="18" charset="0"/>
-              </a:rPr>
-              <a:t>.</a:t>
-            </a:r>
-            <a:r>
-              <a:rPr lang="pt-BR" sz="2000" b="1" dirty="0" err="1">
-                <a:solidFill>
-                  <a:srgbClr val="FF0000"/>
-                </a:solidFill>
-                <a:latin typeface="Times New Roman" panose="02020603050405020304" pitchFamily="18" charset="0"/>
-                <a:cs typeface="Times New Roman" panose="02020603050405020304" pitchFamily="18" charset="0"/>
-              </a:rPr>
-              <a:t>getElementById</a:t>
-            </a:r>
-            <a:r>
-              <a:rPr lang="pt-BR" sz="2000" dirty="0">
-                <a:solidFill>
-                  <a:schemeClr val="tx1"/>
-                </a:solidFill>
-                <a:latin typeface="Times New Roman" panose="02020603050405020304" pitchFamily="18" charset="0"/>
-                <a:cs typeface="Times New Roman" panose="02020603050405020304" pitchFamily="18" charset="0"/>
-              </a:rPr>
-              <a:t>("</a:t>
-            </a:r>
-            <a:r>
-              <a:rPr lang="pt-BR" sz="2000" b="1" dirty="0" err="1">
-                <a:solidFill>
-                  <a:srgbClr val="FF0000"/>
-                </a:solidFill>
-                <a:latin typeface="Times New Roman" panose="02020603050405020304" pitchFamily="18" charset="0"/>
-                <a:cs typeface="Times New Roman" panose="02020603050405020304" pitchFamily="18" charset="0"/>
-              </a:rPr>
-              <a:t>idArea</a:t>
-            </a:r>
-            <a:r>
-              <a:rPr lang="pt-BR" sz="2000" dirty="0">
-                <a:solidFill>
-                  <a:schemeClr val="tx1"/>
-                </a:solidFill>
-                <a:latin typeface="Times New Roman" panose="02020603050405020304" pitchFamily="18" charset="0"/>
-                <a:cs typeface="Times New Roman" panose="02020603050405020304" pitchFamily="18" charset="0"/>
-              </a:rPr>
-              <a:t>").</a:t>
-            </a:r>
-            <a:r>
-              <a:rPr lang="pt-BR" sz="2000" dirty="0" err="1">
-                <a:solidFill>
-                  <a:schemeClr val="tx1"/>
-                </a:solidFill>
-                <a:latin typeface="Times New Roman" panose="02020603050405020304" pitchFamily="18" charset="0"/>
-                <a:cs typeface="Times New Roman" panose="02020603050405020304" pitchFamily="18" charset="0"/>
-              </a:rPr>
-              <a:t>innerHTML</a:t>
-            </a:r>
-            <a:r>
-              <a:rPr lang="pt-BR" sz="2000" dirty="0">
-                <a:solidFill>
-                  <a:schemeClr val="tx1"/>
-                </a:solidFill>
-                <a:latin typeface="Times New Roman" panose="02020603050405020304" pitchFamily="18" charset="0"/>
-                <a:cs typeface="Times New Roman" panose="02020603050405020304" pitchFamily="18" charset="0"/>
-              </a:rPr>
-              <a:t> = </a:t>
-            </a:r>
-            <a:r>
-              <a:rPr lang="pt-BR" sz="2000" dirty="0" err="1">
-                <a:solidFill>
-                  <a:schemeClr val="tx1"/>
-                </a:solidFill>
-                <a:latin typeface="Times New Roman" panose="02020603050405020304" pitchFamily="18" charset="0"/>
-                <a:cs typeface="Times New Roman" panose="02020603050405020304" pitchFamily="18" charset="0"/>
-              </a:rPr>
-              <a:t>lograd</a:t>
-            </a:r>
-            <a:r>
-              <a:rPr lang="pt-BR" sz="2000" dirty="0">
-                <a:solidFill>
-                  <a:schemeClr val="tx1"/>
-                </a:solidFill>
-                <a:latin typeface="Times New Roman" panose="02020603050405020304" pitchFamily="18" charset="0"/>
-                <a:cs typeface="Times New Roman" panose="02020603050405020304" pitchFamily="18" charset="0"/>
-              </a:rPr>
-              <a:t> + bairro + uf;}}</a:t>
+              <a:t>&gt;UF: " +uf  }}</a:t>
             </a:r>
           </a:p>
         </p:txBody>
@@ -21321,7 +21397,7 @@
                 <a:latin typeface="Times New Roman" panose="02020603050405020304" pitchFamily="18" charset="0"/>
                 <a:cs typeface="Times New Roman" panose="02020603050405020304" pitchFamily="18" charset="0"/>
               </a:rPr>
-              <a:t>);</a:t>
+              <a:t>)</a:t>
             </a:r>
           </a:p>
           <a:p>
@@ -21398,6 +21474,18 @@
               </a:rPr>
               <a:t>body</a:t>
             </a:r>
+            <a:endParaRPr lang="pt-BR" sz="2000" dirty="0">
+              <a:solidFill>
+                <a:schemeClr val="tx1"/>
+              </a:solidFill>
+              <a:latin typeface="Times New Roman" panose="02020603050405020304" pitchFamily="18" charset="0"/>
+              <a:cs typeface="Times New Roman" panose="02020603050405020304" pitchFamily="18" charset="0"/>
+            </a:endParaRPr>
+          </a:p>
+          <a:p>
+            <a:pPr marL="0" indent="0" algn="just">
+              <a:buNone/>
+            </a:pPr>
             <a:r>
               <a:rPr lang="pt-BR" sz="2000" dirty="0">
                 <a:solidFill>
@@ -21406,13 +21494,18 @@
                 <a:latin typeface="Times New Roman" panose="02020603050405020304" pitchFamily="18" charset="0"/>
                 <a:cs typeface="Times New Roman" panose="02020603050405020304" pitchFamily="18" charset="0"/>
               </a:rPr>
-              <a:t>;</a:t>
-            </a:r>
-          </a:p>
-          <a:p>
-            <a:pPr marL="0" indent="0" algn="just">
-              <a:buNone/>
-            </a:pPr>
+              <a:t>			</a:t>
+            </a:r>
+            <a:r>
+              <a:rPr lang="pt-BR" sz="2000" b="1" dirty="0" err="1">
+                <a:solidFill>
+                  <a:schemeClr val="tx1"/>
+                </a:solidFill>
+                <a:latin typeface="Times New Roman" panose="02020603050405020304" pitchFamily="18" charset="0"/>
+                <a:cs typeface="Times New Roman" panose="02020603050405020304" pitchFamily="18" charset="0"/>
+              </a:rPr>
+              <a:t>let</a:t>
+            </a:r>
             <a:r>
               <a:rPr lang="pt-BR" sz="2000" dirty="0">
                 <a:solidFill>
@@ -21421,17 +21514,87 @@
                 <a:latin typeface="Times New Roman" panose="02020603050405020304" pitchFamily="18" charset="0"/>
                 <a:cs typeface="Times New Roman" panose="02020603050405020304" pitchFamily="18" charset="0"/>
               </a:rPr>
+              <a:t> titulo = </a:t>
+            </a:r>
+            <a:r>
+              <a:rPr lang="pt-BR" sz="2000" dirty="0" err="1">
+                <a:solidFill>
+                  <a:schemeClr val="tx1"/>
+                </a:solidFill>
+                <a:latin typeface="Times New Roman" panose="02020603050405020304" pitchFamily="18" charset="0"/>
+                <a:cs typeface="Times New Roman" panose="02020603050405020304" pitchFamily="18" charset="0"/>
+              </a:rPr>
+              <a:t>document.</a:t>
+            </a:r>
+            <a:r>
+              <a:rPr lang="pt-BR" sz="2000" b="1" dirty="0" err="1">
+                <a:solidFill>
+                  <a:schemeClr val="tx1"/>
+                </a:solidFill>
+                <a:latin typeface="Times New Roman" panose="02020603050405020304" pitchFamily="18" charset="0"/>
+                <a:cs typeface="Times New Roman" panose="02020603050405020304" pitchFamily="18" charset="0"/>
+              </a:rPr>
+              <a:t>createElement</a:t>
+            </a:r>
+            <a:r>
+              <a:rPr lang="pt-BR" sz="2000" dirty="0">
+                <a:solidFill>
+                  <a:schemeClr val="tx1"/>
+                </a:solidFill>
+                <a:latin typeface="Times New Roman" panose="02020603050405020304" pitchFamily="18" charset="0"/>
+                <a:cs typeface="Times New Roman" panose="02020603050405020304" pitchFamily="18" charset="0"/>
+              </a:rPr>
+              <a:t>('h1')</a:t>
+            </a:r>
+          </a:p>
+          <a:p>
+            <a:pPr marL="0" indent="0" algn="just">
+              <a:buNone/>
+            </a:pPr>
+            <a:r>
+              <a:rPr lang="pt-BR" sz="2000" dirty="0">
+                <a:solidFill>
+                  <a:schemeClr val="tx1"/>
+                </a:solidFill>
+                <a:latin typeface="Times New Roman" panose="02020603050405020304" pitchFamily="18" charset="0"/>
+                <a:cs typeface="Times New Roman" panose="02020603050405020304" pitchFamily="18" charset="0"/>
+              </a:rPr>
+              <a:t>			// Inserir (anexar) o elemento filho (titulo) ao elemento pai (body)</a:t>
+            </a:r>
+          </a:p>
+          <a:p>
+            <a:pPr marL="0" indent="0" algn="just">
+              <a:buNone/>
+            </a:pPr>
+            <a:r>
+              <a:rPr lang="pt-BR" sz="2000" dirty="0">
+                <a:solidFill>
+                  <a:schemeClr val="tx1"/>
+                </a:solidFill>
+                <a:latin typeface="Times New Roman" panose="02020603050405020304" pitchFamily="18" charset="0"/>
+                <a:cs typeface="Times New Roman" panose="02020603050405020304" pitchFamily="18" charset="0"/>
+              </a:rPr>
               <a:t>			</a:t>
             </a:r>
             <a:r>
               <a:rPr lang="pt-BR" sz="2000" b="1" dirty="0" err="1">
                 <a:solidFill>
-                  <a:schemeClr val="tx1"/>
-                </a:solidFill>
-                <a:latin typeface="Times New Roman" panose="02020603050405020304" pitchFamily="18" charset="0"/>
-                <a:cs typeface="Times New Roman" panose="02020603050405020304" pitchFamily="18" charset="0"/>
-              </a:rPr>
-              <a:t>let</a:t>
+                  <a:srgbClr val="FF0000"/>
+                </a:solidFill>
+                <a:latin typeface="Times New Roman" panose="02020603050405020304" pitchFamily="18" charset="0"/>
+                <a:cs typeface="Times New Roman" panose="02020603050405020304" pitchFamily="18" charset="0"/>
+              </a:rPr>
+              <a:t>elemento_pai</a:t>
+            </a:r>
+            <a:r>
+              <a:rPr lang="pt-BR" sz="2000" dirty="0" err="1">
+                <a:solidFill>
+                  <a:schemeClr val="tx1"/>
+                </a:solidFill>
+                <a:latin typeface="Times New Roman" panose="02020603050405020304" pitchFamily="18" charset="0"/>
+                <a:cs typeface="Times New Roman" panose="02020603050405020304" pitchFamily="18" charset="0"/>
+              </a:rPr>
+              <a:t>.appendChild</a:t>
             </a:r>
             <a:r>
               <a:rPr lang="pt-BR" sz="2000" dirty="0">
@@ -21441,97 +21604,7 @@
                 <a:latin typeface="Times New Roman" panose="02020603050405020304" pitchFamily="18" charset="0"/>
                 <a:cs typeface="Times New Roman" panose="02020603050405020304" pitchFamily="18" charset="0"/>
               </a:rPr>
-              <a:t> titulo = </a:t>
-            </a:r>
-            <a:r>
-              <a:rPr lang="pt-BR" sz="2000" dirty="0" err="1">
-                <a:solidFill>
-                  <a:schemeClr val="tx1"/>
-                </a:solidFill>
-                <a:latin typeface="Times New Roman" panose="02020603050405020304" pitchFamily="18" charset="0"/>
-                <a:cs typeface="Times New Roman" panose="02020603050405020304" pitchFamily="18" charset="0"/>
-              </a:rPr>
-              <a:t>document.</a:t>
-            </a:r>
-            <a:r>
-              <a:rPr lang="pt-BR" sz="2000" b="1" dirty="0" err="1">
-                <a:solidFill>
-                  <a:schemeClr val="tx1"/>
-                </a:solidFill>
-                <a:latin typeface="Times New Roman" panose="02020603050405020304" pitchFamily="18" charset="0"/>
-                <a:cs typeface="Times New Roman" panose="02020603050405020304" pitchFamily="18" charset="0"/>
-              </a:rPr>
-              <a:t>createElement</a:t>
-            </a:r>
-            <a:r>
-              <a:rPr lang="pt-BR" sz="2000" dirty="0">
-                <a:solidFill>
-                  <a:schemeClr val="tx1"/>
-                </a:solidFill>
-                <a:latin typeface="Times New Roman" panose="02020603050405020304" pitchFamily="18" charset="0"/>
-                <a:cs typeface="Times New Roman" panose="02020603050405020304" pitchFamily="18" charset="0"/>
-              </a:rPr>
-              <a:t>('h1');	</a:t>
-            </a:r>
-          </a:p>
-          <a:p>
-            <a:pPr marL="0" indent="0" algn="just">
-              <a:buNone/>
-            </a:pPr>
-            <a:r>
-              <a:rPr lang="pt-BR" sz="2000" dirty="0">
-                <a:solidFill>
-                  <a:schemeClr val="tx1"/>
-                </a:solidFill>
-                <a:latin typeface="Times New Roman" panose="02020603050405020304" pitchFamily="18" charset="0"/>
-                <a:cs typeface="Times New Roman" panose="02020603050405020304" pitchFamily="18" charset="0"/>
-              </a:rPr>
-              <a:t>			// Inserir (anexar) o elemento filho (titulo) ao elemento pai (body)</a:t>
-            </a:r>
-          </a:p>
-          <a:p>
-            <a:pPr marL="0" indent="0" algn="just">
-              <a:buNone/>
-            </a:pPr>
-            <a:r>
-              <a:rPr lang="pt-BR" sz="2000" dirty="0">
-                <a:solidFill>
-                  <a:schemeClr val="tx1"/>
-                </a:solidFill>
-                <a:latin typeface="Times New Roman" panose="02020603050405020304" pitchFamily="18" charset="0"/>
-                <a:cs typeface="Times New Roman" panose="02020603050405020304" pitchFamily="18" charset="0"/>
-              </a:rPr>
-              <a:t>			</a:t>
-            </a:r>
-            <a:r>
-              <a:rPr lang="pt-BR" sz="2000" b="1" dirty="0" err="1">
-                <a:solidFill>
-                  <a:srgbClr val="FF0000"/>
-                </a:solidFill>
-                <a:latin typeface="Times New Roman" panose="02020603050405020304" pitchFamily="18" charset="0"/>
-                <a:cs typeface="Times New Roman" panose="02020603050405020304" pitchFamily="18" charset="0"/>
-              </a:rPr>
-              <a:t>elemento_pai</a:t>
-            </a:r>
-            <a:r>
-              <a:rPr lang="pt-BR" sz="2000" dirty="0" err="1">
-                <a:solidFill>
-                  <a:schemeClr val="tx1"/>
-                </a:solidFill>
-                <a:latin typeface="Times New Roman" panose="02020603050405020304" pitchFamily="18" charset="0"/>
-                <a:cs typeface="Times New Roman" panose="02020603050405020304" pitchFamily="18" charset="0"/>
-              </a:rPr>
-              <a:t>.appendChild</a:t>
-            </a:r>
-            <a:r>
-              <a:rPr lang="pt-BR" sz="2000" dirty="0">
-                <a:solidFill>
-                  <a:schemeClr val="tx1"/>
-                </a:solidFill>
-                <a:latin typeface="Times New Roman" panose="02020603050405020304" pitchFamily="18" charset="0"/>
-                <a:cs typeface="Times New Roman" panose="02020603050405020304" pitchFamily="18" charset="0"/>
-              </a:rPr>
-              <a:t>(titulo);</a:t>
+              <a:t>(titulo)</a:t>
             </a:r>
           </a:p>
           <a:p>
